--- a/BaoCaoTLCN.pptx
+++ b/BaoCaoTLCN.pptx
@@ -10,14 +10,15 @@
     <p:sldId id="258" r:id="rId4"/>
     <p:sldId id="259" r:id="rId5"/>
     <p:sldId id="260" r:id="rId6"/>
-    <p:sldId id="269" r:id="rId7"/>
-    <p:sldId id="261" r:id="rId8"/>
-    <p:sldId id="263" r:id="rId9"/>
-    <p:sldId id="264" r:id="rId10"/>
-    <p:sldId id="265" r:id="rId11"/>
-    <p:sldId id="266" r:id="rId12"/>
-    <p:sldId id="267" r:id="rId13"/>
-    <p:sldId id="268" r:id="rId14"/>
+    <p:sldId id="270" r:id="rId7"/>
+    <p:sldId id="269" r:id="rId8"/>
+    <p:sldId id="261" r:id="rId9"/>
+    <p:sldId id="263" r:id="rId10"/>
+    <p:sldId id="264" r:id="rId11"/>
+    <p:sldId id="265" r:id="rId12"/>
+    <p:sldId id="266" r:id="rId13"/>
+    <p:sldId id="267" r:id="rId14"/>
+    <p:sldId id="268" r:id="rId15"/>
   </p:sldIdLst>
   <p:sldSz cx="12192000" cy="6858000"/>
   <p:notesSz cx="6858000" cy="9144000"/>
@@ -116,6 +117,11 @@
       </a:defRPr>
     </a:lvl9pPr>
   </p:defaultTextStyle>
+  <p:extLst>
+    <p:ext uri="{EFAFB233-063F-42B5-8137-9DF3F51BA10A}">
+      <p15:sldGuideLst xmlns:p15="http://schemas.microsoft.com/office/powerpoint/2012/main"/>
+    </p:ext>
+  </p:extLst>
 </p:presentation>
 </file>
 
@@ -841,7 +847,7 @@
           <a:p>
             <a:fld id="{E8E7D6E8-6FD7-41EE-9C8E-72620C8DB322}" type="datetimeFigureOut">
               <a:rPr lang="en-US" smtClean="0"/>
-              <a:t>12/10/2019</a:t>
+              <a:t>12/11/2019</a:t>
             </a:fld>
             <a:endParaRPr lang="en-US"/>
           </a:p>
@@ -1092,7 +1098,7 @@
           <a:p>
             <a:fld id="{E8E7D6E8-6FD7-41EE-9C8E-72620C8DB322}" type="datetimeFigureOut">
               <a:rPr lang="en-US" smtClean="0"/>
-              <a:t>12/10/2019</a:t>
+              <a:t>12/11/2019</a:t>
             </a:fld>
             <a:endParaRPr lang="en-US"/>
           </a:p>
@@ -1406,7 +1412,7 @@
           <a:p>
             <a:fld id="{E8E7D6E8-6FD7-41EE-9C8E-72620C8DB322}" type="datetimeFigureOut">
               <a:rPr lang="en-US" smtClean="0"/>
-              <a:t>12/10/2019</a:t>
+              <a:t>12/11/2019</a:t>
             </a:fld>
             <a:endParaRPr lang="en-US"/>
           </a:p>
@@ -1747,7 +1753,7 @@
           <a:p>
             <a:fld id="{E8E7D6E8-6FD7-41EE-9C8E-72620C8DB322}" type="datetimeFigureOut">
               <a:rPr lang="en-US" smtClean="0"/>
-              <a:t>12/10/2019</a:t>
+              <a:t>12/11/2019</a:t>
             </a:fld>
             <a:endParaRPr lang="en-US"/>
           </a:p>
@@ -2061,7 +2067,7 @@
           <a:p>
             <a:fld id="{E8E7D6E8-6FD7-41EE-9C8E-72620C8DB322}" type="datetimeFigureOut">
               <a:rPr lang="en-US" smtClean="0"/>
-              <a:t>12/10/2019</a:t>
+              <a:t>12/11/2019</a:t>
             </a:fld>
             <a:endParaRPr lang="en-US"/>
           </a:p>
@@ -2454,7 +2460,7 @@
           <a:p>
             <a:fld id="{E8E7D6E8-6FD7-41EE-9C8E-72620C8DB322}" type="datetimeFigureOut">
               <a:rPr lang="en-US" smtClean="0"/>
-              <a:t>12/10/2019</a:t>
+              <a:t>12/11/2019</a:t>
             </a:fld>
             <a:endParaRPr lang="en-US"/>
           </a:p>
@@ -2624,7 +2630,7 @@
           <a:p>
             <a:fld id="{E8E7D6E8-6FD7-41EE-9C8E-72620C8DB322}" type="datetimeFigureOut">
               <a:rPr lang="en-US" smtClean="0"/>
-              <a:t>12/10/2019</a:t>
+              <a:t>12/11/2019</a:t>
             </a:fld>
             <a:endParaRPr lang="en-US"/>
           </a:p>
@@ -2804,7 +2810,7 @@
           <a:p>
             <a:fld id="{E8E7D6E8-6FD7-41EE-9C8E-72620C8DB322}" type="datetimeFigureOut">
               <a:rPr lang="en-US" smtClean="0"/>
-              <a:t>12/10/2019</a:t>
+              <a:t>12/11/2019</a:t>
             </a:fld>
             <a:endParaRPr lang="en-US"/>
           </a:p>
@@ -2980,7 +2986,7 @@
           <a:p>
             <a:fld id="{E8E7D6E8-6FD7-41EE-9C8E-72620C8DB322}" type="datetimeFigureOut">
               <a:rPr lang="en-US" smtClean="0"/>
-              <a:t>12/10/2019</a:t>
+              <a:t>12/11/2019</a:t>
             </a:fld>
             <a:endParaRPr lang="en-US"/>
           </a:p>
@@ -3227,7 +3233,7 @@
           <a:p>
             <a:fld id="{E8E7D6E8-6FD7-41EE-9C8E-72620C8DB322}" type="datetimeFigureOut">
               <a:rPr lang="en-US" smtClean="0"/>
-              <a:t>12/10/2019</a:t>
+              <a:t>12/11/2019</a:t>
             </a:fld>
             <a:endParaRPr lang="en-US"/>
           </a:p>
@@ -3459,7 +3465,7 @@
           <a:p>
             <a:fld id="{E8E7D6E8-6FD7-41EE-9C8E-72620C8DB322}" type="datetimeFigureOut">
               <a:rPr lang="en-US" smtClean="0"/>
-              <a:t>12/10/2019</a:t>
+              <a:t>12/11/2019</a:t>
             </a:fld>
             <a:endParaRPr lang="en-US"/>
           </a:p>
@@ -3833,7 +3839,7 @@
           <a:p>
             <a:fld id="{E8E7D6E8-6FD7-41EE-9C8E-72620C8DB322}" type="datetimeFigureOut">
               <a:rPr lang="en-US" smtClean="0"/>
-              <a:t>12/10/2019</a:t>
+              <a:t>12/11/2019</a:t>
             </a:fld>
             <a:endParaRPr lang="en-US"/>
           </a:p>
@@ -3956,7 +3962,7 @@
           <a:p>
             <a:fld id="{E8E7D6E8-6FD7-41EE-9C8E-72620C8DB322}" type="datetimeFigureOut">
               <a:rPr lang="en-US" smtClean="0"/>
-              <a:t>12/10/2019</a:t>
+              <a:t>12/11/2019</a:t>
             </a:fld>
             <a:endParaRPr lang="en-US"/>
           </a:p>
@@ -4051,7 +4057,7 @@
           <a:p>
             <a:fld id="{E8E7D6E8-6FD7-41EE-9C8E-72620C8DB322}" type="datetimeFigureOut">
               <a:rPr lang="en-US" smtClean="0"/>
-              <a:t>12/10/2019</a:t>
+              <a:t>12/11/2019</a:t>
             </a:fld>
             <a:endParaRPr lang="en-US"/>
           </a:p>
@@ -4306,7 +4312,7 @@
           <a:p>
             <a:fld id="{E8E7D6E8-6FD7-41EE-9C8E-72620C8DB322}" type="datetimeFigureOut">
               <a:rPr lang="en-US" smtClean="0"/>
-              <a:t>12/10/2019</a:t>
+              <a:t>12/11/2019</a:t>
             </a:fld>
             <a:endParaRPr lang="en-US"/>
           </a:p>
@@ -4569,7 +4575,7 @@
           <a:p>
             <a:fld id="{E8E7D6E8-6FD7-41EE-9C8E-72620C8DB322}" type="datetimeFigureOut">
               <a:rPr lang="en-US" smtClean="0"/>
-              <a:t>12/10/2019</a:t>
+              <a:t>12/11/2019</a:t>
             </a:fld>
             <a:endParaRPr lang="en-US"/>
           </a:p>
@@ -5312,7 +5318,7 @@
           <a:p>
             <a:fld id="{E8E7D6E8-6FD7-41EE-9C8E-72620C8DB322}" type="datetimeFigureOut">
               <a:rPr lang="en-US" smtClean="0"/>
-              <a:t>12/10/2019</a:t>
+              <a:t>12/11/2019</a:t>
             </a:fld>
             <a:endParaRPr lang="en-US"/>
           </a:p>
@@ -6282,24 +6288,29 @@
             <p:ph type="title"/>
           </p:nvPr>
         </p:nvSpPr>
-        <p:spPr/>
+        <p:spPr>
+          <a:xfrm>
+            <a:off x="677334" y="609600"/>
+            <a:ext cx="8596668" cy="1000259"/>
+          </a:xfrm>
+        </p:spPr>
         <p:txBody>
           <a:bodyPr/>
           <a:lstStyle/>
           <a:p>
             <a:r>
-              <a:rPr lang="en-US" dirty="0">
-                <a:latin typeface="Times New Roman" panose="02020603050405020304" pitchFamily="18" charset="0"/>
-                <a:cs typeface="Times New Roman" panose="02020603050405020304" pitchFamily="18" charset="0"/>
-              </a:rPr>
-              <a:t>4</a:t>
-            </a:r>
-            <a:r>
               <a:rPr lang="en-US" dirty="0" smtClean="0">
                 <a:latin typeface="Times New Roman" panose="02020603050405020304" pitchFamily="18" charset="0"/>
                 <a:cs typeface="Times New Roman" panose="02020603050405020304" pitchFamily="18" charset="0"/>
               </a:rPr>
-              <a:t>. TỔNG KẾT &amp; HƯỚNG PHÁT TRIỂN</a:t>
+              <a:t>3. </a:t>
+            </a:r>
+            <a:r>
+              <a:rPr lang="en-US" dirty="0">
+                <a:latin typeface="Times New Roman" panose="02020603050405020304" pitchFamily="18" charset="0"/>
+                <a:cs typeface="Times New Roman" panose="02020603050405020304" pitchFamily="18" charset="0"/>
+              </a:rPr>
+              <a:t>HIỆN THƯC HỆ THỐNG</a:t>
             </a:r>
             <a:endParaRPr lang="en-US" dirty="0"/>
           </a:p>
@@ -6317,8 +6328,8 @@
         </p:nvSpPr>
         <p:spPr>
           <a:xfrm>
-            <a:off x="677334" y="2096194"/>
-            <a:ext cx="8596668" cy="3880773"/>
+            <a:off x="677334" y="1609859"/>
+            <a:ext cx="8596668" cy="4721476"/>
           </a:xfrm>
         </p:spPr>
         <p:txBody>
@@ -6333,1698 +6344,172 @@
                 <a:latin typeface="Times New Roman" panose="02020603050405020304" pitchFamily="18" charset="0"/>
                 <a:cs typeface="Times New Roman" panose="02020603050405020304" pitchFamily="18" charset="0"/>
               </a:rPr>
-              <a:t>CÁC CÔNG VIỆC ĐÃ THỰC HIỆN:</a:t>
-            </a:r>
-            <a:endParaRPr lang="en-US" b="1" dirty="0">
-              <a:solidFill>
-                <a:schemeClr val="tx1"/>
-              </a:solidFill>
-              <a:latin typeface="Times New Roman" panose="02020603050405020304" pitchFamily="18" charset="0"/>
-              <a:cs typeface="Times New Roman" panose="02020603050405020304" pitchFamily="18" charset="0"/>
-            </a:endParaRPr>
-          </a:p>
-          <a:p>
-            <a:pPr marL="0" indent="0">
-              <a:buNone/>
-            </a:pPr>
-            <a:r>
-              <a:rPr lang="en-US" dirty="0">
-                <a:solidFill>
-                  <a:schemeClr val="tx1"/>
-                </a:solidFill>
-                <a:latin typeface="Times New Roman" panose="02020603050405020304" pitchFamily="18" charset="0"/>
-                <a:cs typeface="Times New Roman" panose="02020603050405020304" pitchFamily="18" charset="0"/>
-              </a:rPr>
-              <a:t>- </a:t>
-            </a:r>
-            <a:r>
-              <a:rPr lang="en-US" dirty="0" err="1">
-                <a:solidFill>
-                  <a:schemeClr val="tx1"/>
-                </a:solidFill>
-                <a:latin typeface="Times New Roman" panose="02020603050405020304" pitchFamily="18" charset="0"/>
-                <a:cs typeface="Times New Roman" panose="02020603050405020304" pitchFamily="18" charset="0"/>
-              </a:rPr>
-              <a:t>Nghiên</a:t>
-            </a:r>
-            <a:r>
-              <a:rPr lang="en-US" dirty="0">
-                <a:solidFill>
-                  <a:schemeClr val="tx1"/>
-                </a:solidFill>
-                <a:latin typeface="Times New Roman" panose="02020603050405020304" pitchFamily="18" charset="0"/>
-                <a:cs typeface="Times New Roman" panose="02020603050405020304" pitchFamily="18" charset="0"/>
-              </a:rPr>
-              <a:t> </a:t>
-            </a:r>
-            <a:r>
-              <a:rPr lang="en-US" dirty="0" err="1">
-                <a:solidFill>
-                  <a:schemeClr val="tx1"/>
-                </a:solidFill>
-                <a:latin typeface="Times New Roman" panose="02020603050405020304" pitchFamily="18" charset="0"/>
-                <a:cs typeface="Times New Roman" panose="02020603050405020304" pitchFamily="18" charset="0"/>
-              </a:rPr>
-              <a:t>cứu</a:t>
-            </a:r>
-            <a:r>
-              <a:rPr lang="en-US" dirty="0">
-                <a:solidFill>
-                  <a:schemeClr val="tx1"/>
-                </a:solidFill>
-                <a:latin typeface="Times New Roman" panose="02020603050405020304" pitchFamily="18" charset="0"/>
-                <a:cs typeface="Times New Roman" panose="02020603050405020304" pitchFamily="18" charset="0"/>
-              </a:rPr>
-              <a:t> </a:t>
-            </a:r>
-            <a:r>
-              <a:rPr lang="en-US" dirty="0" err="1">
-                <a:solidFill>
-                  <a:schemeClr val="tx1"/>
-                </a:solidFill>
-                <a:latin typeface="Times New Roman" panose="02020603050405020304" pitchFamily="18" charset="0"/>
-                <a:cs typeface="Times New Roman" panose="02020603050405020304" pitchFamily="18" charset="0"/>
-              </a:rPr>
-              <a:t>các</a:t>
-            </a:r>
-            <a:r>
-              <a:rPr lang="en-US" dirty="0">
-                <a:solidFill>
-                  <a:schemeClr val="tx1"/>
-                </a:solidFill>
-                <a:latin typeface="Times New Roman" panose="02020603050405020304" pitchFamily="18" charset="0"/>
-                <a:cs typeface="Times New Roman" panose="02020603050405020304" pitchFamily="18" charset="0"/>
-              </a:rPr>
-              <a:t> </a:t>
-            </a:r>
-            <a:r>
-              <a:rPr lang="en-US" dirty="0" err="1">
-                <a:solidFill>
-                  <a:schemeClr val="tx1"/>
-                </a:solidFill>
-                <a:latin typeface="Times New Roman" panose="02020603050405020304" pitchFamily="18" charset="0"/>
-                <a:cs typeface="Times New Roman" panose="02020603050405020304" pitchFamily="18" charset="0"/>
-              </a:rPr>
-              <a:t>mô</a:t>
-            </a:r>
-            <a:r>
-              <a:rPr lang="en-US" dirty="0">
-                <a:solidFill>
-                  <a:schemeClr val="tx1"/>
-                </a:solidFill>
-                <a:latin typeface="Times New Roman" panose="02020603050405020304" pitchFamily="18" charset="0"/>
-                <a:cs typeface="Times New Roman" panose="02020603050405020304" pitchFamily="18" charset="0"/>
-              </a:rPr>
-              <a:t> </a:t>
-            </a:r>
-            <a:r>
-              <a:rPr lang="en-US" dirty="0" err="1">
-                <a:solidFill>
-                  <a:schemeClr val="tx1"/>
-                </a:solidFill>
-                <a:latin typeface="Times New Roman" panose="02020603050405020304" pitchFamily="18" charset="0"/>
-                <a:cs typeface="Times New Roman" panose="02020603050405020304" pitchFamily="18" charset="0"/>
-              </a:rPr>
-              <a:t>hình</a:t>
-            </a:r>
-            <a:r>
-              <a:rPr lang="en-US" dirty="0">
-                <a:solidFill>
-                  <a:schemeClr val="tx1"/>
-                </a:solidFill>
-                <a:latin typeface="Times New Roman" panose="02020603050405020304" pitchFamily="18" charset="0"/>
-                <a:cs typeface="Times New Roman" panose="02020603050405020304" pitchFamily="18" charset="0"/>
-              </a:rPr>
-              <a:t> </a:t>
-            </a:r>
-            <a:r>
-              <a:rPr lang="en-US" dirty="0" err="1">
-                <a:solidFill>
-                  <a:schemeClr val="tx1"/>
-                </a:solidFill>
-                <a:latin typeface="Times New Roman" panose="02020603050405020304" pitchFamily="18" charset="0"/>
-                <a:cs typeface="Times New Roman" panose="02020603050405020304" pitchFamily="18" charset="0"/>
-              </a:rPr>
-              <a:t>để</a:t>
-            </a:r>
-            <a:r>
-              <a:rPr lang="en-US" dirty="0">
-                <a:solidFill>
-                  <a:schemeClr val="tx1"/>
-                </a:solidFill>
-                <a:latin typeface="Times New Roman" panose="02020603050405020304" pitchFamily="18" charset="0"/>
-                <a:cs typeface="Times New Roman" panose="02020603050405020304" pitchFamily="18" charset="0"/>
-              </a:rPr>
-              <a:t> </a:t>
-            </a:r>
-            <a:r>
-              <a:rPr lang="en-US" dirty="0" err="1">
-                <a:solidFill>
-                  <a:schemeClr val="tx1"/>
-                </a:solidFill>
-                <a:latin typeface="Times New Roman" panose="02020603050405020304" pitchFamily="18" charset="0"/>
-                <a:cs typeface="Times New Roman" panose="02020603050405020304" pitchFamily="18" charset="0"/>
-              </a:rPr>
-              <a:t>xử</a:t>
-            </a:r>
-            <a:r>
-              <a:rPr lang="en-US" dirty="0">
-                <a:solidFill>
-                  <a:schemeClr val="tx1"/>
-                </a:solidFill>
-                <a:latin typeface="Times New Roman" panose="02020603050405020304" pitchFamily="18" charset="0"/>
-                <a:cs typeface="Times New Roman" panose="02020603050405020304" pitchFamily="18" charset="0"/>
-              </a:rPr>
-              <a:t> </a:t>
-            </a:r>
-            <a:r>
-              <a:rPr lang="en-US" dirty="0" err="1">
-                <a:solidFill>
-                  <a:schemeClr val="tx1"/>
-                </a:solidFill>
-                <a:latin typeface="Times New Roman" panose="02020603050405020304" pitchFamily="18" charset="0"/>
-                <a:cs typeface="Times New Roman" panose="02020603050405020304" pitchFamily="18" charset="0"/>
-              </a:rPr>
-              <a:t>lý</a:t>
-            </a:r>
-            <a:r>
-              <a:rPr lang="en-US" dirty="0">
-                <a:solidFill>
-                  <a:schemeClr val="tx1"/>
-                </a:solidFill>
-                <a:latin typeface="Times New Roman" panose="02020603050405020304" pitchFamily="18" charset="0"/>
-                <a:cs typeface="Times New Roman" panose="02020603050405020304" pitchFamily="18" charset="0"/>
-              </a:rPr>
-              <a:t> </a:t>
-            </a:r>
-            <a:r>
-              <a:rPr lang="en-US" dirty="0" err="1">
-                <a:solidFill>
-                  <a:schemeClr val="tx1"/>
-                </a:solidFill>
-                <a:latin typeface="Times New Roman" panose="02020603050405020304" pitchFamily="18" charset="0"/>
-                <a:cs typeface="Times New Roman" panose="02020603050405020304" pitchFamily="18" charset="0"/>
-              </a:rPr>
-              <a:t>các</a:t>
-            </a:r>
-            <a:r>
-              <a:rPr lang="en-US" dirty="0">
-                <a:solidFill>
-                  <a:schemeClr val="tx1"/>
-                </a:solidFill>
-                <a:latin typeface="Times New Roman" panose="02020603050405020304" pitchFamily="18" charset="0"/>
-                <a:cs typeface="Times New Roman" panose="02020603050405020304" pitchFamily="18" charset="0"/>
-              </a:rPr>
-              <a:t> </a:t>
-            </a:r>
-            <a:r>
-              <a:rPr lang="en-US" dirty="0" err="1">
-                <a:solidFill>
-                  <a:schemeClr val="tx1"/>
-                </a:solidFill>
-                <a:latin typeface="Times New Roman" panose="02020603050405020304" pitchFamily="18" charset="0"/>
-                <a:cs typeface="Times New Roman" panose="02020603050405020304" pitchFamily="18" charset="0"/>
-              </a:rPr>
-              <a:t>bài</a:t>
-            </a:r>
-            <a:r>
-              <a:rPr lang="en-US" dirty="0">
-                <a:solidFill>
-                  <a:schemeClr val="tx1"/>
-                </a:solidFill>
-                <a:latin typeface="Times New Roman" panose="02020603050405020304" pitchFamily="18" charset="0"/>
-                <a:cs typeface="Times New Roman" panose="02020603050405020304" pitchFamily="18" charset="0"/>
-              </a:rPr>
-              <a:t> </a:t>
-            </a:r>
-            <a:r>
-              <a:rPr lang="en-US" dirty="0" err="1">
-                <a:solidFill>
-                  <a:schemeClr val="tx1"/>
-                </a:solidFill>
-                <a:latin typeface="Times New Roman" panose="02020603050405020304" pitchFamily="18" charset="0"/>
-                <a:cs typeface="Times New Roman" panose="02020603050405020304" pitchFamily="18" charset="0"/>
-              </a:rPr>
-              <a:t>toán</a:t>
-            </a:r>
-            <a:r>
-              <a:rPr lang="en-US" dirty="0">
-                <a:solidFill>
-                  <a:schemeClr val="tx1"/>
-                </a:solidFill>
-                <a:latin typeface="Times New Roman" panose="02020603050405020304" pitchFamily="18" charset="0"/>
-                <a:cs typeface="Times New Roman" panose="02020603050405020304" pitchFamily="18" charset="0"/>
-              </a:rPr>
-              <a:t> </a:t>
-            </a:r>
-            <a:r>
-              <a:rPr lang="en-US" dirty="0" err="1">
-                <a:solidFill>
-                  <a:schemeClr val="tx1"/>
-                </a:solidFill>
-                <a:latin typeface="Times New Roman" panose="02020603050405020304" pitchFamily="18" charset="0"/>
-                <a:cs typeface="Times New Roman" panose="02020603050405020304" pitchFamily="18" charset="0"/>
-              </a:rPr>
-              <a:t>xử</a:t>
-            </a:r>
-            <a:r>
-              <a:rPr lang="en-US" dirty="0">
-                <a:solidFill>
-                  <a:schemeClr val="tx1"/>
-                </a:solidFill>
-                <a:latin typeface="Times New Roman" panose="02020603050405020304" pitchFamily="18" charset="0"/>
-                <a:cs typeface="Times New Roman" panose="02020603050405020304" pitchFamily="18" charset="0"/>
-              </a:rPr>
-              <a:t> </a:t>
-            </a:r>
-            <a:r>
-              <a:rPr lang="en-US" dirty="0" err="1">
-                <a:solidFill>
-                  <a:schemeClr val="tx1"/>
-                </a:solidFill>
-                <a:latin typeface="Times New Roman" panose="02020603050405020304" pitchFamily="18" charset="0"/>
-                <a:cs typeface="Times New Roman" panose="02020603050405020304" pitchFamily="18" charset="0"/>
-              </a:rPr>
-              <a:t>lý</a:t>
-            </a:r>
-            <a:r>
-              <a:rPr lang="en-US" dirty="0">
-                <a:solidFill>
-                  <a:schemeClr val="tx1"/>
-                </a:solidFill>
-                <a:latin typeface="Times New Roman" panose="02020603050405020304" pitchFamily="18" charset="0"/>
-                <a:cs typeface="Times New Roman" panose="02020603050405020304" pitchFamily="18" charset="0"/>
-              </a:rPr>
-              <a:t> </a:t>
-            </a:r>
-            <a:r>
-              <a:rPr lang="en-US" dirty="0" err="1">
-                <a:solidFill>
-                  <a:schemeClr val="tx1"/>
-                </a:solidFill>
-                <a:latin typeface="Times New Roman" panose="02020603050405020304" pitchFamily="18" charset="0"/>
-                <a:cs typeface="Times New Roman" panose="02020603050405020304" pitchFamily="18" charset="0"/>
-              </a:rPr>
-              <a:t>hình</a:t>
-            </a:r>
-            <a:r>
-              <a:rPr lang="en-US" dirty="0">
-                <a:solidFill>
-                  <a:schemeClr val="tx1"/>
-                </a:solidFill>
-                <a:latin typeface="Times New Roman" panose="02020603050405020304" pitchFamily="18" charset="0"/>
-                <a:cs typeface="Times New Roman" panose="02020603050405020304" pitchFamily="18" charset="0"/>
-              </a:rPr>
-              <a:t> </a:t>
-            </a:r>
-            <a:r>
-              <a:rPr lang="en-US" dirty="0" err="1">
-                <a:solidFill>
-                  <a:schemeClr val="tx1"/>
-                </a:solidFill>
-                <a:latin typeface="Times New Roman" panose="02020603050405020304" pitchFamily="18" charset="0"/>
-                <a:cs typeface="Times New Roman" panose="02020603050405020304" pitchFamily="18" charset="0"/>
-              </a:rPr>
-              <a:t>ảnh</a:t>
-            </a:r>
-            <a:r>
-              <a:rPr lang="en-US" dirty="0">
-                <a:solidFill>
-                  <a:schemeClr val="tx1"/>
-                </a:solidFill>
-                <a:latin typeface="Times New Roman" panose="02020603050405020304" pitchFamily="18" charset="0"/>
-                <a:cs typeface="Times New Roman" panose="02020603050405020304" pitchFamily="18" charset="0"/>
-              </a:rPr>
-              <a:t>, </a:t>
-            </a:r>
-            <a:r>
-              <a:rPr lang="en-US" dirty="0" err="1">
-                <a:solidFill>
-                  <a:schemeClr val="tx1"/>
-                </a:solidFill>
-                <a:latin typeface="Times New Roman" panose="02020603050405020304" pitchFamily="18" charset="0"/>
-                <a:cs typeface="Times New Roman" panose="02020603050405020304" pitchFamily="18" charset="0"/>
-              </a:rPr>
-              <a:t>văn</a:t>
-            </a:r>
-            <a:r>
-              <a:rPr lang="en-US" dirty="0">
-                <a:solidFill>
-                  <a:schemeClr val="tx1"/>
-                </a:solidFill>
-                <a:latin typeface="Times New Roman" panose="02020603050405020304" pitchFamily="18" charset="0"/>
-                <a:cs typeface="Times New Roman" panose="02020603050405020304" pitchFamily="18" charset="0"/>
-              </a:rPr>
-              <a:t> </a:t>
-            </a:r>
-            <a:r>
-              <a:rPr lang="en-US" dirty="0" err="1">
-                <a:solidFill>
-                  <a:schemeClr val="tx1"/>
-                </a:solidFill>
-                <a:latin typeface="Times New Roman" panose="02020603050405020304" pitchFamily="18" charset="0"/>
-                <a:cs typeface="Times New Roman" panose="02020603050405020304" pitchFamily="18" charset="0"/>
-              </a:rPr>
-              <a:t>bản</a:t>
-            </a:r>
-            <a:r>
-              <a:rPr lang="en-US" dirty="0">
-                <a:solidFill>
-                  <a:schemeClr val="tx1"/>
-                </a:solidFill>
-                <a:latin typeface="Times New Roman" panose="02020603050405020304" pitchFamily="18" charset="0"/>
-                <a:cs typeface="Times New Roman" panose="02020603050405020304" pitchFamily="18" charset="0"/>
-              </a:rPr>
-              <a:t> </a:t>
-            </a:r>
-            <a:r>
-              <a:rPr lang="en-US" dirty="0" err="1">
-                <a:solidFill>
-                  <a:schemeClr val="tx1"/>
-                </a:solidFill>
-                <a:latin typeface="Times New Roman" panose="02020603050405020304" pitchFamily="18" charset="0"/>
-                <a:cs typeface="Times New Roman" panose="02020603050405020304" pitchFamily="18" charset="0"/>
-              </a:rPr>
-              <a:t>trong</a:t>
-            </a:r>
-            <a:r>
-              <a:rPr lang="en-US" dirty="0">
-                <a:solidFill>
-                  <a:schemeClr val="tx1"/>
-                </a:solidFill>
-                <a:latin typeface="Times New Roman" panose="02020603050405020304" pitchFamily="18" charset="0"/>
-                <a:cs typeface="Times New Roman" panose="02020603050405020304" pitchFamily="18" charset="0"/>
-              </a:rPr>
-              <a:t> Deep Learning, Machine Learning. </a:t>
-            </a:r>
-          </a:p>
-          <a:p>
-            <a:pPr marL="0" indent="0">
-              <a:buNone/>
-            </a:pPr>
-            <a:r>
-              <a:rPr lang="en-US" dirty="0">
-                <a:solidFill>
-                  <a:schemeClr val="tx1"/>
-                </a:solidFill>
-                <a:latin typeface="Times New Roman" panose="02020603050405020304" pitchFamily="18" charset="0"/>
-                <a:cs typeface="Times New Roman" panose="02020603050405020304" pitchFamily="18" charset="0"/>
-              </a:rPr>
-              <a:t>- </a:t>
-            </a:r>
-            <a:r>
-              <a:rPr lang="en-US" dirty="0" err="1">
-                <a:solidFill>
-                  <a:schemeClr val="tx1"/>
-                </a:solidFill>
-                <a:latin typeface="Times New Roman" panose="02020603050405020304" pitchFamily="18" charset="0"/>
-                <a:cs typeface="Times New Roman" panose="02020603050405020304" pitchFamily="18" charset="0"/>
-              </a:rPr>
-              <a:t>Tìm</a:t>
-            </a:r>
-            <a:r>
-              <a:rPr lang="en-US" dirty="0">
-                <a:solidFill>
-                  <a:schemeClr val="tx1"/>
-                </a:solidFill>
-                <a:latin typeface="Times New Roman" panose="02020603050405020304" pitchFamily="18" charset="0"/>
-                <a:cs typeface="Times New Roman" panose="02020603050405020304" pitchFamily="18" charset="0"/>
-              </a:rPr>
-              <a:t> </a:t>
-            </a:r>
-            <a:r>
-              <a:rPr lang="en-US" dirty="0" err="1">
-                <a:solidFill>
-                  <a:schemeClr val="tx1"/>
-                </a:solidFill>
-                <a:latin typeface="Times New Roman" panose="02020603050405020304" pitchFamily="18" charset="0"/>
-                <a:cs typeface="Times New Roman" panose="02020603050405020304" pitchFamily="18" charset="0"/>
-              </a:rPr>
-              <a:t>hiểu</a:t>
-            </a:r>
-            <a:r>
-              <a:rPr lang="en-US" dirty="0">
-                <a:solidFill>
-                  <a:schemeClr val="tx1"/>
-                </a:solidFill>
-                <a:latin typeface="Times New Roman" panose="02020603050405020304" pitchFamily="18" charset="0"/>
-                <a:cs typeface="Times New Roman" panose="02020603050405020304" pitchFamily="18" charset="0"/>
-              </a:rPr>
-              <a:t> </a:t>
-            </a:r>
-            <a:r>
-              <a:rPr lang="en-US" dirty="0" err="1">
-                <a:solidFill>
-                  <a:schemeClr val="tx1"/>
-                </a:solidFill>
-                <a:latin typeface="Times New Roman" panose="02020603050405020304" pitchFamily="18" charset="0"/>
-                <a:cs typeface="Times New Roman" panose="02020603050405020304" pitchFamily="18" charset="0"/>
-              </a:rPr>
-              <a:t>ứng</a:t>
-            </a:r>
-            <a:r>
-              <a:rPr lang="en-US" dirty="0">
-                <a:solidFill>
-                  <a:schemeClr val="tx1"/>
-                </a:solidFill>
-                <a:latin typeface="Times New Roman" panose="02020603050405020304" pitchFamily="18" charset="0"/>
-                <a:cs typeface="Times New Roman" panose="02020603050405020304" pitchFamily="18" charset="0"/>
-              </a:rPr>
-              <a:t> </a:t>
-            </a:r>
-            <a:r>
-              <a:rPr lang="en-US" dirty="0" err="1">
-                <a:solidFill>
-                  <a:schemeClr val="tx1"/>
-                </a:solidFill>
-                <a:latin typeface="Times New Roman" panose="02020603050405020304" pitchFamily="18" charset="0"/>
-                <a:cs typeface="Times New Roman" panose="02020603050405020304" pitchFamily="18" charset="0"/>
-              </a:rPr>
-              <a:t>dụng</a:t>
-            </a:r>
-            <a:r>
-              <a:rPr lang="en-US" dirty="0">
-                <a:solidFill>
-                  <a:schemeClr val="tx1"/>
-                </a:solidFill>
-                <a:latin typeface="Times New Roman" panose="02020603050405020304" pitchFamily="18" charset="0"/>
-                <a:cs typeface="Times New Roman" panose="02020603050405020304" pitchFamily="18" charset="0"/>
-              </a:rPr>
-              <a:t> </a:t>
-            </a:r>
-            <a:r>
-              <a:rPr lang="en-US" dirty="0" err="1">
-                <a:solidFill>
-                  <a:schemeClr val="tx1"/>
-                </a:solidFill>
-                <a:latin typeface="Times New Roman" panose="02020603050405020304" pitchFamily="18" charset="0"/>
-                <a:cs typeface="Times New Roman" panose="02020603050405020304" pitchFamily="18" charset="0"/>
-              </a:rPr>
-              <a:t>giải</a:t>
-            </a:r>
-            <a:r>
-              <a:rPr lang="en-US" dirty="0">
-                <a:solidFill>
-                  <a:schemeClr val="tx1"/>
-                </a:solidFill>
-                <a:latin typeface="Times New Roman" panose="02020603050405020304" pitchFamily="18" charset="0"/>
-                <a:cs typeface="Times New Roman" panose="02020603050405020304" pitchFamily="18" charset="0"/>
-              </a:rPr>
-              <a:t> </a:t>
-            </a:r>
-            <a:r>
-              <a:rPr lang="en-US" dirty="0" err="1">
-                <a:solidFill>
-                  <a:schemeClr val="tx1"/>
-                </a:solidFill>
-                <a:latin typeface="Times New Roman" panose="02020603050405020304" pitchFamily="18" charset="0"/>
-                <a:cs typeface="Times New Roman" panose="02020603050405020304" pitchFamily="18" charset="0"/>
-              </a:rPr>
-              <a:t>quyết</a:t>
-            </a:r>
-            <a:r>
-              <a:rPr lang="en-US" dirty="0">
-                <a:solidFill>
-                  <a:schemeClr val="tx1"/>
-                </a:solidFill>
-                <a:latin typeface="Times New Roman" panose="02020603050405020304" pitchFamily="18" charset="0"/>
-                <a:cs typeface="Times New Roman" panose="02020603050405020304" pitchFamily="18" charset="0"/>
-              </a:rPr>
-              <a:t> </a:t>
-            </a:r>
-            <a:r>
-              <a:rPr lang="en-US" dirty="0" err="1">
-                <a:solidFill>
-                  <a:schemeClr val="tx1"/>
-                </a:solidFill>
-                <a:latin typeface="Times New Roman" panose="02020603050405020304" pitchFamily="18" charset="0"/>
-                <a:cs typeface="Times New Roman" panose="02020603050405020304" pitchFamily="18" charset="0"/>
-              </a:rPr>
-              <a:t>các</a:t>
-            </a:r>
-            <a:r>
-              <a:rPr lang="en-US" dirty="0">
-                <a:solidFill>
-                  <a:schemeClr val="tx1"/>
-                </a:solidFill>
-                <a:latin typeface="Times New Roman" panose="02020603050405020304" pitchFamily="18" charset="0"/>
-                <a:cs typeface="Times New Roman" panose="02020603050405020304" pitchFamily="18" charset="0"/>
-              </a:rPr>
-              <a:t> </a:t>
-            </a:r>
-            <a:r>
-              <a:rPr lang="en-US" dirty="0" err="1">
-                <a:solidFill>
-                  <a:schemeClr val="tx1"/>
-                </a:solidFill>
-                <a:latin typeface="Times New Roman" panose="02020603050405020304" pitchFamily="18" charset="0"/>
-                <a:cs typeface="Times New Roman" panose="02020603050405020304" pitchFamily="18" charset="0"/>
-              </a:rPr>
-              <a:t>vấn</a:t>
-            </a:r>
-            <a:r>
-              <a:rPr lang="en-US" dirty="0">
-                <a:solidFill>
-                  <a:schemeClr val="tx1"/>
-                </a:solidFill>
-                <a:latin typeface="Times New Roman" panose="02020603050405020304" pitchFamily="18" charset="0"/>
-                <a:cs typeface="Times New Roman" panose="02020603050405020304" pitchFamily="18" charset="0"/>
-              </a:rPr>
-              <a:t> </a:t>
-            </a:r>
-            <a:r>
-              <a:rPr lang="en-US" dirty="0" err="1">
-                <a:solidFill>
-                  <a:schemeClr val="tx1"/>
-                </a:solidFill>
-                <a:latin typeface="Times New Roman" panose="02020603050405020304" pitchFamily="18" charset="0"/>
-                <a:cs typeface="Times New Roman" panose="02020603050405020304" pitchFamily="18" charset="0"/>
-              </a:rPr>
-              <a:t>đề</a:t>
-            </a:r>
-            <a:r>
-              <a:rPr lang="en-US" dirty="0">
-                <a:solidFill>
-                  <a:schemeClr val="tx1"/>
-                </a:solidFill>
-                <a:latin typeface="Times New Roman" panose="02020603050405020304" pitchFamily="18" charset="0"/>
-                <a:cs typeface="Times New Roman" panose="02020603050405020304" pitchFamily="18" charset="0"/>
-              </a:rPr>
-              <a:t> /</a:t>
-            </a:r>
-            <a:r>
-              <a:rPr lang="en-US" dirty="0" err="1">
-                <a:solidFill>
-                  <a:schemeClr val="tx1"/>
-                </a:solidFill>
-                <a:latin typeface="Times New Roman" panose="02020603050405020304" pitchFamily="18" charset="0"/>
-                <a:cs typeface="Times New Roman" panose="02020603050405020304" pitchFamily="18" charset="0"/>
-              </a:rPr>
-              <a:t>bài</a:t>
-            </a:r>
-            <a:r>
-              <a:rPr lang="en-US" dirty="0">
-                <a:solidFill>
-                  <a:schemeClr val="tx1"/>
-                </a:solidFill>
-                <a:latin typeface="Times New Roman" panose="02020603050405020304" pitchFamily="18" charset="0"/>
-                <a:cs typeface="Times New Roman" panose="02020603050405020304" pitchFamily="18" charset="0"/>
-              </a:rPr>
-              <a:t> </a:t>
-            </a:r>
-            <a:r>
-              <a:rPr lang="en-US" dirty="0" err="1">
-                <a:solidFill>
-                  <a:schemeClr val="tx1"/>
-                </a:solidFill>
-                <a:latin typeface="Times New Roman" panose="02020603050405020304" pitchFamily="18" charset="0"/>
-                <a:cs typeface="Times New Roman" panose="02020603050405020304" pitchFamily="18" charset="0"/>
-              </a:rPr>
-              <a:t>toán</a:t>
-            </a:r>
-            <a:r>
-              <a:rPr lang="en-US" dirty="0">
-                <a:solidFill>
-                  <a:schemeClr val="tx1"/>
-                </a:solidFill>
-                <a:latin typeface="Times New Roman" panose="02020603050405020304" pitchFamily="18" charset="0"/>
-                <a:cs typeface="Times New Roman" panose="02020603050405020304" pitchFamily="18" charset="0"/>
-              </a:rPr>
-              <a:t> </a:t>
-            </a:r>
-            <a:r>
-              <a:rPr lang="en-US" dirty="0" err="1">
-                <a:solidFill>
-                  <a:schemeClr val="tx1"/>
-                </a:solidFill>
-                <a:latin typeface="Times New Roman" panose="02020603050405020304" pitchFamily="18" charset="0"/>
-                <a:cs typeface="Times New Roman" panose="02020603050405020304" pitchFamily="18" charset="0"/>
-              </a:rPr>
-              <a:t>về</a:t>
-            </a:r>
-            <a:r>
-              <a:rPr lang="en-US" dirty="0">
-                <a:solidFill>
-                  <a:schemeClr val="tx1"/>
-                </a:solidFill>
-                <a:latin typeface="Times New Roman" panose="02020603050405020304" pitchFamily="18" charset="0"/>
-                <a:cs typeface="Times New Roman" panose="02020603050405020304" pitchFamily="18" charset="0"/>
-              </a:rPr>
-              <a:t> </a:t>
-            </a:r>
-            <a:r>
-              <a:rPr lang="en-US" dirty="0" err="1">
-                <a:solidFill>
-                  <a:schemeClr val="tx1"/>
-                </a:solidFill>
-                <a:latin typeface="Times New Roman" panose="02020603050405020304" pitchFamily="18" charset="0"/>
-                <a:cs typeface="Times New Roman" panose="02020603050405020304" pitchFamily="18" charset="0"/>
-              </a:rPr>
-              <a:t>gợi</a:t>
-            </a:r>
-            <a:r>
-              <a:rPr lang="en-US" dirty="0">
-                <a:solidFill>
-                  <a:schemeClr val="tx1"/>
-                </a:solidFill>
-                <a:latin typeface="Times New Roman" panose="02020603050405020304" pitchFamily="18" charset="0"/>
-                <a:cs typeface="Times New Roman" panose="02020603050405020304" pitchFamily="18" charset="0"/>
-              </a:rPr>
-              <a:t> ý </a:t>
-            </a:r>
-            <a:r>
-              <a:rPr lang="en-US" dirty="0" err="1">
-                <a:solidFill>
-                  <a:schemeClr val="tx1"/>
-                </a:solidFill>
-                <a:latin typeface="Times New Roman" panose="02020603050405020304" pitchFamily="18" charset="0"/>
-                <a:cs typeface="Times New Roman" panose="02020603050405020304" pitchFamily="18" charset="0"/>
-              </a:rPr>
-              <a:t>và</a:t>
-            </a:r>
-            <a:r>
-              <a:rPr lang="en-US" dirty="0">
-                <a:solidFill>
-                  <a:schemeClr val="tx1"/>
-                </a:solidFill>
-                <a:latin typeface="Times New Roman" panose="02020603050405020304" pitchFamily="18" charset="0"/>
-                <a:cs typeface="Times New Roman" panose="02020603050405020304" pitchFamily="18" charset="0"/>
-              </a:rPr>
-              <a:t> </a:t>
-            </a:r>
-            <a:r>
-              <a:rPr lang="en-US" dirty="0" err="1">
-                <a:solidFill>
-                  <a:schemeClr val="tx1"/>
-                </a:solidFill>
-                <a:latin typeface="Times New Roman" panose="02020603050405020304" pitchFamily="18" charset="0"/>
-                <a:cs typeface="Times New Roman" panose="02020603050405020304" pitchFamily="18" charset="0"/>
-              </a:rPr>
-              <a:t>phát</a:t>
-            </a:r>
-            <a:r>
-              <a:rPr lang="en-US" dirty="0">
-                <a:solidFill>
-                  <a:schemeClr val="tx1"/>
-                </a:solidFill>
-                <a:latin typeface="Times New Roman" panose="02020603050405020304" pitchFamily="18" charset="0"/>
-                <a:cs typeface="Times New Roman" panose="02020603050405020304" pitchFamily="18" charset="0"/>
-              </a:rPr>
-              <a:t> </a:t>
-            </a:r>
-            <a:r>
-              <a:rPr lang="en-US" dirty="0" err="1">
-                <a:solidFill>
-                  <a:schemeClr val="tx1"/>
-                </a:solidFill>
-                <a:latin typeface="Times New Roman" panose="02020603050405020304" pitchFamily="18" charset="0"/>
-                <a:cs typeface="Times New Roman" panose="02020603050405020304" pitchFamily="18" charset="0"/>
-              </a:rPr>
-              <a:t>sinh</a:t>
-            </a:r>
-            <a:r>
-              <a:rPr lang="en-US" dirty="0">
-                <a:solidFill>
-                  <a:schemeClr val="tx1"/>
-                </a:solidFill>
-                <a:latin typeface="Times New Roman" panose="02020603050405020304" pitchFamily="18" charset="0"/>
-                <a:cs typeface="Times New Roman" panose="02020603050405020304" pitchFamily="18" charset="0"/>
-              </a:rPr>
-              <a:t> </a:t>
-            </a:r>
-            <a:r>
-              <a:rPr lang="en-US" dirty="0" err="1">
-                <a:solidFill>
-                  <a:schemeClr val="tx1"/>
-                </a:solidFill>
-                <a:latin typeface="Times New Roman" panose="02020603050405020304" pitchFamily="18" charset="0"/>
-                <a:cs typeface="Times New Roman" panose="02020603050405020304" pitchFamily="18" charset="0"/>
-              </a:rPr>
-              <a:t>câu</a:t>
-            </a:r>
-            <a:r>
-              <a:rPr lang="en-US" dirty="0">
-                <a:solidFill>
-                  <a:schemeClr val="tx1"/>
-                </a:solidFill>
-                <a:latin typeface="Times New Roman" panose="02020603050405020304" pitchFamily="18" charset="0"/>
-                <a:cs typeface="Times New Roman" panose="02020603050405020304" pitchFamily="18" charset="0"/>
-              </a:rPr>
-              <a:t> </a:t>
-            </a:r>
-            <a:r>
-              <a:rPr lang="en-US" dirty="0" err="1">
-                <a:solidFill>
-                  <a:schemeClr val="tx1"/>
-                </a:solidFill>
-                <a:latin typeface="Times New Roman" panose="02020603050405020304" pitchFamily="18" charset="0"/>
-                <a:cs typeface="Times New Roman" panose="02020603050405020304" pitchFamily="18" charset="0"/>
-              </a:rPr>
-              <a:t>bình</a:t>
-            </a:r>
-            <a:r>
-              <a:rPr lang="en-US" dirty="0">
-                <a:solidFill>
-                  <a:schemeClr val="tx1"/>
-                </a:solidFill>
-                <a:latin typeface="Times New Roman" panose="02020603050405020304" pitchFamily="18" charset="0"/>
-                <a:cs typeface="Times New Roman" panose="02020603050405020304" pitchFamily="18" charset="0"/>
-              </a:rPr>
-              <a:t> </a:t>
-            </a:r>
-            <a:r>
-              <a:rPr lang="en-US" dirty="0" err="1">
-                <a:solidFill>
-                  <a:schemeClr val="tx1"/>
-                </a:solidFill>
-                <a:latin typeface="Times New Roman" panose="02020603050405020304" pitchFamily="18" charset="0"/>
-                <a:cs typeface="Times New Roman" panose="02020603050405020304" pitchFamily="18" charset="0"/>
-              </a:rPr>
-              <a:t>luận</a:t>
-            </a:r>
-            <a:r>
-              <a:rPr lang="en-US" dirty="0">
-                <a:solidFill>
-                  <a:schemeClr val="tx1"/>
-                </a:solidFill>
-                <a:latin typeface="Times New Roman" panose="02020603050405020304" pitchFamily="18" charset="0"/>
-                <a:cs typeface="Times New Roman" panose="02020603050405020304" pitchFamily="18" charset="0"/>
-              </a:rPr>
-              <a:t> </a:t>
-            </a:r>
-            <a:r>
-              <a:rPr lang="en-US" dirty="0" err="1">
-                <a:solidFill>
-                  <a:schemeClr val="tx1"/>
-                </a:solidFill>
-                <a:latin typeface="Times New Roman" panose="02020603050405020304" pitchFamily="18" charset="0"/>
-                <a:cs typeface="Times New Roman" panose="02020603050405020304" pitchFamily="18" charset="0"/>
-              </a:rPr>
-              <a:t>cho</a:t>
-            </a:r>
-            <a:r>
-              <a:rPr lang="en-US" dirty="0">
-                <a:solidFill>
-                  <a:schemeClr val="tx1"/>
-                </a:solidFill>
-                <a:latin typeface="Times New Roman" panose="02020603050405020304" pitchFamily="18" charset="0"/>
-                <a:cs typeface="Times New Roman" panose="02020603050405020304" pitchFamily="18" charset="0"/>
-              </a:rPr>
-              <a:t> </a:t>
-            </a:r>
-            <a:r>
-              <a:rPr lang="en-US" dirty="0" err="1">
-                <a:solidFill>
-                  <a:schemeClr val="tx1"/>
-                </a:solidFill>
-                <a:latin typeface="Times New Roman" panose="02020603050405020304" pitchFamily="18" charset="0"/>
-                <a:cs typeface="Times New Roman" panose="02020603050405020304" pitchFamily="18" charset="0"/>
-              </a:rPr>
-              <a:t>những</a:t>
-            </a:r>
-            <a:r>
-              <a:rPr lang="en-US" dirty="0">
-                <a:solidFill>
-                  <a:schemeClr val="tx1"/>
-                </a:solidFill>
-                <a:latin typeface="Times New Roman" panose="02020603050405020304" pitchFamily="18" charset="0"/>
-                <a:cs typeface="Times New Roman" panose="02020603050405020304" pitchFamily="18" charset="0"/>
-              </a:rPr>
-              <a:t> </a:t>
-            </a:r>
-            <a:r>
-              <a:rPr lang="en-US" dirty="0" err="1">
-                <a:solidFill>
-                  <a:schemeClr val="tx1"/>
-                </a:solidFill>
-                <a:latin typeface="Times New Roman" panose="02020603050405020304" pitchFamily="18" charset="0"/>
-                <a:cs typeface="Times New Roman" panose="02020603050405020304" pitchFamily="18" charset="0"/>
-              </a:rPr>
-              <a:t>bộ</a:t>
-            </a:r>
-            <a:r>
-              <a:rPr lang="en-US" dirty="0">
-                <a:solidFill>
-                  <a:schemeClr val="tx1"/>
-                </a:solidFill>
-                <a:latin typeface="Times New Roman" panose="02020603050405020304" pitchFamily="18" charset="0"/>
-                <a:cs typeface="Times New Roman" panose="02020603050405020304" pitchFamily="18" charset="0"/>
-              </a:rPr>
-              <a:t> </a:t>
-            </a:r>
-            <a:r>
-              <a:rPr lang="en-US" dirty="0" err="1">
-                <a:solidFill>
-                  <a:schemeClr val="tx1"/>
-                </a:solidFill>
-                <a:latin typeface="Times New Roman" panose="02020603050405020304" pitchFamily="18" charset="0"/>
-                <a:cs typeface="Times New Roman" panose="02020603050405020304" pitchFamily="18" charset="0"/>
-              </a:rPr>
-              <a:t>trang</a:t>
-            </a:r>
-            <a:r>
-              <a:rPr lang="en-US" dirty="0">
-                <a:solidFill>
-                  <a:schemeClr val="tx1"/>
-                </a:solidFill>
-                <a:latin typeface="Times New Roman" panose="02020603050405020304" pitchFamily="18" charset="0"/>
-                <a:cs typeface="Times New Roman" panose="02020603050405020304" pitchFamily="18" charset="0"/>
-              </a:rPr>
-              <a:t> </a:t>
-            </a:r>
-            <a:r>
-              <a:rPr lang="en-US" dirty="0" err="1">
-                <a:solidFill>
-                  <a:schemeClr val="tx1"/>
-                </a:solidFill>
-                <a:latin typeface="Times New Roman" panose="02020603050405020304" pitchFamily="18" charset="0"/>
-                <a:cs typeface="Times New Roman" panose="02020603050405020304" pitchFamily="18" charset="0"/>
-              </a:rPr>
-              <a:t>phục</a:t>
-            </a:r>
-            <a:r>
-              <a:rPr lang="en-US" dirty="0">
-                <a:solidFill>
-                  <a:schemeClr val="tx1"/>
-                </a:solidFill>
-                <a:latin typeface="Times New Roman" panose="02020603050405020304" pitchFamily="18" charset="0"/>
-                <a:cs typeface="Times New Roman" panose="02020603050405020304" pitchFamily="18" charset="0"/>
-              </a:rPr>
-              <a:t>.</a:t>
-            </a:r>
-          </a:p>
-          <a:p>
-            <a:pPr marL="0" indent="0">
-              <a:buNone/>
-            </a:pPr>
-            <a:r>
-              <a:rPr lang="en-US" dirty="0">
-                <a:solidFill>
-                  <a:schemeClr val="tx1"/>
-                </a:solidFill>
-                <a:latin typeface="Times New Roman" panose="02020603050405020304" pitchFamily="18" charset="0"/>
-                <a:cs typeface="Times New Roman" panose="02020603050405020304" pitchFamily="18" charset="0"/>
-              </a:rPr>
-              <a:t>- </a:t>
-            </a:r>
-            <a:r>
-              <a:rPr lang="en-US" dirty="0" err="1">
-                <a:solidFill>
-                  <a:schemeClr val="tx1"/>
-                </a:solidFill>
-                <a:latin typeface="Times New Roman" panose="02020603050405020304" pitchFamily="18" charset="0"/>
-                <a:cs typeface="Times New Roman" panose="02020603050405020304" pitchFamily="18" charset="0"/>
-              </a:rPr>
-              <a:t>Nghiên</a:t>
-            </a:r>
-            <a:r>
-              <a:rPr lang="en-US" dirty="0">
-                <a:solidFill>
-                  <a:schemeClr val="tx1"/>
-                </a:solidFill>
-                <a:latin typeface="Times New Roman" panose="02020603050405020304" pitchFamily="18" charset="0"/>
-                <a:cs typeface="Times New Roman" panose="02020603050405020304" pitchFamily="18" charset="0"/>
-              </a:rPr>
-              <a:t> </a:t>
-            </a:r>
-            <a:r>
-              <a:rPr lang="en-US" dirty="0" err="1">
-                <a:solidFill>
-                  <a:schemeClr val="tx1"/>
-                </a:solidFill>
-                <a:latin typeface="Times New Roman" panose="02020603050405020304" pitchFamily="18" charset="0"/>
-                <a:cs typeface="Times New Roman" panose="02020603050405020304" pitchFamily="18" charset="0"/>
-              </a:rPr>
-              <a:t>cứu</a:t>
-            </a:r>
-            <a:r>
-              <a:rPr lang="en-US" dirty="0">
-                <a:solidFill>
-                  <a:schemeClr val="tx1"/>
-                </a:solidFill>
-                <a:latin typeface="Times New Roman" panose="02020603050405020304" pitchFamily="18" charset="0"/>
-                <a:cs typeface="Times New Roman" panose="02020603050405020304" pitchFamily="18" charset="0"/>
-              </a:rPr>
-              <a:t> </a:t>
-            </a:r>
-            <a:r>
-              <a:rPr lang="en-US" dirty="0" err="1">
-                <a:solidFill>
-                  <a:schemeClr val="tx1"/>
-                </a:solidFill>
-                <a:latin typeface="Times New Roman" panose="02020603050405020304" pitchFamily="18" charset="0"/>
-                <a:cs typeface="Times New Roman" panose="02020603050405020304" pitchFamily="18" charset="0"/>
-              </a:rPr>
-              <a:t>mô</a:t>
-            </a:r>
-            <a:r>
-              <a:rPr lang="en-US" dirty="0">
-                <a:solidFill>
-                  <a:schemeClr val="tx1"/>
-                </a:solidFill>
-                <a:latin typeface="Times New Roman" panose="02020603050405020304" pitchFamily="18" charset="0"/>
-                <a:cs typeface="Times New Roman" panose="02020603050405020304" pitchFamily="18" charset="0"/>
-              </a:rPr>
-              <a:t> </a:t>
-            </a:r>
-            <a:r>
-              <a:rPr lang="en-US" dirty="0" err="1">
-                <a:solidFill>
-                  <a:schemeClr val="tx1"/>
-                </a:solidFill>
-                <a:latin typeface="Times New Roman" panose="02020603050405020304" pitchFamily="18" charset="0"/>
-                <a:cs typeface="Times New Roman" panose="02020603050405020304" pitchFamily="18" charset="0"/>
-              </a:rPr>
-              <a:t>hình</a:t>
-            </a:r>
-            <a:r>
-              <a:rPr lang="en-US" dirty="0">
-                <a:solidFill>
-                  <a:schemeClr val="tx1"/>
-                </a:solidFill>
-                <a:latin typeface="Times New Roman" panose="02020603050405020304" pitchFamily="18" charset="0"/>
-                <a:cs typeface="Times New Roman" panose="02020603050405020304" pitchFamily="18" charset="0"/>
-              </a:rPr>
-              <a:t>, </a:t>
-            </a:r>
-            <a:r>
-              <a:rPr lang="en-US" dirty="0" err="1">
-                <a:solidFill>
-                  <a:schemeClr val="tx1"/>
-                </a:solidFill>
-                <a:latin typeface="Times New Roman" panose="02020603050405020304" pitchFamily="18" charset="0"/>
-                <a:cs typeface="Times New Roman" panose="02020603050405020304" pitchFamily="18" charset="0"/>
-              </a:rPr>
-              <a:t>kỹ</a:t>
-            </a:r>
-            <a:r>
-              <a:rPr lang="en-US" dirty="0">
-                <a:solidFill>
-                  <a:schemeClr val="tx1"/>
-                </a:solidFill>
-                <a:latin typeface="Times New Roman" panose="02020603050405020304" pitchFamily="18" charset="0"/>
-                <a:cs typeface="Times New Roman" panose="02020603050405020304" pitchFamily="18" charset="0"/>
-              </a:rPr>
-              <a:t> </a:t>
-            </a:r>
-            <a:r>
-              <a:rPr lang="en-US" dirty="0" err="1">
-                <a:solidFill>
-                  <a:schemeClr val="tx1"/>
-                </a:solidFill>
-                <a:latin typeface="Times New Roman" panose="02020603050405020304" pitchFamily="18" charset="0"/>
-                <a:cs typeface="Times New Roman" panose="02020603050405020304" pitchFamily="18" charset="0"/>
-              </a:rPr>
-              <a:t>thuật</a:t>
-            </a:r>
-            <a:r>
-              <a:rPr lang="en-US" dirty="0">
-                <a:solidFill>
-                  <a:schemeClr val="tx1"/>
-                </a:solidFill>
-                <a:latin typeface="Times New Roman" panose="02020603050405020304" pitchFamily="18" charset="0"/>
-                <a:cs typeface="Times New Roman" panose="02020603050405020304" pitchFamily="18" charset="0"/>
-              </a:rPr>
-              <a:t> </a:t>
-            </a:r>
-            <a:r>
-              <a:rPr lang="en-US" dirty="0" err="1">
-                <a:solidFill>
-                  <a:schemeClr val="tx1"/>
-                </a:solidFill>
-                <a:latin typeface="Times New Roman" panose="02020603050405020304" pitchFamily="18" charset="0"/>
-                <a:cs typeface="Times New Roman" panose="02020603050405020304" pitchFamily="18" charset="0"/>
-              </a:rPr>
-              <a:t>để</a:t>
-            </a:r>
-            <a:r>
-              <a:rPr lang="en-US" dirty="0">
-                <a:solidFill>
-                  <a:schemeClr val="tx1"/>
-                </a:solidFill>
-                <a:latin typeface="Times New Roman" panose="02020603050405020304" pitchFamily="18" charset="0"/>
-                <a:cs typeface="Times New Roman" panose="02020603050405020304" pitchFamily="18" charset="0"/>
-              </a:rPr>
-              <a:t> </a:t>
-            </a:r>
-            <a:r>
-              <a:rPr lang="en-US" dirty="0" err="1">
-                <a:solidFill>
-                  <a:schemeClr val="tx1"/>
-                </a:solidFill>
-                <a:latin typeface="Times New Roman" panose="02020603050405020304" pitchFamily="18" charset="0"/>
-                <a:cs typeface="Times New Roman" panose="02020603050405020304" pitchFamily="18" charset="0"/>
-              </a:rPr>
-              <a:t>ứng</a:t>
-            </a:r>
-            <a:r>
-              <a:rPr lang="en-US" dirty="0">
-                <a:solidFill>
-                  <a:schemeClr val="tx1"/>
-                </a:solidFill>
-                <a:latin typeface="Times New Roman" panose="02020603050405020304" pitchFamily="18" charset="0"/>
-                <a:cs typeface="Times New Roman" panose="02020603050405020304" pitchFamily="18" charset="0"/>
-              </a:rPr>
-              <a:t> </a:t>
-            </a:r>
-            <a:r>
-              <a:rPr lang="en-US" dirty="0" err="1">
-                <a:solidFill>
-                  <a:schemeClr val="tx1"/>
-                </a:solidFill>
-                <a:latin typeface="Times New Roman" panose="02020603050405020304" pitchFamily="18" charset="0"/>
-                <a:cs typeface="Times New Roman" panose="02020603050405020304" pitchFamily="18" charset="0"/>
-              </a:rPr>
-              <a:t>dụng</a:t>
-            </a:r>
-            <a:r>
-              <a:rPr lang="en-US" dirty="0">
-                <a:solidFill>
-                  <a:schemeClr val="tx1"/>
-                </a:solidFill>
-                <a:latin typeface="Times New Roman" panose="02020603050405020304" pitchFamily="18" charset="0"/>
-                <a:cs typeface="Times New Roman" panose="02020603050405020304" pitchFamily="18" charset="0"/>
-              </a:rPr>
-              <a:t> </a:t>
-            </a:r>
-            <a:r>
-              <a:rPr lang="en-US" dirty="0" err="1">
-                <a:solidFill>
-                  <a:schemeClr val="tx1"/>
-                </a:solidFill>
-                <a:latin typeface="Times New Roman" panose="02020603050405020304" pitchFamily="18" charset="0"/>
-                <a:cs typeface="Times New Roman" panose="02020603050405020304" pitchFamily="18" charset="0"/>
-              </a:rPr>
-              <a:t>vào</a:t>
-            </a:r>
-            <a:r>
-              <a:rPr lang="en-US" dirty="0">
-                <a:solidFill>
-                  <a:schemeClr val="tx1"/>
-                </a:solidFill>
-                <a:latin typeface="Times New Roman" panose="02020603050405020304" pitchFamily="18" charset="0"/>
-                <a:cs typeface="Times New Roman" panose="02020603050405020304" pitchFamily="18" charset="0"/>
-              </a:rPr>
-              <a:t> </a:t>
-            </a:r>
-            <a:r>
-              <a:rPr lang="en-US" dirty="0" err="1">
-                <a:solidFill>
-                  <a:schemeClr val="tx1"/>
-                </a:solidFill>
-                <a:latin typeface="Times New Roman" panose="02020603050405020304" pitchFamily="18" charset="0"/>
-                <a:cs typeface="Times New Roman" panose="02020603050405020304" pitchFamily="18" charset="0"/>
-              </a:rPr>
-              <a:t>việc</a:t>
-            </a:r>
-            <a:r>
-              <a:rPr lang="en-US" dirty="0">
-                <a:solidFill>
-                  <a:schemeClr val="tx1"/>
-                </a:solidFill>
-                <a:latin typeface="Times New Roman" panose="02020603050405020304" pitchFamily="18" charset="0"/>
-                <a:cs typeface="Times New Roman" panose="02020603050405020304" pitchFamily="18" charset="0"/>
-              </a:rPr>
-              <a:t> </a:t>
-            </a:r>
-            <a:r>
-              <a:rPr lang="en-US" dirty="0" err="1">
-                <a:solidFill>
-                  <a:schemeClr val="tx1"/>
-                </a:solidFill>
-                <a:latin typeface="Times New Roman" panose="02020603050405020304" pitchFamily="18" charset="0"/>
-                <a:cs typeface="Times New Roman" panose="02020603050405020304" pitchFamily="18" charset="0"/>
-              </a:rPr>
-              <a:t>giải</a:t>
-            </a:r>
-            <a:r>
-              <a:rPr lang="en-US" dirty="0">
-                <a:solidFill>
-                  <a:schemeClr val="tx1"/>
-                </a:solidFill>
-                <a:latin typeface="Times New Roman" panose="02020603050405020304" pitchFamily="18" charset="0"/>
-                <a:cs typeface="Times New Roman" panose="02020603050405020304" pitchFamily="18" charset="0"/>
-              </a:rPr>
-              <a:t> </a:t>
-            </a:r>
-            <a:r>
-              <a:rPr lang="en-US" dirty="0" err="1">
-                <a:solidFill>
-                  <a:schemeClr val="tx1"/>
-                </a:solidFill>
-                <a:latin typeface="Times New Roman" panose="02020603050405020304" pitchFamily="18" charset="0"/>
-                <a:cs typeface="Times New Roman" panose="02020603050405020304" pitchFamily="18" charset="0"/>
-              </a:rPr>
-              <a:t>quyết</a:t>
-            </a:r>
-            <a:r>
-              <a:rPr lang="en-US" dirty="0">
-                <a:solidFill>
-                  <a:schemeClr val="tx1"/>
-                </a:solidFill>
-                <a:latin typeface="Times New Roman" panose="02020603050405020304" pitchFamily="18" charset="0"/>
-                <a:cs typeface="Times New Roman" panose="02020603050405020304" pitchFamily="18" charset="0"/>
-              </a:rPr>
-              <a:t> </a:t>
-            </a:r>
-            <a:r>
-              <a:rPr lang="en-US" dirty="0" err="1">
-                <a:solidFill>
-                  <a:schemeClr val="tx1"/>
-                </a:solidFill>
-                <a:latin typeface="Times New Roman" panose="02020603050405020304" pitchFamily="18" charset="0"/>
-                <a:cs typeface="Times New Roman" panose="02020603050405020304" pitchFamily="18" charset="0"/>
-              </a:rPr>
-              <a:t>mô</a:t>
-            </a:r>
-            <a:r>
-              <a:rPr lang="en-US" dirty="0">
-                <a:solidFill>
-                  <a:schemeClr val="tx1"/>
-                </a:solidFill>
-                <a:latin typeface="Times New Roman" panose="02020603050405020304" pitchFamily="18" charset="0"/>
-                <a:cs typeface="Times New Roman" panose="02020603050405020304" pitchFamily="18" charset="0"/>
-              </a:rPr>
-              <a:t> </a:t>
-            </a:r>
-            <a:r>
-              <a:rPr lang="en-US" dirty="0" err="1">
-                <a:solidFill>
-                  <a:schemeClr val="tx1"/>
-                </a:solidFill>
-                <a:latin typeface="Times New Roman" panose="02020603050405020304" pitchFamily="18" charset="0"/>
-                <a:cs typeface="Times New Roman" panose="02020603050405020304" pitchFamily="18" charset="0"/>
-              </a:rPr>
-              <a:t>hình</a:t>
-            </a:r>
-            <a:r>
-              <a:rPr lang="en-US" dirty="0">
-                <a:solidFill>
-                  <a:schemeClr val="tx1"/>
-                </a:solidFill>
-                <a:latin typeface="Times New Roman" panose="02020603050405020304" pitchFamily="18" charset="0"/>
-                <a:cs typeface="Times New Roman" panose="02020603050405020304" pitchFamily="18" charset="0"/>
-              </a:rPr>
-              <a:t> </a:t>
-            </a:r>
-            <a:r>
-              <a:rPr lang="en-US" dirty="0" err="1">
-                <a:solidFill>
-                  <a:schemeClr val="tx1"/>
-                </a:solidFill>
-                <a:latin typeface="Times New Roman" panose="02020603050405020304" pitchFamily="18" charset="0"/>
-                <a:cs typeface="Times New Roman" panose="02020603050405020304" pitchFamily="18" charset="0"/>
-              </a:rPr>
-              <a:t>phát</a:t>
-            </a:r>
-            <a:r>
-              <a:rPr lang="en-US" dirty="0">
-                <a:solidFill>
-                  <a:schemeClr val="tx1"/>
-                </a:solidFill>
-                <a:latin typeface="Times New Roman" panose="02020603050405020304" pitchFamily="18" charset="0"/>
-                <a:cs typeface="Times New Roman" panose="02020603050405020304" pitchFamily="18" charset="0"/>
-              </a:rPr>
-              <a:t> </a:t>
-            </a:r>
-            <a:r>
-              <a:rPr lang="en-US" dirty="0" err="1">
-                <a:solidFill>
-                  <a:schemeClr val="tx1"/>
-                </a:solidFill>
-                <a:latin typeface="Times New Roman" panose="02020603050405020304" pitchFamily="18" charset="0"/>
-                <a:cs typeface="Times New Roman" panose="02020603050405020304" pitchFamily="18" charset="0"/>
-              </a:rPr>
-              <a:t>sinh</a:t>
-            </a:r>
-            <a:r>
-              <a:rPr lang="en-US" dirty="0">
-                <a:solidFill>
-                  <a:schemeClr val="tx1"/>
-                </a:solidFill>
-                <a:latin typeface="Times New Roman" panose="02020603050405020304" pitchFamily="18" charset="0"/>
-                <a:cs typeface="Times New Roman" panose="02020603050405020304" pitchFamily="18" charset="0"/>
-              </a:rPr>
-              <a:t> </a:t>
-            </a:r>
-            <a:r>
-              <a:rPr lang="en-US" dirty="0" err="1">
-                <a:solidFill>
-                  <a:schemeClr val="tx1"/>
-                </a:solidFill>
-                <a:latin typeface="Times New Roman" panose="02020603050405020304" pitchFamily="18" charset="0"/>
-                <a:cs typeface="Times New Roman" panose="02020603050405020304" pitchFamily="18" charset="0"/>
-              </a:rPr>
-              <a:t>câu</a:t>
-            </a:r>
-            <a:r>
-              <a:rPr lang="en-US" dirty="0">
-                <a:solidFill>
-                  <a:schemeClr val="tx1"/>
-                </a:solidFill>
-                <a:latin typeface="Times New Roman" panose="02020603050405020304" pitchFamily="18" charset="0"/>
-                <a:cs typeface="Times New Roman" panose="02020603050405020304" pitchFamily="18" charset="0"/>
-              </a:rPr>
-              <a:t> </a:t>
-            </a:r>
-            <a:r>
-              <a:rPr lang="en-US" dirty="0" err="1">
-                <a:solidFill>
-                  <a:schemeClr val="tx1"/>
-                </a:solidFill>
-                <a:latin typeface="Times New Roman" panose="02020603050405020304" pitchFamily="18" charset="0"/>
-                <a:cs typeface="Times New Roman" panose="02020603050405020304" pitchFamily="18" charset="0"/>
-              </a:rPr>
-              <a:t>bình</a:t>
-            </a:r>
-            <a:r>
-              <a:rPr lang="en-US" dirty="0">
-                <a:solidFill>
-                  <a:schemeClr val="tx1"/>
-                </a:solidFill>
-                <a:latin typeface="Times New Roman" panose="02020603050405020304" pitchFamily="18" charset="0"/>
-                <a:cs typeface="Times New Roman" panose="02020603050405020304" pitchFamily="18" charset="0"/>
-              </a:rPr>
-              <a:t> </a:t>
-            </a:r>
-            <a:r>
-              <a:rPr lang="en-US" dirty="0" err="1">
-                <a:solidFill>
-                  <a:schemeClr val="tx1"/>
-                </a:solidFill>
-                <a:latin typeface="Times New Roman" panose="02020603050405020304" pitchFamily="18" charset="0"/>
-                <a:cs typeface="Times New Roman" panose="02020603050405020304" pitchFamily="18" charset="0"/>
-              </a:rPr>
-              <a:t>luận</a:t>
-            </a:r>
-            <a:r>
-              <a:rPr lang="en-US" dirty="0">
-                <a:solidFill>
-                  <a:schemeClr val="tx1"/>
-                </a:solidFill>
-                <a:latin typeface="Times New Roman" panose="02020603050405020304" pitchFamily="18" charset="0"/>
-                <a:cs typeface="Times New Roman" panose="02020603050405020304" pitchFamily="18" charset="0"/>
-              </a:rPr>
-              <a:t> </a:t>
-            </a:r>
-            <a:r>
-              <a:rPr lang="en-US" dirty="0" err="1">
-                <a:solidFill>
-                  <a:schemeClr val="tx1"/>
-                </a:solidFill>
-                <a:latin typeface="Times New Roman" panose="02020603050405020304" pitchFamily="18" charset="0"/>
-                <a:cs typeface="Times New Roman" panose="02020603050405020304" pitchFamily="18" charset="0"/>
-              </a:rPr>
-              <a:t>từ</a:t>
-            </a:r>
-            <a:r>
-              <a:rPr lang="en-US" dirty="0">
-                <a:solidFill>
-                  <a:schemeClr val="tx1"/>
-                </a:solidFill>
-                <a:latin typeface="Times New Roman" panose="02020603050405020304" pitchFamily="18" charset="0"/>
-                <a:cs typeface="Times New Roman" panose="02020603050405020304" pitchFamily="18" charset="0"/>
-              </a:rPr>
-              <a:t> </a:t>
-            </a:r>
-            <a:r>
-              <a:rPr lang="en-US" dirty="0" err="1">
-                <a:solidFill>
-                  <a:schemeClr val="tx1"/>
-                </a:solidFill>
-                <a:latin typeface="Times New Roman" panose="02020603050405020304" pitchFamily="18" charset="0"/>
-                <a:cs typeface="Times New Roman" panose="02020603050405020304" pitchFamily="18" charset="0"/>
-              </a:rPr>
-              <a:t>ảnh</a:t>
-            </a:r>
-            <a:r>
-              <a:rPr lang="en-US" dirty="0">
-                <a:solidFill>
-                  <a:schemeClr val="tx1"/>
-                </a:solidFill>
-                <a:latin typeface="Times New Roman" panose="02020603050405020304" pitchFamily="18" charset="0"/>
-                <a:cs typeface="Times New Roman" panose="02020603050405020304" pitchFamily="18" charset="0"/>
-              </a:rPr>
-              <a:t> </a:t>
-            </a:r>
-            <a:r>
-              <a:rPr lang="en-US" dirty="0" err="1">
-                <a:solidFill>
-                  <a:schemeClr val="tx1"/>
-                </a:solidFill>
-                <a:latin typeface="Times New Roman" panose="02020603050405020304" pitchFamily="18" charset="0"/>
-                <a:cs typeface="Times New Roman" panose="02020603050405020304" pitchFamily="18" charset="0"/>
-              </a:rPr>
-              <a:t>tĩnh</a:t>
-            </a:r>
-            <a:r>
-              <a:rPr lang="en-US" dirty="0">
-                <a:solidFill>
-                  <a:schemeClr val="tx1"/>
-                </a:solidFill>
-                <a:latin typeface="Times New Roman" panose="02020603050405020304" pitchFamily="18" charset="0"/>
-                <a:cs typeface="Times New Roman" panose="02020603050405020304" pitchFamily="18" charset="0"/>
-              </a:rPr>
-              <a:t>. </a:t>
-            </a:r>
-          </a:p>
-          <a:p>
-            <a:pPr marL="0" indent="0">
-              <a:buNone/>
-            </a:pPr>
-            <a:r>
-              <a:rPr lang="en-US" dirty="0">
-                <a:solidFill>
-                  <a:schemeClr val="tx1"/>
-                </a:solidFill>
-                <a:latin typeface="Times New Roman" panose="02020603050405020304" pitchFamily="18" charset="0"/>
-                <a:cs typeface="Times New Roman" panose="02020603050405020304" pitchFamily="18" charset="0"/>
-              </a:rPr>
-              <a:t>- </a:t>
-            </a:r>
-            <a:r>
-              <a:rPr lang="en-US" dirty="0" err="1">
-                <a:solidFill>
-                  <a:schemeClr val="tx1"/>
-                </a:solidFill>
-                <a:latin typeface="Times New Roman" panose="02020603050405020304" pitchFamily="18" charset="0"/>
-                <a:cs typeface="Times New Roman" panose="02020603050405020304" pitchFamily="18" charset="0"/>
-              </a:rPr>
-              <a:t>Hiện</a:t>
-            </a:r>
-            <a:r>
-              <a:rPr lang="en-US" dirty="0">
-                <a:solidFill>
-                  <a:schemeClr val="tx1"/>
-                </a:solidFill>
-                <a:latin typeface="Times New Roman" panose="02020603050405020304" pitchFamily="18" charset="0"/>
-                <a:cs typeface="Times New Roman" panose="02020603050405020304" pitchFamily="18" charset="0"/>
-              </a:rPr>
-              <a:t> </a:t>
-            </a:r>
-            <a:r>
-              <a:rPr lang="en-US" dirty="0" err="1">
-                <a:solidFill>
-                  <a:schemeClr val="tx1"/>
-                </a:solidFill>
-                <a:latin typeface="Times New Roman" panose="02020603050405020304" pitchFamily="18" charset="0"/>
-                <a:cs typeface="Times New Roman" panose="02020603050405020304" pitchFamily="18" charset="0"/>
-              </a:rPr>
-              <a:t>thực</a:t>
-            </a:r>
-            <a:r>
-              <a:rPr lang="en-US" dirty="0">
-                <a:solidFill>
-                  <a:schemeClr val="tx1"/>
-                </a:solidFill>
-                <a:latin typeface="Times New Roman" panose="02020603050405020304" pitchFamily="18" charset="0"/>
-                <a:cs typeface="Times New Roman" panose="02020603050405020304" pitchFamily="18" charset="0"/>
-              </a:rPr>
-              <a:t> </a:t>
-            </a:r>
-            <a:r>
-              <a:rPr lang="en-US" dirty="0" err="1">
-                <a:solidFill>
-                  <a:schemeClr val="tx1"/>
-                </a:solidFill>
-                <a:latin typeface="Times New Roman" panose="02020603050405020304" pitchFamily="18" charset="0"/>
-                <a:cs typeface="Times New Roman" panose="02020603050405020304" pitchFamily="18" charset="0"/>
-              </a:rPr>
-              <a:t>lại</a:t>
-            </a:r>
-            <a:r>
-              <a:rPr lang="en-US" dirty="0">
-                <a:solidFill>
-                  <a:schemeClr val="tx1"/>
-                </a:solidFill>
-                <a:latin typeface="Times New Roman" panose="02020603050405020304" pitchFamily="18" charset="0"/>
-                <a:cs typeface="Times New Roman" panose="02020603050405020304" pitchFamily="18" charset="0"/>
-              </a:rPr>
-              <a:t> </a:t>
-            </a:r>
-            <a:r>
-              <a:rPr lang="en-US" dirty="0" err="1">
-                <a:solidFill>
-                  <a:schemeClr val="tx1"/>
-                </a:solidFill>
-                <a:latin typeface="Times New Roman" panose="02020603050405020304" pitchFamily="18" charset="0"/>
-                <a:cs typeface="Times New Roman" panose="02020603050405020304" pitchFamily="18" charset="0"/>
-              </a:rPr>
-              <a:t>mô</a:t>
-            </a:r>
-            <a:r>
-              <a:rPr lang="en-US" dirty="0">
-                <a:solidFill>
-                  <a:schemeClr val="tx1"/>
-                </a:solidFill>
-                <a:latin typeface="Times New Roman" panose="02020603050405020304" pitchFamily="18" charset="0"/>
-                <a:cs typeface="Times New Roman" panose="02020603050405020304" pitchFamily="18" charset="0"/>
-              </a:rPr>
-              <a:t> </a:t>
-            </a:r>
-            <a:r>
-              <a:rPr lang="en-US" dirty="0" err="1">
-                <a:solidFill>
-                  <a:schemeClr val="tx1"/>
-                </a:solidFill>
-                <a:latin typeface="Times New Roman" panose="02020603050405020304" pitchFamily="18" charset="0"/>
-                <a:cs typeface="Times New Roman" panose="02020603050405020304" pitchFamily="18" charset="0"/>
-              </a:rPr>
-              <a:t>hình</a:t>
-            </a:r>
-            <a:r>
-              <a:rPr lang="en-US" dirty="0">
-                <a:solidFill>
-                  <a:schemeClr val="tx1"/>
-                </a:solidFill>
-                <a:latin typeface="Times New Roman" panose="02020603050405020304" pitchFamily="18" charset="0"/>
-                <a:cs typeface="Times New Roman" panose="02020603050405020304" pitchFamily="18" charset="0"/>
-              </a:rPr>
-              <a:t> “</a:t>
-            </a:r>
-            <a:r>
-              <a:rPr lang="en-US" dirty="0" err="1">
-                <a:solidFill>
-                  <a:schemeClr val="tx1"/>
-                </a:solidFill>
-                <a:latin typeface="Times New Roman" panose="02020603050405020304" pitchFamily="18" charset="0"/>
-                <a:cs typeface="Times New Roman" panose="02020603050405020304" pitchFamily="18" charset="0"/>
-              </a:rPr>
-              <a:t>Tự</a:t>
-            </a:r>
-            <a:r>
-              <a:rPr lang="en-US" dirty="0">
-                <a:solidFill>
-                  <a:schemeClr val="tx1"/>
-                </a:solidFill>
-                <a:latin typeface="Times New Roman" panose="02020603050405020304" pitchFamily="18" charset="0"/>
-                <a:cs typeface="Times New Roman" panose="02020603050405020304" pitchFamily="18" charset="0"/>
-              </a:rPr>
-              <a:t> </a:t>
-            </a:r>
-            <a:r>
-              <a:rPr lang="en-US" dirty="0" err="1">
-                <a:solidFill>
-                  <a:schemeClr val="tx1"/>
-                </a:solidFill>
-                <a:latin typeface="Times New Roman" panose="02020603050405020304" pitchFamily="18" charset="0"/>
-                <a:cs typeface="Times New Roman" panose="02020603050405020304" pitchFamily="18" charset="0"/>
-              </a:rPr>
-              <a:t>động</a:t>
-            </a:r>
-            <a:r>
-              <a:rPr lang="en-US" dirty="0">
-                <a:solidFill>
-                  <a:schemeClr val="tx1"/>
-                </a:solidFill>
-                <a:latin typeface="Times New Roman" panose="02020603050405020304" pitchFamily="18" charset="0"/>
-                <a:cs typeface="Times New Roman" panose="02020603050405020304" pitchFamily="18" charset="0"/>
-              </a:rPr>
-              <a:t> </a:t>
-            </a:r>
-            <a:r>
-              <a:rPr lang="en-US" dirty="0" err="1">
-                <a:solidFill>
-                  <a:schemeClr val="tx1"/>
-                </a:solidFill>
-                <a:latin typeface="Times New Roman" panose="02020603050405020304" pitchFamily="18" charset="0"/>
-                <a:cs typeface="Times New Roman" panose="02020603050405020304" pitchFamily="18" charset="0"/>
-              </a:rPr>
-              <a:t>phát</a:t>
-            </a:r>
-            <a:r>
-              <a:rPr lang="en-US" dirty="0">
-                <a:solidFill>
-                  <a:schemeClr val="tx1"/>
-                </a:solidFill>
-                <a:latin typeface="Times New Roman" panose="02020603050405020304" pitchFamily="18" charset="0"/>
-                <a:cs typeface="Times New Roman" panose="02020603050405020304" pitchFamily="18" charset="0"/>
-              </a:rPr>
-              <a:t> </a:t>
-            </a:r>
-            <a:r>
-              <a:rPr lang="en-US" dirty="0" err="1">
-                <a:solidFill>
-                  <a:schemeClr val="tx1"/>
-                </a:solidFill>
-                <a:latin typeface="Times New Roman" panose="02020603050405020304" pitchFamily="18" charset="0"/>
-                <a:cs typeface="Times New Roman" panose="02020603050405020304" pitchFamily="18" charset="0"/>
-              </a:rPr>
-              <a:t>sinh</a:t>
-            </a:r>
-            <a:r>
-              <a:rPr lang="en-US" dirty="0">
-                <a:solidFill>
-                  <a:schemeClr val="tx1"/>
-                </a:solidFill>
-                <a:latin typeface="Times New Roman" panose="02020603050405020304" pitchFamily="18" charset="0"/>
-                <a:cs typeface="Times New Roman" panose="02020603050405020304" pitchFamily="18" charset="0"/>
-              </a:rPr>
-              <a:t> </a:t>
-            </a:r>
-            <a:r>
-              <a:rPr lang="en-US" dirty="0" err="1">
-                <a:solidFill>
-                  <a:schemeClr val="tx1"/>
-                </a:solidFill>
-                <a:latin typeface="Times New Roman" panose="02020603050405020304" pitchFamily="18" charset="0"/>
-                <a:cs typeface="Times New Roman" panose="02020603050405020304" pitchFamily="18" charset="0"/>
-              </a:rPr>
-              <a:t>bình</a:t>
-            </a:r>
-            <a:r>
-              <a:rPr lang="en-US" dirty="0">
-                <a:solidFill>
-                  <a:schemeClr val="tx1"/>
-                </a:solidFill>
-                <a:latin typeface="Times New Roman" panose="02020603050405020304" pitchFamily="18" charset="0"/>
-                <a:cs typeface="Times New Roman" panose="02020603050405020304" pitchFamily="18" charset="0"/>
-              </a:rPr>
-              <a:t> </a:t>
-            </a:r>
-            <a:r>
-              <a:rPr lang="en-US" dirty="0" err="1">
-                <a:solidFill>
-                  <a:schemeClr val="tx1"/>
-                </a:solidFill>
-                <a:latin typeface="Times New Roman" panose="02020603050405020304" pitchFamily="18" charset="0"/>
-                <a:cs typeface="Times New Roman" panose="02020603050405020304" pitchFamily="18" charset="0"/>
-              </a:rPr>
-              <a:t>luận</a:t>
-            </a:r>
-            <a:r>
-              <a:rPr lang="en-US" dirty="0">
-                <a:solidFill>
-                  <a:schemeClr val="tx1"/>
-                </a:solidFill>
-                <a:latin typeface="Times New Roman" panose="02020603050405020304" pitchFamily="18" charset="0"/>
-                <a:cs typeface="Times New Roman" panose="02020603050405020304" pitchFamily="18" charset="0"/>
-              </a:rPr>
-              <a:t> </a:t>
-            </a:r>
-            <a:r>
-              <a:rPr lang="en-US" dirty="0" err="1">
-                <a:solidFill>
-                  <a:schemeClr val="tx1"/>
-                </a:solidFill>
-                <a:latin typeface="Times New Roman" panose="02020603050405020304" pitchFamily="18" charset="0"/>
-                <a:cs typeface="Times New Roman" panose="02020603050405020304" pitchFamily="18" charset="0"/>
-              </a:rPr>
-              <a:t>cho</a:t>
-            </a:r>
-            <a:r>
-              <a:rPr lang="en-US" dirty="0">
-                <a:solidFill>
-                  <a:schemeClr val="tx1"/>
-                </a:solidFill>
-                <a:latin typeface="Times New Roman" panose="02020603050405020304" pitchFamily="18" charset="0"/>
-                <a:cs typeface="Times New Roman" panose="02020603050405020304" pitchFamily="18" charset="0"/>
-              </a:rPr>
-              <a:t> </a:t>
-            </a:r>
-            <a:r>
-              <a:rPr lang="en-US" dirty="0" err="1">
-                <a:solidFill>
-                  <a:schemeClr val="tx1"/>
-                </a:solidFill>
-                <a:latin typeface="Times New Roman" panose="02020603050405020304" pitchFamily="18" charset="0"/>
-                <a:cs typeface="Times New Roman" panose="02020603050405020304" pitchFamily="18" charset="0"/>
-              </a:rPr>
-              <a:t>ảnh</a:t>
-            </a:r>
-            <a:r>
-              <a:rPr lang="en-US" dirty="0">
-                <a:solidFill>
-                  <a:schemeClr val="tx1"/>
-                </a:solidFill>
-                <a:latin typeface="Times New Roman" panose="02020603050405020304" pitchFamily="18" charset="0"/>
-                <a:cs typeface="Times New Roman" panose="02020603050405020304" pitchFamily="18" charset="0"/>
-              </a:rPr>
-              <a:t> </a:t>
-            </a:r>
-            <a:r>
-              <a:rPr lang="en-US" dirty="0" err="1">
-                <a:solidFill>
-                  <a:schemeClr val="tx1"/>
-                </a:solidFill>
-                <a:latin typeface="Times New Roman" panose="02020603050405020304" pitchFamily="18" charset="0"/>
-                <a:cs typeface="Times New Roman" panose="02020603050405020304" pitchFamily="18" charset="0"/>
-              </a:rPr>
-              <a:t>thời</a:t>
-            </a:r>
-            <a:r>
-              <a:rPr lang="en-US" dirty="0">
-                <a:solidFill>
-                  <a:schemeClr val="tx1"/>
-                </a:solidFill>
-                <a:latin typeface="Times New Roman" panose="02020603050405020304" pitchFamily="18" charset="0"/>
-                <a:cs typeface="Times New Roman" panose="02020603050405020304" pitchFamily="18" charset="0"/>
-              </a:rPr>
-              <a:t> </a:t>
-            </a:r>
-            <a:r>
-              <a:rPr lang="en-US" dirty="0" err="1">
-                <a:solidFill>
-                  <a:schemeClr val="tx1"/>
-                </a:solidFill>
-                <a:latin typeface="Times New Roman" panose="02020603050405020304" pitchFamily="18" charset="0"/>
-                <a:cs typeface="Times New Roman" panose="02020603050405020304" pitchFamily="18" charset="0"/>
-              </a:rPr>
-              <a:t>trang</a:t>
-            </a:r>
-            <a:r>
-              <a:rPr lang="en-US" dirty="0">
-                <a:solidFill>
-                  <a:schemeClr val="tx1"/>
-                </a:solidFill>
-                <a:latin typeface="Times New Roman" panose="02020603050405020304" pitchFamily="18" charset="0"/>
-                <a:cs typeface="Times New Roman" panose="02020603050405020304" pitchFamily="18" charset="0"/>
-              </a:rPr>
-              <a:t>”.</a:t>
-            </a:r>
-          </a:p>
-          <a:p>
-            <a:pPr marL="0" indent="0">
-              <a:buNone/>
-            </a:pPr>
-            <a:endParaRPr lang="en-US" dirty="0">
-              <a:solidFill>
-                <a:schemeClr val="tx1"/>
-              </a:solidFill>
-            </a:endParaRPr>
+              <a:t>KẾT QUẢ:</a:t>
+            </a:r>
+          </a:p>
+          <a:p>
+            <a:endParaRPr lang="en-US" dirty="0"/>
           </a:p>
         </p:txBody>
       </p:sp>
+      <p:pic>
+        <p:nvPicPr>
+          <p:cNvPr id="5" name="Picture 4"/>
+          <p:cNvPicPr>
+            <a:picLocks noChangeAspect="1"/>
+          </p:cNvPicPr>
+          <p:nvPr/>
+        </p:nvPicPr>
+        <p:blipFill>
+          <a:blip r:embed="rId2"/>
+          <a:stretch>
+            <a:fillRect/>
+          </a:stretch>
+        </p:blipFill>
+        <p:spPr>
+          <a:xfrm>
+            <a:off x="2206312" y="2006607"/>
+            <a:ext cx="5224798" cy="4324728"/>
+          </a:xfrm>
+          <a:prstGeom prst="rect">
+            <a:avLst/>
+          </a:prstGeom>
+        </p:spPr>
+      </p:pic>
+      <p:pic>
+        <p:nvPicPr>
+          <p:cNvPr id="6" name="Picture 5">
+            <a:extLst>
+              <a:ext uri="{FF2B5EF4-FFF2-40B4-BE49-F238E27FC236}">
+                <a16:creationId xmlns:a16="http://schemas.microsoft.com/office/drawing/2014/main" xmlns="" id="{FE10BA29-F112-44DF-880E-A23C031125D8}"/>
+              </a:ext>
+            </a:extLst>
+          </p:cNvPr>
+          <p:cNvPicPr/>
+          <p:nvPr/>
+        </p:nvPicPr>
+        <p:blipFill>
+          <a:blip r:embed="rId3" cstate="print">
+            <a:extLst>
+              <a:ext uri="{28A0092B-C50C-407E-A947-70E740481C1C}">
+                <a14:useLocalDpi xmlns:a14="http://schemas.microsoft.com/office/drawing/2010/main" val="0"/>
+              </a:ext>
+            </a:extLst>
+          </a:blip>
+          <a:srcRect/>
+          <a:stretch>
+            <a:fillRect/>
+          </a:stretch>
+        </p:blipFill>
+        <p:spPr bwMode="auto">
+          <a:xfrm>
+            <a:off x="6856639" y="3394530"/>
+            <a:ext cx="433161" cy="469795"/>
+          </a:xfrm>
+          <a:prstGeom prst="rect">
+            <a:avLst/>
+          </a:prstGeom>
+          <a:noFill/>
+          <a:ln>
+            <a:noFill/>
+          </a:ln>
+        </p:spPr>
+      </p:pic>
+      <p:pic>
+        <p:nvPicPr>
+          <p:cNvPr id="7" name="Picture 6">
+            <a:extLst>
+              <a:ext uri="{FF2B5EF4-FFF2-40B4-BE49-F238E27FC236}">
+                <a16:creationId xmlns:a16="http://schemas.microsoft.com/office/drawing/2014/main" xmlns="" id="{FE10BA29-F112-44DF-880E-A23C031125D8}"/>
+              </a:ext>
+            </a:extLst>
+          </p:cNvPr>
+          <p:cNvPicPr/>
+          <p:nvPr/>
+        </p:nvPicPr>
+        <p:blipFill>
+          <a:blip r:embed="rId3" cstate="print">
+            <a:extLst>
+              <a:ext uri="{28A0092B-C50C-407E-A947-70E740481C1C}">
+                <a14:useLocalDpi xmlns:a14="http://schemas.microsoft.com/office/drawing/2010/main" val="0"/>
+              </a:ext>
+            </a:extLst>
+          </a:blip>
+          <a:srcRect/>
+          <a:stretch>
+            <a:fillRect/>
+          </a:stretch>
+        </p:blipFill>
+        <p:spPr bwMode="auto">
+          <a:xfrm>
+            <a:off x="6856639" y="5661212"/>
+            <a:ext cx="433161" cy="469795"/>
+          </a:xfrm>
+          <a:prstGeom prst="rect">
+            <a:avLst/>
+          </a:prstGeom>
+          <a:noFill/>
+          <a:ln>
+            <a:noFill/>
+          </a:ln>
+        </p:spPr>
+      </p:pic>
+      <p:pic>
+        <p:nvPicPr>
+          <p:cNvPr id="8" name="Picture 7">
+            <a:extLst>
+              <a:ext uri="{FF2B5EF4-FFF2-40B4-BE49-F238E27FC236}">
+                <a16:creationId xmlns:a16="http://schemas.microsoft.com/office/drawing/2014/main" xmlns="" id="{5DFA3205-5299-4F19-A385-CB68FCC08E3C}"/>
+              </a:ext>
+            </a:extLst>
+          </p:cNvPr>
+          <p:cNvPicPr/>
+          <p:nvPr/>
+        </p:nvPicPr>
+        <p:blipFill>
+          <a:blip r:embed="rId4">
+            <a:extLst>
+              <a:ext uri="{28A0092B-C50C-407E-A947-70E740481C1C}">
+                <a14:useLocalDpi xmlns:a14="http://schemas.microsoft.com/office/drawing/2010/main" val="0"/>
+              </a:ext>
+            </a:extLst>
+          </a:blip>
+          <a:srcRect/>
+          <a:stretch>
+            <a:fillRect/>
+          </a:stretch>
+        </p:blipFill>
+        <p:spPr bwMode="auto">
+          <a:xfrm>
+            <a:off x="6836636" y="4527871"/>
+            <a:ext cx="473165" cy="469795"/>
+          </a:xfrm>
+          <a:prstGeom prst="rect">
+            <a:avLst/>
+          </a:prstGeom>
+          <a:noFill/>
+          <a:ln>
+            <a:noFill/>
+          </a:ln>
+        </p:spPr>
+      </p:pic>
     </p:spTree>
     <p:extLst>
       <p:ext uri="{BB962C8B-B14F-4D97-AF65-F5344CB8AC3E}">
-        <p14:creationId xmlns:p14="http://schemas.microsoft.com/office/powerpoint/2010/main" val="2175606873"/>
+        <p14:creationId xmlns:p14="http://schemas.microsoft.com/office/powerpoint/2010/main" val="2806083575"/>
       </p:ext>
     </p:extLst>
   </p:cSld>
   <p:clrMapOvr>
     <a:masterClrMapping/>
   </p:clrMapOvr>
+  <p:timing>
+    <p:tnLst>
+      <p:par>
+        <p:cTn id="1" dur="indefinite" restart="never" nodeType="tmRoot"/>
+      </p:par>
+    </p:tnLst>
+  </p:timing>
 </p:sld>
 </file>
 
@@ -8061,18 +6546,18 @@
           <a:lstStyle/>
           <a:p>
             <a:r>
+              <a:rPr lang="en-US" dirty="0">
+                <a:latin typeface="Times New Roman" panose="02020603050405020304" pitchFamily="18" charset="0"/>
+                <a:cs typeface="Times New Roman" panose="02020603050405020304" pitchFamily="18" charset="0"/>
+              </a:rPr>
+              <a:t>4</a:t>
+            </a:r>
+            <a:r>
               <a:rPr lang="en-US" dirty="0" smtClean="0">
                 <a:latin typeface="Times New Roman" panose="02020603050405020304" pitchFamily="18" charset="0"/>
                 <a:cs typeface="Times New Roman" panose="02020603050405020304" pitchFamily="18" charset="0"/>
               </a:rPr>
-              <a:t>4. </a:t>
-            </a:r>
-            <a:r>
-              <a:rPr lang="en-US" dirty="0">
-                <a:latin typeface="Times New Roman" panose="02020603050405020304" pitchFamily="18" charset="0"/>
-                <a:cs typeface="Times New Roman" panose="02020603050405020304" pitchFamily="18" charset="0"/>
-              </a:rPr>
-              <a:t>TỔNG KẾT &amp; HƯỚNG PHÁT TRIỂN</a:t>
+              <a:t>. TỔNG KẾT &amp; HƯỚNG PHÁT TRIỂN</a:t>
             </a:r>
             <a:endParaRPr lang="en-US" dirty="0"/>
           </a:p>
@@ -8088,18 +6573,33 @@
             <p:ph idx="1"/>
           </p:nvPr>
         </p:nvSpPr>
-        <p:spPr/>
+        <p:spPr>
+          <a:xfrm>
+            <a:off x="677334" y="2096194"/>
+            <a:ext cx="8596668" cy="3880773"/>
+          </a:xfrm>
+        </p:spPr>
         <p:txBody>
           <a:bodyPr/>
           <a:lstStyle/>
           <a:p>
             <a:r>
               <a:rPr lang="en-US" b="1" dirty="0" smtClean="0">
-                <a:latin typeface="Times New Roman" panose="02020603050405020304" pitchFamily="18" charset="0"/>
-                <a:cs typeface="Times New Roman" panose="02020603050405020304" pitchFamily="18" charset="0"/>
-              </a:rPr>
-              <a:t>HẠN CHẾ:</a:t>
-            </a:r>
+                <a:solidFill>
+                  <a:schemeClr val="tx1"/>
+                </a:solidFill>
+                <a:latin typeface="Times New Roman" panose="02020603050405020304" pitchFamily="18" charset="0"/>
+                <a:cs typeface="Times New Roman" panose="02020603050405020304" pitchFamily="18" charset="0"/>
+              </a:rPr>
+              <a:t>CÁC CÔNG VIỆC ĐÃ THỰC HIỆN:</a:t>
+            </a:r>
+            <a:endParaRPr lang="en-US" b="1" dirty="0">
+              <a:solidFill>
+                <a:schemeClr val="tx1"/>
+              </a:solidFill>
+              <a:latin typeface="Times New Roman" panose="02020603050405020304" pitchFamily="18" charset="0"/>
+              <a:cs typeface="Times New Roman" panose="02020603050405020304" pitchFamily="18" charset="0"/>
+            </a:endParaRPr>
           </a:p>
           <a:p>
             <a:pPr marL="0" indent="0">
@@ -8123,137 +6623,357 @@
                 <a:latin typeface="Times New Roman" panose="02020603050405020304" pitchFamily="18" charset="0"/>
                 <a:cs typeface="Times New Roman" panose="02020603050405020304" pitchFamily="18" charset="0"/>
               </a:rPr>
-              <a:t>Cơ</a:t>
-            </a:r>
-            <a:r>
-              <a:rPr lang="en-US" dirty="0">
-                <a:solidFill>
-                  <a:schemeClr val="tx1"/>
-                </a:solidFill>
-                <a:latin typeface="Times New Roman" panose="02020603050405020304" pitchFamily="18" charset="0"/>
-                <a:cs typeface="Times New Roman" panose="02020603050405020304" pitchFamily="18" charset="0"/>
-              </a:rPr>
-              <a:t> </a:t>
-            </a:r>
-            <a:r>
-              <a:rPr lang="en-US" dirty="0" err="1">
-                <a:solidFill>
-                  <a:schemeClr val="tx1"/>
-                </a:solidFill>
-                <a:latin typeface="Times New Roman" panose="02020603050405020304" pitchFamily="18" charset="0"/>
-                <a:cs typeface="Times New Roman" panose="02020603050405020304" pitchFamily="18" charset="0"/>
-              </a:rPr>
-              <a:t>sở</a:t>
-            </a:r>
-            <a:r>
-              <a:rPr lang="en-US" dirty="0">
-                <a:solidFill>
-                  <a:schemeClr val="tx1"/>
-                </a:solidFill>
-                <a:latin typeface="Times New Roman" panose="02020603050405020304" pitchFamily="18" charset="0"/>
-                <a:cs typeface="Times New Roman" panose="02020603050405020304" pitchFamily="18" charset="0"/>
-              </a:rPr>
-              <a:t> </a:t>
-            </a:r>
-            <a:r>
-              <a:rPr lang="en-US" dirty="0" err="1">
-                <a:solidFill>
-                  <a:schemeClr val="tx1"/>
-                </a:solidFill>
-                <a:latin typeface="Times New Roman" panose="02020603050405020304" pitchFamily="18" charset="0"/>
-                <a:cs typeface="Times New Roman" panose="02020603050405020304" pitchFamily="18" charset="0"/>
-              </a:rPr>
-              <a:t>vật</a:t>
-            </a:r>
-            <a:r>
-              <a:rPr lang="en-US" dirty="0">
-                <a:solidFill>
-                  <a:schemeClr val="tx1"/>
-                </a:solidFill>
-                <a:latin typeface="Times New Roman" panose="02020603050405020304" pitchFamily="18" charset="0"/>
-                <a:cs typeface="Times New Roman" panose="02020603050405020304" pitchFamily="18" charset="0"/>
-              </a:rPr>
-              <a:t> </a:t>
-            </a:r>
-            <a:r>
-              <a:rPr lang="en-US" dirty="0" err="1">
-                <a:solidFill>
-                  <a:schemeClr val="tx1"/>
-                </a:solidFill>
-                <a:latin typeface="Times New Roman" panose="02020603050405020304" pitchFamily="18" charset="0"/>
-                <a:cs typeface="Times New Roman" panose="02020603050405020304" pitchFamily="18" charset="0"/>
-              </a:rPr>
-              <a:t>chất</a:t>
-            </a:r>
-            <a:r>
-              <a:rPr lang="en-US" dirty="0">
-                <a:solidFill>
-                  <a:schemeClr val="tx1"/>
-                </a:solidFill>
-                <a:latin typeface="Times New Roman" panose="02020603050405020304" pitchFamily="18" charset="0"/>
-                <a:cs typeface="Times New Roman" panose="02020603050405020304" pitchFamily="18" charset="0"/>
-              </a:rPr>
-              <a:t> </a:t>
-            </a:r>
-            <a:r>
-              <a:rPr lang="en-US" dirty="0" err="1">
-                <a:solidFill>
-                  <a:schemeClr val="tx1"/>
-                </a:solidFill>
-                <a:latin typeface="Times New Roman" panose="02020603050405020304" pitchFamily="18" charset="0"/>
-                <a:cs typeface="Times New Roman" panose="02020603050405020304" pitchFamily="18" charset="0"/>
-              </a:rPr>
-              <a:t>chưa</a:t>
-            </a:r>
-            <a:r>
-              <a:rPr lang="en-US" dirty="0">
-                <a:solidFill>
-                  <a:schemeClr val="tx1"/>
-                </a:solidFill>
-                <a:latin typeface="Times New Roman" panose="02020603050405020304" pitchFamily="18" charset="0"/>
-                <a:cs typeface="Times New Roman" panose="02020603050405020304" pitchFamily="18" charset="0"/>
-              </a:rPr>
-              <a:t> </a:t>
-            </a:r>
-            <a:r>
-              <a:rPr lang="en-US" dirty="0" err="1">
-                <a:solidFill>
-                  <a:schemeClr val="tx1"/>
-                </a:solidFill>
-                <a:latin typeface="Times New Roman" panose="02020603050405020304" pitchFamily="18" charset="0"/>
-                <a:cs typeface="Times New Roman" panose="02020603050405020304" pitchFamily="18" charset="0"/>
-              </a:rPr>
-              <a:t>đủ</a:t>
-            </a:r>
-            <a:r>
-              <a:rPr lang="en-US" dirty="0">
-                <a:solidFill>
-                  <a:schemeClr val="tx1"/>
-                </a:solidFill>
-                <a:latin typeface="Times New Roman" panose="02020603050405020304" pitchFamily="18" charset="0"/>
-                <a:cs typeface="Times New Roman" panose="02020603050405020304" pitchFamily="18" charset="0"/>
-              </a:rPr>
-              <a:t> </a:t>
-            </a:r>
-            <a:r>
-              <a:rPr lang="en-US" dirty="0" err="1">
-                <a:solidFill>
-                  <a:schemeClr val="tx1"/>
-                </a:solidFill>
-                <a:latin typeface="Times New Roman" panose="02020603050405020304" pitchFamily="18" charset="0"/>
-                <a:cs typeface="Times New Roman" panose="02020603050405020304" pitchFamily="18" charset="0"/>
-              </a:rPr>
-              <a:t>tốt</a:t>
-            </a:r>
-            <a:r>
-              <a:rPr lang="en-US" dirty="0">
-                <a:solidFill>
-                  <a:schemeClr val="tx1"/>
-                </a:solidFill>
-                <a:latin typeface="Times New Roman" panose="02020603050405020304" pitchFamily="18" charset="0"/>
-                <a:cs typeface="Times New Roman" panose="02020603050405020304" pitchFamily="18" charset="0"/>
-              </a:rPr>
-              <a:t>.</a:t>
+              <a:t>Nghiên</a:t>
+            </a:r>
+            <a:r>
+              <a:rPr lang="en-US" dirty="0">
+                <a:solidFill>
+                  <a:schemeClr val="tx1"/>
+                </a:solidFill>
+                <a:latin typeface="Times New Roman" panose="02020603050405020304" pitchFamily="18" charset="0"/>
+                <a:cs typeface="Times New Roman" panose="02020603050405020304" pitchFamily="18" charset="0"/>
+              </a:rPr>
+              <a:t> </a:t>
+            </a:r>
+            <a:r>
+              <a:rPr lang="en-US" dirty="0" err="1">
+                <a:solidFill>
+                  <a:schemeClr val="tx1"/>
+                </a:solidFill>
+                <a:latin typeface="Times New Roman" panose="02020603050405020304" pitchFamily="18" charset="0"/>
+                <a:cs typeface="Times New Roman" panose="02020603050405020304" pitchFamily="18" charset="0"/>
+              </a:rPr>
+              <a:t>cứu</a:t>
+            </a:r>
+            <a:r>
+              <a:rPr lang="en-US" dirty="0">
+                <a:solidFill>
+                  <a:schemeClr val="tx1"/>
+                </a:solidFill>
+                <a:latin typeface="Times New Roman" panose="02020603050405020304" pitchFamily="18" charset="0"/>
+                <a:cs typeface="Times New Roman" panose="02020603050405020304" pitchFamily="18" charset="0"/>
+              </a:rPr>
+              <a:t> </a:t>
+            </a:r>
+            <a:r>
+              <a:rPr lang="en-US" dirty="0" err="1">
+                <a:solidFill>
+                  <a:schemeClr val="tx1"/>
+                </a:solidFill>
+                <a:latin typeface="Times New Roman" panose="02020603050405020304" pitchFamily="18" charset="0"/>
+                <a:cs typeface="Times New Roman" panose="02020603050405020304" pitchFamily="18" charset="0"/>
+              </a:rPr>
+              <a:t>các</a:t>
+            </a:r>
+            <a:r>
+              <a:rPr lang="en-US" dirty="0">
+                <a:solidFill>
+                  <a:schemeClr val="tx1"/>
+                </a:solidFill>
+                <a:latin typeface="Times New Roman" panose="02020603050405020304" pitchFamily="18" charset="0"/>
+                <a:cs typeface="Times New Roman" panose="02020603050405020304" pitchFamily="18" charset="0"/>
+              </a:rPr>
+              <a:t> </a:t>
+            </a:r>
+            <a:r>
+              <a:rPr lang="en-US" dirty="0" err="1">
+                <a:solidFill>
+                  <a:schemeClr val="tx1"/>
+                </a:solidFill>
+                <a:latin typeface="Times New Roman" panose="02020603050405020304" pitchFamily="18" charset="0"/>
+                <a:cs typeface="Times New Roman" panose="02020603050405020304" pitchFamily="18" charset="0"/>
+              </a:rPr>
+              <a:t>mô</a:t>
+            </a:r>
+            <a:r>
+              <a:rPr lang="en-US" dirty="0">
+                <a:solidFill>
+                  <a:schemeClr val="tx1"/>
+                </a:solidFill>
+                <a:latin typeface="Times New Roman" panose="02020603050405020304" pitchFamily="18" charset="0"/>
+                <a:cs typeface="Times New Roman" panose="02020603050405020304" pitchFamily="18" charset="0"/>
+              </a:rPr>
+              <a:t> </a:t>
+            </a:r>
+            <a:r>
+              <a:rPr lang="en-US" dirty="0" err="1">
+                <a:solidFill>
+                  <a:schemeClr val="tx1"/>
+                </a:solidFill>
+                <a:latin typeface="Times New Roman" panose="02020603050405020304" pitchFamily="18" charset="0"/>
+                <a:cs typeface="Times New Roman" panose="02020603050405020304" pitchFamily="18" charset="0"/>
+              </a:rPr>
+              <a:t>hình</a:t>
+            </a:r>
+            <a:r>
+              <a:rPr lang="en-US" dirty="0">
+                <a:solidFill>
+                  <a:schemeClr val="tx1"/>
+                </a:solidFill>
+                <a:latin typeface="Times New Roman" panose="02020603050405020304" pitchFamily="18" charset="0"/>
+                <a:cs typeface="Times New Roman" panose="02020603050405020304" pitchFamily="18" charset="0"/>
+              </a:rPr>
+              <a:t> </a:t>
+            </a:r>
+            <a:r>
+              <a:rPr lang="en-US" dirty="0" err="1">
+                <a:solidFill>
+                  <a:schemeClr val="tx1"/>
+                </a:solidFill>
+                <a:latin typeface="Times New Roman" panose="02020603050405020304" pitchFamily="18" charset="0"/>
+                <a:cs typeface="Times New Roman" panose="02020603050405020304" pitchFamily="18" charset="0"/>
+              </a:rPr>
+              <a:t>để</a:t>
+            </a:r>
+            <a:r>
+              <a:rPr lang="en-US" dirty="0">
+                <a:solidFill>
+                  <a:schemeClr val="tx1"/>
+                </a:solidFill>
+                <a:latin typeface="Times New Roman" panose="02020603050405020304" pitchFamily="18" charset="0"/>
+                <a:cs typeface="Times New Roman" panose="02020603050405020304" pitchFamily="18" charset="0"/>
+              </a:rPr>
+              <a:t> </a:t>
+            </a:r>
+            <a:r>
+              <a:rPr lang="en-US" dirty="0" err="1">
+                <a:solidFill>
+                  <a:schemeClr val="tx1"/>
+                </a:solidFill>
+                <a:latin typeface="Times New Roman" panose="02020603050405020304" pitchFamily="18" charset="0"/>
+                <a:cs typeface="Times New Roman" panose="02020603050405020304" pitchFamily="18" charset="0"/>
+              </a:rPr>
+              <a:t>xử</a:t>
+            </a:r>
+            <a:r>
+              <a:rPr lang="en-US" dirty="0">
+                <a:solidFill>
+                  <a:schemeClr val="tx1"/>
+                </a:solidFill>
+                <a:latin typeface="Times New Roman" panose="02020603050405020304" pitchFamily="18" charset="0"/>
+                <a:cs typeface="Times New Roman" panose="02020603050405020304" pitchFamily="18" charset="0"/>
+              </a:rPr>
+              <a:t> </a:t>
+            </a:r>
+            <a:r>
+              <a:rPr lang="en-US" dirty="0" err="1">
+                <a:solidFill>
+                  <a:schemeClr val="tx1"/>
+                </a:solidFill>
+                <a:latin typeface="Times New Roman" panose="02020603050405020304" pitchFamily="18" charset="0"/>
+                <a:cs typeface="Times New Roman" panose="02020603050405020304" pitchFamily="18" charset="0"/>
+              </a:rPr>
+              <a:t>lý</a:t>
+            </a:r>
+            <a:r>
+              <a:rPr lang="en-US" dirty="0">
+                <a:solidFill>
+                  <a:schemeClr val="tx1"/>
+                </a:solidFill>
+                <a:latin typeface="Times New Roman" panose="02020603050405020304" pitchFamily="18" charset="0"/>
+                <a:cs typeface="Times New Roman" panose="02020603050405020304" pitchFamily="18" charset="0"/>
+              </a:rPr>
+              <a:t> </a:t>
+            </a:r>
+            <a:r>
+              <a:rPr lang="en-US" dirty="0" err="1">
+                <a:solidFill>
+                  <a:schemeClr val="tx1"/>
+                </a:solidFill>
+                <a:latin typeface="Times New Roman" panose="02020603050405020304" pitchFamily="18" charset="0"/>
+                <a:cs typeface="Times New Roman" panose="02020603050405020304" pitchFamily="18" charset="0"/>
+              </a:rPr>
+              <a:t>các</a:t>
+            </a:r>
+            <a:r>
+              <a:rPr lang="en-US" dirty="0">
+                <a:solidFill>
+                  <a:schemeClr val="tx1"/>
+                </a:solidFill>
+                <a:latin typeface="Times New Roman" panose="02020603050405020304" pitchFamily="18" charset="0"/>
+                <a:cs typeface="Times New Roman" panose="02020603050405020304" pitchFamily="18" charset="0"/>
+              </a:rPr>
+              <a:t> </a:t>
+            </a:r>
+            <a:r>
+              <a:rPr lang="en-US" dirty="0" err="1">
+                <a:solidFill>
+                  <a:schemeClr val="tx1"/>
+                </a:solidFill>
+                <a:latin typeface="Times New Roman" panose="02020603050405020304" pitchFamily="18" charset="0"/>
+                <a:cs typeface="Times New Roman" panose="02020603050405020304" pitchFamily="18" charset="0"/>
+              </a:rPr>
+              <a:t>bài</a:t>
+            </a:r>
+            <a:r>
+              <a:rPr lang="en-US" dirty="0">
+                <a:solidFill>
+                  <a:schemeClr val="tx1"/>
+                </a:solidFill>
+                <a:latin typeface="Times New Roman" panose="02020603050405020304" pitchFamily="18" charset="0"/>
+                <a:cs typeface="Times New Roman" panose="02020603050405020304" pitchFamily="18" charset="0"/>
+              </a:rPr>
+              <a:t> </a:t>
+            </a:r>
+            <a:r>
+              <a:rPr lang="en-US" dirty="0" err="1">
+                <a:solidFill>
+                  <a:schemeClr val="tx1"/>
+                </a:solidFill>
+                <a:latin typeface="Times New Roman" panose="02020603050405020304" pitchFamily="18" charset="0"/>
+                <a:cs typeface="Times New Roman" panose="02020603050405020304" pitchFamily="18" charset="0"/>
+              </a:rPr>
+              <a:t>toán</a:t>
+            </a:r>
+            <a:r>
+              <a:rPr lang="en-US" dirty="0">
+                <a:solidFill>
+                  <a:schemeClr val="tx1"/>
+                </a:solidFill>
+                <a:latin typeface="Times New Roman" panose="02020603050405020304" pitchFamily="18" charset="0"/>
+                <a:cs typeface="Times New Roman" panose="02020603050405020304" pitchFamily="18" charset="0"/>
+              </a:rPr>
+              <a:t> </a:t>
+            </a:r>
+            <a:r>
+              <a:rPr lang="en-US" dirty="0" err="1">
+                <a:solidFill>
+                  <a:schemeClr val="tx1"/>
+                </a:solidFill>
+                <a:latin typeface="Times New Roman" panose="02020603050405020304" pitchFamily="18" charset="0"/>
+                <a:cs typeface="Times New Roman" panose="02020603050405020304" pitchFamily="18" charset="0"/>
+              </a:rPr>
+              <a:t>xử</a:t>
+            </a:r>
+            <a:r>
+              <a:rPr lang="en-US" dirty="0">
+                <a:solidFill>
+                  <a:schemeClr val="tx1"/>
+                </a:solidFill>
+                <a:latin typeface="Times New Roman" panose="02020603050405020304" pitchFamily="18" charset="0"/>
+                <a:cs typeface="Times New Roman" panose="02020603050405020304" pitchFamily="18" charset="0"/>
+              </a:rPr>
+              <a:t> </a:t>
+            </a:r>
+            <a:r>
+              <a:rPr lang="en-US" dirty="0" err="1">
+                <a:solidFill>
+                  <a:schemeClr val="tx1"/>
+                </a:solidFill>
+                <a:latin typeface="Times New Roman" panose="02020603050405020304" pitchFamily="18" charset="0"/>
+                <a:cs typeface="Times New Roman" panose="02020603050405020304" pitchFamily="18" charset="0"/>
+              </a:rPr>
+              <a:t>lý</a:t>
+            </a:r>
+            <a:r>
+              <a:rPr lang="en-US" dirty="0">
+                <a:solidFill>
+                  <a:schemeClr val="tx1"/>
+                </a:solidFill>
+                <a:latin typeface="Times New Roman" panose="02020603050405020304" pitchFamily="18" charset="0"/>
+                <a:cs typeface="Times New Roman" panose="02020603050405020304" pitchFamily="18" charset="0"/>
+              </a:rPr>
+              <a:t> </a:t>
+            </a:r>
+            <a:r>
+              <a:rPr lang="en-US" dirty="0" err="1">
+                <a:solidFill>
+                  <a:schemeClr val="tx1"/>
+                </a:solidFill>
+                <a:latin typeface="Times New Roman" panose="02020603050405020304" pitchFamily="18" charset="0"/>
+                <a:cs typeface="Times New Roman" panose="02020603050405020304" pitchFamily="18" charset="0"/>
+              </a:rPr>
+              <a:t>hình</a:t>
+            </a:r>
+            <a:r>
+              <a:rPr lang="en-US" dirty="0">
+                <a:solidFill>
+                  <a:schemeClr val="tx1"/>
+                </a:solidFill>
+                <a:latin typeface="Times New Roman" panose="02020603050405020304" pitchFamily="18" charset="0"/>
+                <a:cs typeface="Times New Roman" panose="02020603050405020304" pitchFamily="18" charset="0"/>
+              </a:rPr>
+              <a:t> </a:t>
+            </a:r>
+            <a:r>
+              <a:rPr lang="en-US" dirty="0" err="1">
+                <a:solidFill>
+                  <a:schemeClr val="tx1"/>
+                </a:solidFill>
+                <a:latin typeface="Times New Roman" panose="02020603050405020304" pitchFamily="18" charset="0"/>
+                <a:cs typeface="Times New Roman" panose="02020603050405020304" pitchFamily="18" charset="0"/>
+              </a:rPr>
+              <a:t>ảnh</a:t>
+            </a:r>
+            <a:r>
+              <a:rPr lang="en-US" dirty="0">
+                <a:solidFill>
+                  <a:schemeClr val="tx1"/>
+                </a:solidFill>
+                <a:latin typeface="Times New Roman" panose="02020603050405020304" pitchFamily="18" charset="0"/>
+                <a:cs typeface="Times New Roman" panose="02020603050405020304" pitchFamily="18" charset="0"/>
+              </a:rPr>
+              <a:t>, </a:t>
+            </a:r>
+            <a:r>
+              <a:rPr lang="en-US" dirty="0" err="1">
+                <a:solidFill>
+                  <a:schemeClr val="tx1"/>
+                </a:solidFill>
+                <a:latin typeface="Times New Roman" panose="02020603050405020304" pitchFamily="18" charset="0"/>
+                <a:cs typeface="Times New Roman" panose="02020603050405020304" pitchFamily="18" charset="0"/>
+              </a:rPr>
+              <a:t>văn</a:t>
+            </a:r>
+            <a:r>
+              <a:rPr lang="en-US" dirty="0">
+                <a:solidFill>
+                  <a:schemeClr val="tx1"/>
+                </a:solidFill>
+                <a:latin typeface="Times New Roman" panose="02020603050405020304" pitchFamily="18" charset="0"/>
+                <a:cs typeface="Times New Roman" panose="02020603050405020304" pitchFamily="18" charset="0"/>
+              </a:rPr>
+              <a:t> </a:t>
+            </a:r>
+            <a:r>
+              <a:rPr lang="en-US" dirty="0" err="1">
+                <a:solidFill>
+                  <a:schemeClr val="tx1"/>
+                </a:solidFill>
+                <a:latin typeface="Times New Roman" panose="02020603050405020304" pitchFamily="18" charset="0"/>
+                <a:cs typeface="Times New Roman" panose="02020603050405020304" pitchFamily="18" charset="0"/>
+              </a:rPr>
+              <a:t>bản</a:t>
+            </a:r>
+            <a:r>
+              <a:rPr lang="en-US" dirty="0">
+                <a:solidFill>
+                  <a:schemeClr val="tx1"/>
+                </a:solidFill>
+                <a:latin typeface="Times New Roman" panose="02020603050405020304" pitchFamily="18" charset="0"/>
+                <a:cs typeface="Times New Roman" panose="02020603050405020304" pitchFamily="18" charset="0"/>
+              </a:rPr>
+              <a:t> </a:t>
+            </a:r>
+            <a:r>
+              <a:rPr lang="en-US" dirty="0" err="1">
+                <a:solidFill>
+                  <a:schemeClr val="tx1"/>
+                </a:solidFill>
+                <a:latin typeface="Times New Roman" panose="02020603050405020304" pitchFamily="18" charset="0"/>
+                <a:cs typeface="Times New Roman" panose="02020603050405020304" pitchFamily="18" charset="0"/>
+              </a:rPr>
+              <a:t>trong</a:t>
+            </a:r>
+            <a:r>
+              <a:rPr lang="en-US" dirty="0">
+                <a:solidFill>
+                  <a:schemeClr val="tx1"/>
+                </a:solidFill>
+                <a:latin typeface="Times New Roman" panose="02020603050405020304" pitchFamily="18" charset="0"/>
+                <a:cs typeface="Times New Roman" panose="02020603050405020304" pitchFamily="18" charset="0"/>
+              </a:rPr>
+              <a:t> Deep Learning, Machine Learning. </a:t>
             </a:r>
           </a:p>
           <a:p>
@@ -8278,157 +6998,477 @@
                 <a:latin typeface="Times New Roman" panose="02020603050405020304" pitchFamily="18" charset="0"/>
                 <a:cs typeface="Times New Roman" panose="02020603050405020304" pitchFamily="18" charset="0"/>
               </a:rPr>
-              <a:t>Chưa</a:t>
-            </a:r>
-            <a:r>
-              <a:rPr lang="en-US" dirty="0">
-                <a:solidFill>
-                  <a:schemeClr val="tx1"/>
-                </a:solidFill>
-                <a:latin typeface="Times New Roman" panose="02020603050405020304" pitchFamily="18" charset="0"/>
-                <a:cs typeface="Times New Roman" panose="02020603050405020304" pitchFamily="18" charset="0"/>
-              </a:rPr>
-              <a:t> </a:t>
-            </a:r>
-            <a:r>
-              <a:rPr lang="en-US" dirty="0" err="1">
-                <a:solidFill>
-                  <a:schemeClr val="tx1"/>
-                </a:solidFill>
-                <a:latin typeface="Times New Roman" panose="02020603050405020304" pitchFamily="18" charset="0"/>
-                <a:cs typeface="Times New Roman" panose="02020603050405020304" pitchFamily="18" charset="0"/>
-              </a:rPr>
-              <a:t>quen</a:t>
-            </a:r>
-            <a:r>
-              <a:rPr lang="en-US" dirty="0">
-                <a:solidFill>
-                  <a:schemeClr val="tx1"/>
-                </a:solidFill>
-                <a:latin typeface="Times New Roman" panose="02020603050405020304" pitchFamily="18" charset="0"/>
-                <a:cs typeface="Times New Roman" panose="02020603050405020304" pitchFamily="18" charset="0"/>
-              </a:rPr>
-              <a:t> </a:t>
-            </a:r>
-            <a:r>
-              <a:rPr lang="en-US" dirty="0" err="1">
-                <a:solidFill>
-                  <a:schemeClr val="tx1"/>
-                </a:solidFill>
-                <a:latin typeface="Times New Roman" panose="02020603050405020304" pitchFamily="18" charset="0"/>
-                <a:cs typeface="Times New Roman" panose="02020603050405020304" pitchFamily="18" charset="0"/>
-              </a:rPr>
-              <a:t>với</a:t>
-            </a:r>
-            <a:r>
-              <a:rPr lang="en-US" dirty="0">
-                <a:solidFill>
-                  <a:schemeClr val="tx1"/>
-                </a:solidFill>
-                <a:latin typeface="Times New Roman" panose="02020603050405020304" pitchFamily="18" charset="0"/>
-                <a:cs typeface="Times New Roman" panose="02020603050405020304" pitchFamily="18" charset="0"/>
-              </a:rPr>
-              <a:t> </a:t>
-            </a:r>
-            <a:r>
-              <a:rPr lang="en-US" dirty="0" err="1">
-                <a:solidFill>
-                  <a:schemeClr val="tx1"/>
-                </a:solidFill>
-                <a:latin typeface="Times New Roman" panose="02020603050405020304" pitchFamily="18" charset="0"/>
-                <a:cs typeface="Times New Roman" panose="02020603050405020304" pitchFamily="18" charset="0"/>
-              </a:rPr>
-              <a:t>môi</a:t>
-            </a:r>
-            <a:r>
-              <a:rPr lang="en-US" dirty="0">
-                <a:solidFill>
-                  <a:schemeClr val="tx1"/>
-                </a:solidFill>
-                <a:latin typeface="Times New Roman" panose="02020603050405020304" pitchFamily="18" charset="0"/>
-                <a:cs typeface="Times New Roman" panose="02020603050405020304" pitchFamily="18" charset="0"/>
-              </a:rPr>
-              <a:t> </a:t>
-            </a:r>
-            <a:r>
-              <a:rPr lang="en-US" dirty="0" err="1">
-                <a:solidFill>
-                  <a:schemeClr val="tx1"/>
-                </a:solidFill>
-                <a:latin typeface="Times New Roman" panose="02020603050405020304" pitchFamily="18" charset="0"/>
-                <a:cs typeface="Times New Roman" panose="02020603050405020304" pitchFamily="18" charset="0"/>
-              </a:rPr>
-              <a:t>trường</a:t>
-            </a:r>
-            <a:r>
-              <a:rPr lang="en-US" dirty="0">
-                <a:solidFill>
-                  <a:schemeClr val="tx1"/>
-                </a:solidFill>
-                <a:latin typeface="Times New Roman" panose="02020603050405020304" pitchFamily="18" charset="0"/>
-                <a:cs typeface="Times New Roman" panose="02020603050405020304" pitchFamily="18" charset="0"/>
-              </a:rPr>
-              <a:t> </a:t>
-            </a:r>
-            <a:r>
-              <a:rPr lang="en-US" dirty="0" err="1">
-                <a:solidFill>
-                  <a:schemeClr val="tx1"/>
-                </a:solidFill>
-                <a:latin typeface="Times New Roman" panose="02020603050405020304" pitchFamily="18" charset="0"/>
-                <a:cs typeface="Times New Roman" panose="02020603050405020304" pitchFamily="18" charset="0"/>
-              </a:rPr>
-              <a:t>làm</a:t>
-            </a:r>
-            <a:r>
-              <a:rPr lang="en-US" dirty="0">
-                <a:solidFill>
-                  <a:schemeClr val="tx1"/>
-                </a:solidFill>
-                <a:latin typeface="Times New Roman" panose="02020603050405020304" pitchFamily="18" charset="0"/>
-                <a:cs typeface="Times New Roman" panose="02020603050405020304" pitchFamily="18" charset="0"/>
-              </a:rPr>
-              <a:t> </a:t>
-            </a:r>
-            <a:r>
-              <a:rPr lang="en-US" dirty="0" err="1">
-                <a:solidFill>
-                  <a:schemeClr val="tx1"/>
-                </a:solidFill>
-                <a:latin typeface="Times New Roman" panose="02020603050405020304" pitchFamily="18" charset="0"/>
-                <a:cs typeface="Times New Roman" panose="02020603050405020304" pitchFamily="18" charset="0"/>
-              </a:rPr>
-              <a:t>việc</a:t>
-            </a:r>
-            <a:r>
-              <a:rPr lang="en-US" dirty="0">
-                <a:solidFill>
-                  <a:schemeClr val="tx1"/>
-                </a:solidFill>
-                <a:latin typeface="Times New Roman" panose="02020603050405020304" pitchFamily="18" charset="0"/>
-                <a:cs typeface="Times New Roman" panose="02020603050405020304" pitchFamily="18" charset="0"/>
-              </a:rPr>
-              <a:t> Google </a:t>
-            </a:r>
-            <a:r>
-              <a:rPr lang="en-US" dirty="0" err="1">
-                <a:solidFill>
-                  <a:schemeClr val="tx1"/>
-                </a:solidFill>
-                <a:latin typeface="Times New Roman" panose="02020603050405020304" pitchFamily="18" charset="0"/>
-                <a:cs typeface="Times New Roman" panose="02020603050405020304" pitchFamily="18" charset="0"/>
-              </a:rPr>
-              <a:t>Colab</a:t>
-            </a:r>
-            <a:r>
-              <a:rPr lang="en-US" dirty="0">
-                <a:solidFill>
-                  <a:schemeClr val="tx1"/>
-                </a:solidFill>
-                <a:latin typeface="Times New Roman" panose="02020603050405020304" pitchFamily="18" charset="0"/>
-                <a:cs typeface="Times New Roman" panose="02020603050405020304" pitchFamily="18" charset="0"/>
-              </a:rPr>
-              <a:t> Service.</a:t>
+              <a:t>Tìm</a:t>
+            </a:r>
+            <a:r>
+              <a:rPr lang="en-US" dirty="0">
+                <a:solidFill>
+                  <a:schemeClr val="tx1"/>
+                </a:solidFill>
+                <a:latin typeface="Times New Roman" panose="02020603050405020304" pitchFamily="18" charset="0"/>
+                <a:cs typeface="Times New Roman" panose="02020603050405020304" pitchFamily="18" charset="0"/>
+              </a:rPr>
+              <a:t> </a:t>
+            </a:r>
+            <a:r>
+              <a:rPr lang="en-US" dirty="0" err="1">
+                <a:solidFill>
+                  <a:schemeClr val="tx1"/>
+                </a:solidFill>
+                <a:latin typeface="Times New Roman" panose="02020603050405020304" pitchFamily="18" charset="0"/>
+                <a:cs typeface="Times New Roman" panose="02020603050405020304" pitchFamily="18" charset="0"/>
+              </a:rPr>
+              <a:t>hiểu</a:t>
+            </a:r>
+            <a:r>
+              <a:rPr lang="en-US" dirty="0">
+                <a:solidFill>
+                  <a:schemeClr val="tx1"/>
+                </a:solidFill>
+                <a:latin typeface="Times New Roman" panose="02020603050405020304" pitchFamily="18" charset="0"/>
+                <a:cs typeface="Times New Roman" panose="02020603050405020304" pitchFamily="18" charset="0"/>
+              </a:rPr>
+              <a:t> </a:t>
+            </a:r>
+            <a:r>
+              <a:rPr lang="en-US" dirty="0" err="1">
+                <a:solidFill>
+                  <a:schemeClr val="tx1"/>
+                </a:solidFill>
+                <a:latin typeface="Times New Roman" panose="02020603050405020304" pitchFamily="18" charset="0"/>
+                <a:cs typeface="Times New Roman" panose="02020603050405020304" pitchFamily="18" charset="0"/>
+              </a:rPr>
+              <a:t>ứng</a:t>
+            </a:r>
+            <a:r>
+              <a:rPr lang="en-US" dirty="0">
+                <a:solidFill>
+                  <a:schemeClr val="tx1"/>
+                </a:solidFill>
+                <a:latin typeface="Times New Roman" panose="02020603050405020304" pitchFamily="18" charset="0"/>
+                <a:cs typeface="Times New Roman" panose="02020603050405020304" pitchFamily="18" charset="0"/>
+              </a:rPr>
+              <a:t> </a:t>
+            </a:r>
+            <a:r>
+              <a:rPr lang="en-US" dirty="0" err="1">
+                <a:solidFill>
+                  <a:schemeClr val="tx1"/>
+                </a:solidFill>
+                <a:latin typeface="Times New Roman" panose="02020603050405020304" pitchFamily="18" charset="0"/>
+                <a:cs typeface="Times New Roman" panose="02020603050405020304" pitchFamily="18" charset="0"/>
+              </a:rPr>
+              <a:t>dụng</a:t>
+            </a:r>
+            <a:r>
+              <a:rPr lang="en-US" dirty="0">
+                <a:solidFill>
+                  <a:schemeClr val="tx1"/>
+                </a:solidFill>
+                <a:latin typeface="Times New Roman" panose="02020603050405020304" pitchFamily="18" charset="0"/>
+                <a:cs typeface="Times New Roman" panose="02020603050405020304" pitchFamily="18" charset="0"/>
+              </a:rPr>
+              <a:t> </a:t>
+            </a:r>
+            <a:r>
+              <a:rPr lang="en-US" dirty="0" err="1">
+                <a:solidFill>
+                  <a:schemeClr val="tx1"/>
+                </a:solidFill>
+                <a:latin typeface="Times New Roman" panose="02020603050405020304" pitchFamily="18" charset="0"/>
+                <a:cs typeface="Times New Roman" panose="02020603050405020304" pitchFamily="18" charset="0"/>
+              </a:rPr>
+              <a:t>giải</a:t>
+            </a:r>
+            <a:r>
+              <a:rPr lang="en-US" dirty="0">
+                <a:solidFill>
+                  <a:schemeClr val="tx1"/>
+                </a:solidFill>
+                <a:latin typeface="Times New Roman" panose="02020603050405020304" pitchFamily="18" charset="0"/>
+                <a:cs typeface="Times New Roman" panose="02020603050405020304" pitchFamily="18" charset="0"/>
+              </a:rPr>
+              <a:t> </a:t>
+            </a:r>
+            <a:r>
+              <a:rPr lang="en-US" dirty="0" err="1">
+                <a:solidFill>
+                  <a:schemeClr val="tx1"/>
+                </a:solidFill>
+                <a:latin typeface="Times New Roman" panose="02020603050405020304" pitchFamily="18" charset="0"/>
+                <a:cs typeface="Times New Roman" panose="02020603050405020304" pitchFamily="18" charset="0"/>
+              </a:rPr>
+              <a:t>quyết</a:t>
+            </a:r>
+            <a:r>
+              <a:rPr lang="en-US" dirty="0">
+                <a:solidFill>
+                  <a:schemeClr val="tx1"/>
+                </a:solidFill>
+                <a:latin typeface="Times New Roman" panose="02020603050405020304" pitchFamily="18" charset="0"/>
+                <a:cs typeface="Times New Roman" panose="02020603050405020304" pitchFamily="18" charset="0"/>
+              </a:rPr>
+              <a:t> </a:t>
+            </a:r>
+            <a:r>
+              <a:rPr lang="en-US" dirty="0" err="1">
+                <a:solidFill>
+                  <a:schemeClr val="tx1"/>
+                </a:solidFill>
+                <a:latin typeface="Times New Roman" panose="02020603050405020304" pitchFamily="18" charset="0"/>
+                <a:cs typeface="Times New Roman" panose="02020603050405020304" pitchFamily="18" charset="0"/>
+              </a:rPr>
+              <a:t>các</a:t>
+            </a:r>
+            <a:r>
+              <a:rPr lang="en-US" dirty="0">
+                <a:solidFill>
+                  <a:schemeClr val="tx1"/>
+                </a:solidFill>
+                <a:latin typeface="Times New Roman" panose="02020603050405020304" pitchFamily="18" charset="0"/>
+                <a:cs typeface="Times New Roman" panose="02020603050405020304" pitchFamily="18" charset="0"/>
+              </a:rPr>
+              <a:t> </a:t>
+            </a:r>
+            <a:r>
+              <a:rPr lang="en-US" dirty="0" err="1">
+                <a:solidFill>
+                  <a:schemeClr val="tx1"/>
+                </a:solidFill>
+                <a:latin typeface="Times New Roman" panose="02020603050405020304" pitchFamily="18" charset="0"/>
+                <a:cs typeface="Times New Roman" panose="02020603050405020304" pitchFamily="18" charset="0"/>
+              </a:rPr>
+              <a:t>vấn</a:t>
+            </a:r>
+            <a:r>
+              <a:rPr lang="en-US" dirty="0">
+                <a:solidFill>
+                  <a:schemeClr val="tx1"/>
+                </a:solidFill>
+                <a:latin typeface="Times New Roman" panose="02020603050405020304" pitchFamily="18" charset="0"/>
+                <a:cs typeface="Times New Roman" panose="02020603050405020304" pitchFamily="18" charset="0"/>
+              </a:rPr>
+              <a:t> </a:t>
+            </a:r>
+            <a:r>
+              <a:rPr lang="en-US" dirty="0" err="1">
+                <a:solidFill>
+                  <a:schemeClr val="tx1"/>
+                </a:solidFill>
+                <a:latin typeface="Times New Roman" panose="02020603050405020304" pitchFamily="18" charset="0"/>
+                <a:cs typeface="Times New Roman" panose="02020603050405020304" pitchFamily="18" charset="0"/>
+              </a:rPr>
+              <a:t>đề</a:t>
+            </a:r>
+            <a:r>
+              <a:rPr lang="en-US" dirty="0">
+                <a:solidFill>
+                  <a:schemeClr val="tx1"/>
+                </a:solidFill>
+                <a:latin typeface="Times New Roman" panose="02020603050405020304" pitchFamily="18" charset="0"/>
+                <a:cs typeface="Times New Roman" panose="02020603050405020304" pitchFamily="18" charset="0"/>
+              </a:rPr>
+              <a:t> /</a:t>
+            </a:r>
+            <a:r>
+              <a:rPr lang="en-US" dirty="0" err="1">
+                <a:solidFill>
+                  <a:schemeClr val="tx1"/>
+                </a:solidFill>
+                <a:latin typeface="Times New Roman" panose="02020603050405020304" pitchFamily="18" charset="0"/>
+                <a:cs typeface="Times New Roman" panose="02020603050405020304" pitchFamily="18" charset="0"/>
+              </a:rPr>
+              <a:t>bài</a:t>
+            </a:r>
+            <a:r>
+              <a:rPr lang="en-US" dirty="0">
+                <a:solidFill>
+                  <a:schemeClr val="tx1"/>
+                </a:solidFill>
+                <a:latin typeface="Times New Roman" panose="02020603050405020304" pitchFamily="18" charset="0"/>
+                <a:cs typeface="Times New Roman" panose="02020603050405020304" pitchFamily="18" charset="0"/>
+              </a:rPr>
+              <a:t> </a:t>
+            </a:r>
+            <a:r>
+              <a:rPr lang="en-US" dirty="0" err="1">
+                <a:solidFill>
+                  <a:schemeClr val="tx1"/>
+                </a:solidFill>
+                <a:latin typeface="Times New Roman" panose="02020603050405020304" pitchFamily="18" charset="0"/>
+                <a:cs typeface="Times New Roman" panose="02020603050405020304" pitchFamily="18" charset="0"/>
+              </a:rPr>
+              <a:t>toán</a:t>
+            </a:r>
+            <a:r>
+              <a:rPr lang="en-US" dirty="0">
+                <a:solidFill>
+                  <a:schemeClr val="tx1"/>
+                </a:solidFill>
+                <a:latin typeface="Times New Roman" panose="02020603050405020304" pitchFamily="18" charset="0"/>
+                <a:cs typeface="Times New Roman" panose="02020603050405020304" pitchFamily="18" charset="0"/>
+              </a:rPr>
+              <a:t> </a:t>
+            </a:r>
+            <a:r>
+              <a:rPr lang="en-US" dirty="0" err="1">
+                <a:solidFill>
+                  <a:schemeClr val="tx1"/>
+                </a:solidFill>
+                <a:latin typeface="Times New Roman" panose="02020603050405020304" pitchFamily="18" charset="0"/>
+                <a:cs typeface="Times New Roman" panose="02020603050405020304" pitchFamily="18" charset="0"/>
+              </a:rPr>
+              <a:t>về</a:t>
+            </a:r>
+            <a:r>
+              <a:rPr lang="en-US" dirty="0">
+                <a:solidFill>
+                  <a:schemeClr val="tx1"/>
+                </a:solidFill>
+                <a:latin typeface="Times New Roman" panose="02020603050405020304" pitchFamily="18" charset="0"/>
+                <a:cs typeface="Times New Roman" panose="02020603050405020304" pitchFamily="18" charset="0"/>
+              </a:rPr>
+              <a:t> </a:t>
+            </a:r>
+            <a:r>
+              <a:rPr lang="en-US" dirty="0" err="1">
+                <a:solidFill>
+                  <a:schemeClr val="tx1"/>
+                </a:solidFill>
+                <a:latin typeface="Times New Roman" panose="02020603050405020304" pitchFamily="18" charset="0"/>
+                <a:cs typeface="Times New Roman" panose="02020603050405020304" pitchFamily="18" charset="0"/>
+              </a:rPr>
+              <a:t>gợi</a:t>
+            </a:r>
+            <a:r>
+              <a:rPr lang="en-US" dirty="0">
+                <a:solidFill>
+                  <a:schemeClr val="tx1"/>
+                </a:solidFill>
+                <a:latin typeface="Times New Roman" panose="02020603050405020304" pitchFamily="18" charset="0"/>
+                <a:cs typeface="Times New Roman" panose="02020603050405020304" pitchFamily="18" charset="0"/>
+              </a:rPr>
+              <a:t> ý </a:t>
+            </a:r>
+            <a:r>
+              <a:rPr lang="en-US" dirty="0" err="1">
+                <a:solidFill>
+                  <a:schemeClr val="tx1"/>
+                </a:solidFill>
+                <a:latin typeface="Times New Roman" panose="02020603050405020304" pitchFamily="18" charset="0"/>
+                <a:cs typeface="Times New Roman" panose="02020603050405020304" pitchFamily="18" charset="0"/>
+              </a:rPr>
+              <a:t>và</a:t>
+            </a:r>
+            <a:r>
+              <a:rPr lang="en-US" dirty="0">
+                <a:solidFill>
+                  <a:schemeClr val="tx1"/>
+                </a:solidFill>
+                <a:latin typeface="Times New Roman" panose="02020603050405020304" pitchFamily="18" charset="0"/>
+                <a:cs typeface="Times New Roman" panose="02020603050405020304" pitchFamily="18" charset="0"/>
+              </a:rPr>
+              <a:t> </a:t>
+            </a:r>
+            <a:r>
+              <a:rPr lang="en-US" dirty="0" err="1">
+                <a:solidFill>
+                  <a:schemeClr val="tx1"/>
+                </a:solidFill>
+                <a:latin typeface="Times New Roman" panose="02020603050405020304" pitchFamily="18" charset="0"/>
+                <a:cs typeface="Times New Roman" panose="02020603050405020304" pitchFamily="18" charset="0"/>
+              </a:rPr>
+              <a:t>phát</a:t>
+            </a:r>
+            <a:r>
+              <a:rPr lang="en-US" dirty="0">
+                <a:solidFill>
+                  <a:schemeClr val="tx1"/>
+                </a:solidFill>
+                <a:latin typeface="Times New Roman" panose="02020603050405020304" pitchFamily="18" charset="0"/>
+                <a:cs typeface="Times New Roman" panose="02020603050405020304" pitchFamily="18" charset="0"/>
+              </a:rPr>
+              <a:t> </a:t>
+            </a:r>
+            <a:r>
+              <a:rPr lang="en-US" dirty="0" err="1">
+                <a:solidFill>
+                  <a:schemeClr val="tx1"/>
+                </a:solidFill>
+                <a:latin typeface="Times New Roman" panose="02020603050405020304" pitchFamily="18" charset="0"/>
+                <a:cs typeface="Times New Roman" panose="02020603050405020304" pitchFamily="18" charset="0"/>
+              </a:rPr>
+              <a:t>sinh</a:t>
+            </a:r>
+            <a:r>
+              <a:rPr lang="en-US" dirty="0">
+                <a:solidFill>
+                  <a:schemeClr val="tx1"/>
+                </a:solidFill>
+                <a:latin typeface="Times New Roman" panose="02020603050405020304" pitchFamily="18" charset="0"/>
+                <a:cs typeface="Times New Roman" panose="02020603050405020304" pitchFamily="18" charset="0"/>
+              </a:rPr>
+              <a:t> </a:t>
+            </a:r>
+            <a:r>
+              <a:rPr lang="en-US" dirty="0" err="1">
+                <a:solidFill>
+                  <a:schemeClr val="tx1"/>
+                </a:solidFill>
+                <a:latin typeface="Times New Roman" panose="02020603050405020304" pitchFamily="18" charset="0"/>
+                <a:cs typeface="Times New Roman" panose="02020603050405020304" pitchFamily="18" charset="0"/>
+              </a:rPr>
+              <a:t>câu</a:t>
+            </a:r>
+            <a:r>
+              <a:rPr lang="en-US" dirty="0">
+                <a:solidFill>
+                  <a:schemeClr val="tx1"/>
+                </a:solidFill>
+                <a:latin typeface="Times New Roman" panose="02020603050405020304" pitchFamily="18" charset="0"/>
+                <a:cs typeface="Times New Roman" panose="02020603050405020304" pitchFamily="18" charset="0"/>
+              </a:rPr>
+              <a:t> </a:t>
+            </a:r>
+            <a:r>
+              <a:rPr lang="en-US" dirty="0" err="1">
+                <a:solidFill>
+                  <a:schemeClr val="tx1"/>
+                </a:solidFill>
+                <a:latin typeface="Times New Roman" panose="02020603050405020304" pitchFamily="18" charset="0"/>
+                <a:cs typeface="Times New Roman" panose="02020603050405020304" pitchFamily="18" charset="0"/>
+              </a:rPr>
+              <a:t>bình</a:t>
+            </a:r>
+            <a:r>
+              <a:rPr lang="en-US" dirty="0">
+                <a:solidFill>
+                  <a:schemeClr val="tx1"/>
+                </a:solidFill>
+                <a:latin typeface="Times New Roman" panose="02020603050405020304" pitchFamily="18" charset="0"/>
+                <a:cs typeface="Times New Roman" panose="02020603050405020304" pitchFamily="18" charset="0"/>
+              </a:rPr>
+              <a:t> </a:t>
+            </a:r>
+            <a:r>
+              <a:rPr lang="en-US" dirty="0" err="1">
+                <a:solidFill>
+                  <a:schemeClr val="tx1"/>
+                </a:solidFill>
+                <a:latin typeface="Times New Roman" panose="02020603050405020304" pitchFamily="18" charset="0"/>
+                <a:cs typeface="Times New Roman" panose="02020603050405020304" pitchFamily="18" charset="0"/>
+              </a:rPr>
+              <a:t>luận</a:t>
+            </a:r>
+            <a:r>
+              <a:rPr lang="en-US" dirty="0">
+                <a:solidFill>
+                  <a:schemeClr val="tx1"/>
+                </a:solidFill>
+                <a:latin typeface="Times New Roman" panose="02020603050405020304" pitchFamily="18" charset="0"/>
+                <a:cs typeface="Times New Roman" panose="02020603050405020304" pitchFamily="18" charset="0"/>
+              </a:rPr>
+              <a:t> </a:t>
+            </a:r>
+            <a:r>
+              <a:rPr lang="en-US" dirty="0" err="1">
+                <a:solidFill>
+                  <a:schemeClr val="tx1"/>
+                </a:solidFill>
+                <a:latin typeface="Times New Roman" panose="02020603050405020304" pitchFamily="18" charset="0"/>
+                <a:cs typeface="Times New Roman" panose="02020603050405020304" pitchFamily="18" charset="0"/>
+              </a:rPr>
+              <a:t>cho</a:t>
+            </a:r>
+            <a:r>
+              <a:rPr lang="en-US" dirty="0">
+                <a:solidFill>
+                  <a:schemeClr val="tx1"/>
+                </a:solidFill>
+                <a:latin typeface="Times New Roman" panose="02020603050405020304" pitchFamily="18" charset="0"/>
+                <a:cs typeface="Times New Roman" panose="02020603050405020304" pitchFamily="18" charset="0"/>
+              </a:rPr>
+              <a:t> </a:t>
+            </a:r>
+            <a:r>
+              <a:rPr lang="en-US" dirty="0" err="1">
+                <a:solidFill>
+                  <a:schemeClr val="tx1"/>
+                </a:solidFill>
+                <a:latin typeface="Times New Roman" panose="02020603050405020304" pitchFamily="18" charset="0"/>
+                <a:cs typeface="Times New Roman" panose="02020603050405020304" pitchFamily="18" charset="0"/>
+              </a:rPr>
+              <a:t>những</a:t>
+            </a:r>
+            <a:r>
+              <a:rPr lang="en-US" dirty="0">
+                <a:solidFill>
+                  <a:schemeClr val="tx1"/>
+                </a:solidFill>
+                <a:latin typeface="Times New Roman" panose="02020603050405020304" pitchFamily="18" charset="0"/>
+                <a:cs typeface="Times New Roman" panose="02020603050405020304" pitchFamily="18" charset="0"/>
+              </a:rPr>
+              <a:t> </a:t>
+            </a:r>
+            <a:r>
+              <a:rPr lang="en-US" dirty="0" err="1">
+                <a:solidFill>
+                  <a:schemeClr val="tx1"/>
+                </a:solidFill>
+                <a:latin typeface="Times New Roman" panose="02020603050405020304" pitchFamily="18" charset="0"/>
+                <a:cs typeface="Times New Roman" panose="02020603050405020304" pitchFamily="18" charset="0"/>
+              </a:rPr>
+              <a:t>bộ</a:t>
+            </a:r>
+            <a:r>
+              <a:rPr lang="en-US" dirty="0">
+                <a:solidFill>
+                  <a:schemeClr val="tx1"/>
+                </a:solidFill>
+                <a:latin typeface="Times New Roman" panose="02020603050405020304" pitchFamily="18" charset="0"/>
+                <a:cs typeface="Times New Roman" panose="02020603050405020304" pitchFamily="18" charset="0"/>
+              </a:rPr>
+              <a:t> </a:t>
+            </a:r>
+            <a:r>
+              <a:rPr lang="en-US" dirty="0" err="1">
+                <a:solidFill>
+                  <a:schemeClr val="tx1"/>
+                </a:solidFill>
+                <a:latin typeface="Times New Roman" panose="02020603050405020304" pitchFamily="18" charset="0"/>
+                <a:cs typeface="Times New Roman" panose="02020603050405020304" pitchFamily="18" charset="0"/>
+              </a:rPr>
+              <a:t>trang</a:t>
+            </a:r>
+            <a:r>
+              <a:rPr lang="en-US" dirty="0">
+                <a:solidFill>
+                  <a:schemeClr val="tx1"/>
+                </a:solidFill>
+                <a:latin typeface="Times New Roman" panose="02020603050405020304" pitchFamily="18" charset="0"/>
+                <a:cs typeface="Times New Roman" panose="02020603050405020304" pitchFamily="18" charset="0"/>
+              </a:rPr>
+              <a:t> </a:t>
+            </a:r>
+            <a:r>
+              <a:rPr lang="en-US" dirty="0" err="1">
+                <a:solidFill>
+                  <a:schemeClr val="tx1"/>
+                </a:solidFill>
+                <a:latin typeface="Times New Roman" panose="02020603050405020304" pitchFamily="18" charset="0"/>
+                <a:cs typeface="Times New Roman" panose="02020603050405020304" pitchFamily="18" charset="0"/>
+              </a:rPr>
+              <a:t>phục</a:t>
+            </a:r>
+            <a:r>
+              <a:rPr lang="en-US" dirty="0">
+                <a:solidFill>
+                  <a:schemeClr val="tx1"/>
+                </a:solidFill>
+                <a:latin typeface="Times New Roman" panose="02020603050405020304" pitchFamily="18" charset="0"/>
+                <a:cs typeface="Times New Roman" panose="02020603050405020304" pitchFamily="18" charset="0"/>
+              </a:rPr>
+              <a:t>.</a:t>
             </a:r>
           </a:p>
           <a:p>
@@ -8453,187 +7493,457 @@
                 <a:latin typeface="Times New Roman" panose="02020603050405020304" pitchFamily="18" charset="0"/>
                 <a:cs typeface="Times New Roman" panose="02020603050405020304" pitchFamily="18" charset="0"/>
               </a:rPr>
-              <a:t>Ch</a:t>
-            </a:r>
-            <a:r>
-              <a:rPr lang="vi-VN" dirty="0">
-                <a:solidFill>
-                  <a:schemeClr val="tx1"/>
-                </a:solidFill>
-                <a:latin typeface="Times New Roman" panose="02020603050405020304" pitchFamily="18" charset="0"/>
-                <a:cs typeface="Times New Roman" panose="02020603050405020304" pitchFamily="18" charset="0"/>
-              </a:rPr>
-              <a:t>ư</a:t>
-            </a:r>
-            <a:r>
-              <a:rPr lang="en-US" dirty="0">
-                <a:solidFill>
-                  <a:schemeClr val="tx1"/>
-                </a:solidFill>
-                <a:latin typeface="Times New Roman" panose="02020603050405020304" pitchFamily="18" charset="0"/>
-                <a:cs typeface="Times New Roman" panose="02020603050405020304" pitchFamily="18" charset="0"/>
-              </a:rPr>
-              <a:t>a </a:t>
-            </a:r>
-            <a:r>
-              <a:rPr lang="en-US" dirty="0" err="1">
-                <a:solidFill>
-                  <a:schemeClr val="tx1"/>
-                </a:solidFill>
-                <a:latin typeface="Times New Roman" panose="02020603050405020304" pitchFamily="18" charset="0"/>
-                <a:cs typeface="Times New Roman" panose="02020603050405020304" pitchFamily="18" charset="0"/>
-              </a:rPr>
-              <a:t>có</a:t>
-            </a:r>
-            <a:r>
-              <a:rPr lang="en-US" dirty="0">
-                <a:solidFill>
-                  <a:schemeClr val="tx1"/>
-                </a:solidFill>
-                <a:latin typeface="Times New Roman" panose="02020603050405020304" pitchFamily="18" charset="0"/>
-                <a:cs typeface="Times New Roman" panose="02020603050405020304" pitchFamily="18" charset="0"/>
-              </a:rPr>
-              <a:t> </a:t>
-            </a:r>
-            <a:r>
-              <a:rPr lang="en-US" dirty="0" err="1">
-                <a:solidFill>
-                  <a:schemeClr val="tx1"/>
-                </a:solidFill>
-                <a:latin typeface="Times New Roman" panose="02020603050405020304" pitchFamily="18" charset="0"/>
-                <a:cs typeface="Times New Roman" panose="02020603050405020304" pitchFamily="18" charset="0"/>
-              </a:rPr>
-              <a:t>kinh</a:t>
-            </a:r>
-            <a:r>
-              <a:rPr lang="en-US" dirty="0">
-                <a:solidFill>
-                  <a:schemeClr val="tx1"/>
-                </a:solidFill>
-                <a:latin typeface="Times New Roman" panose="02020603050405020304" pitchFamily="18" charset="0"/>
-                <a:cs typeface="Times New Roman" panose="02020603050405020304" pitchFamily="18" charset="0"/>
-              </a:rPr>
-              <a:t> </a:t>
-            </a:r>
-            <a:r>
-              <a:rPr lang="en-US" dirty="0" err="1">
-                <a:solidFill>
-                  <a:schemeClr val="tx1"/>
-                </a:solidFill>
-                <a:latin typeface="Times New Roman" panose="02020603050405020304" pitchFamily="18" charset="0"/>
-                <a:cs typeface="Times New Roman" panose="02020603050405020304" pitchFamily="18" charset="0"/>
-              </a:rPr>
-              <a:t>nghiệm</a:t>
-            </a:r>
-            <a:r>
-              <a:rPr lang="en-US" dirty="0">
-                <a:solidFill>
-                  <a:schemeClr val="tx1"/>
-                </a:solidFill>
-                <a:latin typeface="Times New Roman" panose="02020603050405020304" pitchFamily="18" charset="0"/>
-                <a:cs typeface="Times New Roman" panose="02020603050405020304" pitchFamily="18" charset="0"/>
-              </a:rPr>
-              <a:t> </a:t>
-            </a:r>
-            <a:r>
-              <a:rPr lang="en-US" dirty="0" err="1">
-                <a:solidFill>
-                  <a:schemeClr val="tx1"/>
-                </a:solidFill>
-                <a:latin typeface="Times New Roman" panose="02020603050405020304" pitchFamily="18" charset="0"/>
-                <a:cs typeface="Times New Roman" panose="02020603050405020304" pitchFamily="18" charset="0"/>
-              </a:rPr>
-              <a:t>khi</a:t>
-            </a:r>
-            <a:r>
-              <a:rPr lang="en-US" dirty="0">
-                <a:solidFill>
-                  <a:schemeClr val="tx1"/>
-                </a:solidFill>
-                <a:latin typeface="Times New Roman" panose="02020603050405020304" pitchFamily="18" charset="0"/>
-                <a:cs typeface="Times New Roman" panose="02020603050405020304" pitchFamily="18" charset="0"/>
-              </a:rPr>
-              <a:t> </a:t>
-            </a:r>
-            <a:r>
-              <a:rPr lang="en-US" dirty="0" err="1">
-                <a:solidFill>
-                  <a:schemeClr val="tx1"/>
-                </a:solidFill>
-                <a:latin typeface="Times New Roman" panose="02020603050405020304" pitchFamily="18" charset="0"/>
-                <a:cs typeface="Times New Roman" panose="02020603050405020304" pitchFamily="18" charset="0"/>
-              </a:rPr>
-              <a:t>tiến</a:t>
-            </a:r>
-            <a:r>
-              <a:rPr lang="en-US" dirty="0">
-                <a:solidFill>
-                  <a:schemeClr val="tx1"/>
-                </a:solidFill>
-                <a:latin typeface="Times New Roman" panose="02020603050405020304" pitchFamily="18" charset="0"/>
-                <a:cs typeface="Times New Roman" panose="02020603050405020304" pitchFamily="18" charset="0"/>
-              </a:rPr>
-              <a:t> </a:t>
-            </a:r>
-            <a:r>
-              <a:rPr lang="en-US" dirty="0" err="1">
-                <a:solidFill>
-                  <a:schemeClr val="tx1"/>
-                </a:solidFill>
-                <a:latin typeface="Times New Roman" panose="02020603050405020304" pitchFamily="18" charset="0"/>
-                <a:cs typeface="Times New Roman" panose="02020603050405020304" pitchFamily="18" charset="0"/>
-              </a:rPr>
-              <a:t>hành</a:t>
-            </a:r>
-            <a:r>
-              <a:rPr lang="en-US" dirty="0">
-                <a:solidFill>
-                  <a:schemeClr val="tx1"/>
-                </a:solidFill>
-                <a:latin typeface="Times New Roman" panose="02020603050405020304" pitchFamily="18" charset="0"/>
-                <a:cs typeface="Times New Roman" panose="02020603050405020304" pitchFamily="18" charset="0"/>
-              </a:rPr>
-              <a:t> </a:t>
-            </a:r>
-            <a:r>
-              <a:rPr lang="en-US" dirty="0" err="1">
-                <a:solidFill>
-                  <a:schemeClr val="tx1"/>
-                </a:solidFill>
-                <a:latin typeface="Times New Roman" panose="02020603050405020304" pitchFamily="18" charset="0"/>
-                <a:cs typeface="Times New Roman" panose="02020603050405020304" pitchFamily="18" charset="0"/>
-              </a:rPr>
-              <a:t>thực</a:t>
-            </a:r>
-            <a:r>
-              <a:rPr lang="en-US" dirty="0">
-                <a:solidFill>
-                  <a:schemeClr val="tx1"/>
-                </a:solidFill>
-                <a:latin typeface="Times New Roman" panose="02020603050405020304" pitchFamily="18" charset="0"/>
-                <a:cs typeface="Times New Roman" panose="02020603050405020304" pitchFamily="18" charset="0"/>
-              </a:rPr>
-              <a:t> </a:t>
-            </a:r>
-            <a:r>
-              <a:rPr lang="en-US" dirty="0" err="1">
-                <a:solidFill>
-                  <a:schemeClr val="tx1"/>
-                </a:solidFill>
-                <a:latin typeface="Times New Roman" panose="02020603050405020304" pitchFamily="18" charset="0"/>
-                <a:cs typeface="Times New Roman" panose="02020603050405020304" pitchFamily="18" charset="0"/>
-              </a:rPr>
-              <a:t>nghiệm</a:t>
-            </a:r>
-            <a:r>
-              <a:rPr lang="en-US" dirty="0">
-                <a:solidFill>
-                  <a:schemeClr val="tx1"/>
-                </a:solidFill>
-                <a:latin typeface="Times New Roman" panose="02020603050405020304" pitchFamily="18" charset="0"/>
-                <a:cs typeface="Times New Roman" panose="02020603050405020304" pitchFamily="18" charset="0"/>
-              </a:rPr>
-              <a:t>.</a:t>
+              <a:t>Nghiên</a:t>
+            </a:r>
+            <a:r>
+              <a:rPr lang="en-US" dirty="0">
+                <a:solidFill>
+                  <a:schemeClr val="tx1"/>
+                </a:solidFill>
+                <a:latin typeface="Times New Roman" panose="02020603050405020304" pitchFamily="18" charset="0"/>
+                <a:cs typeface="Times New Roman" panose="02020603050405020304" pitchFamily="18" charset="0"/>
+              </a:rPr>
+              <a:t> </a:t>
+            </a:r>
+            <a:r>
+              <a:rPr lang="en-US" dirty="0" err="1">
+                <a:solidFill>
+                  <a:schemeClr val="tx1"/>
+                </a:solidFill>
+                <a:latin typeface="Times New Roman" panose="02020603050405020304" pitchFamily="18" charset="0"/>
+                <a:cs typeface="Times New Roman" panose="02020603050405020304" pitchFamily="18" charset="0"/>
+              </a:rPr>
+              <a:t>cứu</a:t>
+            </a:r>
+            <a:r>
+              <a:rPr lang="en-US" dirty="0">
+                <a:solidFill>
+                  <a:schemeClr val="tx1"/>
+                </a:solidFill>
+                <a:latin typeface="Times New Roman" panose="02020603050405020304" pitchFamily="18" charset="0"/>
+                <a:cs typeface="Times New Roman" panose="02020603050405020304" pitchFamily="18" charset="0"/>
+              </a:rPr>
+              <a:t> </a:t>
+            </a:r>
+            <a:r>
+              <a:rPr lang="en-US" dirty="0" err="1">
+                <a:solidFill>
+                  <a:schemeClr val="tx1"/>
+                </a:solidFill>
+                <a:latin typeface="Times New Roman" panose="02020603050405020304" pitchFamily="18" charset="0"/>
+                <a:cs typeface="Times New Roman" panose="02020603050405020304" pitchFamily="18" charset="0"/>
+              </a:rPr>
+              <a:t>mô</a:t>
+            </a:r>
+            <a:r>
+              <a:rPr lang="en-US" dirty="0">
+                <a:solidFill>
+                  <a:schemeClr val="tx1"/>
+                </a:solidFill>
+                <a:latin typeface="Times New Roman" panose="02020603050405020304" pitchFamily="18" charset="0"/>
+                <a:cs typeface="Times New Roman" panose="02020603050405020304" pitchFamily="18" charset="0"/>
+              </a:rPr>
+              <a:t> </a:t>
+            </a:r>
+            <a:r>
+              <a:rPr lang="en-US" dirty="0" err="1">
+                <a:solidFill>
+                  <a:schemeClr val="tx1"/>
+                </a:solidFill>
+                <a:latin typeface="Times New Roman" panose="02020603050405020304" pitchFamily="18" charset="0"/>
+                <a:cs typeface="Times New Roman" panose="02020603050405020304" pitchFamily="18" charset="0"/>
+              </a:rPr>
+              <a:t>hình</a:t>
+            </a:r>
+            <a:r>
+              <a:rPr lang="en-US" dirty="0">
+                <a:solidFill>
+                  <a:schemeClr val="tx1"/>
+                </a:solidFill>
+                <a:latin typeface="Times New Roman" panose="02020603050405020304" pitchFamily="18" charset="0"/>
+                <a:cs typeface="Times New Roman" panose="02020603050405020304" pitchFamily="18" charset="0"/>
+              </a:rPr>
+              <a:t>, </a:t>
+            </a:r>
+            <a:r>
+              <a:rPr lang="en-US" dirty="0" err="1">
+                <a:solidFill>
+                  <a:schemeClr val="tx1"/>
+                </a:solidFill>
+                <a:latin typeface="Times New Roman" panose="02020603050405020304" pitchFamily="18" charset="0"/>
+                <a:cs typeface="Times New Roman" panose="02020603050405020304" pitchFamily="18" charset="0"/>
+              </a:rPr>
+              <a:t>kỹ</a:t>
+            </a:r>
+            <a:r>
+              <a:rPr lang="en-US" dirty="0">
+                <a:solidFill>
+                  <a:schemeClr val="tx1"/>
+                </a:solidFill>
+                <a:latin typeface="Times New Roman" panose="02020603050405020304" pitchFamily="18" charset="0"/>
+                <a:cs typeface="Times New Roman" panose="02020603050405020304" pitchFamily="18" charset="0"/>
+              </a:rPr>
+              <a:t> </a:t>
+            </a:r>
+            <a:r>
+              <a:rPr lang="en-US" dirty="0" err="1">
+                <a:solidFill>
+                  <a:schemeClr val="tx1"/>
+                </a:solidFill>
+                <a:latin typeface="Times New Roman" panose="02020603050405020304" pitchFamily="18" charset="0"/>
+                <a:cs typeface="Times New Roman" panose="02020603050405020304" pitchFamily="18" charset="0"/>
+              </a:rPr>
+              <a:t>thuật</a:t>
+            </a:r>
+            <a:r>
+              <a:rPr lang="en-US" dirty="0">
+                <a:solidFill>
+                  <a:schemeClr val="tx1"/>
+                </a:solidFill>
+                <a:latin typeface="Times New Roman" panose="02020603050405020304" pitchFamily="18" charset="0"/>
+                <a:cs typeface="Times New Roman" panose="02020603050405020304" pitchFamily="18" charset="0"/>
+              </a:rPr>
+              <a:t> </a:t>
+            </a:r>
+            <a:r>
+              <a:rPr lang="en-US" dirty="0" err="1">
+                <a:solidFill>
+                  <a:schemeClr val="tx1"/>
+                </a:solidFill>
+                <a:latin typeface="Times New Roman" panose="02020603050405020304" pitchFamily="18" charset="0"/>
+                <a:cs typeface="Times New Roman" panose="02020603050405020304" pitchFamily="18" charset="0"/>
+              </a:rPr>
+              <a:t>để</a:t>
+            </a:r>
+            <a:r>
+              <a:rPr lang="en-US" dirty="0">
+                <a:solidFill>
+                  <a:schemeClr val="tx1"/>
+                </a:solidFill>
+                <a:latin typeface="Times New Roman" panose="02020603050405020304" pitchFamily="18" charset="0"/>
+                <a:cs typeface="Times New Roman" panose="02020603050405020304" pitchFamily="18" charset="0"/>
+              </a:rPr>
+              <a:t> </a:t>
+            </a:r>
+            <a:r>
+              <a:rPr lang="en-US" dirty="0" err="1">
+                <a:solidFill>
+                  <a:schemeClr val="tx1"/>
+                </a:solidFill>
+                <a:latin typeface="Times New Roman" panose="02020603050405020304" pitchFamily="18" charset="0"/>
+                <a:cs typeface="Times New Roman" panose="02020603050405020304" pitchFamily="18" charset="0"/>
+              </a:rPr>
+              <a:t>ứng</a:t>
+            </a:r>
+            <a:r>
+              <a:rPr lang="en-US" dirty="0">
+                <a:solidFill>
+                  <a:schemeClr val="tx1"/>
+                </a:solidFill>
+                <a:latin typeface="Times New Roman" panose="02020603050405020304" pitchFamily="18" charset="0"/>
+                <a:cs typeface="Times New Roman" panose="02020603050405020304" pitchFamily="18" charset="0"/>
+              </a:rPr>
+              <a:t> </a:t>
+            </a:r>
+            <a:r>
+              <a:rPr lang="en-US" dirty="0" err="1">
+                <a:solidFill>
+                  <a:schemeClr val="tx1"/>
+                </a:solidFill>
+                <a:latin typeface="Times New Roman" panose="02020603050405020304" pitchFamily="18" charset="0"/>
+                <a:cs typeface="Times New Roman" panose="02020603050405020304" pitchFamily="18" charset="0"/>
+              </a:rPr>
+              <a:t>dụng</a:t>
+            </a:r>
+            <a:r>
+              <a:rPr lang="en-US" dirty="0">
+                <a:solidFill>
+                  <a:schemeClr val="tx1"/>
+                </a:solidFill>
+                <a:latin typeface="Times New Roman" panose="02020603050405020304" pitchFamily="18" charset="0"/>
+                <a:cs typeface="Times New Roman" panose="02020603050405020304" pitchFamily="18" charset="0"/>
+              </a:rPr>
+              <a:t> </a:t>
+            </a:r>
+            <a:r>
+              <a:rPr lang="en-US" dirty="0" err="1">
+                <a:solidFill>
+                  <a:schemeClr val="tx1"/>
+                </a:solidFill>
+                <a:latin typeface="Times New Roman" panose="02020603050405020304" pitchFamily="18" charset="0"/>
+                <a:cs typeface="Times New Roman" panose="02020603050405020304" pitchFamily="18" charset="0"/>
+              </a:rPr>
+              <a:t>vào</a:t>
+            </a:r>
+            <a:r>
+              <a:rPr lang="en-US" dirty="0">
+                <a:solidFill>
+                  <a:schemeClr val="tx1"/>
+                </a:solidFill>
+                <a:latin typeface="Times New Roman" panose="02020603050405020304" pitchFamily="18" charset="0"/>
+                <a:cs typeface="Times New Roman" panose="02020603050405020304" pitchFamily="18" charset="0"/>
+              </a:rPr>
+              <a:t> </a:t>
+            </a:r>
+            <a:r>
+              <a:rPr lang="en-US" dirty="0" err="1">
+                <a:solidFill>
+                  <a:schemeClr val="tx1"/>
+                </a:solidFill>
+                <a:latin typeface="Times New Roman" panose="02020603050405020304" pitchFamily="18" charset="0"/>
+                <a:cs typeface="Times New Roman" panose="02020603050405020304" pitchFamily="18" charset="0"/>
+              </a:rPr>
+              <a:t>việc</a:t>
+            </a:r>
+            <a:r>
+              <a:rPr lang="en-US" dirty="0">
+                <a:solidFill>
+                  <a:schemeClr val="tx1"/>
+                </a:solidFill>
+                <a:latin typeface="Times New Roman" panose="02020603050405020304" pitchFamily="18" charset="0"/>
+                <a:cs typeface="Times New Roman" panose="02020603050405020304" pitchFamily="18" charset="0"/>
+              </a:rPr>
+              <a:t> </a:t>
+            </a:r>
+            <a:r>
+              <a:rPr lang="en-US" dirty="0" err="1">
+                <a:solidFill>
+                  <a:schemeClr val="tx1"/>
+                </a:solidFill>
+                <a:latin typeface="Times New Roman" panose="02020603050405020304" pitchFamily="18" charset="0"/>
+                <a:cs typeface="Times New Roman" panose="02020603050405020304" pitchFamily="18" charset="0"/>
+              </a:rPr>
+              <a:t>giải</a:t>
+            </a:r>
+            <a:r>
+              <a:rPr lang="en-US" dirty="0">
+                <a:solidFill>
+                  <a:schemeClr val="tx1"/>
+                </a:solidFill>
+                <a:latin typeface="Times New Roman" panose="02020603050405020304" pitchFamily="18" charset="0"/>
+                <a:cs typeface="Times New Roman" panose="02020603050405020304" pitchFamily="18" charset="0"/>
+              </a:rPr>
+              <a:t> </a:t>
+            </a:r>
+            <a:r>
+              <a:rPr lang="en-US" dirty="0" err="1">
+                <a:solidFill>
+                  <a:schemeClr val="tx1"/>
+                </a:solidFill>
+                <a:latin typeface="Times New Roman" panose="02020603050405020304" pitchFamily="18" charset="0"/>
+                <a:cs typeface="Times New Roman" panose="02020603050405020304" pitchFamily="18" charset="0"/>
+              </a:rPr>
+              <a:t>quyết</a:t>
+            </a:r>
+            <a:r>
+              <a:rPr lang="en-US" dirty="0">
+                <a:solidFill>
+                  <a:schemeClr val="tx1"/>
+                </a:solidFill>
+                <a:latin typeface="Times New Roman" panose="02020603050405020304" pitchFamily="18" charset="0"/>
+                <a:cs typeface="Times New Roman" panose="02020603050405020304" pitchFamily="18" charset="0"/>
+              </a:rPr>
+              <a:t> </a:t>
+            </a:r>
+            <a:r>
+              <a:rPr lang="en-US" dirty="0" err="1">
+                <a:solidFill>
+                  <a:schemeClr val="tx1"/>
+                </a:solidFill>
+                <a:latin typeface="Times New Roman" panose="02020603050405020304" pitchFamily="18" charset="0"/>
+                <a:cs typeface="Times New Roman" panose="02020603050405020304" pitchFamily="18" charset="0"/>
+              </a:rPr>
+              <a:t>mô</a:t>
+            </a:r>
+            <a:r>
+              <a:rPr lang="en-US" dirty="0">
+                <a:solidFill>
+                  <a:schemeClr val="tx1"/>
+                </a:solidFill>
+                <a:latin typeface="Times New Roman" panose="02020603050405020304" pitchFamily="18" charset="0"/>
+                <a:cs typeface="Times New Roman" panose="02020603050405020304" pitchFamily="18" charset="0"/>
+              </a:rPr>
+              <a:t> </a:t>
+            </a:r>
+            <a:r>
+              <a:rPr lang="en-US" dirty="0" err="1">
+                <a:solidFill>
+                  <a:schemeClr val="tx1"/>
+                </a:solidFill>
+                <a:latin typeface="Times New Roman" panose="02020603050405020304" pitchFamily="18" charset="0"/>
+                <a:cs typeface="Times New Roman" panose="02020603050405020304" pitchFamily="18" charset="0"/>
+              </a:rPr>
+              <a:t>hình</a:t>
+            </a:r>
+            <a:r>
+              <a:rPr lang="en-US" dirty="0">
+                <a:solidFill>
+                  <a:schemeClr val="tx1"/>
+                </a:solidFill>
+                <a:latin typeface="Times New Roman" panose="02020603050405020304" pitchFamily="18" charset="0"/>
+                <a:cs typeface="Times New Roman" panose="02020603050405020304" pitchFamily="18" charset="0"/>
+              </a:rPr>
+              <a:t> </a:t>
+            </a:r>
+            <a:r>
+              <a:rPr lang="en-US" dirty="0" err="1">
+                <a:solidFill>
+                  <a:schemeClr val="tx1"/>
+                </a:solidFill>
+                <a:latin typeface="Times New Roman" panose="02020603050405020304" pitchFamily="18" charset="0"/>
+                <a:cs typeface="Times New Roman" panose="02020603050405020304" pitchFamily="18" charset="0"/>
+              </a:rPr>
+              <a:t>phát</a:t>
+            </a:r>
+            <a:r>
+              <a:rPr lang="en-US" dirty="0">
+                <a:solidFill>
+                  <a:schemeClr val="tx1"/>
+                </a:solidFill>
+                <a:latin typeface="Times New Roman" panose="02020603050405020304" pitchFamily="18" charset="0"/>
+                <a:cs typeface="Times New Roman" panose="02020603050405020304" pitchFamily="18" charset="0"/>
+              </a:rPr>
+              <a:t> </a:t>
+            </a:r>
+            <a:r>
+              <a:rPr lang="en-US" dirty="0" err="1">
+                <a:solidFill>
+                  <a:schemeClr val="tx1"/>
+                </a:solidFill>
+                <a:latin typeface="Times New Roman" panose="02020603050405020304" pitchFamily="18" charset="0"/>
+                <a:cs typeface="Times New Roman" panose="02020603050405020304" pitchFamily="18" charset="0"/>
+              </a:rPr>
+              <a:t>sinh</a:t>
+            </a:r>
+            <a:r>
+              <a:rPr lang="en-US" dirty="0">
+                <a:solidFill>
+                  <a:schemeClr val="tx1"/>
+                </a:solidFill>
+                <a:latin typeface="Times New Roman" panose="02020603050405020304" pitchFamily="18" charset="0"/>
+                <a:cs typeface="Times New Roman" panose="02020603050405020304" pitchFamily="18" charset="0"/>
+              </a:rPr>
+              <a:t> </a:t>
+            </a:r>
+            <a:r>
+              <a:rPr lang="en-US" dirty="0" err="1">
+                <a:solidFill>
+                  <a:schemeClr val="tx1"/>
+                </a:solidFill>
+                <a:latin typeface="Times New Roman" panose="02020603050405020304" pitchFamily="18" charset="0"/>
+                <a:cs typeface="Times New Roman" panose="02020603050405020304" pitchFamily="18" charset="0"/>
+              </a:rPr>
+              <a:t>câu</a:t>
+            </a:r>
+            <a:r>
+              <a:rPr lang="en-US" dirty="0">
+                <a:solidFill>
+                  <a:schemeClr val="tx1"/>
+                </a:solidFill>
+                <a:latin typeface="Times New Roman" panose="02020603050405020304" pitchFamily="18" charset="0"/>
+                <a:cs typeface="Times New Roman" panose="02020603050405020304" pitchFamily="18" charset="0"/>
+              </a:rPr>
+              <a:t> </a:t>
+            </a:r>
+            <a:r>
+              <a:rPr lang="en-US" dirty="0" err="1">
+                <a:solidFill>
+                  <a:schemeClr val="tx1"/>
+                </a:solidFill>
+                <a:latin typeface="Times New Roman" panose="02020603050405020304" pitchFamily="18" charset="0"/>
+                <a:cs typeface="Times New Roman" panose="02020603050405020304" pitchFamily="18" charset="0"/>
+              </a:rPr>
+              <a:t>bình</a:t>
+            </a:r>
+            <a:r>
+              <a:rPr lang="en-US" dirty="0">
+                <a:solidFill>
+                  <a:schemeClr val="tx1"/>
+                </a:solidFill>
+                <a:latin typeface="Times New Roman" panose="02020603050405020304" pitchFamily="18" charset="0"/>
+                <a:cs typeface="Times New Roman" panose="02020603050405020304" pitchFamily="18" charset="0"/>
+              </a:rPr>
+              <a:t> </a:t>
+            </a:r>
+            <a:r>
+              <a:rPr lang="en-US" dirty="0" err="1">
+                <a:solidFill>
+                  <a:schemeClr val="tx1"/>
+                </a:solidFill>
+                <a:latin typeface="Times New Roman" panose="02020603050405020304" pitchFamily="18" charset="0"/>
+                <a:cs typeface="Times New Roman" panose="02020603050405020304" pitchFamily="18" charset="0"/>
+              </a:rPr>
+              <a:t>luận</a:t>
+            </a:r>
+            <a:r>
+              <a:rPr lang="en-US" dirty="0">
+                <a:solidFill>
+                  <a:schemeClr val="tx1"/>
+                </a:solidFill>
+                <a:latin typeface="Times New Roman" panose="02020603050405020304" pitchFamily="18" charset="0"/>
+                <a:cs typeface="Times New Roman" panose="02020603050405020304" pitchFamily="18" charset="0"/>
+              </a:rPr>
+              <a:t> </a:t>
+            </a:r>
+            <a:r>
+              <a:rPr lang="en-US" dirty="0" err="1">
+                <a:solidFill>
+                  <a:schemeClr val="tx1"/>
+                </a:solidFill>
+                <a:latin typeface="Times New Roman" panose="02020603050405020304" pitchFamily="18" charset="0"/>
+                <a:cs typeface="Times New Roman" panose="02020603050405020304" pitchFamily="18" charset="0"/>
+              </a:rPr>
+              <a:t>từ</a:t>
+            </a:r>
+            <a:r>
+              <a:rPr lang="en-US" dirty="0">
+                <a:solidFill>
+                  <a:schemeClr val="tx1"/>
+                </a:solidFill>
+                <a:latin typeface="Times New Roman" panose="02020603050405020304" pitchFamily="18" charset="0"/>
+                <a:cs typeface="Times New Roman" panose="02020603050405020304" pitchFamily="18" charset="0"/>
+              </a:rPr>
+              <a:t> </a:t>
+            </a:r>
+            <a:r>
+              <a:rPr lang="en-US" dirty="0" err="1">
+                <a:solidFill>
+                  <a:schemeClr val="tx1"/>
+                </a:solidFill>
+                <a:latin typeface="Times New Roman" panose="02020603050405020304" pitchFamily="18" charset="0"/>
+                <a:cs typeface="Times New Roman" panose="02020603050405020304" pitchFamily="18" charset="0"/>
+              </a:rPr>
+              <a:t>ảnh</a:t>
+            </a:r>
+            <a:r>
+              <a:rPr lang="en-US" dirty="0">
+                <a:solidFill>
+                  <a:schemeClr val="tx1"/>
+                </a:solidFill>
+                <a:latin typeface="Times New Roman" panose="02020603050405020304" pitchFamily="18" charset="0"/>
+                <a:cs typeface="Times New Roman" panose="02020603050405020304" pitchFamily="18" charset="0"/>
+              </a:rPr>
+              <a:t> </a:t>
+            </a:r>
+            <a:r>
+              <a:rPr lang="en-US" dirty="0" err="1">
+                <a:solidFill>
+                  <a:schemeClr val="tx1"/>
+                </a:solidFill>
+                <a:latin typeface="Times New Roman" panose="02020603050405020304" pitchFamily="18" charset="0"/>
+                <a:cs typeface="Times New Roman" panose="02020603050405020304" pitchFamily="18" charset="0"/>
+              </a:rPr>
+              <a:t>tĩnh</a:t>
+            </a:r>
+            <a:r>
+              <a:rPr lang="en-US" dirty="0">
+                <a:solidFill>
+                  <a:schemeClr val="tx1"/>
+                </a:solidFill>
+                <a:latin typeface="Times New Roman" panose="02020603050405020304" pitchFamily="18" charset="0"/>
+                <a:cs typeface="Times New Roman" panose="02020603050405020304" pitchFamily="18" charset="0"/>
+              </a:rPr>
+              <a:t>. </a:t>
             </a:r>
           </a:p>
           <a:p>
@@ -8658,67 +7968,7 @@
                 <a:latin typeface="Times New Roman" panose="02020603050405020304" pitchFamily="18" charset="0"/>
                 <a:cs typeface="Times New Roman" panose="02020603050405020304" pitchFamily="18" charset="0"/>
               </a:rPr>
-              <a:t>Kết</a:t>
-            </a:r>
-            <a:r>
-              <a:rPr lang="en-US" dirty="0">
-                <a:solidFill>
-                  <a:schemeClr val="tx1"/>
-                </a:solidFill>
-                <a:latin typeface="Times New Roman" panose="02020603050405020304" pitchFamily="18" charset="0"/>
-                <a:cs typeface="Times New Roman" panose="02020603050405020304" pitchFamily="18" charset="0"/>
-              </a:rPr>
-              <a:t> </a:t>
-            </a:r>
-            <a:r>
-              <a:rPr lang="en-US" dirty="0" err="1">
-                <a:solidFill>
-                  <a:schemeClr val="tx1"/>
-                </a:solidFill>
-                <a:latin typeface="Times New Roman" panose="02020603050405020304" pitchFamily="18" charset="0"/>
-                <a:cs typeface="Times New Roman" panose="02020603050405020304" pitchFamily="18" charset="0"/>
-              </a:rPr>
-              <a:t>quả</a:t>
-            </a:r>
-            <a:r>
-              <a:rPr lang="en-US" dirty="0">
-                <a:solidFill>
-                  <a:schemeClr val="tx1"/>
-                </a:solidFill>
-                <a:latin typeface="Times New Roman" panose="02020603050405020304" pitchFamily="18" charset="0"/>
-                <a:cs typeface="Times New Roman" panose="02020603050405020304" pitchFamily="18" charset="0"/>
-              </a:rPr>
-              <a:t> </a:t>
-            </a:r>
-            <a:r>
-              <a:rPr lang="en-US" dirty="0" err="1">
-                <a:solidFill>
-                  <a:schemeClr val="tx1"/>
-                </a:solidFill>
-                <a:latin typeface="Times New Roman" panose="02020603050405020304" pitchFamily="18" charset="0"/>
-                <a:cs typeface="Times New Roman" panose="02020603050405020304" pitchFamily="18" charset="0"/>
-              </a:rPr>
-              <a:t>trong</a:t>
-            </a:r>
-            <a:r>
-              <a:rPr lang="en-US" dirty="0">
-                <a:solidFill>
-                  <a:schemeClr val="tx1"/>
-                </a:solidFill>
-                <a:latin typeface="Times New Roman" panose="02020603050405020304" pitchFamily="18" charset="0"/>
-                <a:cs typeface="Times New Roman" panose="02020603050405020304" pitchFamily="18" charset="0"/>
-              </a:rPr>
-              <a:t> </a:t>
-            </a:r>
-            <a:r>
-              <a:rPr lang="en-US" dirty="0" err="1">
-                <a:solidFill>
-                  <a:schemeClr val="tx1"/>
-                </a:solidFill>
-                <a:latin typeface="Times New Roman" panose="02020603050405020304" pitchFamily="18" charset="0"/>
-                <a:cs typeface="Times New Roman" panose="02020603050405020304" pitchFamily="18" charset="0"/>
-              </a:rPr>
-              <a:t>việc</a:t>
+              <a:t>Hiện</a:t>
             </a:r>
             <a:r>
               <a:rPr lang="en-US" dirty="0">
@@ -8758,294 +8008,288 @@
                 <a:latin typeface="Times New Roman" panose="02020603050405020304" pitchFamily="18" charset="0"/>
                 <a:cs typeface="Times New Roman" panose="02020603050405020304" pitchFamily="18" charset="0"/>
               </a:rPr>
-              <a:t>nghiệm</a:t>
-            </a:r>
-            <a:r>
-              <a:rPr lang="en-US" dirty="0">
-                <a:solidFill>
-                  <a:schemeClr val="tx1"/>
-                </a:solidFill>
-                <a:latin typeface="Times New Roman" panose="02020603050405020304" pitchFamily="18" charset="0"/>
-                <a:cs typeface="Times New Roman" panose="02020603050405020304" pitchFamily="18" charset="0"/>
-              </a:rPr>
-              <a:t> </a:t>
-            </a:r>
-            <a:r>
-              <a:rPr lang="en-US" dirty="0" err="1">
-                <a:solidFill>
-                  <a:schemeClr val="tx1"/>
-                </a:solidFill>
-                <a:latin typeface="Times New Roman" panose="02020603050405020304" pitchFamily="18" charset="0"/>
-                <a:cs typeface="Times New Roman" panose="02020603050405020304" pitchFamily="18" charset="0"/>
-              </a:rPr>
-              <a:t>chưa</a:t>
-            </a:r>
-            <a:r>
-              <a:rPr lang="en-US" dirty="0">
-                <a:solidFill>
-                  <a:schemeClr val="tx1"/>
-                </a:solidFill>
-                <a:latin typeface="Times New Roman" panose="02020603050405020304" pitchFamily="18" charset="0"/>
-                <a:cs typeface="Times New Roman" panose="02020603050405020304" pitchFamily="18" charset="0"/>
-              </a:rPr>
-              <a:t> </a:t>
-            </a:r>
-            <a:r>
-              <a:rPr lang="en-US" dirty="0" err="1">
-                <a:solidFill>
-                  <a:schemeClr val="tx1"/>
-                </a:solidFill>
-                <a:latin typeface="Times New Roman" panose="02020603050405020304" pitchFamily="18" charset="0"/>
-                <a:cs typeface="Times New Roman" panose="02020603050405020304" pitchFamily="18" charset="0"/>
-              </a:rPr>
-              <a:t>thật</a:t>
-            </a:r>
-            <a:r>
-              <a:rPr lang="en-US" dirty="0">
-                <a:solidFill>
-                  <a:schemeClr val="tx1"/>
-                </a:solidFill>
-                <a:latin typeface="Times New Roman" panose="02020603050405020304" pitchFamily="18" charset="0"/>
-                <a:cs typeface="Times New Roman" panose="02020603050405020304" pitchFamily="18" charset="0"/>
-              </a:rPr>
-              <a:t> </a:t>
-            </a:r>
-            <a:r>
-              <a:rPr lang="en-US" dirty="0" err="1">
-                <a:solidFill>
-                  <a:schemeClr val="tx1"/>
-                </a:solidFill>
-                <a:latin typeface="Times New Roman" panose="02020603050405020304" pitchFamily="18" charset="0"/>
-                <a:cs typeface="Times New Roman" panose="02020603050405020304" pitchFamily="18" charset="0"/>
-              </a:rPr>
-              <a:t>sự</a:t>
-            </a:r>
-            <a:r>
-              <a:rPr lang="en-US" dirty="0">
-                <a:solidFill>
-                  <a:schemeClr val="tx1"/>
-                </a:solidFill>
-                <a:latin typeface="Times New Roman" panose="02020603050405020304" pitchFamily="18" charset="0"/>
-                <a:cs typeface="Times New Roman" panose="02020603050405020304" pitchFamily="18" charset="0"/>
-              </a:rPr>
-              <a:t> </a:t>
-            </a:r>
-            <a:r>
-              <a:rPr lang="en-US" dirty="0" err="1">
-                <a:solidFill>
-                  <a:schemeClr val="tx1"/>
-                </a:solidFill>
-                <a:latin typeface="Times New Roman" panose="02020603050405020304" pitchFamily="18" charset="0"/>
-                <a:cs typeface="Times New Roman" panose="02020603050405020304" pitchFamily="18" charset="0"/>
-              </a:rPr>
-              <a:t>được</a:t>
-            </a:r>
-            <a:r>
-              <a:rPr lang="en-US" dirty="0">
-                <a:solidFill>
-                  <a:schemeClr val="tx1"/>
-                </a:solidFill>
-                <a:latin typeface="Times New Roman" panose="02020603050405020304" pitchFamily="18" charset="0"/>
-                <a:cs typeface="Times New Roman" panose="02020603050405020304" pitchFamily="18" charset="0"/>
-              </a:rPr>
-              <a:t> </a:t>
-            </a:r>
-            <a:r>
-              <a:rPr lang="en-US" dirty="0" err="1">
-                <a:solidFill>
-                  <a:schemeClr val="tx1"/>
-                </a:solidFill>
-                <a:latin typeface="Times New Roman" panose="02020603050405020304" pitchFamily="18" charset="0"/>
-                <a:cs typeface="Times New Roman" panose="02020603050405020304" pitchFamily="18" charset="0"/>
-              </a:rPr>
-              <a:t>như</a:t>
-            </a:r>
-            <a:r>
-              <a:rPr lang="en-US" dirty="0">
-                <a:solidFill>
-                  <a:schemeClr val="tx1"/>
-                </a:solidFill>
-                <a:latin typeface="Times New Roman" panose="02020603050405020304" pitchFamily="18" charset="0"/>
-                <a:cs typeface="Times New Roman" panose="02020603050405020304" pitchFamily="18" charset="0"/>
-              </a:rPr>
-              <a:t> </a:t>
-            </a:r>
-            <a:r>
-              <a:rPr lang="en-US" dirty="0" err="1">
-                <a:solidFill>
-                  <a:schemeClr val="tx1"/>
-                </a:solidFill>
-                <a:latin typeface="Times New Roman" panose="02020603050405020304" pitchFamily="18" charset="0"/>
-                <a:cs typeface="Times New Roman" panose="02020603050405020304" pitchFamily="18" charset="0"/>
-              </a:rPr>
-              <a:t>mong</a:t>
-            </a:r>
-            <a:r>
-              <a:rPr lang="en-US" dirty="0">
-                <a:solidFill>
-                  <a:schemeClr val="tx1"/>
-                </a:solidFill>
-                <a:latin typeface="Times New Roman" panose="02020603050405020304" pitchFamily="18" charset="0"/>
-                <a:cs typeface="Times New Roman" panose="02020603050405020304" pitchFamily="18" charset="0"/>
-              </a:rPr>
-              <a:t> </a:t>
-            </a:r>
-            <a:r>
-              <a:rPr lang="en-US" dirty="0" err="1">
-                <a:solidFill>
-                  <a:schemeClr val="tx1"/>
-                </a:solidFill>
-                <a:latin typeface="Times New Roman" panose="02020603050405020304" pitchFamily="18" charset="0"/>
-                <a:cs typeface="Times New Roman" panose="02020603050405020304" pitchFamily="18" charset="0"/>
-              </a:rPr>
-              <a:t>muốn</a:t>
-            </a:r>
-            <a:r>
-              <a:rPr lang="en-US" dirty="0">
-                <a:solidFill>
-                  <a:schemeClr val="tx1"/>
-                </a:solidFill>
-                <a:latin typeface="Times New Roman" panose="02020603050405020304" pitchFamily="18" charset="0"/>
-                <a:cs typeface="Times New Roman" panose="02020603050405020304" pitchFamily="18" charset="0"/>
-              </a:rPr>
-              <a:t>, </a:t>
-            </a:r>
-            <a:r>
-              <a:rPr lang="en-US" dirty="0" err="1">
-                <a:solidFill>
-                  <a:schemeClr val="tx1"/>
-                </a:solidFill>
-                <a:latin typeface="Times New Roman" panose="02020603050405020304" pitchFamily="18" charset="0"/>
-                <a:cs typeface="Times New Roman" panose="02020603050405020304" pitchFamily="18" charset="0"/>
-              </a:rPr>
-              <a:t>nguyên</a:t>
-            </a:r>
-            <a:r>
-              <a:rPr lang="en-US" dirty="0">
-                <a:solidFill>
-                  <a:schemeClr val="tx1"/>
-                </a:solidFill>
-                <a:latin typeface="Times New Roman" panose="02020603050405020304" pitchFamily="18" charset="0"/>
-                <a:cs typeface="Times New Roman" panose="02020603050405020304" pitchFamily="18" charset="0"/>
-              </a:rPr>
-              <a:t> </a:t>
-            </a:r>
-            <a:r>
-              <a:rPr lang="en-US" dirty="0" err="1">
-                <a:solidFill>
-                  <a:schemeClr val="tx1"/>
-                </a:solidFill>
-                <a:latin typeface="Times New Roman" panose="02020603050405020304" pitchFamily="18" charset="0"/>
-                <a:cs typeface="Times New Roman" panose="02020603050405020304" pitchFamily="18" charset="0"/>
-              </a:rPr>
-              <a:t>nhân</a:t>
-            </a:r>
-            <a:r>
-              <a:rPr lang="en-US" dirty="0">
-                <a:solidFill>
-                  <a:schemeClr val="tx1"/>
-                </a:solidFill>
-                <a:latin typeface="Times New Roman" panose="02020603050405020304" pitchFamily="18" charset="0"/>
-                <a:cs typeface="Times New Roman" panose="02020603050405020304" pitchFamily="18" charset="0"/>
-              </a:rPr>
-              <a:t> </a:t>
-            </a:r>
-            <a:r>
-              <a:rPr lang="en-US" dirty="0" err="1">
-                <a:solidFill>
-                  <a:schemeClr val="tx1"/>
-                </a:solidFill>
-                <a:latin typeface="Times New Roman" panose="02020603050405020304" pitchFamily="18" charset="0"/>
-                <a:cs typeface="Times New Roman" panose="02020603050405020304" pitchFamily="18" charset="0"/>
-              </a:rPr>
-              <a:t>chủ</a:t>
-            </a:r>
-            <a:r>
-              <a:rPr lang="en-US" dirty="0">
-                <a:solidFill>
-                  <a:schemeClr val="tx1"/>
-                </a:solidFill>
-                <a:latin typeface="Times New Roman" panose="02020603050405020304" pitchFamily="18" charset="0"/>
-                <a:cs typeface="Times New Roman" panose="02020603050405020304" pitchFamily="18" charset="0"/>
-              </a:rPr>
-              <a:t> </a:t>
-            </a:r>
-            <a:r>
-              <a:rPr lang="en-US" dirty="0" err="1">
-                <a:solidFill>
-                  <a:schemeClr val="tx1"/>
-                </a:solidFill>
-                <a:latin typeface="Times New Roman" panose="02020603050405020304" pitchFamily="18" charset="0"/>
-                <a:cs typeface="Times New Roman" panose="02020603050405020304" pitchFamily="18" charset="0"/>
-              </a:rPr>
-              <a:t>yếu</a:t>
-            </a:r>
-            <a:r>
-              <a:rPr lang="en-US" dirty="0">
-                <a:solidFill>
-                  <a:schemeClr val="tx1"/>
-                </a:solidFill>
-                <a:latin typeface="Times New Roman" panose="02020603050405020304" pitchFamily="18" charset="0"/>
-                <a:cs typeface="Times New Roman" panose="02020603050405020304" pitchFamily="18" charset="0"/>
-              </a:rPr>
-              <a:t> do dataset </a:t>
-            </a:r>
-            <a:r>
-              <a:rPr lang="en-US" dirty="0" err="1">
-                <a:solidFill>
-                  <a:schemeClr val="tx1"/>
-                </a:solidFill>
-                <a:latin typeface="Times New Roman" panose="02020603050405020304" pitchFamily="18" charset="0"/>
-                <a:cs typeface="Times New Roman" panose="02020603050405020304" pitchFamily="18" charset="0"/>
-              </a:rPr>
-              <a:t>quá</a:t>
-            </a:r>
-            <a:r>
-              <a:rPr lang="en-US" dirty="0">
-                <a:solidFill>
-                  <a:schemeClr val="tx1"/>
-                </a:solidFill>
-                <a:latin typeface="Times New Roman" panose="02020603050405020304" pitchFamily="18" charset="0"/>
-                <a:cs typeface="Times New Roman" panose="02020603050405020304" pitchFamily="18" charset="0"/>
-              </a:rPr>
-              <a:t> </a:t>
-            </a:r>
-            <a:r>
-              <a:rPr lang="en-US" dirty="0" err="1">
-                <a:solidFill>
-                  <a:schemeClr val="tx1"/>
-                </a:solidFill>
-                <a:latin typeface="Times New Roman" panose="02020603050405020304" pitchFamily="18" charset="0"/>
-                <a:cs typeface="Times New Roman" panose="02020603050405020304" pitchFamily="18" charset="0"/>
-              </a:rPr>
-              <a:t>nhiều</a:t>
-            </a:r>
-            <a:r>
-              <a:rPr lang="en-US" dirty="0">
-                <a:solidFill>
-                  <a:schemeClr val="tx1"/>
-                </a:solidFill>
-                <a:latin typeface="Times New Roman" panose="02020603050405020304" pitchFamily="18" charset="0"/>
-                <a:cs typeface="Times New Roman" panose="02020603050405020304" pitchFamily="18" charset="0"/>
-              </a:rPr>
-              <a:t>.</a:t>
-            </a:r>
-          </a:p>
-          <a:p>
-            <a:endParaRPr lang="en-US" dirty="0"/>
+              <a:t>lại</a:t>
+            </a:r>
+            <a:r>
+              <a:rPr lang="en-US" dirty="0">
+                <a:solidFill>
+                  <a:schemeClr val="tx1"/>
+                </a:solidFill>
+                <a:latin typeface="Times New Roman" panose="02020603050405020304" pitchFamily="18" charset="0"/>
+                <a:cs typeface="Times New Roman" panose="02020603050405020304" pitchFamily="18" charset="0"/>
+              </a:rPr>
+              <a:t> </a:t>
+            </a:r>
+            <a:r>
+              <a:rPr lang="en-US" dirty="0" err="1">
+                <a:solidFill>
+                  <a:schemeClr val="tx1"/>
+                </a:solidFill>
+                <a:latin typeface="Times New Roman" panose="02020603050405020304" pitchFamily="18" charset="0"/>
+                <a:cs typeface="Times New Roman" panose="02020603050405020304" pitchFamily="18" charset="0"/>
+              </a:rPr>
+              <a:t>mô</a:t>
+            </a:r>
+            <a:r>
+              <a:rPr lang="en-US" dirty="0">
+                <a:solidFill>
+                  <a:schemeClr val="tx1"/>
+                </a:solidFill>
+                <a:latin typeface="Times New Roman" panose="02020603050405020304" pitchFamily="18" charset="0"/>
+                <a:cs typeface="Times New Roman" panose="02020603050405020304" pitchFamily="18" charset="0"/>
+              </a:rPr>
+              <a:t> </a:t>
+            </a:r>
+            <a:r>
+              <a:rPr lang="en-US" dirty="0" err="1">
+                <a:solidFill>
+                  <a:schemeClr val="tx1"/>
+                </a:solidFill>
+                <a:latin typeface="Times New Roman" panose="02020603050405020304" pitchFamily="18" charset="0"/>
+                <a:cs typeface="Times New Roman" panose="02020603050405020304" pitchFamily="18" charset="0"/>
+              </a:rPr>
+              <a:t>hình</a:t>
+            </a:r>
+            <a:r>
+              <a:rPr lang="en-US" dirty="0">
+                <a:solidFill>
+                  <a:schemeClr val="tx1"/>
+                </a:solidFill>
+                <a:latin typeface="Times New Roman" panose="02020603050405020304" pitchFamily="18" charset="0"/>
+                <a:cs typeface="Times New Roman" panose="02020603050405020304" pitchFamily="18" charset="0"/>
+              </a:rPr>
+              <a:t> “</a:t>
+            </a:r>
+            <a:r>
+              <a:rPr lang="en-US" dirty="0" err="1">
+                <a:solidFill>
+                  <a:schemeClr val="tx1"/>
+                </a:solidFill>
+                <a:latin typeface="Times New Roman" panose="02020603050405020304" pitchFamily="18" charset="0"/>
+                <a:cs typeface="Times New Roman" panose="02020603050405020304" pitchFamily="18" charset="0"/>
+              </a:rPr>
+              <a:t>Tự</a:t>
+            </a:r>
+            <a:r>
+              <a:rPr lang="en-US" dirty="0">
+                <a:solidFill>
+                  <a:schemeClr val="tx1"/>
+                </a:solidFill>
+                <a:latin typeface="Times New Roman" panose="02020603050405020304" pitchFamily="18" charset="0"/>
+                <a:cs typeface="Times New Roman" panose="02020603050405020304" pitchFamily="18" charset="0"/>
+              </a:rPr>
+              <a:t> </a:t>
+            </a:r>
+            <a:r>
+              <a:rPr lang="en-US" dirty="0" err="1">
+                <a:solidFill>
+                  <a:schemeClr val="tx1"/>
+                </a:solidFill>
+                <a:latin typeface="Times New Roman" panose="02020603050405020304" pitchFamily="18" charset="0"/>
+                <a:cs typeface="Times New Roman" panose="02020603050405020304" pitchFamily="18" charset="0"/>
+              </a:rPr>
+              <a:t>động</a:t>
+            </a:r>
+            <a:r>
+              <a:rPr lang="en-US" dirty="0">
+                <a:solidFill>
+                  <a:schemeClr val="tx1"/>
+                </a:solidFill>
+                <a:latin typeface="Times New Roman" panose="02020603050405020304" pitchFamily="18" charset="0"/>
+                <a:cs typeface="Times New Roman" panose="02020603050405020304" pitchFamily="18" charset="0"/>
+              </a:rPr>
+              <a:t> </a:t>
+            </a:r>
+            <a:r>
+              <a:rPr lang="en-US" dirty="0" err="1">
+                <a:solidFill>
+                  <a:schemeClr val="tx1"/>
+                </a:solidFill>
+                <a:latin typeface="Times New Roman" panose="02020603050405020304" pitchFamily="18" charset="0"/>
+                <a:cs typeface="Times New Roman" panose="02020603050405020304" pitchFamily="18" charset="0"/>
+              </a:rPr>
+              <a:t>phát</a:t>
+            </a:r>
+            <a:r>
+              <a:rPr lang="en-US" dirty="0">
+                <a:solidFill>
+                  <a:schemeClr val="tx1"/>
+                </a:solidFill>
+                <a:latin typeface="Times New Roman" panose="02020603050405020304" pitchFamily="18" charset="0"/>
+                <a:cs typeface="Times New Roman" panose="02020603050405020304" pitchFamily="18" charset="0"/>
+              </a:rPr>
+              <a:t> </a:t>
+            </a:r>
+            <a:r>
+              <a:rPr lang="en-US" dirty="0" err="1">
+                <a:solidFill>
+                  <a:schemeClr val="tx1"/>
+                </a:solidFill>
+                <a:latin typeface="Times New Roman" panose="02020603050405020304" pitchFamily="18" charset="0"/>
+                <a:cs typeface="Times New Roman" panose="02020603050405020304" pitchFamily="18" charset="0"/>
+              </a:rPr>
+              <a:t>sinh</a:t>
+            </a:r>
+            <a:r>
+              <a:rPr lang="en-US" dirty="0">
+                <a:solidFill>
+                  <a:schemeClr val="tx1"/>
+                </a:solidFill>
+                <a:latin typeface="Times New Roman" panose="02020603050405020304" pitchFamily="18" charset="0"/>
+                <a:cs typeface="Times New Roman" panose="02020603050405020304" pitchFamily="18" charset="0"/>
+              </a:rPr>
+              <a:t> </a:t>
+            </a:r>
+            <a:r>
+              <a:rPr lang="en-US" dirty="0" err="1">
+                <a:solidFill>
+                  <a:schemeClr val="tx1"/>
+                </a:solidFill>
+                <a:latin typeface="Times New Roman" panose="02020603050405020304" pitchFamily="18" charset="0"/>
+                <a:cs typeface="Times New Roman" panose="02020603050405020304" pitchFamily="18" charset="0"/>
+              </a:rPr>
+              <a:t>bình</a:t>
+            </a:r>
+            <a:r>
+              <a:rPr lang="en-US" dirty="0">
+                <a:solidFill>
+                  <a:schemeClr val="tx1"/>
+                </a:solidFill>
+                <a:latin typeface="Times New Roman" panose="02020603050405020304" pitchFamily="18" charset="0"/>
+                <a:cs typeface="Times New Roman" panose="02020603050405020304" pitchFamily="18" charset="0"/>
+              </a:rPr>
+              <a:t> </a:t>
+            </a:r>
+            <a:r>
+              <a:rPr lang="en-US" dirty="0" err="1">
+                <a:solidFill>
+                  <a:schemeClr val="tx1"/>
+                </a:solidFill>
+                <a:latin typeface="Times New Roman" panose="02020603050405020304" pitchFamily="18" charset="0"/>
+                <a:cs typeface="Times New Roman" panose="02020603050405020304" pitchFamily="18" charset="0"/>
+              </a:rPr>
+              <a:t>luận</a:t>
+            </a:r>
+            <a:r>
+              <a:rPr lang="en-US" dirty="0">
+                <a:solidFill>
+                  <a:schemeClr val="tx1"/>
+                </a:solidFill>
+                <a:latin typeface="Times New Roman" panose="02020603050405020304" pitchFamily="18" charset="0"/>
+                <a:cs typeface="Times New Roman" panose="02020603050405020304" pitchFamily="18" charset="0"/>
+              </a:rPr>
+              <a:t> </a:t>
+            </a:r>
+            <a:r>
+              <a:rPr lang="en-US" dirty="0" err="1">
+                <a:solidFill>
+                  <a:schemeClr val="tx1"/>
+                </a:solidFill>
+                <a:latin typeface="Times New Roman" panose="02020603050405020304" pitchFamily="18" charset="0"/>
+                <a:cs typeface="Times New Roman" panose="02020603050405020304" pitchFamily="18" charset="0"/>
+              </a:rPr>
+              <a:t>cho</a:t>
+            </a:r>
+            <a:r>
+              <a:rPr lang="en-US" dirty="0">
+                <a:solidFill>
+                  <a:schemeClr val="tx1"/>
+                </a:solidFill>
+                <a:latin typeface="Times New Roman" panose="02020603050405020304" pitchFamily="18" charset="0"/>
+                <a:cs typeface="Times New Roman" panose="02020603050405020304" pitchFamily="18" charset="0"/>
+              </a:rPr>
+              <a:t> </a:t>
+            </a:r>
+            <a:r>
+              <a:rPr lang="en-US" dirty="0" err="1">
+                <a:solidFill>
+                  <a:schemeClr val="tx1"/>
+                </a:solidFill>
+                <a:latin typeface="Times New Roman" panose="02020603050405020304" pitchFamily="18" charset="0"/>
+                <a:cs typeface="Times New Roman" panose="02020603050405020304" pitchFamily="18" charset="0"/>
+              </a:rPr>
+              <a:t>ảnh</a:t>
+            </a:r>
+            <a:r>
+              <a:rPr lang="en-US" dirty="0">
+                <a:solidFill>
+                  <a:schemeClr val="tx1"/>
+                </a:solidFill>
+                <a:latin typeface="Times New Roman" panose="02020603050405020304" pitchFamily="18" charset="0"/>
+                <a:cs typeface="Times New Roman" panose="02020603050405020304" pitchFamily="18" charset="0"/>
+              </a:rPr>
+              <a:t> </a:t>
+            </a:r>
+            <a:r>
+              <a:rPr lang="en-US" dirty="0" err="1">
+                <a:solidFill>
+                  <a:schemeClr val="tx1"/>
+                </a:solidFill>
+                <a:latin typeface="Times New Roman" panose="02020603050405020304" pitchFamily="18" charset="0"/>
+                <a:cs typeface="Times New Roman" panose="02020603050405020304" pitchFamily="18" charset="0"/>
+              </a:rPr>
+              <a:t>thời</a:t>
+            </a:r>
+            <a:r>
+              <a:rPr lang="en-US" dirty="0">
+                <a:solidFill>
+                  <a:schemeClr val="tx1"/>
+                </a:solidFill>
+                <a:latin typeface="Times New Roman" panose="02020603050405020304" pitchFamily="18" charset="0"/>
+                <a:cs typeface="Times New Roman" panose="02020603050405020304" pitchFamily="18" charset="0"/>
+              </a:rPr>
+              <a:t> </a:t>
+            </a:r>
+            <a:r>
+              <a:rPr lang="en-US" dirty="0" err="1">
+                <a:solidFill>
+                  <a:schemeClr val="tx1"/>
+                </a:solidFill>
+                <a:latin typeface="Times New Roman" panose="02020603050405020304" pitchFamily="18" charset="0"/>
+                <a:cs typeface="Times New Roman" panose="02020603050405020304" pitchFamily="18" charset="0"/>
+              </a:rPr>
+              <a:t>trang</a:t>
+            </a:r>
+            <a:r>
+              <a:rPr lang="en-US" dirty="0">
+                <a:solidFill>
+                  <a:schemeClr val="tx1"/>
+                </a:solidFill>
+                <a:latin typeface="Times New Roman" panose="02020603050405020304" pitchFamily="18" charset="0"/>
+                <a:cs typeface="Times New Roman" panose="02020603050405020304" pitchFamily="18" charset="0"/>
+              </a:rPr>
+              <a:t>”.</a:t>
+            </a:r>
+          </a:p>
+          <a:p>
+            <a:pPr marL="0" indent="0">
+              <a:buNone/>
+            </a:pPr>
+            <a:endParaRPr lang="en-US" dirty="0">
+              <a:solidFill>
+                <a:schemeClr val="tx1"/>
+              </a:solidFill>
+            </a:endParaRPr>
           </a:p>
         </p:txBody>
       </p:sp>
     </p:spTree>
     <p:extLst>
       <p:ext uri="{BB962C8B-B14F-4D97-AF65-F5344CB8AC3E}">
-        <p14:creationId xmlns:p14="http://schemas.microsoft.com/office/powerpoint/2010/main" val="1745079219"/>
+        <p14:creationId xmlns:p14="http://schemas.microsoft.com/office/powerpoint/2010/main" val="2175606873"/>
       </p:ext>
     </p:extLst>
   </p:cSld>
   <p:clrMapOvr>
     <a:masterClrMapping/>
   </p:clrMapOvr>
+  <p:timing>
+    <p:tnLst>
+      <p:par>
+        <p:cTn id="1" dur="indefinite" restart="never" nodeType="tmRoot"/>
+      </p:par>
+    </p:tnLst>
+  </p:timing>
 </p:sld>
 </file>
 
@@ -9119,6 +8363,1034 @@
                 <a:latin typeface="Times New Roman" panose="02020603050405020304" pitchFamily="18" charset="0"/>
                 <a:cs typeface="Times New Roman" panose="02020603050405020304" pitchFamily="18" charset="0"/>
               </a:rPr>
+              <a:t>HẠN CHẾ:</a:t>
+            </a:r>
+          </a:p>
+          <a:p>
+            <a:pPr marL="0" indent="0">
+              <a:buNone/>
+            </a:pPr>
+            <a:r>
+              <a:rPr lang="en-US" dirty="0">
+                <a:solidFill>
+                  <a:schemeClr val="tx1"/>
+                </a:solidFill>
+                <a:latin typeface="Times New Roman" panose="02020603050405020304" pitchFamily="18" charset="0"/>
+                <a:cs typeface="Times New Roman" panose="02020603050405020304" pitchFamily="18" charset="0"/>
+              </a:rPr>
+              <a:t>- </a:t>
+            </a:r>
+            <a:r>
+              <a:rPr lang="en-US" dirty="0" err="1">
+                <a:solidFill>
+                  <a:schemeClr val="tx1"/>
+                </a:solidFill>
+                <a:latin typeface="Times New Roman" panose="02020603050405020304" pitchFamily="18" charset="0"/>
+                <a:cs typeface="Times New Roman" panose="02020603050405020304" pitchFamily="18" charset="0"/>
+              </a:rPr>
+              <a:t>Cơ</a:t>
+            </a:r>
+            <a:r>
+              <a:rPr lang="en-US" dirty="0">
+                <a:solidFill>
+                  <a:schemeClr val="tx1"/>
+                </a:solidFill>
+                <a:latin typeface="Times New Roman" panose="02020603050405020304" pitchFamily="18" charset="0"/>
+                <a:cs typeface="Times New Roman" panose="02020603050405020304" pitchFamily="18" charset="0"/>
+              </a:rPr>
+              <a:t> </a:t>
+            </a:r>
+            <a:r>
+              <a:rPr lang="en-US" dirty="0" err="1">
+                <a:solidFill>
+                  <a:schemeClr val="tx1"/>
+                </a:solidFill>
+                <a:latin typeface="Times New Roman" panose="02020603050405020304" pitchFamily="18" charset="0"/>
+                <a:cs typeface="Times New Roman" panose="02020603050405020304" pitchFamily="18" charset="0"/>
+              </a:rPr>
+              <a:t>sở</a:t>
+            </a:r>
+            <a:r>
+              <a:rPr lang="en-US" dirty="0">
+                <a:solidFill>
+                  <a:schemeClr val="tx1"/>
+                </a:solidFill>
+                <a:latin typeface="Times New Roman" panose="02020603050405020304" pitchFamily="18" charset="0"/>
+                <a:cs typeface="Times New Roman" panose="02020603050405020304" pitchFamily="18" charset="0"/>
+              </a:rPr>
+              <a:t> </a:t>
+            </a:r>
+            <a:r>
+              <a:rPr lang="en-US" dirty="0" err="1">
+                <a:solidFill>
+                  <a:schemeClr val="tx1"/>
+                </a:solidFill>
+                <a:latin typeface="Times New Roman" panose="02020603050405020304" pitchFamily="18" charset="0"/>
+                <a:cs typeface="Times New Roman" panose="02020603050405020304" pitchFamily="18" charset="0"/>
+              </a:rPr>
+              <a:t>vật</a:t>
+            </a:r>
+            <a:r>
+              <a:rPr lang="en-US" dirty="0">
+                <a:solidFill>
+                  <a:schemeClr val="tx1"/>
+                </a:solidFill>
+                <a:latin typeface="Times New Roman" panose="02020603050405020304" pitchFamily="18" charset="0"/>
+                <a:cs typeface="Times New Roman" panose="02020603050405020304" pitchFamily="18" charset="0"/>
+              </a:rPr>
+              <a:t> </a:t>
+            </a:r>
+            <a:r>
+              <a:rPr lang="en-US" dirty="0" err="1">
+                <a:solidFill>
+                  <a:schemeClr val="tx1"/>
+                </a:solidFill>
+                <a:latin typeface="Times New Roman" panose="02020603050405020304" pitchFamily="18" charset="0"/>
+                <a:cs typeface="Times New Roman" panose="02020603050405020304" pitchFamily="18" charset="0"/>
+              </a:rPr>
+              <a:t>chất</a:t>
+            </a:r>
+            <a:r>
+              <a:rPr lang="en-US" dirty="0">
+                <a:solidFill>
+                  <a:schemeClr val="tx1"/>
+                </a:solidFill>
+                <a:latin typeface="Times New Roman" panose="02020603050405020304" pitchFamily="18" charset="0"/>
+                <a:cs typeface="Times New Roman" panose="02020603050405020304" pitchFamily="18" charset="0"/>
+              </a:rPr>
+              <a:t> </a:t>
+            </a:r>
+            <a:r>
+              <a:rPr lang="en-US" dirty="0" err="1">
+                <a:solidFill>
+                  <a:schemeClr val="tx1"/>
+                </a:solidFill>
+                <a:latin typeface="Times New Roman" panose="02020603050405020304" pitchFamily="18" charset="0"/>
+                <a:cs typeface="Times New Roman" panose="02020603050405020304" pitchFamily="18" charset="0"/>
+              </a:rPr>
+              <a:t>chưa</a:t>
+            </a:r>
+            <a:r>
+              <a:rPr lang="en-US" dirty="0">
+                <a:solidFill>
+                  <a:schemeClr val="tx1"/>
+                </a:solidFill>
+                <a:latin typeface="Times New Roman" panose="02020603050405020304" pitchFamily="18" charset="0"/>
+                <a:cs typeface="Times New Roman" panose="02020603050405020304" pitchFamily="18" charset="0"/>
+              </a:rPr>
+              <a:t> </a:t>
+            </a:r>
+            <a:r>
+              <a:rPr lang="en-US" dirty="0" err="1">
+                <a:solidFill>
+                  <a:schemeClr val="tx1"/>
+                </a:solidFill>
+                <a:latin typeface="Times New Roman" panose="02020603050405020304" pitchFamily="18" charset="0"/>
+                <a:cs typeface="Times New Roman" panose="02020603050405020304" pitchFamily="18" charset="0"/>
+              </a:rPr>
+              <a:t>đủ</a:t>
+            </a:r>
+            <a:r>
+              <a:rPr lang="en-US" dirty="0">
+                <a:solidFill>
+                  <a:schemeClr val="tx1"/>
+                </a:solidFill>
+                <a:latin typeface="Times New Roman" panose="02020603050405020304" pitchFamily="18" charset="0"/>
+                <a:cs typeface="Times New Roman" panose="02020603050405020304" pitchFamily="18" charset="0"/>
+              </a:rPr>
+              <a:t> </a:t>
+            </a:r>
+            <a:r>
+              <a:rPr lang="en-US" dirty="0" err="1">
+                <a:solidFill>
+                  <a:schemeClr val="tx1"/>
+                </a:solidFill>
+                <a:latin typeface="Times New Roman" panose="02020603050405020304" pitchFamily="18" charset="0"/>
+                <a:cs typeface="Times New Roman" panose="02020603050405020304" pitchFamily="18" charset="0"/>
+              </a:rPr>
+              <a:t>tốt</a:t>
+            </a:r>
+            <a:r>
+              <a:rPr lang="en-US" dirty="0">
+                <a:solidFill>
+                  <a:schemeClr val="tx1"/>
+                </a:solidFill>
+                <a:latin typeface="Times New Roman" panose="02020603050405020304" pitchFamily="18" charset="0"/>
+                <a:cs typeface="Times New Roman" panose="02020603050405020304" pitchFamily="18" charset="0"/>
+              </a:rPr>
+              <a:t>.</a:t>
+            </a:r>
+          </a:p>
+          <a:p>
+            <a:pPr marL="0" indent="0">
+              <a:buNone/>
+            </a:pPr>
+            <a:r>
+              <a:rPr lang="en-US" dirty="0">
+                <a:solidFill>
+                  <a:schemeClr val="tx1"/>
+                </a:solidFill>
+                <a:latin typeface="Times New Roman" panose="02020603050405020304" pitchFamily="18" charset="0"/>
+                <a:cs typeface="Times New Roman" panose="02020603050405020304" pitchFamily="18" charset="0"/>
+              </a:rPr>
+              <a:t>- </a:t>
+            </a:r>
+            <a:r>
+              <a:rPr lang="en-US" dirty="0" err="1">
+                <a:solidFill>
+                  <a:schemeClr val="tx1"/>
+                </a:solidFill>
+                <a:latin typeface="Times New Roman" panose="02020603050405020304" pitchFamily="18" charset="0"/>
+                <a:cs typeface="Times New Roman" panose="02020603050405020304" pitchFamily="18" charset="0"/>
+              </a:rPr>
+              <a:t>Chưa</a:t>
+            </a:r>
+            <a:r>
+              <a:rPr lang="en-US" dirty="0">
+                <a:solidFill>
+                  <a:schemeClr val="tx1"/>
+                </a:solidFill>
+                <a:latin typeface="Times New Roman" panose="02020603050405020304" pitchFamily="18" charset="0"/>
+                <a:cs typeface="Times New Roman" panose="02020603050405020304" pitchFamily="18" charset="0"/>
+              </a:rPr>
+              <a:t> </a:t>
+            </a:r>
+            <a:r>
+              <a:rPr lang="en-US" dirty="0" err="1">
+                <a:solidFill>
+                  <a:schemeClr val="tx1"/>
+                </a:solidFill>
+                <a:latin typeface="Times New Roman" panose="02020603050405020304" pitchFamily="18" charset="0"/>
+                <a:cs typeface="Times New Roman" panose="02020603050405020304" pitchFamily="18" charset="0"/>
+              </a:rPr>
+              <a:t>quen</a:t>
+            </a:r>
+            <a:r>
+              <a:rPr lang="en-US" dirty="0">
+                <a:solidFill>
+                  <a:schemeClr val="tx1"/>
+                </a:solidFill>
+                <a:latin typeface="Times New Roman" panose="02020603050405020304" pitchFamily="18" charset="0"/>
+                <a:cs typeface="Times New Roman" panose="02020603050405020304" pitchFamily="18" charset="0"/>
+              </a:rPr>
+              <a:t> </a:t>
+            </a:r>
+            <a:r>
+              <a:rPr lang="en-US" dirty="0" err="1">
+                <a:solidFill>
+                  <a:schemeClr val="tx1"/>
+                </a:solidFill>
+                <a:latin typeface="Times New Roman" panose="02020603050405020304" pitchFamily="18" charset="0"/>
+                <a:cs typeface="Times New Roman" panose="02020603050405020304" pitchFamily="18" charset="0"/>
+              </a:rPr>
+              <a:t>với</a:t>
+            </a:r>
+            <a:r>
+              <a:rPr lang="en-US" dirty="0">
+                <a:solidFill>
+                  <a:schemeClr val="tx1"/>
+                </a:solidFill>
+                <a:latin typeface="Times New Roman" panose="02020603050405020304" pitchFamily="18" charset="0"/>
+                <a:cs typeface="Times New Roman" panose="02020603050405020304" pitchFamily="18" charset="0"/>
+              </a:rPr>
+              <a:t> </a:t>
+            </a:r>
+            <a:r>
+              <a:rPr lang="en-US" dirty="0" err="1">
+                <a:solidFill>
+                  <a:schemeClr val="tx1"/>
+                </a:solidFill>
+                <a:latin typeface="Times New Roman" panose="02020603050405020304" pitchFamily="18" charset="0"/>
+                <a:cs typeface="Times New Roman" panose="02020603050405020304" pitchFamily="18" charset="0"/>
+              </a:rPr>
+              <a:t>môi</a:t>
+            </a:r>
+            <a:r>
+              <a:rPr lang="en-US" dirty="0">
+                <a:solidFill>
+                  <a:schemeClr val="tx1"/>
+                </a:solidFill>
+                <a:latin typeface="Times New Roman" panose="02020603050405020304" pitchFamily="18" charset="0"/>
+                <a:cs typeface="Times New Roman" panose="02020603050405020304" pitchFamily="18" charset="0"/>
+              </a:rPr>
+              <a:t> </a:t>
+            </a:r>
+            <a:r>
+              <a:rPr lang="en-US" dirty="0" err="1">
+                <a:solidFill>
+                  <a:schemeClr val="tx1"/>
+                </a:solidFill>
+                <a:latin typeface="Times New Roman" panose="02020603050405020304" pitchFamily="18" charset="0"/>
+                <a:cs typeface="Times New Roman" panose="02020603050405020304" pitchFamily="18" charset="0"/>
+              </a:rPr>
+              <a:t>trường</a:t>
+            </a:r>
+            <a:r>
+              <a:rPr lang="en-US" dirty="0">
+                <a:solidFill>
+                  <a:schemeClr val="tx1"/>
+                </a:solidFill>
+                <a:latin typeface="Times New Roman" panose="02020603050405020304" pitchFamily="18" charset="0"/>
+                <a:cs typeface="Times New Roman" panose="02020603050405020304" pitchFamily="18" charset="0"/>
+              </a:rPr>
+              <a:t> </a:t>
+            </a:r>
+            <a:r>
+              <a:rPr lang="en-US" dirty="0" err="1">
+                <a:solidFill>
+                  <a:schemeClr val="tx1"/>
+                </a:solidFill>
+                <a:latin typeface="Times New Roman" panose="02020603050405020304" pitchFamily="18" charset="0"/>
+                <a:cs typeface="Times New Roman" panose="02020603050405020304" pitchFamily="18" charset="0"/>
+              </a:rPr>
+              <a:t>làm</a:t>
+            </a:r>
+            <a:r>
+              <a:rPr lang="en-US" dirty="0">
+                <a:solidFill>
+                  <a:schemeClr val="tx1"/>
+                </a:solidFill>
+                <a:latin typeface="Times New Roman" panose="02020603050405020304" pitchFamily="18" charset="0"/>
+                <a:cs typeface="Times New Roman" panose="02020603050405020304" pitchFamily="18" charset="0"/>
+              </a:rPr>
+              <a:t> </a:t>
+            </a:r>
+            <a:r>
+              <a:rPr lang="en-US" dirty="0" err="1">
+                <a:solidFill>
+                  <a:schemeClr val="tx1"/>
+                </a:solidFill>
+                <a:latin typeface="Times New Roman" panose="02020603050405020304" pitchFamily="18" charset="0"/>
+                <a:cs typeface="Times New Roman" panose="02020603050405020304" pitchFamily="18" charset="0"/>
+              </a:rPr>
+              <a:t>việc</a:t>
+            </a:r>
+            <a:r>
+              <a:rPr lang="en-US" dirty="0">
+                <a:solidFill>
+                  <a:schemeClr val="tx1"/>
+                </a:solidFill>
+                <a:latin typeface="Times New Roman" panose="02020603050405020304" pitchFamily="18" charset="0"/>
+                <a:cs typeface="Times New Roman" panose="02020603050405020304" pitchFamily="18" charset="0"/>
+              </a:rPr>
+              <a:t> Google </a:t>
+            </a:r>
+            <a:r>
+              <a:rPr lang="en-US" dirty="0" err="1">
+                <a:solidFill>
+                  <a:schemeClr val="tx1"/>
+                </a:solidFill>
+                <a:latin typeface="Times New Roman" panose="02020603050405020304" pitchFamily="18" charset="0"/>
+                <a:cs typeface="Times New Roman" panose="02020603050405020304" pitchFamily="18" charset="0"/>
+              </a:rPr>
+              <a:t>Colab</a:t>
+            </a:r>
+            <a:r>
+              <a:rPr lang="en-US" dirty="0">
+                <a:solidFill>
+                  <a:schemeClr val="tx1"/>
+                </a:solidFill>
+                <a:latin typeface="Times New Roman" panose="02020603050405020304" pitchFamily="18" charset="0"/>
+                <a:cs typeface="Times New Roman" panose="02020603050405020304" pitchFamily="18" charset="0"/>
+              </a:rPr>
+              <a:t> Service.</a:t>
+            </a:r>
+          </a:p>
+          <a:p>
+            <a:pPr marL="0" indent="0">
+              <a:buNone/>
+            </a:pPr>
+            <a:r>
+              <a:rPr lang="en-US" dirty="0">
+                <a:solidFill>
+                  <a:schemeClr val="tx1"/>
+                </a:solidFill>
+                <a:latin typeface="Times New Roman" panose="02020603050405020304" pitchFamily="18" charset="0"/>
+                <a:cs typeface="Times New Roman" panose="02020603050405020304" pitchFamily="18" charset="0"/>
+              </a:rPr>
+              <a:t>- </a:t>
+            </a:r>
+            <a:r>
+              <a:rPr lang="en-US" dirty="0" err="1">
+                <a:solidFill>
+                  <a:schemeClr val="tx1"/>
+                </a:solidFill>
+                <a:latin typeface="Times New Roman" panose="02020603050405020304" pitchFamily="18" charset="0"/>
+                <a:cs typeface="Times New Roman" panose="02020603050405020304" pitchFamily="18" charset="0"/>
+              </a:rPr>
+              <a:t>Ch</a:t>
+            </a:r>
+            <a:r>
+              <a:rPr lang="vi-VN" dirty="0">
+                <a:solidFill>
+                  <a:schemeClr val="tx1"/>
+                </a:solidFill>
+                <a:latin typeface="Times New Roman" panose="02020603050405020304" pitchFamily="18" charset="0"/>
+                <a:cs typeface="Times New Roman" panose="02020603050405020304" pitchFamily="18" charset="0"/>
+              </a:rPr>
+              <a:t>ư</a:t>
+            </a:r>
+            <a:r>
+              <a:rPr lang="en-US" dirty="0">
+                <a:solidFill>
+                  <a:schemeClr val="tx1"/>
+                </a:solidFill>
+                <a:latin typeface="Times New Roman" panose="02020603050405020304" pitchFamily="18" charset="0"/>
+                <a:cs typeface="Times New Roman" panose="02020603050405020304" pitchFamily="18" charset="0"/>
+              </a:rPr>
+              <a:t>a </a:t>
+            </a:r>
+            <a:r>
+              <a:rPr lang="en-US" dirty="0" err="1">
+                <a:solidFill>
+                  <a:schemeClr val="tx1"/>
+                </a:solidFill>
+                <a:latin typeface="Times New Roman" panose="02020603050405020304" pitchFamily="18" charset="0"/>
+                <a:cs typeface="Times New Roman" panose="02020603050405020304" pitchFamily="18" charset="0"/>
+              </a:rPr>
+              <a:t>có</a:t>
+            </a:r>
+            <a:r>
+              <a:rPr lang="en-US" dirty="0">
+                <a:solidFill>
+                  <a:schemeClr val="tx1"/>
+                </a:solidFill>
+                <a:latin typeface="Times New Roman" panose="02020603050405020304" pitchFamily="18" charset="0"/>
+                <a:cs typeface="Times New Roman" panose="02020603050405020304" pitchFamily="18" charset="0"/>
+              </a:rPr>
+              <a:t> </a:t>
+            </a:r>
+            <a:r>
+              <a:rPr lang="en-US" dirty="0" err="1">
+                <a:solidFill>
+                  <a:schemeClr val="tx1"/>
+                </a:solidFill>
+                <a:latin typeface="Times New Roman" panose="02020603050405020304" pitchFamily="18" charset="0"/>
+                <a:cs typeface="Times New Roman" panose="02020603050405020304" pitchFamily="18" charset="0"/>
+              </a:rPr>
+              <a:t>kinh</a:t>
+            </a:r>
+            <a:r>
+              <a:rPr lang="en-US" dirty="0">
+                <a:solidFill>
+                  <a:schemeClr val="tx1"/>
+                </a:solidFill>
+                <a:latin typeface="Times New Roman" panose="02020603050405020304" pitchFamily="18" charset="0"/>
+                <a:cs typeface="Times New Roman" panose="02020603050405020304" pitchFamily="18" charset="0"/>
+              </a:rPr>
+              <a:t> </a:t>
+            </a:r>
+            <a:r>
+              <a:rPr lang="en-US" dirty="0" err="1">
+                <a:solidFill>
+                  <a:schemeClr val="tx1"/>
+                </a:solidFill>
+                <a:latin typeface="Times New Roman" panose="02020603050405020304" pitchFamily="18" charset="0"/>
+                <a:cs typeface="Times New Roman" panose="02020603050405020304" pitchFamily="18" charset="0"/>
+              </a:rPr>
+              <a:t>nghiệm</a:t>
+            </a:r>
+            <a:r>
+              <a:rPr lang="en-US" dirty="0">
+                <a:solidFill>
+                  <a:schemeClr val="tx1"/>
+                </a:solidFill>
+                <a:latin typeface="Times New Roman" panose="02020603050405020304" pitchFamily="18" charset="0"/>
+                <a:cs typeface="Times New Roman" panose="02020603050405020304" pitchFamily="18" charset="0"/>
+              </a:rPr>
+              <a:t> </a:t>
+            </a:r>
+            <a:r>
+              <a:rPr lang="en-US" dirty="0" err="1">
+                <a:solidFill>
+                  <a:schemeClr val="tx1"/>
+                </a:solidFill>
+                <a:latin typeface="Times New Roman" panose="02020603050405020304" pitchFamily="18" charset="0"/>
+                <a:cs typeface="Times New Roman" panose="02020603050405020304" pitchFamily="18" charset="0"/>
+              </a:rPr>
+              <a:t>khi</a:t>
+            </a:r>
+            <a:r>
+              <a:rPr lang="en-US" dirty="0">
+                <a:solidFill>
+                  <a:schemeClr val="tx1"/>
+                </a:solidFill>
+                <a:latin typeface="Times New Roman" panose="02020603050405020304" pitchFamily="18" charset="0"/>
+                <a:cs typeface="Times New Roman" panose="02020603050405020304" pitchFamily="18" charset="0"/>
+              </a:rPr>
+              <a:t> </a:t>
+            </a:r>
+            <a:r>
+              <a:rPr lang="en-US" dirty="0" err="1">
+                <a:solidFill>
+                  <a:schemeClr val="tx1"/>
+                </a:solidFill>
+                <a:latin typeface="Times New Roman" panose="02020603050405020304" pitchFamily="18" charset="0"/>
+                <a:cs typeface="Times New Roman" panose="02020603050405020304" pitchFamily="18" charset="0"/>
+              </a:rPr>
+              <a:t>tiến</a:t>
+            </a:r>
+            <a:r>
+              <a:rPr lang="en-US" dirty="0">
+                <a:solidFill>
+                  <a:schemeClr val="tx1"/>
+                </a:solidFill>
+                <a:latin typeface="Times New Roman" panose="02020603050405020304" pitchFamily="18" charset="0"/>
+                <a:cs typeface="Times New Roman" panose="02020603050405020304" pitchFamily="18" charset="0"/>
+              </a:rPr>
+              <a:t> </a:t>
+            </a:r>
+            <a:r>
+              <a:rPr lang="en-US" dirty="0" err="1">
+                <a:solidFill>
+                  <a:schemeClr val="tx1"/>
+                </a:solidFill>
+                <a:latin typeface="Times New Roman" panose="02020603050405020304" pitchFamily="18" charset="0"/>
+                <a:cs typeface="Times New Roman" panose="02020603050405020304" pitchFamily="18" charset="0"/>
+              </a:rPr>
+              <a:t>hành</a:t>
+            </a:r>
+            <a:r>
+              <a:rPr lang="en-US" dirty="0">
+                <a:solidFill>
+                  <a:schemeClr val="tx1"/>
+                </a:solidFill>
+                <a:latin typeface="Times New Roman" panose="02020603050405020304" pitchFamily="18" charset="0"/>
+                <a:cs typeface="Times New Roman" panose="02020603050405020304" pitchFamily="18" charset="0"/>
+              </a:rPr>
+              <a:t> </a:t>
+            </a:r>
+            <a:r>
+              <a:rPr lang="en-US" dirty="0" err="1">
+                <a:solidFill>
+                  <a:schemeClr val="tx1"/>
+                </a:solidFill>
+                <a:latin typeface="Times New Roman" panose="02020603050405020304" pitchFamily="18" charset="0"/>
+                <a:cs typeface="Times New Roman" panose="02020603050405020304" pitchFamily="18" charset="0"/>
+              </a:rPr>
+              <a:t>thực</a:t>
+            </a:r>
+            <a:r>
+              <a:rPr lang="en-US" dirty="0">
+                <a:solidFill>
+                  <a:schemeClr val="tx1"/>
+                </a:solidFill>
+                <a:latin typeface="Times New Roman" panose="02020603050405020304" pitchFamily="18" charset="0"/>
+                <a:cs typeface="Times New Roman" panose="02020603050405020304" pitchFamily="18" charset="0"/>
+              </a:rPr>
+              <a:t> </a:t>
+            </a:r>
+            <a:r>
+              <a:rPr lang="en-US" dirty="0" err="1">
+                <a:solidFill>
+                  <a:schemeClr val="tx1"/>
+                </a:solidFill>
+                <a:latin typeface="Times New Roman" panose="02020603050405020304" pitchFamily="18" charset="0"/>
+                <a:cs typeface="Times New Roman" panose="02020603050405020304" pitchFamily="18" charset="0"/>
+              </a:rPr>
+              <a:t>nghiệm</a:t>
+            </a:r>
+            <a:r>
+              <a:rPr lang="en-US" dirty="0">
+                <a:solidFill>
+                  <a:schemeClr val="tx1"/>
+                </a:solidFill>
+                <a:latin typeface="Times New Roman" panose="02020603050405020304" pitchFamily="18" charset="0"/>
+                <a:cs typeface="Times New Roman" panose="02020603050405020304" pitchFamily="18" charset="0"/>
+              </a:rPr>
+              <a:t>.</a:t>
+            </a:r>
+          </a:p>
+          <a:p>
+            <a:pPr marL="0" indent="0">
+              <a:buNone/>
+            </a:pPr>
+            <a:r>
+              <a:rPr lang="en-US" dirty="0">
+                <a:solidFill>
+                  <a:schemeClr val="tx1"/>
+                </a:solidFill>
+                <a:latin typeface="Times New Roman" panose="02020603050405020304" pitchFamily="18" charset="0"/>
+                <a:cs typeface="Times New Roman" panose="02020603050405020304" pitchFamily="18" charset="0"/>
+              </a:rPr>
+              <a:t>- </a:t>
+            </a:r>
+            <a:r>
+              <a:rPr lang="en-US" dirty="0" err="1">
+                <a:solidFill>
+                  <a:schemeClr val="tx1"/>
+                </a:solidFill>
+                <a:latin typeface="Times New Roman" panose="02020603050405020304" pitchFamily="18" charset="0"/>
+                <a:cs typeface="Times New Roman" panose="02020603050405020304" pitchFamily="18" charset="0"/>
+              </a:rPr>
+              <a:t>Kết</a:t>
+            </a:r>
+            <a:r>
+              <a:rPr lang="en-US" dirty="0">
+                <a:solidFill>
+                  <a:schemeClr val="tx1"/>
+                </a:solidFill>
+                <a:latin typeface="Times New Roman" panose="02020603050405020304" pitchFamily="18" charset="0"/>
+                <a:cs typeface="Times New Roman" panose="02020603050405020304" pitchFamily="18" charset="0"/>
+              </a:rPr>
+              <a:t> </a:t>
+            </a:r>
+            <a:r>
+              <a:rPr lang="en-US" dirty="0" err="1">
+                <a:solidFill>
+                  <a:schemeClr val="tx1"/>
+                </a:solidFill>
+                <a:latin typeface="Times New Roman" panose="02020603050405020304" pitchFamily="18" charset="0"/>
+                <a:cs typeface="Times New Roman" panose="02020603050405020304" pitchFamily="18" charset="0"/>
+              </a:rPr>
+              <a:t>quả</a:t>
+            </a:r>
+            <a:r>
+              <a:rPr lang="en-US" dirty="0">
+                <a:solidFill>
+                  <a:schemeClr val="tx1"/>
+                </a:solidFill>
+                <a:latin typeface="Times New Roman" panose="02020603050405020304" pitchFamily="18" charset="0"/>
+                <a:cs typeface="Times New Roman" panose="02020603050405020304" pitchFamily="18" charset="0"/>
+              </a:rPr>
+              <a:t> </a:t>
+            </a:r>
+            <a:r>
+              <a:rPr lang="en-US" dirty="0" err="1">
+                <a:solidFill>
+                  <a:schemeClr val="tx1"/>
+                </a:solidFill>
+                <a:latin typeface="Times New Roman" panose="02020603050405020304" pitchFamily="18" charset="0"/>
+                <a:cs typeface="Times New Roman" panose="02020603050405020304" pitchFamily="18" charset="0"/>
+              </a:rPr>
+              <a:t>trong</a:t>
+            </a:r>
+            <a:r>
+              <a:rPr lang="en-US" dirty="0">
+                <a:solidFill>
+                  <a:schemeClr val="tx1"/>
+                </a:solidFill>
+                <a:latin typeface="Times New Roman" panose="02020603050405020304" pitchFamily="18" charset="0"/>
+                <a:cs typeface="Times New Roman" panose="02020603050405020304" pitchFamily="18" charset="0"/>
+              </a:rPr>
+              <a:t> </a:t>
+            </a:r>
+            <a:r>
+              <a:rPr lang="en-US" dirty="0" err="1">
+                <a:solidFill>
+                  <a:schemeClr val="tx1"/>
+                </a:solidFill>
+                <a:latin typeface="Times New Roman" panose="02020603050405020304" pitchFamily="18" charset="0"/>
+                <a:cs typeface="Times New Roman" panose="02020603050405020304" pitchFamily="18" charset="0"/>
+              </a:rPr>
+              <a:t>việc</a:t>
+            </a:r>
+            <a:r>
+              <a:rPr lang="en-US" dirty="0">
+                <a:solidFill>
+                  <a:schemeClr val="tx1"/>
+                </a:solidFill>
+                <a:latin typeface="Times New Roman" panose="02020603050405020304" pitchFamily="18" charset="0"/>
+                <a:cs typeface="Times New Roman" panose="02020603050405020304" pitchFamily="18" charset="0"/>
+              </a:rPr>
+              <a:t> </a:t>
+            </a:r>
+            <a:r>
+              <a:rPr lang="en-US" dirty="0" err="1">
+                <a:solidFill>
+                  <a:schemeClr val="tx1"/>
+                </a:solidFill>
+                <a:latin typeface="Times New Roman" panose="02020603050405020304" pitchFamily="18" charset="0"/>
+                <a:cs typeface="Times New Roman" panose="02020603050405020304" pitchFamily="18" charset="0"/>
+              </a:rPr>
+              <a:t>thực</a:t>
+            </a:r>
+            <a:r>
+              <a:rPr lang="en-US" dirty="0">
+                <a:solidFill>
+                  <a:schemeClr val="tx1"/>
+                </a:solidFill>
+                <a:latin typeface="Times New Roman" panose="02020603050405020304" pitchFamily="18" charset="0"/>
+                <a:cs typeface="Times New Roman" panose="02020603050405020304" pitchFamily="18" charset="0"/>
+              </a:rPr>
+              <a:t> </a:t>
+            </a:r>
+            <a:r>
+              <a:rPr lang="en-US" dirty="0" err="1">
+                <a:solidFill>
+                  <a:schemeClr val="tx1"/>
+                </a:solidFill>
+                <a:latin typeface="Times New Roman" panose="02020603050405020304" pitchFamily="18" charset="0"/>
+                <a:cs typeface="Times New Roman" panose="02020603050405020304" pitchFamily="18" charset="0"/>
+              </a:rPr>
+              <a:t>nghiệm</a:t>
+            </a:r>
+            <a:r>
+              <a:rPr lang="en-US" dirty="0">
+                <a:solidFill>
+                  <a:schemeClr val="tx1"/>
+                </a:solidFill>
+                <a:latin typeface="Times New Roman" panose="02020603050405020304" pitchFamily="18" charset="0"/>
+                <a:cs typeface="Times New Roman" panose="02020603050405020304" pitchFamily="18" charset="0"/>
+              </a:rPr>
+              <a:t> </a:t>
+            </a:r>
+            <a:r>
+              <a:rPr lang="en-US" dirty="0" err="1">
+                <a:solidFill>
+                  <a:schemeClr val="tx1"/>
+                </a:solidFill>
+                <a:latin typeface="Times New Roman" panose="02020603050405020304" pitchFamily="18" charset="0"/>
+                <a:cs typeface="Times New Roman" panose="02020603050405020304" pitchFamily="18" charset="0"/>
+              </a:rPr>
+              <a:t>chưa</a:t>
+            </a:r>
+            <a:r>
+              <a:rPr lang="en-US" dirty="0">
+                <a:solidFill>
+                  <a:schemeClr val="tx1"/>
+                </a:solidFill>
+                <a:latin typeface="Times New Roman" panose="02020603050405020304" pitchFamily="18" charset="0"/>
+                <a:cs typeface="Times New Roman" panose="02020603050405020304" pitchFamily="18" charset="0"/>
+              </a:rPr>
+              <a:t> </a:t>
+            </a:r>
+            <a:r>
+              <a:rPr lang="en-US" dirty="0" err="1">
+                <a:solidFill>
+                  <a:schemeClr val="tx1"/>
+                </a:solidFill>
+                <a:latin typeface="Times New Roman" panose="02020603050405020304" pitchFamily="18" charset="0"/>
+                <a:cs typeface="Times New Roman" panose="02020603050405020304" pitchFamily="18" charset="0"/>
+              </a:rPr>
+              <a:t>thật</a:t>
+            </a:r>
+            <a:r>
+              <a:rPr lang="en-US" dirty="0">
+                <a:solidFill>
+                  <a:schemeClr val="tx1"/>
+                </a:solidFill>
+                <a:latin typeface="Times New Roman" panose="02020603050405020304" pitchFamily="18" charset="0"/>
+                <a:cs typeface="Times New Roman" panose="02020603050405020304" pitchFamily="18" charset="0"/>
+              </a:rPr>
+              <a:t> </a:t>
+            </a:r>
+            <a:r>
+              <a:rPr lang="en-US" dirty="0" err="1">
+                <a:solidFill>
+                  <a:schemeClr val="tx1"/>
+                </a:solidFill>
+                <a:latin typeface="Times New Roman" panose="02020603050405020304" pitchFamily="18" charset="0"/>
+                <a:cs typeface="Times New Roman" panose="02020603050405020304" pitchFamily="18" charset="0"/>
+              </a:rPr>
+              <a:t>sự</a:t>
+            </a:r>
+            <a:r>
+              <a:rPr lang="en-US" dirty="0">
+                <a:solidFill>
+                  <a:schemeClr val="tx1"/>
+                </a:solidFill>
+                <a:latin typeface="Times New Roman" panose="02020603050405020304" pitchFamily="18" charset="0"/>
+                <a:cs typeface="Times New Roman" panose="02020603050405020304" pitchFamily="18" charset="0"/>
+              </a:rPr>
+              <a:t> </a:t>
+            </a:r>
+            <a:r>
+              <a:rPr lang="en-US" dirty="0" err="1">
+                <a:solidFill>
+                  <a:schemeClr val="tx1"/>
+                </a:solidFill>
+                <a:latin typeface="Times New Roman" panose="02020603050405020304" pitchFamily="18" charset="0"/>
+                <a:cs typeface="Times New Roman" panose="02020603050405020304" pitchFamily="18" charset="0"/>
+              </a:rPr>
+              <a:t>được</a:t>
+            </a:r>
+            <a:r>
+              <a:rPr lang="en-US" dirty="0">
+                <a:solidFill>
+                  <a:schemeClr val="tx1"/>
+                </a:solidFill>
+                <a:latin typeface="Times New Roman" panose="02020603050405020304" pitchFamily="18" charset="0"/>
+                <a:cs typeface="Times New Roman" panose="02020603050405020304" pitchFamily="18" charset="0"/>
+              </a:rPr>
+              <a:t> </a:t>
+            </a:r>
+            <a:r>
+              <a:rPr lang="en-US" dirty="0" err="1">
+                <a:solidFill>
+                  <a:schemeClr val="tx1"/>
+                </a:solidFill>
+                <a:latin typeface="Times New Roman" panose="02020603050405020304" pitchFamily="18" charset="0"/>
+                <a:cs typeface="Times New Roman" panose="02020603050405020304" pitchFamily="18" charset="0"/>
+              </a:rPr>
+              <a:t>như</a:t>
+            </a:r>
+            <a:r>
+              <a:rPr lang="en-US" dirty="0">
+                <a:solidFill>
+                  <a:schemeClr val="tx1"/>
+                </a:solidFill>
+                <a:latin typeface="Times New Roman" panose="02020603050405020304" pitchFamily="18" charset="0"/>
+                <a:cs typeface="Times New Roman" panose="02020603050405020304" pitchFamily="18" charset="0"/>
+              </a:rPr>
+              <a:t> </a:t>
+            </a:r>
+            <a:r>
+              <a:rPr lang="en-US" dirty="0" err="1">
+                <a:solidFill>
+                  <a:schemeClr val="tx1"/>
+                </a:solidFill>
+                <a:latin typeface="Times New Roman" panose="02020603050405020304" pitchFamily="18" charset="0"/>
+                <a:cs typeface="Times New Roman" panose="02020603050405020304" pitchFamily="18" charset="0"/>
+              </a:rPr>
+              <a:t>mong</a:t>
+            </a:r>
+            <a:r>
+              <a:rPr lang="en-US" dirty="0">
+                <a:solidFill>
+                  <a:schemeClr val="tx1"/>
+                </a:solidFill>
+                <a:latin typeface="Times New Roman" panose="02020603050405020304" pitchFamily="18" charset="0"/>
+                <a:cs typeface="Times New Roman" panose="02020603050405020304" pitchFamily="18" charset="0"/>
+              </a:rPr>
+              <a:t> </a:t>
+            </a:r>
+            <a:r>
+              <a:rPr lang="en-US" dirty="0" err="1">
+                <a:solidFill>
+                  <a:schemeClr val="tx1"/>
+                </a:solidFill>
+                <a:latin typeface="Times New Roman" panose="02020603050405020304" pitchFamily="18" charset="0"/>
+                <a:cs typeface="Times New Roman" panose="02020603050405020304" pitchFamily="18" charset="0"/>
+              </a:rPr>
+              <a:t>muốn</a:t>
+            </a:r>
+            <a:r>
+              <a:rPr lang="en-US" dirty="0">
+                <a:solidFill>
+                  <a:schemeClr val="tx1"/>
+                </a:solidFill>
+                <a:latin typeface="Times New Roman" panose="02020603050405020304" pitchFamily="18" charset="0"/>
+                <a:cs typeface="Times New Roman" panose="02020603050405020304" pitchFamily="18" charset="0"/>
+              </a:rPr>
+              <a:t>, </a:t>
+            </a:r>
+            <a:r>
+              <a:rPr lang="en-US" dirty="0" err="1">
+                <a:solidFill>
+                  <a:schemeClr val="tx1"/>
+                </a:solidFill>
+                <a:latin typeface="Times New Roman" panose="02020603050405020304" pitchFamily="18" charset="0"/>
+                <a:cs typeface="Times New Roman" panose="02020603050405020304" pitchFamily="18" charset="0"/>
+              </a:rPr>
+              <a:t>nguyên</a:t>
+            </a:r>
+            <a:r>
+              <a:rPr lang="en-US" dirty="0">
+                <a:solidFill>
+                  <a:schemeClr val="tx1"/>
+                </a:solidFill>
+                <a:latin typeface="Times New Roman" panose="02020603050405020304" pitchFamily="18" charset="0"/>
+                <a:cs typeface="Times New Roman" panose="02020603050405020304" pitchFamily="18" charset="0"/>
+              </a:rPr>
+              <a:t> </a:t>
+            </a:r>
+            <a:r>
+              <a:rPr lang="en-US" dirty="0" err="1">
+                <a:solidFill>
+                  <a:schemeClr val="tx1"/>
+                </a:solidFill>
+                <a:latin typeface="Times New Roman" panose="02020603050405020304" pitchFamily="18" charset="0"/>
+                <a:cs typeface="Times New Roman" panose="02020603050405020304" pitchFamily="18" charset="0"/>
+              </a:rPr>
+              <a:t>nhân</a:t>
+            </a:r>
+            <a:r>
+              <a:rPr lang="en-US" dirty="0">
+                <a:solidFill>
+                  <a:schemeClr val="tx1"/>
+                </a:solidFill>
+                <a:latin typeface="Times New Roman" panose="02020603050405020304" pitchFamily="18" charset="0"/>
+                <a:cs typeface="Times New Roman" panose="02020603050405020304" pitchFamily="18" charset="0"/>
+              </a:rPr>
+              <a:t> </a:t>
+            </a:r>
+            <a:r>
+              <a:rPr lang="en-US" dirty="0" err="1">
+                <a:solidFill>
+                  <a:schemeClr val="tx1"/>
+                </a:solidFill>
+                <a:latin typeface="Times New Roman" panose="02020603050405020304" pitchFamily="18" charset="0"/>
+                <a:cs typeface="Times New Roman" panose="02020603050405020304" pitchFamily="18" charset="0"/>
+              </a:rPr>
+              <a:t>chủ</a:t>
+            </a:r>
+            <a:r>
+              <a:rPr lang="en-US" dirty="0">
+                <a:solidFill>
+                  <a:schemeClr val="tx1"/>
+                </a:solidFill>
+                <a:latin typeface="Times New Roman" panose="02020603050405020304" pitchFamily="18" charset="0"/>
+                <a:cs typeface="Times New Roman" panose="02020603050405020304" pitchFamily="18" charset="0"/>
+              </a:rPr>
+              <a:t> </a:t>
+            </a:r>
+            <a:r>
+              <a:rPr lang="en-US" dirty="0" err="1">
+                <a:solidFill>
+                  <a:schemeClr val="tx1"/>
+                </a:solidFill>
+                <a:latin typeface="Times New Roman" panose="02020603050405020304" pitchFamily="18" charset="0"/>
+                <a:cs typeface="Times New Roman" panose="02020603050405020304" pitchFamily="18" charset="0"/>
+              </a:rPr>
+              <a:t>yếu</a:t>
+            </a:r>
+            <a:r>
+              <a:rPr lang="en-US" dirty="0">
+                <a:solidFill>
+                  <a:schemeClr val="tx1"/>
+                </a:solidFill>
+                <a:latin typeface="Times New Roman" panose="02020603050405020304" pitchFamily="18" charset="0"/>
+                <a:cs typeface="Times New Roman" panose="02020603050405020304" pitchFamily="18" charset="0"/>
+              </a:rPr>
+              <a:t> do dataset </a:t>
+            </a:r>
+            <a:r>
+              <a:rPr lang="en-US" dirty="0" err="1">
+                <a:solidFill>
+                  <a:schemeClr val="tx1"/>
+                </a:solidFill>
+                <a:latin typeface="Times New Roman" panose="02020603050405020304" pitchFamily="18" charset="0"/>
+                <a:cs typeface="Times New Roman" panose="02020603050405020304" pitchFamily="18" charset="0"/>
+              </a:rPr>
+              <a:t>quá</a:t>
+            </a:r>
+            <a:r>
+              <a:rPr lang="en-US" dirty="0">
+                <a:solidFill>
+                  <a:schemeClr val="tx1"/>
+                </a:solidFill>
+                <a:latin typeface="Times New Roman" panose="02020603050405020304" pitchFamily="18" charset="0"/>
+                <a:cs typeface="Times New Roman" panose="02020603050405020304" pitchFamily="18" charset="0"/>
+              </a:rPr>
+              <a:t> </a:t>
+            </a:r>
+            <a:r>
+              <a:rPr lang="en-US" dirty="0" err="1">
+                <a:solidFill>
+                  <a:schemeClr val="tx1"/>
+                </a:solidFill>
+                <a:latin typeface="Times New Roman" panose="02020603050405020304" pitchFamily="18" charset="0"/>
+                <a:cs typeface="Times New Roman" panose="02020603050405020304" pitchFamily="18" charset="0"/>
+              </a:rPr>
+              <a:t>nhiều</a:t>
+            </a:r>
+            <a:r>
+              <a:rPr lang="en-US" dirty="0">
+                <a:solidFill>
+                  <a:schemeClr val="tx1"/>
+                </a:solidFill>
+                <a:latin typeface="Times New Roman" panose="02020603050405020304" pitchFamily="18" charset="0"/>
+                <a:cs typeface="Times New Roman" panose="02020603050405020304" pitchFamily="18" charset="0"/>
+              </a:rPr>
+              <a:t>.</a:t>
+            </a:r>
+          </a:p>
+          <a:p>
+            <a:endParaRPr lang="en-US" dirty="0"/>
+          </a:p>
+        </p:txBody>
+      </p:sp>
+    </p:spTree>
+    <p:extLst>
+      <p:ext uri="{BB962C8B-B14F-4D97-AF65-F5344CB8AC3E}">
+        <p14:creationId xmlns:p14="http://schemas.microsoft.com/office/powerpoint/2010/main" val="1745079219"/>
+      </p:ext>
+    </p:extLst>
+  </p:cSld>
+  <p:clrMapOvr>
+    <a:masterClrMapping/>
+  </p:clrMapOvr>
+  <p:timing>
+    <p:tnLst>
+      <p:par>
+        <p:cTn id="1" dur="indefinite" restart="never" nodeType="tmRoot"/>
+      </p:par>
+    </p:tnLst>
+  </p:timing>
+</p:sld>
+</file>
+
+<file path=ppt/slides/slide13.xml><?xml version="1.0" encoding="utf-8"?>
+<p:sld xmlns:a="http://schemas.openxmlformats.org/drawingml/2006/main" xmlns:r="http://schemas.openxmlformats.org/officeDocument/2006/relationships" xmlns:p="http://schemas.openxmlformats.org/presentationml/2006/main">
+  <p:cSld>
+    <p:spTree>
+      <p:nvGrpSpPr>
+        <p:cNvPr id="1" name=""/>
+        <p:cNvGrpSpPr/>
+        <p:nvPr/>
+      </p:nvGrpSpPr>
+      <p:grpSpPr>
+        <a:xfrm>
+          <a:off x="0" y="0"/>
+          <a:ext cx="0" cy="0"/>
+          <a:chOff x="0" y="0"/>
+          <a:chExt cx="0" cy="0"/>
+        </a:xfrm>
+      </p:grpSpPr>
+      <p:sp>
+        <p:nvSpPr>
+          <p:cNvPr id="2" name="Title 1"/>
+          <p:cNvSpPr>
+            <a:spLocks noGrp="1"/>
+          </p:cNvSpPr>
+          <p:nvPr>
+            <p:ph type="title"/>
+          </p:nvPr>
+        </p:nvSpPr>
+        <p:spPr/>
+        <p:txBody>
+          <a:bodyPr/>
+          <a:lstStyle/>
+          <a:p>
+            <a:r>
+              <a:rPr lang="en-US" dirty="0" smtClean="0">
+                <a:latin typeface="Times New Roman" panose="02020603050405020304" pitchFamily="18" charset="0"/>
+                <a:cs typeface="Times New Roman" panose="02020603050405020304" pitchFamily="18" charset="0"/>
+              </a:rPr>
+              <a:t>4. </a:t>
+            </a:r>
+            <a:r>
+              <a:rPr lang="en-US" dirty="0">
+                <a:latin typeface="Times New Roman" panose="02020603050405020304" pitchFamily="18" charset="0"/>
+                <a:cs typeface="Times New Roman" panose="02020603050405020304" pitchFamily="18" charset="0"/>
+              </a:rPr>
+              <a:t>TỔNG KẾT &amp; HƯỚNG PHÁT TRIỂN</a:t>
+            </a:r>
+            <a:endParaRPr lang="en-US" dirty="0"/>
+          </a:p>
+        </p:txBody>
+      </p:sp>
+      <p:sp>
+        <p:nvSpPr>
+          <p:cNvPr id="3" name="Content Placeholder 2"/>
+          <p:cNvSpPr>
+            <a:spLocks noGrp="1"/>
+          </p:cNvSpPr>
+          <p:nvPr>
+            <p:ph idx="1"/>
+          </p:nvPr>
+        </p:nvSpPr>
+        <p:spPr/>
+        <p:txBody>
+          <a:bodyPr/>
+          <a:lstStyle/>
+          <a:p>
+            <a:r>
+              <a:rPr lang="en-US" b="1" dirty="0" smtClean="0">
+                <a:latin typeface="Times New Roman" panose="02020603050405020304" pitchFamily="18" charset="0"/>
+                <a:cs typeface="Times New Roman" panose="02020603050405020304" pitchFamily="18" charset="0"/>
+              </a:rPr>
               <a:t>HƯỚNG PHÁT TRIỂN:</a:t>
             </a:r>
           </a:p>
@@ -10416,10 +10688,17 @@
   <p:clrMapOvr>
     <a:masterClrMapping/>
   </p:clrMapOvr>
+  <p:timing>
+    <p:tnLst>
+      <p:par>
+        <p:cTn id="1" dur="indefinite" restart="never" nodeType="tmRoot"/>
+      </p:par>
+    </p:tnLst>
+  </p:timing>
 </p:sld>
 </file>
 
-<file path=ppt/slides/slide13.xml><?xml version="1.0" encoding="utf-8"?>
+<file path=ppt/slides/slide14.xml><?xml version="1.0" encoding="utf-8"?>
 <p:sld xmlns:a="http://schemas.openxmlformats.org/drawingml/2006/main" xmlns:r="http://schemas.openxmlformats.org/officeDocument/2006/relationships" xmlns:p="http://schemas.openxmlformats.org/presentationml/2006/main">
   <p:cSld>
     <p:spTree>
@@ -10496,6 +10775,13 @@
   <p:clrMapOvr>
     <a:masterClrMapping/>
   </p:clrMapOvr>
+  <p:timing>
+    <p:tnLst>
+      <p:par>
+        <p:cTn id="1" dur="indefinite" restart="never" nodeType="tmRoot"/>
+      </p:par>
+    </p:tnLst>
+  </p:timing>
 </p:sld>
 </file>
 
@@ -12375,7 +12661,7 @@
           <p:cNvPr id="4" name="Picture 3">
             <a:extLst>
               <a:ext uri="{FF2B5EF4-FFF2-40B4-BE49-F238E27FC236}">
-                <a16:creationId xmlns="" xmlns:a16="http://schemas.microsoft.com/office/drawing/2014/main" id="{B6E55DB9-0C49-4E79-A8E8-78E510D9D0C2}"/>
+                <a16:creationId xmlns:a16="http://schemas.microsoft.com/office/drawing/2014/main" xmlns="" id="{B6E55DB9-0C49-4E79-A8E8-78E510D9D0C2}"/>
               </a:ext>
             </a:extLst>
           </p:cNvPr>
@@ -12504,8 +12790,8 @@
         </p:nvSpPr>
         <p:spPr>
           <a:xfrm>
-            <a:off x="2679797" y="5916603"/>
-            <a:ext cx="4871847" cy="923330"/>
+            <a:off x="1954056" y="5783134"/>
+            <a:ext cx="6666633" cy="923330"/>
           </a:xfrm>
           <a:prstGeom prst="rect">
             <a:avLst/>
@@ -12517,34 +12803,18 @@
           </a:bodyPr>
           <a:lstStyle/>
           <a:p>
-            <a:r>
-              <a:rPr lang="en-US" dirty="0" err="1" smtClean="0">
-                <a:latin typeface="Times New Roman" panose="02020603050405020304" pitchFamily="18" charset="0"/>
-                <a:cs typeface="Times New Roman" panose="02020603050405020304" pitchFamily="18" charset="0"/>
-              </a:rPr>
-              <a:t>Kiến</a:t>
-            </a:r>
-            <a:r>
-              <a:rPr lang="en-US" dirty="0" smtClean="0">
-                <a:latin typeface="Times New Roman" panose="02020603050405020304" pitchFamily="18" charset="0"/>
-                <a:cs typeface="Times New Roman" panose="02020603050405020304" pitchFamily="18" charset="0"/>
-              </a:rPr>
-              <a:t> </a:t>
-            </a:r>
-            <a:r>
-              <a:rPr lang="en-US" dirty="0" err="1" smtClean="0">
-                <a:latin typeface="Times New Roman" panose="02020603050405020304" pitchFamily="18" charset="0"/>
-                <a:cs typeface="Times New Roman" panose="02020603050405020304" pitchFamily="18" charset="0"/>
-              </a:rPr>
-              <a:t>trúc</a:t>
-            </a:r>
-            <a:r>
-              <a:rPr lang="en-US" dirty="0" smtClean="0">
-                <a:latin typeface="Times New Roman" panose="02020603050405020304" pitchFamily="18" charset="0"/>
-                <a:cs typeface="Times New Roman" panose="02020603050405020304" pitchFamily="18" charset="0"/>
-              </a:rPr>
-              <a:t> NFR (Neural Fashion Recommendation)</a:t>
-            </a:r>
+            <a:pPr algn="ctr"/>
+            <a:r>
+              <a:rPr lang="vi-VN" i="1" dirty="0">
+                <a:latin typeface="Times New Roman" panose="02020603050405020304" pitchFamily="18" charset="0"/>
+                <a:cs typeface="Times New Roman" panose="02020603050405020304" pitchFamily="18" charset="0"/>
+              </a:rPr>
+              <a:t>Sơ đồ kiến trúc tổng quan của neural fashion recommendation (NFR) </a:t>
+            </a:r>
+            <a:endParaRPr lang="en-US" i="1" dirty="0" smtClean="0">
+              <a:latin typeface="Times New Roman" panose="02020603050405020304" pitchFamily="18" charset="0"/>
+              <a:cs typeface="Times New Roman" panose="02020603050405020304" pitchFamily="18" charset="0"/>
+            </a:endParaRPr>
           </a:p>
           <a:p>
             <a:pPr algn="ctr"/>
@@ -12643,6 +12913,13 @@
   <p:clrMapOvr>
     <a:masterClrMapping/>
   </p:clrMapOvr>
+  <p:timing>
+    <p:tnLst>
+      <p:par>
+        <p:cTn id="1" dur="indefinite" restart="never" nodeType="tmRoot"/>
+      </p:par>
+    </p:tnLst>
+  </p:timing>
 </p:sld>
 </file>
 
@@ -12694,7 +12971,7 @@
           <p:cNvPr id="4" name="Content Placeholder 3">
             <a:extLst>
               <a:ext uri="{FF2B5EF4-FFF2-40B4-BE49-F238E27FC236}">
-                <a16:creationId xmlns="" xmlns:a16="http://schemas.microsoft.com/office/drawing/2014/main" id="{C051A69F-4B99-423E-AFA5-0D1A377CB6A1}"/>
+                <a16:creationId xmlns:a16="http://schemas.microsoft.com/office/drawing/2014/main" xmlns="" id="{C051A69F-4B99-423E-AFA5-0D1A377CB6A1}"/>
               </a:ext>
             </a:extLst>
           </p:cNvPr>
@@ -12908,6 +13185,13 @@
   <p:clrMapOvr>
     <a:masterClrMapping/>
   </p:clrMapOvr>
+  <p:timing>
+    <p:tnLst>
+      <p:par>
+        <p:cTn id="1" dur="indefinite" restart="never" nodeType="tmRoot"/>
+      </p:par>
+    </p:tnLst>
+  </p:timing>
 </p:sld>
 </file>
 
@@ -12956,10 +13240,155 @@
       </p:sp>
       <p:pic>
         <p:nvPicPr>
+          <p:cNvPr id="4" name="Content Placeholder 3" descr="1_6eNTqLzQ08AABo-STFNiBw"/>
+          <p:cNvPicPr>
+            <a:picLocks noGrp="1"/>
+          </p:cNvPicPr>
+          <p:nvPr>
+            <p:ph idx="1"/>
+          </p:nvPr>
+        </p:nvPicPr>
+        <p:blipFill>
+          <a:blip r:embed="rId2" cstate="print">
+            <a:extLst>
+              <a:ext uri="{28A0092B-C50C-407E-A947-70E740481C1C}">
+                <a14:useLocalDpi xmlns:a14="http://schemas.microsoft.com/office/drawing/2010/main" val="0"/>
+              </a:ext>
+            </a:extLst>
+          </a:blip>
+          <a:srcRect/>
+          <a:stretch>
+            <a:fillRect/>
+          </a:stretch>
+        </p:blipFill>
+        <p:spPr bwMode="auto">
+          <a:xfrm>
+            <a:off x="1842459" y="1930400"/>
+            <a:ext cx="6266417" cy="3697668"/>
+          </a:xfrm>
+          <a:prstGeom prst="rect">
+            <a:avLst/>
+          </a:prstGeom>
+          <a:noFill/>
+          <a:ln>
+            <a:noFill/>
+          </a:ln>
+        </p:spPr>
+      </p:pic>
+      <p:sp>
+        <p:nvSpPr>
+          <p:cNvPr id="5" name="Rectangle 4"/>
+          <p:cNvSpPr/>
+          <p:nvPr/>
+        </p:nvSpPr>
+        <p:spPr>
+          <a:xfrm>
+            <a:off x="3531184" y="5794352"/>
+            <a:ext cx="3072316" cy="369332"/>
+          </a:xfrm>
+          <a:prstGeom prst="rect">
+            <a:avLst/>
+          </a:prstGeom>
+        </p:spPr>
+        <p:txBody>
+          <a:bodyPr wrap="none">
+            <a:spAutoFit/>
+          </a:bodyPr>
+          <a:lstStyle/>
+          <a:p>
+            <a:r>
+              <a:rPr lang="en-US" b="1" dirty="0">
+                <a:highlight>
+                  <a:srgbClr val="FFFFFF"/>
+                </a:highlight>
+                <a:latin typeface="Times New Roman" panose="02020603050405020304" pitchFamily="18" charset="0"/>
+                <a:ea typeface="Calibri" panose="020F0502020204030204" pitchFamily="34" charset="0"/>
+              </a:rPr>
+              <a:t>GRU</a:t>
+            </a:r>
+            <a:r>
+              <a:rPr lang="vi-VN" b="1" dirty="0">
+                <a:highlight>
+                  <a:srgbClr val="FFFFFF"/>
+                </a:highlight>
+                <a:latin typeface="Times New Roman" panose="02020603050405020304" pitchFamily="18" charset="0"/>
+                <a:ea typeface="Calibri" panose="020F0502020204030204" pitchFamily="34" charset="0"/>
+              </a:rPr>
+              <a:t> (Gated Recurrent Unit)</a:t>
+            </a:r>
+            <a:endParaRPr lang="en-US" b="1" dirty="0"/>
+          </a:p>
+        </p:txBody>
+      </p:sp>
+    </p:spTree>
+    <p:extLst>
+      <p:ext uri="{BB962C8B-B14F-4D97-AF65-F5344CB8AC3E}">
+        <p14:creationId xmlns:p14="http://schemas.microsoft.com/office/powerpoint/2010/main" val="2496860616"/>
+      </p:ext>
+    </p:extLst>
+  </p:cSld>
+  <p:clrMapOvr>
+    <a:masterClrMapping/>
+  </p:clrMapOvr>
+  <p:timing>
+    <p:tnLst>
+      <p:par>
+        <p:cTn id="1" dur="indefinite" restart="never" nodeType="tmRoot"/>
+      </p:par>
+    </p:tnLst>
+  </p:timing>
+</p:sld>
+</file>
+
+<file path=ppt/slides/slide7.xml><?xml version="1.0" encoding="utf-8"?>
+<p:sld xmlns:a="http://schemas.openxmlformats.org/drawingml/2006/main" xmlns:r="http://schemas.openxmlformats.org/officeDocument/2006/relationships" xmlns:p="http://schemas.openxmlformats.org/presentationml/2006/main">
+  <p:cSld>
+    <p:spTree>
+      <p:nvGrpSpPr>
+        <p:cNvPr id="1" name=""/>
+        <p:cNvGrpSpPr/>
+        <p:nvPr/>
+      </p:nvGrpSpPr>
+      <p:grpSpPr>
+        <a:xfrm>
+          <a:off x="0" y="0"/>
+          <a:ext cx="0" cy="0"/>
+          <a:chOff x="0" y="0"/>
+          <a:chExt cx="0" cy="0"/>
+        </a:xfrm>
+      </p:grpSpPr>
+      <p:sp>
+        <p:nvSpPr>
+          <p:cNvPr id="2" name="Title 1"/>
+          <p:cNvSpPr>
+            <a:spLocks noGrp="1"/>
+          </p:cNvSpPr>
+          <p:nvPr>
+            <p:ph type="title"/>
+          </p:nvPr>
+        </p:nvSpPr>
+        <p:spPr/>
+        <p:txBody>
+          <a:bodyPr/>
+          <a:lstStyle/>
+          <a:p>
+            <a:r>
+              <a:rPr lang="en-US" dirty="0">
+                <a:latin typeface="Times New Roman" panose="02020603050405020304" pitchFamily="18" charset="0"/>
+                <a:cs typeface="Times New Roman" panose="02020603050405020304" pitchFamily="18" charset="0"/>
+              </a:rPr>
+              <a:t>2. KIẾN TRÚC PHÁT SINH CÂU BÌNH LUẬN (NFR - BERT)</a:t>
+            </a:r>
+            <a:endParaRPr lang="en-US" dirty="0"/>
+          </a:p>
+        </p:txBody>
+      </p:sp>
+      <p:pic>
+        <p:nvPicPr>
           <p:cNvPr id="4" name="Content Placeholder 3">
             <a:extLst>
               <a:ext uri="{FF2B5EF4-FFF2-40B4-BE49-F238E27FC236}">
-                <a16:creationId xmlns="" xmlns:a16="http://schemas.microsoft.com/office/drawing/2014/main" id="{9659091E-C89D-4225-BF27-3E2AF3851C51}"/>
+                <a16:creationId xmlns:a16="http://schemas.microsoft.com/office/drawing/2014/main" xmlns="" id="{9659091E-C89D-4225-BF27-3E2AF3851C51}"/>
               </a:ext>
             </a:extLst>
           </p:cNvPr>
@@ -13171,10 +13600,17 @@
   <p:clrMapOvr>
     <a:masterClrMapping/>
   </p:clrMapOvr>
+  <p:timing>
+    <p:tnLst>
+      <p:par>
+        <p:cTn id="1" dur="indefinite" restart="never" nodeType="tmRoot"/>
+      </p:par>
+    </p:tnLst>
+  </p:timing>
 </p:sld>
 </file>
 
-<file path=ppt/slides/slide7.xml><?xml version="1.0" encoding="utf-8"?>
+<file path=ppt/slides/slide8.xml><?xml version="1.0" encoding="utf-8"?>
 <p:sld xmlns:a="http://schemas.openxmlformats.org/drawingml/2006/main" xmlns:r="http://schemas.openxmlformats.org/officeDocument/2006/relationships" xmlns:p="http://schemas.openxmlformats.org/presentationml/2006/main">
   <p:cSld>
     <p:spTree>
@@ -13902,10 +14338,17 @@
   <p:clrMapOvr>
     <a:masterClrMapping/>
   </p:clrMapOvr>
+  <p:timing>
+    <p:tnLst>
+      <p:par>
+        <p:cTn id="1" dur="indefinite" restart="never" nodeType="tmRoot"/>
+      </p:par>
+    </p:tnLst>
+  </p:timing>
 </p:sld>
 </file>
 
-<file path=ppt/slides/slide8.xml><?xml version="1.0" encoding="utf-8"?>
+<file path=ppt/slides/slide9.xml><?xml version="1.0" encoding="utf-8"?>
 <p:sld xmlns:a="http://schemas.openxmlformats.org/drawingml/2006/main" xmlns:r="http://schemas.openxmlformats.org/officeDocument/2006/relationships" xmlns:p="http://schemas.openxmlformats.org/presentationml/2006/main">
   <p:cSld>
     <p:spTree>
@@ -14832,13 +15275,6 @@
               </a:rPr>
               <a:t>.</a:t>
             </a:r>
-            <a:endParaRPr lang="en-US" dirty="0">
-              <a:solidFill>
-                <a:schemeClr val="tx1"/>
-              </a:solidFill>
-              <a:latin typeface="Times New Roman" panose="02020603050405020304" pitchFamily="18" charset="0"/>
-              <a:cs typeface="Times New Roman" panose="02020603050405020304" pitchFamily="18" charset="0"/>
-            </a:endParaRPr>
           </a:p>
         </p:txBody>
       </p:sp>
@@ -14852,251 +15288,13 @@
   <p:clrMapOvr>
     <a:masterClrMapping/>
   </p:clrMapOvr>
-</p:sld>
-</file>
-
-<file path=ppt/slides/slide9.xml><?xml version="1.0" encoding="utf-8"?>
-<p:sld xmlns:a="http://schemas.openxmlformats.org/drawingml/2006/main" xmlns:r="http://schemas.openxmlformats.org/officeDocument/2006/relationships" xmlns:p="http://schemas.openxmlformats.org/presentationml/2006/main">
-  <p:cSld>
-    <p:spTree>
-      <p:nvGrpSpPr>
-        <p:cNvPr id="1" name=""/>
-        <p:cNvGrpSpPr/>
-        <p:nvPr/>
-      </p:nvGrpSpPr>
-      <p:grpSpPr>
-        <a:xfrm>
-          <a:off x="0" y="0"/>
-          <a:ext cx="0" cy="0"/>
-          <a:chOff x="0" y="0"/>
-          <a:chExt cx="0" cy="0"/>
-        </a:xfrm>
-      </p:grpSpPr>
-      <p:sp>
-        <p:nvSpPr>
-          <p:cNvPr id="2" name="Title 1"/>
-          <p:cNvSpPr>
-            <a:spLocks noGrp="1"/>
-          </p:cNvSpPr>
-          <p:nvPr>
-            <p:ph type="title"/>
-          </p:nvPr>
-        </p:nvSpPr>
-        <p:spPr>
-          <a:xfrm>
-            <a:off x="677334" y="609600"/>
-            <a:ext cx="8596668" cy="1000259"/>
-          </a:xfrm>
-        </p:spPr>
-        <p:txBody>
-          <a:bodyPr/>
-          <a:lstStyle/>
-          <a:p>
-            <a:r>
-              <a:rPr lang="en-US" dirty="0" smtClean="0">
-                <a:latin typeface="Times New Roman" panose="02020603050405020304" pitchFamily="18" charset="0"/>
-                <a:cs typeface="Times New Roman" panose="02020603050405020304" pitchFamily="18" charset="0"/>
-              </a:rPr>
-              <a:t>3. </a:t>
-            </a:r>
-            <a:r>
-              <a:rPr lang="en-US" dirty="0">
-                <a:latin typeface="Times New Roman" panose="02020603050405020304" pitchFamily="18" charset="0"/>
-                <a:cs typeface="Times New Roman" panose="02020603050405020304" pitchFamily="18" charset="0"/>
-              </a:rPr>
-              <a:t>HIỆN THƯC HỆ THỐNG</a:t>
-            </a:r>
-            <a:endParaRPr lang="en-US" dirty="0"/>
-          </a:p>
-        </p:txBody>
-      </p:sp>
-      <p:sp>
-        <p:nvSpPr>
-          <p:cNvPr id="3" name="Content Placeholder 2"/>
-          <p:cNvSpPr>
-            <a:spLocks noGrp="1"/>
-          </p:cNvSpPr>
-          <p:nvPr>
-            <p:ph idx="1"/>
-          </p:nvPr>
-        </p:nvSpPr>
-        <p:spPr>
-          <a:xfrm>
-            <a:off x="677334" y="1609859"/>
-            <a:ext cx="8596668" cy="4721476"/>
-          </a:xfrm>
-        </p:spPr>
-        <p:txBody>
-          <a:bodyPr/>
-          <a:lstStyle/>
-          <a:p>
-            <a:r>
-              <a:rPr lang="en-US" b="1" dirty="0" smtClean="0">
-                <a:solidFill>
-                  <a:schemeClr val="tx1"/>
-                </a:solidFill>
-                <a:latin typeface="Times New Roman" panose="02020603050405020304" pitchFamily="18" charset="0"/>
-                <a:cs typeface="Times New Roman" panose="02020603050405020304" pitchFamily="18" charset="0"/>
-              </a:rPr>
-              <a:t>KẾT QUẢ:</a:t>
-            </a:r>
-          </a:p>
-          <a:p>
-            <a:endParaRPr lang="en-US" dirty="0"/>
-          </a:p>
-        </p:txBody>
-      </p:sp>
-      <p:pic>
-        <p:nvPicPr>
-          <p:cNvPr id="5" name="Picture 4"/>
-          <p:cNvPicPr>
-            <a:picLocks noChangeAspect="1"/>
-          </p:cNvPicPr>
-          <p:nvPr/>
-        </p:nvPicPr>
-        <p:blipFill>
-          <a:blip r:embed="rId2"/>
-          <a:stretch>
-            <a:fillRect/>
-          </a:stretch>
-        </p:blipFill>
-        <p:spPr>
-          <a:xfrm>
-            <a:off x="2206312" y="2006607"/>
-            <a:ext cx="5224798" cy="4324728"/>
-          </a:xfrm>
-          <a:prstGeom prst="rect">
-            <a:avLst/>
-          </a:prstGeom>
-        </p:spPr>
-      </p:pic>
-      <p:pic>
-        <p:nvPicPr>
-          <p:cNvPr id="6" name="Picture 5">
-            <a:extLst>
-              <a:ext uri="{FF2B5EF4-FFF2-40B4-BE49-F238E27FC236}">
-                <a16:creationId xmlns="" xmlns:a16="http://schemas.microsoft.com/office/drawing/2014/main" id="{FE10BA29-F112-44DF-880E-A23C031125D8}"/>
-              </a:ext>
-            </a:extLst>
-          </p:cNvPr>
-          <p:cNvPicPr/>
-          <p:nvPr/>
-        </p:nvPicPr>
-        <p:blipFill>
-          <a:blip r:embed="rId3" cstate="print">
-            <a:extLst>
-              <a:ext uri="{28A0092B-C50C-407E-A947-70E740481C1C}">
-                <a14:useLocalDpi xmlns:a14="http://schemas.microsoft.com/office/drawing/2010/main" val="0"/>
-              </a:ext>
-            </a:extLst>
-          </a:blip>
-          <a:srcRect/>
-          <a:stretch>
-            <a:fillRect/>
-          </a:stretch>
-        </p:blipFill>
-        <p:spPr bwMode="auto">
-          <a:xfrm>
-            <a:off x="6856639" y="3394530"/>
-            <a:ext cx="433161" cy="469795"/>
-          </a:xfrm>
-          <a:prstGeom prst="rect">
-            <a:avLst/>
-          </a:prstGeom>
-          <a:noFill/>
-          <a:ln>
-            <a:noFill/>
-          </a:ln>
-        </p:spPr>
-      </p:pic>
-      <p:pic>
-        <p:nvPicPr>
-          <p:cNvPr id="7" name="Picture 6">
-            <a:extLst>
-              <a:ext uri="{FF2B5EF4-FFF2-40B4-BE49-F238E27FC236}">
-                <a16:creationId xmlns="" xmlns:a16="http://schemas.microsoft.com/office/drawing/2014/main" id="{FE10BA29-F112-44DF-880E-A23C031125D8}"/>
-              </a:ext>
-            </a:extLst>
-          </p:cNvPr>
-          <p:cNvPicPr/>
-          <p:nvPr/>
-        </p:nvPicPr>
-        <p:blipFill>
-          <a:blip r:embed="rId3" cstate="print">
-            <a:extLst>
-              <a:ext uri="{28A0092B-C50C-407E-A947-70E740481C1C}">
-                <a14:useLocalDpi xmlns:a14="http://schemas.microsoft.com/office/drawing/2010/main" val="0"/>
-              </a:ext>
-            </a:extLst>
-          </a:blip>
-          <a:srcRect/>
-          <a:stretch>
-            <a:fillRect/>
-          </a:stretch>
-        </p:blipFill>
-        <p:spPr bwMode="auto">
-          <a:xfrm>
-            <a:off x="6856639" y="5661212"/>
-            <a:ext cx="433161" cy="469795"/>
-          </a:xfrm>
-          <a:prstGeom prst="rect">
-            <a:avLst/>
-          </a:prstGeom>
-          <a:noFill/>
-          <a:ln>
-            <a:noFill/>
-          </a:ln>
-        </p:spPr>
-      </p:pic>
-      <p:pic>
-        <p:nvPicPr>
-          <p:cNvPr id="8" name="Picture 7">
-            <a:extLst>
-              <a:ext uri="{FF2B5EF4-FFF2-40B4-BE49-F238E27FC236}">
-                <a16:creationId xmlns="" xmlns:a16="http://schemas.microsoft.com/office/drawing/2014/main" id="{5DFA3205-5299-4F19-A385-CB68FCC08E3C}"/>
-              </a:ext>
-            </a:extLst>
-          </p:cNvPr>
-          <p:cNvPicPr/>
-          <p:nvPr/>
-        </p:nvPicPr>
-        <p:blipFill>
-          <a:blip r:embed="rId4">
-            <a:extLst>
-              <a:ext uri="{28A0092B-C50C-407E-A947-70E740481C1C}">
-                <a14:useLocalDpi xmlns:a14="http://schemas.microsoft.com/office/drawing/2010/main" val="0"/>
-              </a:ext>
-            </a:extLst>
-          </a:blip>
-          <a:srcRect/>
-          <a:stretch>
-            <a:fillRect/>
-          </a:stretch>
-        </p:blipFill>
-        <p:spPr bwMode="auto">
-          <a:xfrm>
-            <a:off x="6836636" y="4527871"/>
-            <a:ext cx="473165" cy="469795"/>
-          </a:xfrm>
-          <a:prstGeom prst="rect">
-            <a:avLst/>
-          </a:prstGeom>
-          <a:noFill/>
-          <a:ln>
-            <a:noFill/>
-          </a:ln>
-        </p:spPr>
-      </p:pic>
-    </p:spTree>
-    <p:extLst>
-      <p:ext uri="{BB962C8B-B14F-4D97-AF65-F5344CB8AC3E}">
-        <p14:creationId xmlns:p14="http://schemas.microsoft.com/office/powerpoint/2010/main" val="2806083575"/>
-      </p:ext>
-    </p:extLst>
-  </p:cSld>
-  <p:clrMapOvr>
-    <a:masterClrMapping/>
-  </p:clrMapOvr>
+  <p:timing>
+    <p:tnLst>
+      <p:par>
+        <p:cTn id="1" dur="indefinite" restart="never" nodeType="tmRoot"/>
+      </p:par>
+    </p:tnLst>
+  </p:timing>
 </p:sld>
 </file>
 

--- a/BaoCaoTLCN.pptx
+++ b/BaoCaoTLCN.pptx
@@ -10,15 +10,18 @@
     <p:sldId id="258" r:id="rId4"/>
     <p:sldId id="259" r:id="rId5"/>
     <p:sldId id="260" r:id="rId6"/>
-    <p:sldId id="270" r:id="rId7"/>
-    <p:sldId id="269" r:id="rId8"/>
-    <p:sldId id="261" r:id="rId9"/>
-    <p:sldId id="263" r:id="rId10"/>
-    <p:sldId id="264" r:id="rId11"/>
-    <p:sldId id="265" r:id="rId12"/>
-    <p:sldId id="266" r:id="rId13"/>
-    <p:sldId id="267" r:id="rId14"/>
-    <p:sldId id="268" r:id="rId15"/>
+    <p:sldId id="272" r:id="rId7"/>
+    <p:sldId id="270" r:id="rId8"/>
+    <p:sldId id="269" r:id="rId9"/>
+    <p:sldId id="261" r:id="rId10"/>
+    <p:sldId id="263" r:id="rId11"/>
+    <p:sldId id="264" r:id="rId12"/>
+    <p:sldId id="273" r:id="rId13"/>
+    <p:sldId id="265" r:id="rId14"/>
+    <p:sldId id="266" r:id="rId15"/>
+    <p:sldId id="267" r:id="rId16"/>
+    <p:sldId id="271" r:id="rId17"/>
+    <p:sldId id="268" r:id="rId18"/>
   </p:sldIdLst>
   <p:sldSz cx="12192000" cy="6858000"/>
   <p:notesSz cx="6858000" cy="9144000"/>
@@ -6288,6 +6291,976 @@
             <p:ph type="title"/>
           </p:nvPr>
         </p:nvSpPr>
+        <p:spPr/>
+        <p:txBody>
+          <a:bodyPr/>
+          <a:lstStyle/>
+          <a:p>
+            <a:r>
+              <a:rPr lang="en-US" dirty="0" smtClean="0">
+                <a:latin typeface="Times New Roman" panose="02020603050405020304" pitchFamily="18" charset="0"/>
+                <a:cs typeface="Times New Roman" panose="02020603050405020304" pitchFamily="18" charset="0"/>
+              </a:rPr>
+              <a:t>3. </a:t>
+            </a:r>
+            <a:r>
+              <a:rPr lang="en-US" dirty="0">
+                <a:latin typeface="Times New Roman" panose="02020603050405020304" pitchFamily="18" charset="0"/>
+                <a:cs typeface="Times New Roman" panose="02020603050405020304" pitchFamily="18" charset="0"/>
+              </a:rPr>
+              <a:t>HIỆN THƯC HỆ THỐNG</a:t>
+            </a:r>
+            <a:endParaRPr lang="en-US" dirty="0"/>
+          </a:p>
+        </p:txBody>
+      </p:sp>
+      <p:sp>
+        <p:nvSpPr>
+          <p:cNvPr id="3" name="Content Placeholder 2"/>
+          <p:cNvSpPr>
+            <a:spLocks noGrp="1"/>
+          </p:cNvSpPr>
+          <p:nvPr>
+            <p:ph idx="1"/>
+          </p:nvPr>
+        </p:nvSpPr>
+        <p:spPr/>
+        <p:txBody>
+          <a:bodyPr/>
+          <a:lstStyle/>
+          <a:p>
+            <a:pPr marL="0" indent="0">
+              <a:lnSpc>
+                <a:spcPct val="120000"/>
+              </a:lnSpc>
+              <a:spcBef>
+                <a:spcPts val="0"/>
+              </a:spcBef>
+              <a:spcAft>
+                <a:spcPts val="800"/>
+              </a:spcAft>
+              <a:buNone/>
+            </a:pPr>
+            <a:r>
+              <a:rPr lang="en-US" b="1" dirty="0" smtClean="0">
+                <a:solidFill>
+                  <a:schemeClr val="tx1"/>
+                </a:solidFill>
+                <a:latin typeface="Times New Roman" panose="02020603050405020304" pitchFamily="18" charset="0"/>
+                <a:cs typeface="Times New Roman" panose="02020603050405020304" pitchFamily="18" charset="0"/>
+              </a:rPr>
+              <a:t>MÔI TRƯỜNG</a:t>
+            </a:r>
+          </a:p>
+          <a:p>
+            <a:pPr>
+              <a:lnSpc>
+                <a:spcPct val="120000"/>
+              </a:lnSpc>
+              <a:spcBef>
+                <a:spcPts val="0"/>
+              </a:spcBef>
+              <a:spcAft>
+                <a:spcPts val="800"/>
+              </a:spcAft>
+              <a:buFontTx/>
+              <a:buChar char="‒"/>
+            </a:pPr>
+            <a:r>
+              <a:rPr lang="en-US" dirty="0" smtClean="0">
+                <a:solidFill>
+                  <a:schemeClr val="tx1"/>
+                </a:solidFill>
+                <a:latin typeface="Times New Roman" panose="02020603050405020304" pitchFamily="18" charset="0"/>
+                <a:cs typeface="Times New Roman" panose="02020603050405020304" pitchFamily="18" charset="0"/>
+              </a:rPr>
+              <a:t>Google </a:t>
+            </a:r>
+            <a:r>
+              <a:rPr lang="en-US" dirty="0" err="1">
+                <a:solidFill>
+                  <a:schemeClr val="tx1"/>
+                </a:solidFill>
+                <a:latin typeface="Times New Roman" panose="02020603050405020304" pitchFamily="18" charset="0"/>
+                <a:cs typeface="Times New Roman" panose="02020603050405020304" pitchFamily="18" charset="0"/>
+              </a:rPr>
+              <a:t>Colab</a:t>
+            </a:r>
+            <a:r>
+              <a:rPr lang="en-US" dirty="0">
+                <a:solidFill>
+                  <a:schemeClr val="tx1"/>
+                </a:solidFill>
+                <a:latin typeface="Times New Roman" panose="02020603050405020304" pitchFamily="18" charset="0"/>
+                <a:cs typeface="Times New Roman" panose="02020603050405020304" pitchFamily="18" charset="0"/>
+              </a:rPr>
+              <a:t> Service, ram </a:t>
+            </a:r>
+            <a:r>
+              <a:rPr lang="en-US" dirty="0" err="1">
+                <a:solidFill>
+                  <a:schemeClr val="tx1"/>
+                </a:solidFill>
+                <a:latin typeface="Times New Roman" panose="02020603050405020304" pitchFamily="18" charset="0"/>
+                <a:cs typeface="Times New Roman" panose="02020603050405020304" pitchFamily="18" charset="0"/>
+              </a:rPr>
+              <a:t>được</a:t>
+            </a:r>
+            <a:r>
+              <a:rPr lang="en-US" dirty="0">
+                <a:solidFill>
+                  <a:schemeClr val="tx1"/>
+                </a:solidFill>
+                <a:latin typeface="Times New Roman" panose="02020603050405020304" pitchFamily="18" charset="0"/>
+                <a:cs typeface="Times New Roman" panose="02020603050405020304" pitchFamily="18" charset="0"/>
+              </a:rPr>
+              <a:t> </a:t>
+            </a:r>
+            <a:r>
+              <a:rPr lang="en-US" dirty="0" err="1">
+                <a:solidFill>
+                  <a:schemeClr val="tx1"/>
+                </a:solidFill>
+                <a:latin typeface="Times New Roman" panose="02020603050405020304" pitchFamily="18" charset="0"/>
+                <a:cs typeface="Times New Roman" panose="02020603050405020304" pitchFamily="18" charset="0"/>
+              </a:rPr>
+              <a:t>cung</a:t>
+            </a:r>
+            <a:r>
+              <a:rPr lang="en-US" dirty="0">
+                <a:solidFill>
+                  <a:schemeClr val="tx1"/>
+                </a:solidFill>
+                <a:latin typeface="Times New Roman" panose="02020603050405020304" pitchFamily="18" charset="0"/>
+                <a:cs typeface="Times New Roman" panose="02020603050405020304" pitchFamily="18" charset="0"/>
+              </a:rPr>
+              <a:t> </a:t>
+            </a:r>
+            <a:r>
+              <a:rPr lang="en-US" dirty="0" err="1">
+                <a:solidFill>
+                  <a:schemeClr val="tx1"/>
+                </a:solidFill>
+                <a:latin typeface="Times New Roman" panose="02020603050405020304" pitchFamily="18" charset="0"/>
+                <a:cs typeface="Times New Roman" panose="02020603050405020304" pitchFamily="18" charset="0"/>
+              </a:rPr>
+              <a:t>cấp</a:t>
+            </a:r>
+            <a:r>
+              <a:rPr lang="en-US" dirty="0">
+                <a:solidFill>
+                  <a:schemeClr val="tx1"/>
+                </a:solidFill>
+                <a:latin typeface="Times New Roman" panose="02020603050405020304" pitchFamily="18" charset="0"/>
+                <a:cs typeface="Times New Roman" panose="02020603050405020304" pitchFamily="18" charset="0"/>
+              </a:rPr>
+              <a:t> </a:t>
+            </a:r>
+            <a:r>
+              <a:rPr lang="en-US" dirty="0" err="1">
+                <a:solidFill>
+                  <a:schemeClr val="tx1"/>
+                </a:solidFill>
+                <a:latin typeface="Times New Roman" panose="02020603050405020304" pitchFamily="18" charset="0"/>
+                <a:cs typeface="Times New Roman" panose="02020603050405020304" pitchFamily="18" charset="0"/>
+              </a:rPr>
+              <a:t>là</a:t>
+            </a:r>
+            <a:r>
+              <a:rPr lang="en-US" dirty="0">
+                <a:solidFill>
+                  <a:schemeClr val="tx1"/>
+                </a:solidFill>
+                <a:latin typeface="Times New Roman" panose="02020603050405020304" pitchFamily="18" charset="0"/>
+                <a:cs typeface="Times New Roman" panose="02020603050405020304" pitchFamily="18" charset="0"/>
+              </a:rPr>
+              <a:t> 12 GB, dung </a:t>
+            </a:r>
+            <a:r>
+              <a:rPr lang="en-US" dirty="0" err="1">
+                <a:solidFill>
+                  <a:schemeClr val="tx1"/>
+                </a:solidFill>
+                <a:latin typeface="Times New Roman" panose="02020603050405020304" pitchFamily="18" charset="0"/>
+                <a:cs typeface="Times New Roman" panose="02020603050405020304" pitchFamily="18" charset="0"/>
+              </a:rPr>
+              <a:t>lượng</a:t>
+            </a:r>
+            <a:r>
+              <a:rPr lang="en-US" dirty="0">
+                <a:solidFill>
+                  <a:schemeClr val="tx1"/>
+                </a:solidFill>
+                <a:latin typeface="Times New Roman" panose="02020603050405020304" pitchFamily="18" charset="0"/>
+                <a:cs typeface="Times New Roman" panose="02020603050405020304" pitchFamily="18" charset="0"/>
+              </a:rPr>
+              <a:t> disk 358.27 GB</a:t>
+            </a:r>
+          </a:p>
+          <a:p>
+            <a:pPr>
+              <a:lnSpc>
+                <a:spcPct val="120000"/>
+              </a:lnSpc>
+              <a:spcBef>
+                <a:spcPts val="0"/>
+              </a:spcBef>
+              <a:spcAft>
+                <a:spcPts val="800"/>
+              </a:spcAft>
+              <a:buFontTx/>
+              <a:buChar char="‒"/>
+            </a:pPr>
+            <a:r>
+              <a:rPr lang="en-US" dirty="0" err="1">
+                <a:solidFill>
+                  <a:schemeClr val="tx1"/>
+                </a:solidFill>
+                <a:latin typeface="Times New Roman" panose="02020603050405020304" pitchFamily="18" charset="0"/>
+                <a:cs typeface="Times New Roman" panose="02020603050405020304" pitchFamily="18" charset="0"/>
+              </a:rPr>
+              <a:t>Thực</a:t>
+            </a:r>
+            <a:r>
+              <a:rPr lang="en-US" dirty="0">
+                <a:solidFill>
+                  <a:schemeClr val="tx1"/>
+                </a:solidFill>
+                <a:latin typeface="Times New Roman" panose="02020603050405020304" pitchFamily="18" charset="0"/>
+                <a:cs typeface="Times New Roman" panose="02020603050405020304" pitchFamily="18" charset="0"/>
+              </a:rPr>
+              <a:t> </a:t>
+            </a:r>
+            <a:r>
+              <a:rPr lang="en-US" dirty="0" err="1">
+                <a:solidFill>
+                  <a:schemeClr val="tx1"/>
+                </a:solidFill>
+                <a:latin typeface="Times New Roman" panose="02020603050405020304" pitchFamily="18" charset="0"/>
+                <a:cs typeface="Times New Roman" panose="02020603050405020304" pitchFamily="18" charset="0"/>
+              </a:rPr>
+              <a:t>hiện</a:t>
+            </a:r>
+            <a:r>
+              <a:rPr lang="en-US" dirty="0">
+                <a:solidFill>
+                  <a:schemeClr val="tx1"/>
+                </a:solidFill>
+                <a:latin typeface="Times New Roman" panose="02020603050405020304" pitchFamily="18" charset="0"/>
+                <a:cs typeface="Times New Roman" panose="02020603050405020304" pitchFamily="18" charset="0"/>
+              </a:rPr>
+              <a:t> </a:t>
+            </a:r>
+            <a:r>
+              <a:rPr lang="en-US" dirty="0" err="1">
+                <a:solidFill>
+                  <a:schemeClr val="tx1"/>
+                </a:solidFill>
+                <a:latin typeface="Times New Roman" panose="02020603050405020304" pitchFamily="18" charset="0"/>
+                <a:cs typeface="Times New Roman" panose="02020603050405020304" pitchFamily="18" charset="0"/>
+              </a:rPr>
+              <a:t>huấn</a:t>
+            </a:r>
+            <a:r>
+              <a:rPr lang="en-US" dirty="0">
+                <a:solidFill>
+                  <a:schemeClr val="tx1"/>
+                </a:solidFill>
+                <a:latin typeface="Times New Roman" panose="02020603050405020304" pitchFamily="18" charset="0"/>
+                <a:cs typeface="Times New Roman" panose="02020603050405020304" pitchFamily="18" charset="0"/>
+              </a:rPr>
+              <a:t> </a:t>
+            </a:r>
+            <a:r>
+              <a:rPr lang="en-US" dirty="0" err="1">
+                <a:solidFill>
+                  <a:schemeClr val="tx1"/>
+                </a:solidFill>
+                <a:latin typeface="Times New Roman" panose="02020603050405020304" pitchFamily="18" charset="0"/>
+                <a:cs typeface="Times New Roman" panose="02020603050405020304" pitchFamily="18" charset="0"/>
+              </a:rPr>
+              <a:t>luyện</a:t>
+            </a:r>
+            <a:r>
+              <a:rPr lang="en-US" dirty="0">
+                <a:solidFill>
+                  <a:schemeClr val="tx1"/>
+                </a:solidFill>
+                <a:latin typeface="Times New Roman" panose="02020603050405020304" pitchFamily="18" charset="0"/>
+                <a:cs typeface="Times New Roman" panose="02020603050405020304" pitchFamily="18" charset="0"/>
+              </a:rPr>
+              <a:t> </a:t>
+            </a:r>
+            <a:r>
+              <a:rPr lang="en-US" dirty="0" err="1">
+                <a:solidFill>
+                  <a:schemeClr val="tx1"/>
+                </a:solidFill>
+                <a:latin typeface="Times New Roman" panose="02020603050405020304" pitchFamily="18" charset="0"/>
+                <a:cs typeface="Times New Roman" panose="02020603050405020304" pitchFamily="18" charset="0"/>
+              </a:rPr>
+              <a:t>mô</a:t>
+            </a:r>
+            <a:r>
+              <a:rPr lang="en-US" dirty="0">
+                <a:solidFill>
+                  <a:schemeClr val="tx1"/>
+                </a:solidFill>
+                <a:latin typeface="Times New Roman" panose="02020603050405020304" pitchFamily="18" charset="0"/>
+                <a:cs typeface="Times New Roman" panose="02020603050405020304" pitchFamily="18" charset="0"/>
+              </a:rPr>
+              <a:t> </a:t>
+            </a:r>
+            <a:r>
+              <a:rPr lang="en-US" dirty="0" err="1">
+                <a:solidFill>
+                  <a:schemeClr val="tx1"/>
+                </a:solidFill>
+                <a:latin typeface="Times New Roman" panose="02020603050405020304" pitchFamily="18" charset="0"/>
+                <a:cs typeface="Times New Roman" panose="02020603050405020304" pitchFamily="18" charset="0"/>
+              </a:rPr>
+              <a:t>hình</a:t>
+            </a:r>
+            <a:r>
+              <a:rPr lang="en-US" dirty="0">
+                <a:solidFill>
+                  <a:schemeClr val="tx1"/>
+                </a:solidFill>
+                <a:latin typeface="Times New Roman" panose="02020603050405020304" pitchFamily="18" charset="0"/>
+                <a:cs typeface="Times New Roman" panose="02020603050405020304" pitchFamily="18" charset="0"/>
+              </a:rPr>
+              <a:t> </a:t>
+            </a:r>
+            <a:r>
+              <a:rPr lang="en-US" dirty="0" err="1">
+                <a:solidFill>
+                  <a:schemeClr val="tx1"/>
+                </a:solidFill>
+                <a:latin typeface="Times New Roman" panose="02020603050405020304" pitchFamily="18" charset="0"/>
+                <a:cs typeface="Times New Roman" panose="02020603050405020304" pitchFamily="18" charset="0"/>
+              </a:rPr>
+              <a:t>và</a:t>
+            </a:r>
+            <a:r>
+              <a:rPr lang="en-US" dirty="0">
+                <a:solidFill>
+                  <a:schemeClr val="tx1"/>
+                </a:solidFill>
+                <a:latin typeface="Times New Roman" panose="02020603050405020304" pitchFamily="18" charset="0"/>
+                <a:cs typeface="Times New Roman" panose="02020603050405020304" pitchFamily="18" charset="0"/>
+              </a:rPr>
+              <a:t> </a:t>
+            </a:r>
+            <a:r>
+              <a:rPr lang="en-US" dirty="0" err="1">
+                <a:solidFill>
+                  <a:schemeClr val="tx1"/>
+                </a:solidFill>
+                <a:latin typeface="Times New Roman" panose="02020603050405020304" pitchFamily="18" charset="0"/>
+                <a:cs typeface="Times New Roman" panose="02020603050405020304" pitchFamily="18" charset="0"/>
+              </a:rPr>
+              <a:t>chạy</a:t>
+            </a:r>
+            <a:r>
+              <a:rPr lang="en-US" dirty="0">
+                <a:solidFill>
+                  <a:schemeClr val="tx1"/>
+                </a:solidFill>
+                <a:latin typeface="Times New Roman" panose="02020603050405020304" pitchFamily="18" charset="0"/>
+                <a:cs typeface="Times New Roman" panose="02020603050405020304" pitchFamily="18" charset="0"/>
+              </a:rPr>
+              <a:t> </a:t>
+            </a:r>
+            <a:r>
+              <a:rPr lang="en-US" dirty="0" err="1">
+                <a:solidFill>
+                  <a:schemeClr val="tx1"/>
+                </a:solidFill>
+                <a:latin typeface="Times New Roman" panose="02020603050405020304" pitchFamily="18" charset="0"/>
+                <a:cs typeface="Times New Roman" panose="02020603050405020304" pitchFamily="18" charset="0"/>
+              </a:rPr>
+              <a:t>đánh</a:t>
+            </a:r>
+            <a:r>
+              <a:rPr lang="en-US" dirty="0">
+                <a:solidFill>
+                  <a:schemeClr val="tx1"/>
+                </a:solidFill>
+                <a:latin typeface="Times New Roman" panose="02020603050405020304" pitchFamily="18" charset="0"/>
+                <a:cs typeface="Times New Roman" panose="02020603050405020304" pitchFamily="18" charset="0"/>
+              </a:rPr>
+              <a:t> </a:t>
+            </a:r>
+            <a:r>
+              <a:rPr lang="en-US" dirty="0" err="1">
+                <a:solidFill>
+                  <a:schemeClr val="tx1"/>
+                </a:solidFill>
+                <a:latin typeface="Times New Roman" panose="02020603050405020304" pitchFamily="18" charset="0"/>
+                <a:cs typeface="Times New Roman" panose="02020603050405020304" pitchFamily="18" charset="0"/>
+              </a:rPr>
+              <a:t>giá</a:t>
+            </a:r>
+            <a:r>
+              <a:rPr lang="en-US" dirty="0">
+                <a:solidFill>
+                  <a:schemeClr val="tx1"/>
+                </a:solidFill>
+                <a:latin typeface="Times New Roman" panose="02020603050405020304" pitchFamily="18" charset="0"/>
+                <a:cs typeface="Times New Roman" panose="02020603050405020304" pitchFamily="18" charset="0"/>
+              </a:rPr>
+              <a:t> </a:t>
+            </a:r>
+            <a:r>
+              <a:rPr lang="en-US" dirty="0" err="1">
+                <a:solidFill>
+                  <a:schemeClr val="tx1"/>
+                </a:solidFill>
+                <a:latin typeface="Times New Roman" panose="02020603050405020304" pitchFamily="18" charset="0"/>
+                <a:cs typeface="Times New Roman" panose="02020603050405020304" pitchFamily="18" charset="0"/>
+              </a:rPr>
+              <a:t>với</a:t>
+            </a:r>
+            <a:r>
+              <a:rPr lang="en-US" dirty="0">
+                <a:solidFill>
+                  <a:schemeClr val="tx1"/>
+                </a:solidFill>
+                <a:latin typeface="Times New Roman" panose="02020603050405020304" pitchFamily="18" charset="0"/>
+                <a:cs typeface="Times New Roman" panose="02020603050405020304" pitchFamily="18" charset="0"/>
+              </a:rPr>
+              <a:t> 2</a:t>
+            </a:r>
+            <a:r>
+              <a:rPr lang="en-US" dirty="0" smtClean="0">
+                <a:solidFill>
+                  <a:schemeClr val="tx1"/>
+                </a:solidFill>
+                <a:latin typeface="Times New Roman" panose="02020603050405020304" pitchFamily="18" charset="0"/>
+                <a:cs typeface="Times New Roman" panose="02020603050405020304" pitchFamily="18" charset="0"/>
+              </a:rPr>
+              <a:t> </a:t>
+            </a:r>
+            <a:r>
+              <a:rPr lang="en-US" dirty="0">
+                <a:solidFill>
+                  <a:schemeClr val="tx1"/>
+                </a:solidFill>
+                <a:latin typeface="Times New Roman" panose="02020603050405020304" pitchFamily="18" charset="0"/>
+                <a:cs typeface="Times New Roman" panose="02020603050405020304" pitchFamily="18" charset="0"/>
+              </a:rPr>
+              <a:t>epochs. </a:t>
+            </a:r>
+            <a:r>
+              <a:rPr lang="en-US" dirty="0" err="1">
+                <a:solidFill>
+                  <a:schemeClr val="tx1"/>
+                </a:solidFill>
+                <a:latin typeface="Times New Roman" panose="02020603050405020304" pitchFamily="18" charset="0"/>
+                <a:cs typeface="Times New Roman" panose="02020603050405020304" pitchFamily="18" charset="0"/>
+              </a:rPr>
+              <a:t>Cấu</a:t>
+            </a:r>
+            <a:r>
+              <a:rPr lang="en-US" dirty="0">
+                <a:solidFill>
+                  <a:schemeClr val="tx1"/>
+                </a:solidFill>
+                <a:latin typeface="Times New Roman" panose="02020603050405020304" pitchFamily="18" charset="0"/>
+                <a:cs typeface="Times New Roman" panose="02020603050405020304" pitchFamily="18" charset="0"/>
+              </a:rPr>
+              <a:t> </a:t>
+            </a:r>
+            <a:r>
+              <a:rPr lang="en-US" dirty="0" err="1">
+                <a:solidFill>
+                  <a:schemeClr val="tx1"/>
+                </a:solidFill>
+                <a:latin typeface="Times New Roman" panose="02020603050405020304" pitchFamily="18" charset="0"/>
+                <a:cs typeface="Times New Roman" panose="02020603050405020304" pitchFamily="18" charset="0"/>
+              </a:rPr>
+              <a:t>hình</a:t>
+            </a:r>
+            <a:r>
+              <a:rPr lang="en-US" dirty="0">
+                <a:solidFill>
+                  <a:schemeClr val="tx1"/>
+                </a:solidFill>
+                <a:latin typeface="Times New Roman" panose="02020603050405020304" pitchFamily="18" charset="0"/>
+                <a:cs typeface="Times New Roman" panose="02020603050405020304" pitchFamily="18" charset="0"/>
+              </a:rPr>
+              <a:t> </a:t>
+            </a:r>
+            <a:r>
+              <a:rPr lang="en-US" dirty="0" err="1">
+                <a:solidFill>
+                  <a:schemeClr val="tx1"/>
+                </a:solidFill>
+                <a:latin typeface="Times New Roman" panose="02020603050405020304" pitchFamily="18" charset="0"/>
+                <a:cs typeface="Times New Roman" panose="02020603050405020304" pitchFamily="18" charset="0"/>
+              </a:rPr>
+              <a:t>máy</a:t>
+            </a:r>
+            <a:r>
+              <a:rPr lang="en-US" dirty="0">
+                <a:solidFill>
+                  <a:schemeClr val="tx1"/>
+                </a:solidFill>
+                <a:latin typeface="Times New Roman" panose="02020603050405020304" pitchFamily="18" charset="0"/>
+                <a:cs typeface="Times New Roman" panose="02020603050405020304" pitchFamily="18" charset="0"/>
+              </a:rPr>
+              <a:t> </a:t>
+            </a:r>
+            <a:r>
+              <a:rPr lang="en-US" dirty="0" err="1">
+                <a:solidFill>
+                  <a:schemeClr val="tx1"/>
+                </a:solidFill>
+                <a:latin typeface="Times New Roman" panose="02020603050405020304" pitchFamily="18" charset="0"/>
+                <a:cs typeface="Times New Roman" panose="02020603050405020304" pitchFamily="18" charset="0"/>
+              </a:rPr>
+              <a:t>chủ</a:t>
+            </a:r>
+            <a:r>
+              <a:rPr lang="en-US" dirty="0">
+                <a:solidFill>
+                  <a:schemeClr val="tx1"/>
+                </a:solidFill>
+                <a:latin typeface="Times New Roman" panose="02020603050405020304" pitchFamily="18" charset="0"/>
+                <a:cs typeface="Times New Roman" panose="02020603050405020304" pitchFamily="18" charset="0"/>
+              </a:rPr>
+              <a:t> </a:t>
+            </a:r>
+            <a:r>
+              <a:rPr lang="en-US" dirty="0" err="1">
+                <a:solidFill>
+                  <a:schemeClr val="tx1"/>
+                </a:solidFill>
+                <a:latin typeface="Times New Roman" panose="02020603050405020304" pitchFamily="18" charset="0"/>
+                <a:cs typeface="Times New Roman" panose="02020603050405020304" pitchFamily="18" charset="0"/>
+              </a:rPr>
+              <a:t>như</a:t>
+            </a:r>
+            <a:r>
+              <a:rPr lang="en-US" dirty="0">
+                <a:solidFill>
+                  <a:schemeClr val="tx1"/>
+                </a:solidFill>
+                <a:latin typeface="Times New Roman" panose="02020603050405020304" pitchFamily="18" charset="0"/>
+                <a:cs typeface="Times New Roman" panose="02020603050405020304" pitchFamily="18" charset="0"/>
+              </a:rPr>
+              <a:t> </a:t>
+            </a:r>
+            <a:r>
+              <a:rPr lang="en-US" dirty="0" err="1">
+                <a:solidFill>
+                  <a:schemeClr val="tx1"/>
+                </a:solidFill>
+                <a:latin typeface="Times New Roman" panose="02020603050405020304" pitchFamily="18" charset="0"/>
+                <a:cs typeface="Times New Roman" panose="02020603050405020304" pitchFamily="18" charset="0"/>
+              </a:rPr>
+              <a:t>trên</a:t>
+            </a:r>
+            <a:r>
+              <a:rPr lang="en-US" dirty="0">
+                <a:solidFill>
+                  <a:schemeClr val="tx1"/>
+                </a:solidFill>
+                <a:latin typeface="Times New Roman" panose="02020603050405020304" pitchFamily="18" charset="0"/>
+                <a:cs typeface="Times New Roman" panose="02020603050405020304" pitchFamily="18" charset="0"/>
+              </a:rPr>
+              <a:t>, </a:t>
+            </a:r>
+            <a:r>
+              <a:rPr lang="en-US" dirty="0" err="1">
+                <a:solidFill>
+                  <a:schemeClr val="tx1"/>
+                </a:solidFill>
+                <a:latin typeface="Times New Roman" panose="02020603050405020304" pitchFamily="18" charset="0"/>
+                <a:cs typeface="Times New Roman" panose="02020603050405020304" pitchFamily="18" charset="0"/>
+              </a:rPr>
+              <a:t>thời</a:t>
+            </a:r>
+            <a:r>
+              <a:rPr lang="en-US" dirty="0">
+                <a:solidFill>
+                  <a:schemeClr val="tx1"/>
+                </a:solidFill>
+                <a:latin typeface="Times New Roman" panose="02020603050405020304" pitchFamily="18" charset="0"/>
+                <a:cs typeface="Times New Roman" panose="02020603050405020304" pitchFamily="18" charset="0"/>
+              </a:rPr>
+              <a:t> </a:t>
+            </a:r>
+            <a:r>
+              <a:rPr lang="en-US" dirty="0" err="1">
+                <a:solidFill>
+                  <a:schemeClr val="tx1"/>
+                </a:solidFill>
+                <a:latin typeface="Times New Roman" panose="02020603050405020304" pitchFamily="18" charset="0"/>
+                <a:cs typeface="Times New Roman" panose="02020603050405020304" pitchFamily="18" charset="0"/>
+              </a:rPr>
+              <a:t>gian</a:t>
+            </a:r>
+            <a:r>
+              <a:rPr lang="en-US" dirty="0">
+                <a:solidFill>
+                  <a:schemeClr val="tx1"/>
+                </a:solidFill>
+                <a:latin typeface="Times New Roman" panose="02020603050405020304" pitchFamily="18" charset="0"/>
+                <a:cs typeface="Times New Roman" panose="02020603050405020304" pitchFamily="18" charset="0"/>
+              </a:rPr>
+              <a:t> </a:t>
+            </a:r>
+            <a:r>
+              <a:rPr lang="en-US" dirty="0" err="1">
+                <a:solidFill>
+                  <a:schemeClr val="tx1"/>
+                </a:solidFill>
+                <a:latin typeface="Times New Roman" panose="02020603050405020304" pitchFamily="18" charset="0"/>
+                <a:cs typeface="Times New Roman" panose="02020603050405020304" pitchFamily="18" charset="0"/>
+              </a:rPr>
+              <a:t>huấn</a:t>
+            </a:r>
+            <a:r>
+              <a:rPr lang="en-US" dirty="0">
+                <a:solidFill>
+                  <a:schemeClr val="tx1"/>
+                </a:solidFill>
+                <a:latin typeface="Times New Roman" panose="02020603050405020304" pitchFamily="18" charset="0"/>
+                <a:cs typeface="Times New Roman" panose="02020603050405020304" pitchFamily="18" charset="0"/>
+              </a:rPr>
+              <a:t> </a:t>
+            </a:r>
+            <a:r>
+              <a:rPr lang="en-US" dirty="0" err="1">
+                <a:solidFill>
+                  <a:schemeClr val="tx1"/>
+                </a:solidFill>
+                <a:latin typeface="Times New Roman" panose="02020603050405020304" pitchFamily="18" charset="0"/>
+                <a:cs typeface="Times New Roman" panose="02020603050405020304" pitchFamily="18" charset="0"/>
+              </a:rPr>
+              <a:t>luyện</a:t>
+            </a:r>
+            <a:r>
+              <a:rPr lang="en-US" dirty="0">
+                <a:solidFill>
+                  <a:schemeClr val="tx1"/>
+                </a:solidFill>
+                <a:latin typeface="Times New Roman" panose="02020603050405020304" pitchFamily="18" charset="0"/>
+                <a:cs typeface="Times New Roman" panose="02020603050405020304" pitchFamily="18" charset="0"/>
+              </a:rPr>
+              <a:t> </a:t>
+            </a:r>
+            <a:r>
+              <a:rPr lang="en-US" dirty="0" err="1">
+                <a:solidFill>
+                  <a:schemeClr val="tx1"/>
+                </a:solidFill>
+                <a:latin typeface="Times New Roman" panose="02020603050405020304" pitchFamily="18" charset="0"/>
+                <a:cs typeface="Times New Roman" panose="02020603050405020304" pitchFamily="18" charset="0"/>
+              </a:rPr>
+              <a:t>với</a:t>
+            </a:r>
+            <a:r>
+              <a:rPr lang="en-US" dirty="0">
+                <a:solidFill>
+                  <a:schemeClr val="tx1"/>
+                </a:solidFill>
+                <a:latin typeface="Times New Roman" panose="02020603050405020304" pitchFamily="18" charset="0"/>
+                <a:cs typeface="Times New Roman" panose="02020603050405020304" pitchFamily="18" charset="0"/>
+              </a:rPr>
+              <a:t> </a:t>
+            </a:r>
+            <a:r>
+              <a:rPr lang="en-US" dirty="0" err="1">
+                <a:solidFill>
+                  <a:schemeClr val="tx1"/>
+                </a:solidFill>
+                <a:latin typeface="Times New Roman" panose="02020603050405020304" pitchFamily="18" charset="0"/>
+                <a:cs typeface="Times New Roman" panose="02020603050405020304" pitchFamily="18" charset="0"/>
+              </a:rPr>
+              <a:t>mỗi</a:t>
+            </a:r>
+            <a:r>
+              <a:rPr lang="en-US" dirty="0">
+                <a:solidFill>
+                  <a:schemeClr val="tx1"/>
+                </a:solidFill>
+                <a:latin typeface="Times New Roman" panose="02020603050405020304" pitchFamily="18" charset="0"/>
+                <a:cs typeface="Times New Roman" panose="02020603050405020304" pitchFamily="18" charset="0"/>
+              </a:rPr>
+              <a:t> epoch </a:t>
+            </a:r>
+            <a:r>
+              <a:rPr lang="en-US" dirty="0" err="1">
+                <a:solidFill>
+                  <a:schemeClr val="tx1"/>
+                </a:solidFill>
+                <a:latin typeface="Times New Roman" panose="02020603050405020304" pitchFamily="18" charset="0"/>
+                <a:cs typeface="Times New Roman" panose="02020603050405020304" pitchFamily="18" charset="0"/>
+              </a:rPr>
+              <a:t>tương</a:t>
+            </a:r>
+            <a:r>
+              <a:rPr lang="en-US" dirty="0">
+                <a:solidFill>
+                  <a:schemeClr val="tx1"/>
+                </a:solidFill>
+                <a:latin typeface="Times New Roman" panose="02020603050405020304" pitchFamily="18" charset="0"/>
+                <a:cs typeface="Times New Roman" panose="02020603050405020304" pitchFamily="18" charset="0"/>
+              </a:rPr>
+              <a:t> </a:t>
+            </a:r>
+            <a:r>
+              <a:rPr lang="en-US" dirty="0" err="1">
+                <a:solidFill>
+                  <a:schemeClr val="tx1"/>
+                </a:solidFill>
+                <a:latin typeface="Times New Roman" panose="02020603050405020304" pitchFamily="18" charset="0"/>
+                <a:cs typeface="Times New Roman" panose="02020603050405020304" pitchFamily="18" charset="0"/>
+              </a:rPr>
+              <a:t>đương</a:t>
+            </a:r>
+            <a:r>
+              <a:rPr lang="en-US" dirty="0">
+                <a:solidFill>
+                  <a:schemeClr val="tx1"/>
+                </a:solidFill>
+                <a:latin typeface="Times New Roman" panose="02020603050405020304" pitchFamily="18" charset="0"/>
+                <a:cs typeface="Times New Roman" panose="02020603050405020304" pitchFamily="18" charset="0"/>
+              </a:rPr>
+              <a:t> 5 </a:t>
+            </a:r>
+            <a:r>
+              <a:rPr lang="en-US" dirty="0" err="1">
+                <a:solidFill>
+                  <a:schemeClr val="tx1"/>
+                </a:solidFill>
+                <a:latin typeface="Times New Roman" panose="02020603050405020304" pitchFamily="18" charset="0"/>
+                <a:cs typeface="Times New Roman" panose="02020603050405020304" pitchFamily="18" charset="0"/>
+              </a:rPr>
+              <a:t>giờ</a:t>
+            </a:r>
+            <a:r>
+              <a:rPr lang="en-US" dirty="0">
+                <a:solidFill>
+                  <a:schemeClr val="tx1"/>
+                </a:solidFill>
+                <a:latin typeface="Times New Roman" panose="02020603050405020304" pitchFamily="18" charset="0"/>
+                <a:cs typeface="Times New Roman" panose="02020603050405020304" pitchFamily="18" charset="0"/>
+              </a:rPr>
+              <a:t> 30 </a:t>
+            </a:r>
+            <a:r>
+              <a:rPr lang="en-US" dirty="0" err="1">
+                <a:solidFill>
+                  <a:schemeClr val="tx1"/>
+                </a:solidFill>
+                <a:latin typeface="Times New Roman" panose="02020603050405020304" pitchFamily="18" charset="0"/>
+                <a:cs typeface="Times New Roman" panose="02020603050405020304" pitchFamily="18" charset="0"/>
+              </a:rPr>
+              <a:t>phút</a:t>
+            </a:r>
+            <a:r>
+              <a:rPr lang="en-US" dirty="0">
+                <a:solidFill>
+                  <a:schemeClr val="tx1"/>
+                </a:solidFill>
+                <a:latin typeface="Times New Roman" panose="02020603050405020304" pitchFamily="18" charset="0"/>
+                <a:cs typeface="Times New Roman" panose="02020603050405020304" pitchFamily="18" charset="0"/>
+              </a:rPr>
+              <a:t> </a:t>
+            </a:r>
+            <a:r>
+              <a:rPr lang="en-US" dirty="0" err="1">
+                <a:solidFill>
+                  <a:schemeClr val="tx1"/>
+                </a:solidFill>
+                <a:latin typeface="Times New Roman" panose="02020603050405020304" pitchFamily="18" charset="0"/>
+                <a:cs typeface="Times New Roman" panose="02020603050405020304" pitchFamily="18" charset="0"/>
+              </a:rPr>
+              <a:t>với</a:t>
+            </a:r>
+            <a:r>
+              <a:rPr lang="en-US" dirty="0">
+                <a:solidFill>
+                  <a:schemeClr val="tx1"/>
+                </a:solidFill>
+                <a:latin typeface="Times New Roman" panose="02020603050405020304" pitchFamily="18" charset="0"/>
+                <a:cs typeface="Times New Roman" panose="02020603050405020304" pitchFamily="18" charset="0"/>
+              </a:rPr>
+              <a:t> </a:t>
+            </a:r>
+            <a:r>
+              <a:rPr lang="en-US" dirty="0" err="1">
+                <a:solidFill>
+                  <a:schemeClr val="tx1"/>
+                </a:solidFill>
+                <a:latin typeface="Times New Roman" panose="02020603050405020304" pitchFamily="18" charset="0"/>
+                <a:cs typeface="Times New Roman" panose="02020603050405020304" pitchFamily="18" charset="0"/>
+              </a:rPr>
+              <a:t>bộ</a:t>
+            </a:r>
+            <a:r>
+              <a:rPr lang="en-US" dirty="0">
+                <a:solidFill>
+                  <a:schemeClr val="tx1"/>
+                </a:solidFill>
+                <a:latin typeface="Times New Roman" panose="02020603050405020304" pitchFamily="18" charset="0"/>
+                <a:cs typeface="Times New Roman" panose="02020603050405020304" pitchFamily="18" charset="0"/>
+              </a:rPr>
+              <a:t> </a:t>
+            </a:r>
+            <a:r>
+              <a:rPr lang="en-US" dirty="0" err="1">
+                <a:solidFill>
+                  <a:schemeClr val="tx1"/>
+                </a:solidFill>
+                <a:latin typeface="Times New Roman" panose="02020603050405020304" pitchFamily="18" charset="0"/>
+                <a:cs typeface="Times New Roman" panose="02020603050405020304" pitchFamily="18" charset="0"/>
+              </a:rPr>
+              <a:t>dữ</a:t>
+            </a:r>
+            <a:r>
+              <a:rPr lang="en-US" dirty="0">
+                <a:solidFill>
+                  <a:schemeClr val="tx1"/>
+                </a:solidFill>
+                <a:latin typeface="Times New Roman" panose="02020603050405020304" pitchFamily="18" charset="0"/>
+                <a:cs typeface="Times New Roman" panose="02020603050405020304" pitchFamily="18" charset="0"/>
+              </a:rPr>
+              <a:t> </a:t>
+            </a:r>
+            <a:r>
+              <a:rPr lang="en-US" dirty="0" err="1">
+                <a:solidFill>
+                  <a:schemeClr val="tx1"/>
+                </a:solidFill>
+                <a:latin typeface="Times New Roman" panose="02020603050405020304" pitchFamily="18" charset="0"/>
+                <a:cs typeface="Times New Roman" panose="02020603050405020304" pitchFamily="18" charset="0"/>
+              </a:rPr>
+              <a:t>liệu</a:t>
+            </a:r>
+            <a:r>
+              <a:rPr lang="en-US" dirty="0">
+                <a:solidFill>
+                  <a:schemeClr val="tx1"/>
+                </a:solidFill>
+                <a:latin typeface="Times New Roman" panose="02020603050405020304" pitchFamily="18" charset="0"/>
+                <a:cs typeface="Times New Roman" panose="02020603050405020304" pitchFamily="18" charset="0"/>
+              </a:rPr>
+              <a:t> </a:t>
+            </a:r>
+            <a:r>
+              <a:rPr lang="en-US" dirty="0" err="1">
+                <a:solidFill>
+                  <a:schemeClr val="tx1"/>
+                </a:solidFill>
+                <a:latin typeface="Times New Roman" panose="02020603050405020304" pitchFamily="18" charset="0"/>
+                <a:cs typeface="Times New Roman" panose="02020603050405020304" pitchFamily="18" charset="0"/>
+              </a:rPr>
+              <a:t>được</a:t>
+            </a:r>
+            <a:r>
+              <a:rPr lang="en-US" dirty="0">
+                <a:solidFill>
+                  <a:schemeClr val="tx1"/>
+                </a:solidFill>
+                <a:latin typeface="Times New Roman" panose="02020603050405020304" pitchFamily="18" charset="0"/>
+                <a:cs typeface="Times New Roman" panose="02020603050405020304" pitchFamily="18" charset="0"/>
+              </a:rPr>
+              <a:t> </a:t>
+            </a:r>
+            <a:r>
+              <a:rPr lang="en-US" dirty="0" err="1">
+                <a:solidFill>
+                  <a:schemeClr val="tx1"/>
+                </a:solidFill>
+                <a:latin typeface="Times New Roman" panose="02020603050405020304" pitchFamily="18" charset="0"/>
+                <a:cs typeface="Times New Roman" panose="02020603050405020304" pitchFamily="18" charset="0"/>
+              </a:rPr>
+              <a:t>giới</a:t>
+            </a:r>
+            <a:r>
+              <a:rPr lang="en-US" dirty="0">
+                <a:solidFill>
+                  <a:schemeClr val="tx1"/>
+                </a:solidFill>
+                <a:latin typeface="Times New Roman" panose="02020603050405020304" pitchFamily="18" charset="0"/>
+                <a:cs typeface="Times New Roman" panose="02020603050405020304" pitchFamily="18" charset="0"/>
+              </a:rPr>
+              <a:t> </a:t>
+            </a:r>
+            <a:r>
+              <a:rPr lang="en-US" dirty="0" err="1">
+                <a:solidFill>
+                  <a:schemeClr val="tx1"/>
+                </a:solidFill>
+                <a:latin typeface="Times New Roman" panose="02020603050405020304" pitchFamily="18" charset="0"/>
+                <a:cs typeface="Times New Roman" panose="02020603050405020304" pitchFamily="18" charset="0"/>
+              </a:rPr>
+              <a:t>thiệu</a:t>
+            </a:r>
+            <a:r>
+              <a:rPr lang="en-US" dirty="0">
+                <a:solidFill>
+                  <a:schemeClr val="tx1"/>
+                </a:solidFill>
+                <a:latin typeface="Times New Roman" panose="02020603050405020304" pitchFamily="18" charset="0"/>
+                <a:cs typeface="Times New Roman" panose="02020603050405020304" pitchFamily="18" charset="0"/>
+              </a:rPr>
+              <a:t>.</a:t>
+            </a:r>
+          </a:p>
+        </p:txBody>
+      </p:sp>
+    </p:spTree>
+    <p:extLst>
+      <p:ext uri="{BB962C8B-B14F-4D97-AF65-F5344CB8AC3E}">
+        <p14:creationId xmlns:p14="http://schemas.microsoft.com/office/powerpoint/2010/main" val="4118997925"/>
+      </p:ext>
+    </p:extLst>
+  </p:cSld>
+  <p:clrMapOvr>
+    <a:masterClrMapping/>
+  </p:clrMapOvr>
+  <p:timing>
+    <p:tnLst>
+      <p:par>
+        <p:cTn id="1" dur="indefinite" restart="never" nodeType="tmRoot"/>
+      </p:par>
+    </p:tnLst>
+  </p:timing>
+</p:sld>
+</file>
+
+<file path=ppt/slides/slide11.xml><?xml version="1.0" encoding="utf-8"?>
+<p:sld xmlns:a="http://schemas.openxmlformats.org/drawingml/2006/main" xmlns:r="http://schemas.openxmlformats.org/officeDocument/2006/relationships" xmlns:p="http://schemas.openxmlformats.org/presentationml/2006/main">
+  <p:cSld>
+    <p:spTree>
+      <p:nvGrpSpPr>
+        <p:cNvPr id="1" name=""/>
+        <p:cNvGrpSpPr/>
+        <p:nvPr/>
+      </p:nvGrpSpPr>
+      <p:grpSpPr>
+        <a:xfrm>
+          <a:off x="0" y="0"/>
+          <a:ext cx="0" cy="0"/>
+          <a:chOff x="0" y="0"/>
+          <a:chExt cx="0" cy="0"/>
+        </a:xfrm>
+      </p:grpSpPr>
+      <p:sp>
+        <p:nvSpPr>
+          <p:cNvPr id="2" name="Title 1"/>
+          <p:cNvSpPr>
+            <a:spLocks noGrp="1"/>
+          </p:cNvSpPr>
+          <p:nvPr>
+            <p:ph type="title"/>
+          </p:nvPr>
+        </p:nvSpPr>
         <p:spPr>
           <a:xfrm>
             <a:off x="677334" y="609600"/>
@@ -6513,1786 +7486,6 @@
 </p:sld>
 </file>
 
-<file path=ppt/slides/slide11.xml><?xml version="1.0" encoding="utf-8"?>
-<p:sld xmlns:a="http://schemas.openxmlformats.org/drawingml/2006/main" xmlns:r="http://schemas.openxmlformats.org/officeDocument/2006/relationships" xmlns:p="http://schemas.openxmlformats.org/presentationml/2006/main">
-  <p:cSld>
-    <p:spTree>
-      <p:nvGrpSpPr>
-        <p:cNvPr id="1" name=""/>
-        <p:cNvGrpSpPr/>
-        <p:nvPr/>
-      </p:nvGrpSpPr>
-      <p:grpSpPr>
-        <a:xfrm>
-          <a:off x="0" y="0"/>
-          <a:ext cx="0" cy="0"/>
-          <a:chOff x="0" y="0"/>
-          <a:chExt cx="0" cy="0"/>
-        </a:xfrm>
-      </p:grpSpPr>
-      <p:sp>
-        <p:nvSpPr>
-          <p:cNvPr id="2" name="Title 1"/>
-          <p:cNvSpPr>
-            <a:spLocks noGrp="1"/>
-          </p:cNvSpPr>
-          <p:nvPr>
-            <p:ph type="title"/>
-          </p:nvPr>
-        </p:nvSpPr>
-        <p:spPr/>
-        <p:txBody>
-          <a:bodyPr/>
-          <a:lstStyle/>
-          <a:p>
-            <a:r>
-              <a:rPr lang="en-US" dirty="0">
-                <a:latin typeface="Times New Roman" panose="02020603050405020304" pitchFamily="18" charset="0"/>
-                <a:cs typeface="Times New Roman" panose="02020603050405020304" pitchFamily="18" charset="0"/>
-              </a:rPr>
-              <a:t>4</a:t>
-            </a:r>
-            <a:r>
-              <a:rPr lang="en-US" dirty="0" smtClean="0">
-                <a:latin typeface="Times New Roman" panose="02020603050405020304" pitchFamily="18" charset="0"/>
-                <a:cs typeface="Times New Roman" panose="02020603050405020304" pitchFamily="18" charset="0"/>
-              </a:rPr>
-              <a:t>. TỔNG KẾT &amp; HƯỚNG PHÁT TRIỂN</a:t>
-            </a:r>
-            <a:endParaRPr lang="en-US" dirty="0"/>
-          </a:p>
-        </p:txBody>
-      </p:sp>
-      <p:sp>
-        <p:nvSpPr>
-          <p:cNvPr id="3" name="Content Placeholder 2"/>
-          <p:cNvSpPr>
-            <a:spLocks noGrp="1"/>
-          </p:cNvSpPr>
-          <p:nvPr>
-            <p:ph idx="1"/>
-          </p:nvPr>
-        </p:nvSpPr>
-        <p:spPr>
-          <a:xfrm>
-            <a:off x="677334" y="2096194"/>
-            <a:ext cx="8596668" cy="3880773"/>
-          </a:xfrm>
-        </p:spPr>
-        <p:txBody>
-          <a:bodyPr/>
-          <a:lstStyle/>
-          <a:p>
-            <a:r>
-              <a:rPr lang="en-US" b="1" dirty="0" smtClean="0">
-                <a:solidFill>
-                  <a:schemeClr val="tx1"/>
-                </a:solidFill>
-                <a:latin typeface="Times New Roman" panose="02020603050405020304" pitchFamily="18" charset="0"/>
-                <a:cs typeface="Times New Roman" panose="02020603050405020304" pitchFamily="18" charset="0"/>
-              </a:rPr>
-              <a:t>CÁC CÔNG VIỆC ĐÃ THỰC HIỆN:</a:t>
-            </a:r>
-            <a:endParaRPr lang="en-US" b="1" dirty="0">
-              <a:solidFill>
-                <a:schemeClr val="tx1"/>
-              </a:solidFill>
-              <a:latin typeface="Times New Roman" panose="02020603050405020304" pitchFamily="18" charset="0"/>
-              <a:cs typeface="Times New Roman" panose="02020603050405020304" pitchFamily="18" charset="0"/>
-            </a:endParaRPr>
-          </a:p>
-          <a:p>
-            <a:pPr marL="0" indent="0">
-              <a:buNone/>
-            </a:pPr>
-            <a:r>
-              <a:rPr lang="en-US" dirty="0">
-                <a:solidFill>
-                  <a:schemeClr val="tx1"/>
-                </a:solidFill>
-                <a:latin typeface="Times New Roman" panose="02020603050405020304" pitchFamily="18" charset="0"/>
-                <a:cs typeface="Times New Roman" panose="02020603050405020304" pitchFamily="18" charset="0"/>
-              </a:rPr>
-              <a:t>- </a:t>
-            </a:r>
-            <a:r>
-              <a:rPr lang="en-US" dirty="0" err="1">
-                <a:solidFill>
-                  <a:schemeClr val="tx1"/>
-                </a:solidFill>
-                <a:latin typeface="Times New Roman" panose="02020603050405020304" pitchFamily="18" charset="0"/>
-                <a:cs typeface="Times New Roman" panose="02020603050405020304" pitchFamily="18" charset="0"/>
-              </a:rPr>
-              <a:t>Nghiên</a:t>
-            </a:r>
-            <a:r>
-              <a:rPr lang="en-US" dirty="0">
-                <a:solidFill>
-                  <a:schemeClr val="tx1"/>
-                </a:solidFill>
-                <a:latin typeface="Times New Roman" panose="02020603050405020304" pitchFamily="18" charset="0"/>
-                <a:cs typeface="Times New Roman" panose="02020603050405020304" pitchFamily="18" charset="0"/>
-              </a:rPr>
-              <a:t> </a:t>
-            </a:r>
-            <a:r>
-              <a:rPr lang="en-US" dirty="0" err="1">
-                <a:solidFill>
-                  <a:schemeClr val="tx1"/>
-                </a:solidFill>
-                <a:latin typeface="Times New Roman" panose="02020603050405020304" pitchFamily="18" charset="0"/>
-                <a:cs typeface="Times New Roman" panose="02020603050405020304" pitchFamily="18" charset="0"/>
-              </a:rPr>
-              <a:t>cứu</a:t>
-            </a:r>
-            <a:r>
-              <a:rPr lang="en-US" dirty="0">
-                <a:solidFill>
-                  <a:schemeClr val="tx1"/>
-                </a:solidFill>
-                <a:latin typeface="Times New Roman" panose="02020603050405020304" pitchFamily="18" charset="0"/>
-                <a:cs typeface="Times New Roman" panose="02020603050405020304" pitchFamily="18" charset="0"/>
-              </a:rPr>
-              <a:t> </a:t>
-            </a:r>
-            <a:r>
-              <a:rPr lang="en-US" dirty="0" err="1">
-                <a:solidFill>
-                  <a:schemeClr val="tx1"/>
-                </a:solidFill>
-                <a:latin typeface="Times New Roman" panose="02020603050405020304" pitchFamily="18" charset="0"/>
-                <a:cs typeface="Times New Roman" panose="02020603050405020304" pitchFamily="18" charset="0"/>
-              </a:rPr>
-              <a:t>các</a:t>
-            </a:r>
-            <a:r>
-              <a:rPr lang="en-US" dirty="0">
-                <a:solidFill>
-                  <a:schemeClr val="tx1"/>
-                </a:solidFill>
-                <a:latin typeface="Times New Roman" panose="02020603050405020304" pitchFamily="18" charset="0"/>
-                <a:cs typeface="Times New Roman" panose="02020603050405020304" pitchFamily="18" charset="0"/>
-              </a:rPr>
-              <a:t> </a:t>
-            </a:r>
-            <a:r>
-              <a:rPr lang="en-US" dirty="0" err="1">
-                <a:solidFill>
-                  <a:schemeClr val="tx1"/>
-                </a:solidFill>
-                <a:latin typeface="Times New Roman" panose="02020603050405020304" pitchFamily="18" charset="0"/>
-                <a:cs typeface="Times New Roman" panose="02020603050405020304" pitchFamily="18" charset="0"/>
-              </a:rPr>
-              <a:t>mô</a:t>
-            </a:r>
-            <a:r>
-              <a:rPr lang="en-US" dirty="0">
-                <a:solidFill>
-                  <a:schemeClr val="tx1"/>
-                </a:solidFill>
-                <a:latin typeface="Times New Roman" panose="02020603050405020304" pitchFamily="18" charset="0"/>
-                <a:cs typeface="Times New Roman" panose="02020603050405020304" pitchFamily="18" charset="0"/>
-              </a:rPr>
-              <a:t> </a:t>
-            </a:r>
-            <a:r>
-              <a:rPr lang="en-US" dirty="0" err="1">
-                <a:solidFill>
-                  <a:schemeClr val="tx1"/>
-                </a:solidFill>
-                <a:latin typeface="Times New Roman" panose="02020603050405020304" pitchFamily="18" charset="0"/>
-                <a:cs typeface="Times New Roman" panose="02020603050405020304" pitchFamily="18" charset="0"/>
-              </a:rPr>
-              <a:t>hình</a:t>
-            </a:r>
-            <a:r>
-              <a:rPr lang="en-US" dirty="0">
-                <a:solidFill>
-                  <a:schemeClr val="tx1"/>
-                </a:solidFill>
-                <a:latin typeface="Times New Roman" panose="02020603050405020304" pitchFamily="18" charset="0"/>
-                <a:cs typeface="Times New Roman" panose="02020603050405020304" pitchFamily="18" charset="0"/>
-              </a:rPr>
-              <a:t> </a:t>
-            </a:r>
-            <a:r>
-              <a:rPr lang="en-US" dirty="0" err="1">
-                <a:solidFill>
-                  <a:schemeClr val="tx1"/>
-                </a:solidFill>
-                <a:latin typeface="Times New Roman" panose="02020603050405020304" pitchFamily="18" charset="0"/>
-                <a:cs typeface="Times New Roman" panose="02020603050405020304" pitchFamily="18" charset="0"/>
-              </a:rPr>
-              <a:t>để</a:t>
-            </a:r>
-            <a:r>
-              <a:rPr lang="en-US" dirty="0">
-                <a:solidFill>
-                  <a:schemeClr val="tx1"/>
-                </a:solidFill>
-                <a:latin typeface="Times New Roman" panose="02020603050405020304" pitchFamily="18" charset="0"/>
-                <a:cs typeface="Times New Roman" panose="02020603050405020304" pitchFamily="18" charset="0"/>
-              </a:rPr>
-              <a:t> </a:t>
-            </a:r>
-            <a:r>
-              <a:rPr lang="en-US" dirty="0" err="1">
-                <a:solidFill>
-                  <a:schemeClr val="tx1"/>
-                </a:solidFill>
-                <a:latin typeface="Times New Roman" panose="02020603050405020304" pitchFamily="18" charset="0"/>
-                <a:cs typeface="Times New Roman" panose="02020603050405020304" pitchFamily="18" charset="0"/>
-              </a:rPr>
-              <a:t>xử</a:t>
-            </a:r>
-            <a:r>
-              <a:rPr lang="en-US" dirty="0">
-                <a:solidFill>
-                  <a:schemeClr val="tx1"/>
-                </a:solidFill>
-                <a:latin typeface="Times New Roman" panose="02020603050405020304" pitchFamily="18" charset="0"/>
-                <a:cs typeface="Times New Roman" panose="02020603050405020304" pitchFamily="18" charset="0"/>
-              </a:rPr>
-              <a:t> </a:t>
-            </a:r>
-            <a:r>
-              <a:rPr lang="en-US" dirty="0" err="1">
-                <a:solidFill>
-                  <a:schemeClr val="tx1"/>
-                </a:solidFill>
-                <a:latin typeface="Times New Roman" panose="02020603050405020304" pitchFamily="18" charset="0"/>
-                <a:cs typeface="Times New Roman" panose="02020603050405020304" pitchFamily="18" charset="0"/>
-              </a:rPr>
-              <a:t>lý</a:t>
-            </a:r>
-            <a:r>
-              <a:rPr lang="en-US" dirty="0">
-                <a:solidFill>
-                  <a:schemeClr val="tx1"/>
-                </a:solidFill>
-                <a:latin typeface="Times New Roman" panose="02020603050405020304" pitchFamily="18" charset="0"/>
-                <a:cs typeface="Times New Roman" panose="02020603050405020304" pitchFamily="18" charset="0"/>
-              </a:rPr>
-              <a:t> </a:t>
-            </a:r>
-            <a:r>
-              <a:rPr lang="en-US" dirty="0" err="1">
-                <a:solidFill>
-                  <a:schemeClr val="tx1"/>
-                </a:solidFill>
-                <a:latin typeface="Times New Roman" panose="02020603050405020304" pitchFamily="18" charset="0"/>
-                <a:cs typeface="Times New Roman" panose="02020603050405020304" pitchFamily="18" charset="0"/>
-              </a:rPr>
-              <a:t>các</a:t>
-            </a:r>
-            <a:r>
-              <a:rPr lang="en-US" dirty="0">
-                <a:solidFill>
-                  <a:schemeClr val="tx1"/>
-                </a:solidFill>
-                <a:latin typeface="Times New Roman" panose="02020603050405020304" pitchFamily="18" charset="0"/>
-                <a:cs typeface="Times New Roman" panose="02020603050405020304" pitchFamily="18" charset="0"/>
-              </a:rPr>
-              <a:t> </a:t>
-            </a:r>
-            <a:r>
-              <a:rPr lang="en-US" dirty="0" err="1">
-                <a:solidFill>
-                  <a:schemeClr val="tx1"/>
-                </a:solidFill>
-                <a:latin typeface="Times New Roman" panose="02020603050405020304" pitchFamily="18" charset="0"/>
-                <a:cs typeface="Times New Roman" panose="02020603050405020304" pitchFamily="18" charset="0"/>
-              </a:rPr>
-              <a:t>bài</a:t>
-            </a:r>
-            <a:r>
-              <a:rPr lang="en-US" dirty="0">
-                <a:solidFill>
-                  <a:schemeClr val="tx1"/>
-                </a:solidFill>
-                <a:latin typeface="Times New Roman" panose="02020603050405020304" pitchFamily="18" charset="0"/>
-                <a:cs typeface="Times New Roman" panose="02020603050405020304" pitchFamily="18" charset="0"/>
-              </a:rPr>
-              <a:t> </a:t>
-            </a:r>
-            <a:r>
-              <a:rPr lang="en-US" dirty="0" err="1">
-                <a:solidFill>
-                  <a:schemeClr val="tx1"/>
-                </a:solidFill>
-                <a:latin typeface="Times New Roman" panose="02020603050405020304" pitchFamily="18" charset="0"/>
-                <a:cs typeface="Times New Roman" panose="02020603050405020304" pitchFamily="18" charset="0"/>
-              </a:rPr>
-              <a:t>toán</a:t>
-            </a:r>
-            <a:r>
-              <a:rPr lang="en-US" dirty="0">
-                <a:solidFill>
-                  <a:schemeClr val="tx1"/>
-                </a:solidFill>
-                <a:latin typeface="Times New Roman" panose="02020603050405020304" pitchFamily="18" charset="0"/>
-                <a:cs typeface="Times New Roman" panose="02020603050405020304" pitchFamily="18" charset="0"/>
-              </a:rPr>
-              <a:t> </a:t>
-            </a:r>
-            <a:r>
-              <a:rPr lang="en-US" dirty="0" err="1">
-                <a:solidFill>
-                  <a:schemeClr val="tx1"/>
-                </a:solidFill>
-                <a:latin typeface="Times New Roman" panose="02020603050405020304" pitchFamily="18" charset="0"/>
-                <a:cs typeface="Times New Roman" panose="02020603050405020304" pitchFamily="18" charset="0"/>
-              </a:rPr>
-              <a:t>xử</a:t>
-            </a:r>
-            <a:r>
-              <a:rPr lang="en-US" dirty="0">
-                <a:solidFill>
-                  <a:schemeClr val="tx1"/>
-                </a:solidFill>
-                <a:latin typeface="Times New Roman" panose="02020603050405020304" pitchFamily="18" charset="0"/>
-                <a:cs typeface="Times New Roman" panose="02020603050405020304" pitchFamily="18" charset="0"/>
-              </a:rPr>
-              <a:t> </a:t>
-            </a:r>
-            <a:r>
-              <a:rPr lang="en-US" dirty="0" err="1">
-                <a:solidFill>
-                  <a:schemeClr val="tx1"/>
-                </a:solidFill>
-                <a:latin typeface="Times New Roman" panose="02020603050405020304" pitchFamily="18" charset="0"/>
-                <a:cs typeface="Times New Roman" panose="02020603050405020304" pitchFamily="18" charset="0"/>
-              </a:rPr>
-              <a:t>lý</a:t>
-            </a:r>
-            <a:r>
-              <a:rPr lang="en-US" dirty="0">
-                <a:solidFill>
-                  <a:schemeClr val="tx1"/>
-                </a:solidFill>
-                <a:latin typeface="Times New Roman" panose="02020603050405020304" pitchFamily="18" charset="0"/>
-                <a:cs typeface="Times New Roman" panose="02020603050405020304" pitchFamily="18" charset="0"/>
-              </a:rPr>
-              <a:t> </a:t>
-            </a:r>
-            <a:r>
-              <a:rPr lang="en-US" dirty="0" err="1">
-                <a:solidFill>
-                  <a:schemeClr val="tx1"/>
-                </a:solidFill>
-                <a:latin typeface="Times New Roman" panose="02020603050405020304" pitchFamily="18" charset="0"/>
-                <a:cs typeface="Times New Roman" panose="02020603050405020304" pitchFamily="18" charset="0"/>
-              </a:rPr>
-              <a:t>hình</a:t>
-            </a:r>
-            <a:r>
-              <a:rPr lang="en-US" dirty="0">
-                <a:solidFill>
-                  <a:schemeClr val="tx1"/>
-                </a:solidFill>
-                <a:latin typeface="Times New Roman" panose="02020603050405020304" pitchFamily="18" charset="0"/>
-                <a:cs typeface="Times New Roman" panose="02020603050405020304" pitchFamily="18" charset="0"/>
-              </a:rPr>
-              <a:t> </a:t>
-            </a:r>
-            <a:r>
-              <a:rPr lang="en-US" dirty="0" err="1">
-                <a:solidFill>
-                  <a:schemeClr val="tx1"/>
-                </a:solidFill>
-                <a:latin typeface="Times New Roman" panose="02020603050405020304" pitchFamily="18" charset="0"/>
-                <a:cs typeface="Times New Roman" panose="02020603050405020304" pitchFamily="18" charset="0"/>
-              </a:rPr>
-              <a:t>ảnh</a:t>
-            </a:r>
-            <a:r>
-              <a:rPr lang="en-US" dirty="0">
-                <a:solidFill>
-                  <a:schemeClr val="tx1"/>
-                </a:solidFill>
-                <a:latin typeface="Times New Roman" panose="02020603050405020304" pitchFamily="18" charset="0"/>
-                <a:cs typeface="Times New Roman" panose="02020603050405020304" pitchFamily="18" charset="0"/>
-              </a:rPr>
-              <a:t>, </a:t>
-            </a:r>
-            <a:r>
-              <a:rPr lang="en-US" dirty="0" err="1">
-                <a:solidFill>
-                  <a:schemeClr val="tx1"/>
-                </a:solidFill>
-                <a:latin typeface="Times New Roman" panose="02020603050405020304" pitchFamily="18" charset="0"/>
-                <a:cs typeface="Times New Roman" panose="02020603050405020304" pitchFamily="18" charset="0"/>
-              </a:rPr>
-              <a:t>văn</a:t>
-            </a:r>
-            <a:r>
-              <a:rPr lang="en-US" dirty="0">
-                <a:solidFill>
-                  <a:schemeClr val="tx1"/>
-                </a:solidFill>
-                <a:latin typeface="Times New Roman" panose="02020603050405020304" pitchFamily="18" charset="0"/>
-                <a:cs typeface="Times New Roman" panose="02020603050405020304" pitchFamily="18" charset="0"/>
-              </a:rPr>
-              <a:t> </a:t>
-            </a:r>
-            <a:r>
-              <a:rPr lang="en-US" dirty="0" err="1">
-                <a:solidFill>
-                  <a:schemeClr val="tx1"/>
-                </a:solidFill>
-                <a:latin typeface="Times New Roman" panose="02020603050405020304" pitchFamily="18" charset="0"/>
-                <a:cs typeface="Times New Roman" panose="02020603050405020304" pitchFamily="18" charset="0"/>
-              </a:rPr>
-              <a:t>bản</a:t>
-            </a:r>
-            <a:r>
-              <a:rPr lang="en-US" dirty="0">
-                <a:solidFill>
-                  <a:schemeClr val="tx1"/>
-                </a:solidFill>
-                <a:latin typeface="Times New Roman" panose="02020603050405020304" pitchFamily="18" charset="0"/>
-                <a:cs typeface="Times New Roman" panose="02020603050405020304" pitchFamily="18" charset="0"/>
-              </a:rPr>
-              <a:t> </a:t>
-            </a:r>
-            <a:r>
-              <a:rPr lang="en-US" dirty="0" err="1">
-                <a:solidFill>
-                  <a:schemeClr val="tx1"/>
-                </a:solidFill>
-                <a:latin typeface="Times New Roman" panose="02020603050405020304" pitchFamily="18" charset="0"/>
-                <a:cs typeface="Times New Roman" panose="02020603050405020304" pitchFamily="18" charset="0"/>
-              </a:rPr>
-              <a:t>trong</a:t>
-            </a:r>
-            <a:r>
-              <a:rPr lang="en-US" dirty="0">
-                <a:solidFill>
-                  <a:schemeClr val="tx1"/>
-                </a:solidFill>
-                <a:latin typeface="Times New Roman" panose="02020603050405020304" pitchFamily="18" charset="0"/>
-                <a:cs typeface="Times New Roman" panose="02020603050405020304" pitchFamily="18" charset="0"/>
-              </a:rPr>
-              <a:t> Deep Learning, Machine Learning. </a:t>
-            </a:r>
-          </a:p>
-          <a:p>
-            <a:pPr marL="0" indent="0">
-              <a:buNone/>
-            </a:pPr>
-            <a:r>
-              <a:rPr lang="en-US" dirty="0">
-                <a:solidFill>
-                  <a:schemeClr val="tx1"/>
-                </a:solidFill>
-                <a:latin typeface="Times New Roman" panose="02020603050405020304" pitchFamily="18" charset="0"/>
-                <a:cs typeface="Times New Roman" panose="02020603050405020304" pitchFamily="18" charset="0"/>
-              </a:rPr>
-              <a:t>- </a:t>
-            </a:r>
-            <a:r>
-              <a:rPr lang="en-US" dirty="0" err="1">
-                <a:solidFill>
-                  <a:schemeClr val="tx1"/>
-                </a:solidFill>
-                <a:latin typeface="Times New Roman" panose="02020603050405020304" pitchFamily="18" charset="0"/>
-                <a:cs typeface="Times New Roman" panose="02020603050405020304" pitchFamily="18" charset="0"/>
-              </a:rPr>
-              <a:t>Tìm</a:t>
-            </a:r>
-            <a:r>
-              <a:rPr lang="en-US" dirty="0">
-                <a:solidFill>
-                  <a:schemeClr val="tx1"/>
-                </a:solidFill>
-                <a:latin typeface="Times New Roman" panose="02020603050405020304" pitchFamily="18" charset="0"/>
-                <a:cs typeface="Times New Roman" panose="02020603050405020304" pitchFamily="18" charset="0"/>
-              </a:rPr>
-              <a:t> </a:t>
-            </a:r>
-            <a:r>
-              <a:rPr lang="en-US" dirty="0" err="1">
-                <a:solidFill>
-                  <a:schemeClr val="tx1"/>
-                </a:solidFill>
-                <a:latin typeface="Times New Roman" panose="02020603050405020304" pitchFamily="18" charset="0"/>
-                <a:cs typeface="Times New Roman" panose="02020603050405020304" pitchFamily="18" charset="0"/>
-              </a:rPr>
-              <a:t>hiểu</a:t>
-            </a:r>
-            <a:r>
-              <a:rPr lang="en-US" dirty="0">
-                <a:solidFill>
-                  <a:schemeClr val="tx1"/>
-                </a:solidFill>
-                <a:latin typeface="Times New Roman" panose="02020603050405020304" pitchFamily="18" charset="0"/>
-                <a:cs typeface="Times New Roman" panose="02020603050405020304" pitchFamily="18" charset="0"/>
-              </a:rPr>
-              <a:t> </a:t>
-            </a:r>
-            <a:r>
-              <a:rPr lang="en-US" dirty="0" err="1">
-                <a:solidFill>
-                  <a:schemeClr val="tx1"/>
-                </a:solidFill>
-                <a:latin typeface="Times New Roman" panose="02020603050405020304" pitchFamily="18" charset="0"/>
-                <a:cs typeface="Times New Roman" panose="02020603050405020304" pitchFamily="18" charset="0"/>
-              </a:rPr>
-              <a:t>ứng</a:t>
-            </a:r>
-            <a:r>
-              <a:rPr lang="en-US" dirty="0">
-                <a:solidFill>
-                  <a:schemeClr val="tx1"/>
-                </a:solidFill>
-                <a:latin typeface="Times New Roman" panose="02020603050405020304" pitchFamily="18" charset="0"/>
-                <a:cs typeface="Times New Roman" panose="02020603050405020304" pitchFamily="18" charset="0"/>
-              </a:rPr>
-              <a:t> </a:t>
-            </a:r>
-            <a:r>
-              <a:rPr lang="en-US" dirty="0" err="1">
-                <a:solidFill>
-                  <a:schemeClr val="tx1"/>
-                </a:solidFill>
-                <a:latin typeface="Times New Roman" panose="02020603050405020304" pitchFamily="18" charset="0"/>
-                <a:cs typeface="Times New Roman" panose="02020603050405020304" pitchFamily="18" charset="0"/>
-              </a:rPr>
-              <a:t>dụng</a:t>
-            </a:r>
-            <a:r>
-              <a:rPr lang="en-US" dirty="0">
-                <a:solidFill>
-                  <a:schemeClr val="tx1"/>
-                </a:solidFill>
-                <a:latin typeface="Times New Roman" panose="02020603050405020304" pitchFamily="18" charset="0"/>
-                <a:cs typeface="Times New Roman" panose="02020603050405020304" pitchFamily="18" charset="0"/>
-              </a:rPr>
-              <a:t> </a:t>
-            </a:r>
-            <a:r>
-              <a:rPr lang="en-US" dirty="0" err="1">
-                <a:solidFill>
-                  <a:schemeClr val="tx1"/>
-                </a:solidFill>
-                <a:latin typeface="Times New Roman" panose="02020603050405020304" pitchFamily="18" charset="0"/>
-                <a:cs typeface="Times New Roman" panose="02020603050405020304" pitchFamily="18" charset="0"/>
-              </a:rPr>
-              <a:t>giải</a:t>
-            </a:r>
-            <a:r>
-              <a:rPr lang="en-US" dirty="0">
-                <a:solidFill>
-                  <a:schemeClr val="tx1"/>
-                </a:solidFill>
-                <a:latin typeface="Times New Roman" panose="02020603050405020304" pitchFamily="18" charset="0"/>
-                <a:cs typeface="Times New Roman" panose="02020603050405020304" pitchFamily="18" charset="0"/>
-              </a:rPr>
-              <a:t> </a:t>
-            </a:r>
-            <a:r>
-              <a:rPr lang="en-US" dirty="0" err="1">
-                <a:solidFill>
-                  <a:schemeClr val="tx1"/>
-                </a:solidFill>
-                <a:latin typeface="Times New Roman" panose="02020603050405020304" pitchFamily="18" charset="0"/>
-                <a:cs typeface="Times New Roman" panose="02020603050405020304" pitchFamily="18" charset="0"/>
-              </a:rPr>
-              <a:t>quyết</a:t>
-            </a:r>
-            <a:r>
-              <a:rPr lang="en-US" dirty="0">
-                <a:solidFill>
-                  <a:schemeClr val="tx1"/>
-                </a:solidFill>
-                <a:latin typeface="Times New Roman" panose="02020603050405020304" pitchFamily="18" charset="0"/>
-                <a:cs typeface="Times New Roman" panose="02020603050405020304" pitchFamily="18" charset="0"/>
-              </a:rPr>
-              <a:t> </a:t>
-            </a:r>
-            <a:r>
-              <a:rPr lang="en-US" dirty="0" err="1">
-                <a:solidFill>
-                  <a:schemeClr val="tx1"/>
-                </a:solidFill>
-                <a:latin typeface="Times New Roman" panose="02020603050405020304" pitchFamily="18" charset="0"/>
-                <a:cs typeface="Times New Roman" panose="02020603050405020304" pitchFamily="18" charset="0"/>
-              </a:rPr>
-              <a:t>các</a:t>
-            </a:r>
-            <a:r>
-              <a:rPr lang="en-US" dirty="0">
-                <a:solidFill>
-                  <a:schemeClr val="tx1"/>
-                </a:solidFill>
-                <a:latin typeface="Times New Roman" panose="02020603050405020304" pitchFamily="18" charset="0"/>
-                <a:cs typeface="Times New Roman" panose="02020603050405020304" pitchFamily="18" charset="0"/>
-              </a:rPr>
-              <a:t> </a:t>
-            </a:r>
-            <a:r>
-              <a:rPr lang="en-US" dirty="0" err="1">
-                <a:solidFill>
-                  <a:schemeClr val="tx1"/>
-                </a:solidFill>
-                <a:latin typeface="Times New Roman" panose="02020603050405020304" pitchFamily="18" charset="0"/>
-                <a:cs typeface="Times New Roman" panose="02020603050405020304" pitchFamily="18" charset="0"/>
-              </a:rPr>
-              <a:t>vấn</a:t>
-            </a:r>
-            <a:r>
-              <a:rPr lang="en-US" dirty="0">
-                <a:solidFill>
-                  <a:schemeClr val="tx1"/>
-                </a:solidFill>
-                <a:latin typeface="Times New Roman" panose="02020603050405020304" pitchFamily="18" charset="0"/>
-                <a:cs typeface="Times New Roman" panose="02020603050405020304" pitchFamily="18" charset="0"/>
-              </a:rPr>
-              <a:t> </a:t>
-            </a:r>
-            <a:r>
-              <a:rPr lang="en-US" dirty="0" err="1">
-                <a:solidFill>
-                  <a:schemeClr val="tx1"/>
-                </a:solidFill>
-                <a:latin typeface="Times New Roman" panose="02020603050405020304" pitchFamily="18" charset="0"/>
-                <a:cs typeface="Times New Roman" panose="02020603050405020304" pitchFamily="18" charset="0"/>
-              </a:rPr>
-              <a:t>đề</a:t>
-            </a:r>
-            <a:r>
-              <a:rPr lang="en-US" dirty="0">
-                <a:solidFill>
-                  <a:schemeClr val="tx1"/>
-                </a:solidFill>
-                <a:latin typeface="Times New Roman" panose="02020603050405020304" pitchFamily="18" charset="0"/>
-                <a:cs typeface="Times New Roman" panose="02020603050405020304" pitchFamily="18" charset="0"/>
-              </a:rPr>
-              <a:t> /</a:t>
-            </a:r>
-            <a:r>
-              <a:rPr lang="en-US" dirty="0" err="1">
-                <a:solidFill>
-                  <a:schemeClr val="tx1"/>
-                </a:solidFill>
-                <a:latin typeface="Times New Roman" panose="02020603050405020304" pitchFamily="18" charset="0"/>
-                <a:cs typeface="Times New Roman" panose="02020603050405020304" pitchFamily="18" charset="0"/>
-              </a:rPr>
-              <a:t>bài</a:t>
-            </a:r>
-            <a:r>
-              <a:rPr lang="en-US" dirty="0">
-                <a:solidFill>
-                  <a:schemeClr val="tx1"/>
-                </a:solidFill>
-                <a:latin typeface="Times New Roman" panose="02020603050405020304" pitchFamily="18" charset="0"/>
-                <a:cs typeface="Times New Roman" panose="02020603050405020304" pitchFamily="18" charset="0"/>
-              </a:rPr>
-              <a:t> </a:t>
-            </a:r>
-            <a:r>
-              <a:rPr lang="en-US" dirty="0" err="1">
-                <a:solidFill>
-                  <a:schemeClr val="tx1"/>
-                </a:solidFill>
-                <a:latin typeface="Times New Roman" panose="02020603050405020304" pitchFamily="18" charset="0"/>
-                <a:cs typeface="Times New Roman" panose="02020603050405020304" pitchFamily="18" charset="0"/>
-              </a:rPr>
-              <a:t>toán</a:t>
-            </a:r>
-            <a:r>
-              <a:rPr lang="en-US" dirty="0">
-                <a:solidFill>
-                  <a:schemeClr val="tx1"/>
-                </a:solidFill>
-                <a:latin typeface="Times New Roman" panose="02020603050405020304" pitchFamily="18" charset="0"/>
-                <a:cs typeface="Times New Roman" panose="02020603050405020304" pitchFamily="18" charset="0"/>
-              </a:rPr>
-              <a:t> </a:t>
-            </a:r>
-            <a:r>
-              <a:rPr lang="en-US" dirty="0" err="1">
-                <a:solidFill>
-                  <a:schemeClr val="tx1"/>
-                </a:solidFill>
-                <a:latin typeface="Times New Roman" panose="02020603050405020304" pitchFamily="18" charset="0"/>
-                <a:cs typeface="Times New Roman" panose="02020603050405020304" pitchFamily="18" charset="0"/>
-              </a:rPr>
-              <a:t>về</a:t>
-            </a:r>
-            <a:r>
-              <a:rPr lang="en-US" dirty="0">
-                <a:solidFill>
-                  <a:schemeClr val="tx1"/>
-                </a:solidFill>
-                <a:latin typeface="Times New Roman" panose="02020603050405020304" pitchFamily="18" charset="0"/>
-                <a:cs typeface="Times New Roman" panose="02020603050405020304" pitchFamily="18" charset="0"/>
-              </a:rPr>
-              <a:t> </a:t>
-            </a:r>
-            <a:r>
-              <a:rPr lang="en-US" dirty="0" err="1">
-                <a:solidFill>
-                  <a:schemeClr val="tx1"/>
-                </a:solidFill>
-                <a:latin typeface="Times New Roman" panose="02020603050405020304" pitchFamily="18" charset="0"/>
-                <a:cs typeface="Times New Roman" panose="02020603050405020304" pitchFamily="18" charset="0"/>
-              </a:rPr>
-              <a:t>gợi</a:t>
-            </a:r>
-            <a:r>
-              <a:rPr lang="en-US" dirty="0">
-                <a:solidFill>
-                  <a:schemeClr val="tx1"/>
-                </a:solidFill>
-                <a:latin typeface="Times New Roman" panose="02020603050405020304" pitchFamily="18" charset="0"/>
-                <a:cs typeface="Times New Roman" panose="02020603050405020304" pitchFamily="18" charset="0"/>
-              </a:rPr>
-              <a:t> ý </a:t>
-            </a:r>
-            <a:r>
-              <a:rPr lang="en-US" dirty="0" err="1">
-                <a:solidFill>
-                  <a:schemeClr val="tx1"/>
-                </a:solidFill>
-                <a:latin typeface="Times New Roman" panose="02020603050405020304" pitchFamily="18" charset="0"/>
-                <a:cs typeface="Times New Roman" panose="02020603050405020304" pitchFamily="18" charset="0"/>
-              </a:rPr>
-              <a:t>và</a:t>
-            </a:r>
-            <a:r>
-              <a:rPr lang="en-US" dirty="0">
-                <a:solidFill>
-                  <a:schemeClr val="tx1"/>
-                </a:solidFill>
-                <a:latin typeface="Times New Roman" panose="02020603050405020304" pitchFamily="18" charset="0"/>
-                <a:cs typeface="Times New Roman" panose="02020603050405020304" pitchFamily="18" charset="0"/>
-              </a:rPr>
-              <a:t> </a:t>
-            </a:r>
-            <a:r>
-              <a:rPr lang="en-US" dirty="0" err="1">
-                <a:solidFill>
-                  <a:schemeClr val="tx1"/>
-                </a:solidFill>
-                <a:latin typeface="Times New Roman" panose="02020603050405020304" pitchFamily="18" charset="0"/>
-                <a:cs typeface="Times New Roman" panose="02020603050405020304" pitchFamily="18" charset="0"/>
-              </a:rPr>
-              <a:t>phát</a:t>
-            </a:r>
-            <a:r>
-              <a:rPr lang="en-US" dirty="0">
-                <a:solidFill>
-                  <a:schemeClr val="tx1"/>
-                </a:solidFill>
-                <a:latin typeface="Times New Roman" panose="02020603050405020304" pitchFamily="18" charset="0"/>
-                <a:cs typeface="Times New Roman" panose="02020603050405020304" pitchFamily="18" charset="0"/>
-              </a:rPr>
-              <a:t> </a:t>
-            </a:r>
-            <a:r>
-              <a:rPr lang="en-US" dirty="0" err="1">
-                <a:solidFill>
-                  <a:schemeClr val="tx1"/>
-                </a:solidFill>
-                <a:latin typeface="Times New Roman" panose="02020603050405020304" pitchFamily="18" charset="0"/>
-                <a:cs typeface="Times New Roman" panose="02020603050405020304" pitchFamily="18" charset="0"/>
-              </a:rPr>
-              <a:t>sinh</a:t>
-            </a:r>
-            <a:r>
-              <a:rPr lang="en-US" dirty="0">
-                <a:solidFill>
-                  <a:schemeClr val="tx1"/>
-                </a:solidFill>
-                <a:latin typeface="Times New Roman" panose="02020603050405020304" pitchFamily="18" charset="0"/>
-                <a:cs typeface="Times New Roman" panose="02020603050405020304" pitchFamily="18" charset="0"/>
-              </a:rPr>
-              <a:t> </a:t>
-            </a:r>
-            <a:r>
-              <a:rPr lang="en-US" dirty="0" err="1">
-                <a:solidFill>
-                  <a:schemeClr val="tx1"/>
-                </a:solidFill>
-                <a:latin typeface="Times New Roman" panose="02020603050405020304" pitchFamily="18" charset="0"/>
-                <a:cs typeface="Times New Roman" panose="02020603050405020304" pitchFamily="18" charset="0"/>
-              </a:rPr>
-              <a:t>câu</a:t>
-            </a:r>
-            <a:r>
-              <a:rPr lang="en-US" dirty="0">
-                <a:solidFill>
-                  <a:schemeClr val="tx1"/>
-                </a:solidFill>
-                <a:latin typeface="Times New Roman" panose="02020603050405020304" pitchFamily="18" charset="0"/>
-                <a:cs typeface="Times New Roman" panose="02020603050405020304" pitchFamily="18" charset="0"/>
-              </a:rPr>
-              <a:t> </a:t>
-            </a:r>
-            <a:r>
-              <a:rPr lang="en-US" dirty="0" err="1">
-                <a:solidFill>
-                  <a:schemeClr val="tx1"/>
-                </a:solidFill>
-                <a:latin typeface="Times New Roman" panose="02020603050405020304" pitchFamily="18" charset="0"/>
-                <a:cs typeface="Times New Roman" panose="02020603050405020304" pitchFamily="18" charset="0"/>
-              </a:rPr>
-              <a:t>bình</a:t>
-            </a:r>
-            <a:r>
-              <a:rPr lang="en-US" dirty="0">
-                <a:solidFill>
-                  <a:schemeClr val="tx1"/>
-                </a:solidFill>
-                <a:latin typeface="Times New Roman" panose="02020603050405020304" pitchFamily="18" charset="0"/>
-                <a:cs typeface="Times New Roman" panose="02020603050405020304" pitchFamily="18" charset="0"/>
-              </a:rPr>
-              <a:t> </a:t>
-            </a:r>
-            <a:r>
-              <a:rPr lang="en-US" dirty="0" err="1">
-                <a:solidFill>
-                  <a:schemeClr val="tx1"/>
-                </a:solidFill>
-                <a:latin typeface="Times New Roman" panose="02020603050405020304" pitchFamily="18" charset="0"/>
-                <a:cs typeface="Times New Roman" panose="02020603050405020304" pitchFamily="18" charset="0"/>
-              </a:rPr>
-              <a:t>luận</a:t>
-            </a:r>
-            <a:r>
-              <a:rPr lang="en-US" dirty="0">
-                <a:solidFill>
-                  <a:schemeClr val="tx1"/>
-                </a:solidFill>
-                <a:latin typeface="Times New Roman" panose="02020603050405020304" pitchFamily="18" charset="0"/>
-                <a:cs typeface="Times New Roman" panose="02020603050405020304" pitchFamily="18" charset="0"/>
-              </a:rPr>
-              <a:t> </a:t>
-            </a:r>
-            <a:r>
-              <a:rPr lang="en-US" dirty="0" err="1">
-                <a:solidFill>
-                  <a:schemeClr val="tx1"/>
-                </a:solidFill>
-                <a:latin typeface="Times New Roman" panose="02020603050405020304" pitchFamily="18" charset="0"/>
-                <a:cs typeface="Times New Roman" panose="02020603050405020304" pitchFamily="18" charset="0"/>
-              </a:rPr>
-              <a:t>cho</a:t>
-            </a:r>
-            <a:r>
-              <a:rPr lang="en-US" dirty="0">
-                <a:solidFill>
-                  <a:schemeClr val="tx1"/>
-                </a:solidFill>
-                <a:latin typeface="Times New Roman" panose="02020603050405020304" pitchFamily="18" charset="0"/>
-                <a:cs typeface="Times New Roman" panose="02020603050405020304" pitchFamily="18" charset="0"/>
-              </a:rPr>
-              <a:t> </a:t>
-            </a:r>
-            <a:r>
-              <a:rPr lang="en-US" dirty="0" err="1">
-                <a:solidFill>
-                  <a:schemeClr val="tx1"/>
-                </a:solidFill>
-                <a:latin typeface="Times New Roman" panose="02020603050405020304" pitchFamily="18" charset="0"/>
-                <a:cs typeface="Times New Roman" panose="02020603050405020304" pitchFamily="18" charset="0"/>
-              </a:rPr>
-              <a:t>những</a:t>
-            </a:r>
-            <a:r>
-              <a:rPr lang="en-US" dirty="0">
-                <a:solidFill>
-                  <a:schemeClr val="tx1"/>
-                </a:solidFill>
-                <a:latin typeface="Times New Roman" panose="02020603050405020304" pitchFamily="18" charset="0"/>
-                <a:cs typeface="Times New Roman" panose="02020603050405020304" pitchFamily="18" charset="0"/>
-              </a:rPr>
-              <a:t> </a:t>
-            </a:r>
-            <a:r>
-              <a:rPr lang="en-US" dirty="0" err="1">
-                <a:solidFill>
-                  <a:schemeClr val="tx1"/>
-                </a:solidFill>
-                <a:latin typeface="Times New Roman" panose="02020603050405020304" pitchFamily="18" charset="0"/>
-                <a:cs typeface="Times New Roman" panose="02020603050405020304" pitchFamily="18" charset="0"/>
-              </a:rPr>
-              <a:t>bộ</a:t>
-            </a:r>
-            <a:r>
-              <a:rPr lang="en-US" dirty="0">
-                <a:solidFill>
-                  <a:schemeClr val="tx1"/>
-                </a:solidFill>
-                <a:latin typeface="Times New Roman" panose="02020603050405020304" pitchFamily="18" charset="0"/>
-                <a:cs typeface="Times New Roman" panose="02020603050405020304" pitchFamily="18" charset="0"/>
-              </a:rPr>
-              <a:t> </a:t>
-            </a:r>
-            <a:r>
-              <a:rPr lang="en-US" dirty="0" err="1">
-                <a:solidFill>
-                  <a:schemeClr val="tx1"/>
-                </a:solidFill>
-                <a:latin typeface="Times New Roman" panose="02020603050405020304" pitchFamily="18" charset="0"/>
-                <a:cs typeface="Times New Roman" panose="02020603050405020304" pitchFamily="18" charset="0"/>
-              </a:rPr>
-              <a:t>trang</a:t>
-            </a:r>
-            <a:r>
-              <a:rPr lang="en-US" dirty="0">
-                <a:solidFill>
-                  <a:schemeClr val="tx1"/>
-                </a:solidFill>
-                <a:latin typeface="Times New Roman" panose="02020603050405020304" pitchFamily="18" charset="0"/>
-                <a:cs typeface="Times New Roman" panose="02020603050405020304" pitchFamily="18" charset="0"/>
-              </a:rPr>
-              <a:t> </a:t>
-            </a:r>
-            <a:r>
-              <a:rPr lang="en-US" dirty="0" err="1">
-                <a:solidFill>
-                  <a:schemeClr val="tx1"/>
-                </a:solidFill>
-                <a:latin typeface="Times New Roman" panose="02020603050405020304" pitchFamily="18" charset="0"/>
-                <a:cs typeface="Times New Roman" panose="02020603050405020304" pitchFamily="18" charset="0"/>
-              </a:rPr>
-              <a:t>phục</a:t>
-            </a:r>
-            <a:r>
-              <a:rPr lang="en-US" dirty="0">
-                <a:solidFill>
-                  <a:schemeClr val="tx1"/>
-                </a:solidFill>
-                <a:latin typeface="Times New Roman" panose="02020603050405020304" pitchFamily="18" charset="0"/>
-                <a:cs typeface="Times New Roman" panose="02020603050405020304" pitchFamily="18" charset="0"/>
-              </a:rPr>
-              <a:t>.</a:t>
-            </a:r>
-          </a:p>
-          <a:p>
-            <a:pPr marL="0" indent="0">
-              <a:buNone/>
-            </a:pPr>
-            <a:r>
-              <a:rPr lang="en-US" dirty="0">
-                <a:solidFill>
-                  <a:schemeClr val="tx1"/>
-                </a:solidFill>
-                <a:latin typeface="Times New Roman" panose="02020603050405020304" pitchFamily="18" charset="0"/>
-                <a:cs typeface="Times New Roman" panose="02020603050405020304" pitchFamily="18" charset="0"/>
-              </a:rPr>
-              <a:t>- </a:t>
-            </a:r>
-            <a:r>
-              <a:rPr lang="en-US" dirty="0" err="1">
-                <a:solidFill>
-                  <a:schemeClr val="tx1"/>
-                </a:solidFill>
-                <a:latin typeface="Times New Roman" panose="02020603050405020304" pitchFamily="18" charset="0"/>
-                <a:cs typeface="Times New Roman" panose="02020603050405020304" pitchFamily="18" charset="0"/>
-              </a:rPr>
-              <a:t>Nghiên</a:t>
-            </a:r>
-            <a:r>
-              <a:rPr lang="en-US" dirty="0">
-                <a:solidFill>
-                  <a:schemeClr val="tx1"/>
-                </a:solidFill>
-                <a:latin typeface="Times New Roman" panose="02020603050405020304" pitchFamily="18" charset="0"/>
-                <a:cs typeface="Times New Roman" panose="02020603050405020304" pitchFamily="18" charset="0"/>
-              </a:rPr>
-              <a:t> </a:t>
-            </a:r>
-            <a:r>
-              <a:rPr lang="en-US" dirty="0" err="1">
-                <a:solidFill>
-                  <a:schemeClr val="tx1"/>
-                </a:solidFill>
-                <a:latin typeface="Times New Roman" panose="02020603050405020304" pitchFamily="18" charset="0"/>
-                <a:cs typeface="Times New Roman" panose="02020603050405020304" pitchFamily="18" charset="0"/>
-              </a:rPr>
-              <a:t>cứu</a:t>
-            </a:r>
-            <a:r>
-              <a:rPr lang="en-US" dirty="0">
-                <a:solidFill>
-                  <a:schemeClr val="tx1"/>
-                </a:solidFill>
-                <a:latin typeface="Times New Roman" panose="02020603050405020304" pitchFamily="18" charset="0"/>
-                <a:cs typeface="Times New Roman" panose="02020603050405020304" pitchFamily="18" charset="0"/>
-              </a:rPr>
-              <a:t> </a:t>
-            </a:r>
-            <a:r>
-              <a:rPr lang="en-US" dirty="0" err="1">
-                <a:solidFill>
-                  <a:schemeClr val="tx1"/>
-                </a:solidFill>
-                <a:latin typeface="Times New Roman" panose="02020603050405020304" pitchFamily="18" charset="0"/>
-                <a:cs typeface="Times New Roman" panose="02020603050405020304" pitchFamily="18" charset="0"/>
-              </a:rPr>
-              <a:t>mô</a:t>
-            </a:r>
-            <a:r>
-              <a:rPr lang="en-US" dirty="0">
-                <a:solidFill>
-                  <a:schemeClr val="tx1"/>
-                </a:solidFill>
-                <a:latin typeface="Times New Roman" panose="02020603050405020304" pitchFamily="18" charset="0"/>
-                <a:cs typeface="Times New Roman" panose="02020603050405020304" pitchFamily="18" charset="0"/>
-              </a:rPr>
-              <a:t> </a:t>
-            </a:r>
-            <a:r>
-              <a:rPr lang="en-US" dirty="0" err="1">
-                <a:solidFill>
-                  <a:schemeClr val="tx1"/>
-                </a:solidFill>
-                <a:latin typeface="Times New Roman" panose="02020603050405020304" pitchFamily="18" charset="0"/>
-                <a:cs typeface="Times New Roman" panose="02020603050405020304" pitchFamily="18" charset="0"/>
-              </a:rPr>
-              <a:t>hình</a:t>
-            </a:r>
-            <a:r>
-              <a:rPr lang="en-US" dirty="0">
-                <a:solidFill>
-                  <a:schemeClr val="tx1"/>
-                </a:solidFill>
-                <a:latin typeface="Times New Roman" panose="02020603050405020304" pitchFamily="18" charset="0"/>
-                <a:cs typeface="Times New Roman" panose="02020603050405020304" pitchFamily="18" charset="0"/>
-              </a:rPr>
-              <a:t>, </a:t>
-            </a:r>
-            <a:r>
-              <a:rPr lang="en-US" dirty="0" err="1">
-                <a:solidFill>
-                  <a:schemeClr val="tx1"/>
-                </a:solidFill>
-                <a:latin typeface="Times New Roman" panose="02020603050405020304" pitchFamily="18" charset="0"/>
-                <a:cs typeface="Times New Roman" panose="02020603050405020304" pitchFamily="18" charset="0"/>
-              </a:rPr>
-              <a:t>kỹ</a:t>
-            </a:r>
-            <a:r>
-              <a:rPr lang="en-US" dirty="0">
-                <a:solidFill>
-                  <a:schemeClr val="tx1"/>
-                </a:solidFill>
-                <a:latin typeface="Times New Roman" panose="02020603050405020304" pitchFamily="18" charset="0"/>
-                <a:cs typeface="Times New Roman" panose="02020603050405020304" pitchFamily="18" charset="0"/>
-              </a:rPr>
-              <a:t> </a:t>
-            </a:r>
-            <a:r>
-              <a:rPr lang="en-US" dirty="0" err="1">
-                <a:solidFill>
-                  <a:schemeClr val="tx1"/>
-                </a:solidFill>
-                <a:latin typeface="Times New Roman" panose="02020603050405020304" pitchFamily="18" charset="0"/>
-                <a:cs typeface="Times New Roman" panose="02020603050405020304" pitchFamily="18" charset="0"/>
-              </a:rPr>
-              <a:t>thuật</a:t>
-            </a:r>
-            <a:r>
-              <a:rPr lang="en-US" dirty="0">
-                <a:solidFill>
-                  <a:schemeClr val="tx1"/>
-                </a:solidFill>
-                <a:latin typeface="Times New Roman" panose="02020603050405020304" pitchFamily="18" charset="0"/>
-                <a:cs typeface="Times New Roman" panose="02020603050405020304" pitchFamily="18" charset="0"/>
-              </a:rPr>
-              <a:t> </a:t>
-            </a:r>
-            <a:r>
-              <a:rPr lang="en-US" dirty="0" err="1">
-                <a:solidFill>
-                  <a:schemeClr val="tx1"/>
-                </a:solidFill>
-                <a:latin typeface="Times New Roman" panose="02020603050405020304" pitchFamily="18" charset="0"/>
-                <a:cs typeface="Times New Roman" panose="02020603050405020304" pitchFamily="18" charset="0"/>
-              </a:rPr>
-              <a:t>để</a:t>
-            </a:r>
-            <a:r>
-              <a:rPr lang="en-US" dirty="0">
-                <a:solidFill>
-                  <a:schemeClr val="tx1"/>
-                </a:solidFill>
-                <a:latin typeface="Times New Roman" panose="02020603050405020304" pitchFamily="18" charset="0"/>
-                <a:cs typeface="Times New Roman" panose="02020603050405020304" pitchFamily="18" charset="0"/>
-              </a:rPr>
-              <a:t> </a:t>
-            </a:r>
-            <a:r>
-              <a:rPr lang="en-US" dirty="0" err="1">
-                <a:solidFill>
-                  <a:schemeClr val="tx1"/>
-                </a:solidFill>
-                <a:latin typeface="Times New Roman" panose="02020603050405020304" pitchFamily="18" charset="0"/>
-                <a:cs typeface="Times New Roman" panose="02020603050405020304" pitchFamily="18" charset="0"/>
-              </a:rPr>
-              <a:t>ứng</a:t>
-            </a:r>
-            <a:r>
-              <a:rPr lang="en-US" dirty="0">
-                <a:solidFill>
-                  <a:schemeClr val="tx1"/>
-                </a:solidFill>
-                <a:latin typeface="Times New Roman" panose="02020603050405020304" pitchFamily="18" charset="0"/>
-                <a:cs typeface="Times New Roman" panose="02020603050405020304" pitchFamily="18" charset="0"/>
-              </a:rPr>
-              <a:t> </a:t>
-            </a:r>
-            <a:r>
-              <a:rPr lang="en-US" dirty="0" err="1">
-                <a:solidFill>
-                  <a:schemeClr val="tx1"/>
-                </a:solidFill>
-                <a:latin typeface="Times New Roman" panose="02020603050405020304" pitchFamily="18" charset="0"/>
-                <a:cs typeface="Times New Roman" panose="02020603050405020304" pitchFamily="18" charset="0"/>
-              </a:rPr>
-              <a:t>dụng</a:t>
-            </a:r>
-            <a:r>
-              <a:rPr lang="en-US" dirty="0">
-                <a:solidFill>
-                  <a:schemeClr val="tx1"/>
-                </a:solidFill>
-                <a:latin typeface="Times New Roman" panose="02020603050405020304" pitchFamily="18" charset="0"/>
-                <a:cs typeface="Times New Roman" panose="02020603050405020304" pitchFamily="18" charset="0"/>
-              </a:rPr>
-              <a:t> </a:t>
-            </a:r>
-            <a:r>
-              <a:rPr lang="en-US" dirty="0" err="1">
-                <a:solidFill>
-                  <a:schemeClr val="tx1"/>
-                </a:solidFill>
-                <a:latin typeface="Times New Roman" panose="02020603050405020304" pitchFamily="18" charset="0"/>
-                <a:cs typeface="Times New Roman" panose="02020603050405020304" pitchFamily="18" charset="0"/>
-              </a:rPr>
-              <a:t>vào</a:t>
-            </a:r>
-            <a:r>
-              <a:rPr lang="en-US" dirty="0">
-                <a:solidFill>
-                  <a:schemeClr val="tx1"/>
-                </a:solidFill>
-                <a:latin typeface="Times New Roman" panose="02020603050405020304" pitchFamily="18" charset="0"/>
-                <a:cs typeface="Times New Roman" panose="02020603050405020304" pitchFamily="18" charset="0"/>
-              </a:rPr>
-              <a:t> </a:t>
-            </a:r>
-            <a:r>
-              <a:rPr lang="en-US" dirty="0" err="1">
-                <a:solidFill>
-                  <a:schemeClr val="tx1"/>
-                </a:solidFill>
-                <a:latin typeface="Times New Roman" panose="02020603050405020304" pitchFamily="18" charset="0"/>
-                <a:cs typeface="Times New Roman" panose="02020603050405020304" pitchFamily="18" charset="0"/>
-              </a:rPr>
-              <a:t>việc</a:t>
-            </a:r>
-            <a:r>
-              <a:rPr lang="en-US" dirty="0">
-                <a:solidFill>
-                  <a:schemeClr val="tx1"/>
-                </a:solidFill>
-                <a:latin typeface="Times New Roman" panose="02020603050405020304" pitchFamily="18" charset="0"/>
-                <a:cs typeface="Times New Roman" panose="02020603050405020304" pitchFamily="18" charset="0"/>
-              </a:rPr>
-              <a:t> </a:t>
-            </a:r>
-            <a:r>
-              <a:rPr lang="en-US" dirty="0" err="1">
-                <a:solidFill>
-                  <a:schemeClr val="tx1"/>
-                </a:solidFill>
-                <a:latin typeface="Times New Roman" panose="02020603050405020304" pitchFamily="18" charset="0"/>
-                <a:cs typeface="Times New Roman" panose="02020603050405020304" pitchFamily="18" charset="0"/>
-              </a:rPr>
-              <a:t>giải</a:t>
-            </a:r>
-            <a:r>
-              <a:rPr lang="en-US" dirty="0">
-                <a:solidFill>
-                  <a:schemeClr val="tx1"/>
-                </a:solidFill>
-                <a:latin typeface="Times New Roman" panose="02020603050405020304" pitchFamily="18" charset="0"/>
-                <a:cs typeface="Times New Roman" panose="02020603050405020304" pitchFamily="18" charset="0"/>
-              </a:rPr>
-              <a:t> </a:t>
-            </a:r>
-            <a:r>
-              <a:rPr lang="en-US" dirty="0" err="1">
-                <a:solidFill>
-                  <a:schemeClr val="tx1"/>
-                </a:solidFill>
-                <a:latin typeface="Times New Roman" panose="02020603050405020304" pitchFamily="18" charset="0"/>
-                <a:cs typeface="Times New Roman" panose="02020603050405020304" pitchFamily="18" charset="0"/>
-              </a:rPr>
-              <a:t>quyết</a:t>
-            </a:r>
-            <a:r>
-              <a:rPr lang="en-US" dirty="0">
-                <a:solidFill>
-                  <a:schemeClr val="tx1"/>
-                </a:solidFill>
-                <a:latin typeface="Times New Roman" panose="02020603050405020304" pitchFamily="18" charset="0"/>
-                <a:cs typeface="Times New Roman" panose="02020603050405020304" pitchFamily="18" charset="0"/>
-              </a:rPr>
-              <a:t> </a:t>
-            </a:r>
-            <a:r>
-              <a:rPr lang="en-US" dirty="0" err="1">
-                <a:solidFill>
-                  <a:schemeClr val="tx1"/>
-                </a:solidFill>
-                <a:latin typeface="Times New Roman" panose="02020603050405020304" pitchFamily="18" charset="0"/>
-                <a:cs typeface="Times New Roman" panose="02020603050405020304" pitchFamily="18" charset="0"/>
-              </a:rPr>
-              <a:t>mô</a:t>
-            </a:r>
-            <a:r>
-              <a:rPr lang="en-US" dirty="0">
-                <a:solidFill>
-                  <a:schemeClr val="tx1"/>
-                </a:solidFill>
-                <a:latin typeface="Times New Roman" panose="02020603050405020304" pitchFamily="18" charset="0"/>
-                <a:cs typeface="Times New Roman" panose="02020603050405020304" pitchFamily="18" charset="0"/>
-              </a:rPr>
-              <a:t> </a:t>
-            </a:r>
-            <a:r>
-              <a:rPr lang="en-US" dirty="0" err="1">
-                <a:solidFill>
-                  <a:schemeClr val="tx1"/>
-                </a:solidFill>
-                <a:latin typeface="Times New Roman" panose="02020603050405020304" pitchFamily="18" charset="0"/>
-                <a:cs typeface="Times New Roman" panose="02020603050405020304" pitchFamily="18" charset="0"/>
-              </a:rPr>
-              <a:t>hình</a:t>
-            </a:r>
-            <a:r>
-              <a:rPr lang="en-US" dirty="0">
-                <a:solidFill>
-                  <a:schemeClr val="tx1"/>
-                </a:solidFill>
-                <a:latin typeface="Times New Roman" panose="02020603050405020304" pitchFamily="18" charset="0"/>
-                <a:cs typeface="Times New Roman" panose="02020603050405020304" pitchFamily="18" charset="0"/>
-              </a:rPr>
-              <a:t> </a:t>
-            </a:r>
-            <a:r>
-              <a:rPr lang="en-US" dirty="0" err="1">
-                <a:solidFill>
-                  <a:schemeClr val="tx1"/>
-                </a:solidFill>
-                <a:latin typeface="Times New Roman" panose="02020603050405020304" pitchFamily="18" charset="0"/>
-                <a:cs typeface="Times New Roman" panose="02020603050405020304" pitchFamily="18" charset="0"/>
-              </a:rPr>
-              <a:t>phát</a:t>
-            </a:r>
-            <a:r>
-              <a:rPr lang="en-US" dirty="0">
-                <a:solidFill>
-                  <a:schemeClr val="tx1"/>
-                </a:solidFill>
-                <a:latin typeface="Times New Roman" panose="02020603050405020304" pitchFamily="18" charset="0"/>
-                <a:cs typeface="Times New Roman" panose="02020603050405020304" pitchFamily="18" charset="0"/>
-              </a:rPr>
-              <a:t> </a:t>
-            </a:r>
-            <a:r>
-              <a:rPr lang="en-US" dirty="0" err="1">
-                <a:solidFill>
-                  <a:schemeClr val="tx1"/>
-                </a:solidFill>
-                <a:latin typeface="Times New Roman" panose="02020603050405020304" pitchFamily="18" charset="0"/>
-                <a:cs typeface="Times New Roman" panose="02020603050405020304" pitchFamily="18" charset="0"/>
-              </a:rPr>
-              <a:t>sinh</a:t>
-            </a:r>
-            <a:r>
-              <a:rPr lang="en-US" dirty="0">
-                <a:solidFill>
-                  <a:schemeClr val="tx1"/>
-                </a:solidFill>
-                <a:latin typeface="Times New Roman" panose="02020603050405020304" pitchFamily="18" charset="0"/>
-                <a:cs typeface="Times New Roman" panose="02020603050405020304" pitchFamily="18" charset="0"/>
-              </a:rPr>
-              <a:t> </a:t>
-            </a:r>
-            <a:r>
-              <a:rPr lang="en-US" dirty="0" err="1">
-                <a:solidFill>
-                  <a:schemeClr val="tx1"/>
-                </a:solidFill>
-                <a:latin typeface="Times New Roman" panose="02020603050405020304" pitchFamily="18" charset="0"/>
-                <a:cs typeface="Times New Roman" panose="02020603050405020304" pitchFamily="18" charset="0"/>
-              </a:rPr>
-              <a:t>câu</a:t>
-            </a:r>
-            <a:r>
-              <a:rPr lang="en-US" dirty="0">
-                <a:solidFill>
-                  <a:schemeClr val="tx1"/>
-                </a:solidFill>
-                <a:latin typeface="Times New Roman" panose="02020603050405020304" pitchFamily="18" charset="0"/>
-                <a:cs typeface="Times New Roman" panose="02020603050405020304" pitchFamily="18" charset="0"/>
-              </a:rPr>
-              <a:t> </a:t>
-            </a:r>
-            <a:r>
-              <a:rPr lang="en-US" dirty="0" err="1">
-                <a:solidFill>
-                  <a:schemeClr val="tx1"/>
-                </a:solidFill>
-                <a:latin typeface="Times New Roman" panose="02020603050405020304" pitchFamily="18" charset="0"/>
-                <a:cs typeface="Times New Roman" panose="02020603050405020304" pitchFamily="18" charset="0"/>
-              </a:rPr>
-              <a:t>bình</a:t>
-            </a:r>
-            <a:r>
-              <a:rPr lang="en-US" dirty="0">
-                <a:solidFill>
-                  <a:schemeClr val="tx1"/>
-                </a:solidFill>
-                <a:latin typeface="Times New Roman" panose="02020603050405020304" pitchFamily="18" charset="0"/>
-                <a:cs typeface="Times New Roman" panose="02020603050405020304" pitchFamily="18" charset="0"/>
-              </a:rPr>
-              <a:t> </a:t>
-            </a:r>
-            <a:r>
-              <a:rPr lang="en-US" dirty="0" err="1">
-                <a:solidFill>
-                  <a:schemeClr val="tx1"/>
-                </a:solidFill>
-                <a:latin typeface="Times New Roman" panose="02020603050405020304" pitchFamily="18" charset="0"/>
-                <a:cs typeface="Times New Roman" panose="02020603050405020304" pitchFamily="18" charset="0"/>
-              </a:rPr>
-              <a:t>luận</a:t>
-            </a:r>
-            <a:r>
-              <a:rPr lang="en-US" dirty="0">
-                <a:solidFill>
-                  <a:schemeClr val="tx1"/>
-                </a:solidFill>
-                <a:latin typeface="Times New Roman" panose="02020603050405020304" pitchFamily="18" charset="0"/>
-                <a:cs typeface="Times New Roman" panose="02020603050405020304" pitchFamily="18" charset="0"/>
-              </a:rPr>
-              <a:t> </a:t>
-            </a:r>
-            <a:r>
-              <a:rPr lang="en-US" dirty="0" err="1">
-                <a:solidFill>
-                  <a:schemeClr val="tx1"/>
-                </a:solidFill>
-                <a:latin typeface="Times New Roman" panose="02020603050405020304" pitchFamily="18" charset="0"/>
-                <a:cs typeface="Times New Roman" panose="02020603050405020304" pitchFamily="18" charset="0"/>
-              </a:rPr>
-              <a:t>từ</a:t>
-            </a:r>
-            <a:r>
-              <a:rPr lang="en-US" dirty="0">
-                <a:solidFill>
-                  <a:schemeClr val="tx1"/>
-                </a:solidFill>
-                <a:latin typeface="Times New Roman" panose="02020603050405020304" pitchFamily="18" charset="0"/>
-                <a:cs typeface="Times New Roman" panose="02020603050405020304" pitchFamily="18" charset="0"/>
-              </a:rPr>
-              <a:t> </a:t>
-            </a:r>
-            <a:r>
-              <a:rPr lang="en-US" dirty="0" err="1">
-                <a:solidFill>
-                  <a:schemeClr val="tx1"/>
-                </a:solidFill>
-                <a:latin typeface="Times New Roman" panose="02020603050405020304" pitchFamily="18" charset="0"/>
-                <a:cs typeface="Times New Roman" panose="02020603050405020304" pitchFamily="18" charset="0"/>
-              </a:rPr>
-              <a:t>ảnh</a:t>
-            </a:r>
-            <a:r>
-              <a:rPr lang="en-US" dirty="0">
-                <a:solidFill>
-                  <a:schemeClr val="tx1"/>
-                </a:solidFill>
-                <a:latin typeface="Times New Roman" panose="02020603050405020304" pitchFamily="18" charset="0"/>
-                <a:cs typeface="Times New Roman" panose="02020603050405020304" pitchFamily="18" charset="0"/>
-              </a:rPr>
-              <a:t> </a:t>
-            </a:r>
-            <a:r>
-              <a:rPr lang="en-US" dirty="0" err="1">
-                <a:solidFill>
-                  <a:schemeClr val="tx1"/>
-                </a:solidFill>
-                <a:latin typeface="Times New Roman" panose="02020603050405020304" pitchFamily="18" charset="0"/>
-                <a:cs typeface="Times New Roman" panose="02020603050405020304" pitchFamily="18" charset="0"/>
-              </a:rPr>
-              <a:t>tĩnh</a:t>
-            </a:r>
-            <a:r>
-              <a:rPr lang="en-US" dirty="0">
-                <a:solidFill>
-                  <a:schemeClr val="tx1"/>
-                </a:solidFill>
-                <a:latin typeface="Times New Roman" panose="02020603050405020304" pitchFamily="18" charset="0"/>
-                <a:cs typeface="Times New Roman" panose="02020603050405020304" pitchFamily="18" charset="0"/>
-              </a:rPr>
-              <a:t>. </a:t>
-            </a:r>
-          </a:p>
-          <a:p>
-            <a:pPr marL="0" indent="0">
-              <a:buNone/>
-            </a:pPr>
-            <a:r>
-              <a:rPr lang="en-US" dirty="0">
-                <a:solidFill>
-                  <a:schemeClr val="tx1"/>
-                </a:solidFill>
-                <a:latin typeface="Times New Roman" panose="02020603050405020304" pitchFamily="18" charset="0"/>
-                <a:cs typeface="Times New Roman" panose="02020603050405020304" pitchFamily="18" charset="0"/>
-              </a:rPr>
-              <a:t>- </a:t>
-            </a:r>
-            <a:r>
-              <a:rPr lang="en-US" dirty="0" err="1">
-                <a:solidFill>
-                  <a:schemeClr val="tx1"/>
-                </a:solidFill>
-                <a:latin typeface="Times New Roman" panose="02020603050405020304" pitchFamily="18" charset="0"/>
-                <a:cs typeface="Times New Roman" panose="02020603050405020304" pitchFamily="18" charset="0"/>
-              </a:rPr>
-              <a:t>Hiện</a:t>
-            </a:r>
-            <a:r>
-              <a:rPr lang="en-US" dirty="0">
-                <a:solidFill>
-                  <a:schemeClr val="tx1"/>
-                </a:solidFill>
-                <a:latin typeface="Times New Roman" panose="02020603050405020304" pitchFamily="18" charset="0"/>
-                <a:cs typeface="Times New Roman" panose="02020603050405020304" pitchFamily="18" charset="0"/>
-              </a:rPr>
-              <a:t> </a:t>
-            </a:r>
-            <a:r>
-              <a:rPr lang="en-US" dirty="0" err="1">
-                <a:solidFill>
-                  <a:schemeClr val="tx1"/>
-                </a:solidFill>
-                <a:latin typeface="Times New Roman" panose="02020603050405020304" pitchFamily="18" charset="0"/>
-                <a:cs typeface="Times New Roman" panose="02020603050405020304" pitchFamily="18" charset="0"/>
-              </a:rPr>
-              <a:t>thực</a:t>
-            </a:r>
-            <a:r>
-              <a:rPr lang="en-US" dirty="0">
-                <a:solidFill>
-                  <a:schemeClr val="tx1"/>
-                </a:solidFill>
-                <a:latin typeface="Times New Roman" panose="02020603050405020304" pitchFamily="18" charset="0"/>
-                <a:cs typeface="Times New Roman" panose="02020603050405020304" pitchFamily="18" charset="0"/>
-              </a:rPr>
-              <a:t> </a:t>
-            </a:r>
-            <a:r>
-              <a:rPr lang="en-US" dirty="0" err="1">
-                <a:solidFill>
-                  <a:schemeClr val="tx1"/>
-                </a:solidFill>
-                <a:latin typeface="Times New Roman" panose="02020603050405020304" pitchFamily="18" charset="0"/>
-                <a:cs typeface="Times New Roman" panose="02020603050405020304" pitchFamily="18" charset="0"/>
-              </a:rPr>
-              <a:t>lại</a:t>
-            </a:r>
-            <a:r>
-              <a:rPr lang="en-US" dirty="0">
-                <a:solidFill>
-                  <a:schemeClr val="tx1"/>
-                </a:solidFill>
-                <a:latin typeface="Times New Roman" panose="02020603050405020304" pitchFamily="18" charset="0"/>
-                <a:cs typeface="Times New Roman" panose="02020603050405020304" pitchFamily="18" charset="0"/>
-              </a:rPr>
-              <a:t> </a:t>
-            </a:r>
-            <a:r>
-              <a:rPr lang="en-US" dirty="0" err="1">
-                <a:solidFill>
-                  <a:schemeClr val="tx1"/>
-                </a:solidFill>
-                <a:latin typeface="Times New Roman" panose="02020603050405020304" pitchFamily="18" charset="0"/>
-                <a:cs typeface="Times New Roman" panose="02020603050405020304" pitchFamily="18" charset="0"/>
-              </a:rPr>
-              <a:t>mô</a:t>
-            </a:r>
-            <a:r>
-              <a:rPr lang="en-US" dirty="0">
-                <a:solidFill>
-                  <a:schemeClr val="tx1"/>
-                </a:solidFill>
-                <a:latin typeface="Times New Roman" panose="02020603050405020304" pitchFamily="18" charset="0"/>
-                <a:cs typeface="Times New Roman" panose="02020603050405020304" pitchFamily="18" charset="0"/>
-              </a:rPr>
-              <a:t> </a:t>
-            </a:r>
-            <a:r>
-              <a:rPr lang="en-US" dirty="0" err="1">
-                <a:solidFill>
-                  <a:schemeClr val="tx1"/>
-                </a:solidFill>
-                <a:latin typeface="Times New Roman" panose="02020603050405020304" pitchFamily="18" charset="0"/>
-                <a:cs typeface="Times New Roman" panose="02020603050405020304" pitchFamily="18" charset="0"/>
-              </a:rPr>
-              <a:t>hình</a:t>
-            </a:r>
-            <a:r>
-              <a:rPr lang="en-US" dirty="0">
-                <a:solidFill>
-                  <a:schemeClr val="tx1"/>
-                </a:solidFill>
-                <a:latin typeface="Times New Roman" panose="02020603050405020304" pitchFamily="18" charset="0"/>
-                <a:cs typeface="Times New Roman" panose="02020603050405020304" pitchFamily="18" charset="0"/>
-              </a:rPr>
-              <a:t> “</a:t>
-            </a:r>
-            <a:r>
-              <a:rPr lang="en-US" dirty="0" err="1">
-                <a:solidFill>
-                  <a:schemeClr val="tx1"/>
-                </a:solidFill>
-                <a:latin typeface="Times New Roman" panose="02020603050405020304" pitchFamily="18" charset="0"/>
-                <a:cs typeface="Times New Roman" panose="02020603050405020304" pitchFamily="18" charset="0"/>
-              </a:rPr>
-              <a:t>Tự</a:t>
-            </a:r>
-            <a:r>
-              <a:rPr lang="en-US" dirty="0">
-                <a:solidFill>
-                  <a:schemeClr val="tx1"/>
-                </a:solidFill>
-                <a:latin typeface="Times New Roman" panose="02020603050405020304" pitchFamily="18" charset="0"/>
-                <a:cs typeface="Times New Roman" panose="02020603050405020304" pitchFamily="18" charset="0"/>
-              </a:rPr>
-              <a:t> </a:t>
-            </a:r>
-            <a:r>
-              <a:rPr lang="en-US" dirty="0" err="1">
-                <a:solidFill>
-                  <a:schemeClr val="tx1"/>
-                </a:solidFill>
-                <a:latin typeface="Times New Roman" panose="02020603050405020304" pitchFamily="18" charset="0"/>
-                <a:cs typeface="Times New Roman" panose="02020603050405020304" pitchFamily="18" charset="0"/>
-              </a:rPr>
-              <a:t>động</a:t>
-            </a:r>
-            <a:r>
-              <a:rPr lang="en-US" dirty="0">
-                <a:solidFill>
-                  <a:schemeClr val="tx1"/>
-                </a:solidFill>
-                <a:latin typeface="Times New Roman" panose="02020603050405020304" pitchFamily="18" charset="0"/>
-                <a:cs typeface="Times New Roman" panose="02020603050405020304" pitchFamily="18" charset="0"/>
-              </a:rPr>
-              <a:t> </a:t>
-            </a:r>
-            <a:r>
-              <a:rPr lang="en-US" dirty="0" err="1">
-                <a:solidFill>
-                  <a:schemeClr val="tx1"/>
-                </a:solidFill>
-                <a:latin typeface="Times New Roman" panose="02020603050405020304" pitchFamily="18" charset="0"/>
-                <a:cs typeface="Times New Roman" panose="02020603050405020304" pitchFamily="18" charset="0"/>
-              </a:rPr>
-              <a:t>phát</a:t>
-            </a:r>
-            <a:r>
-              <a:rPr lang="en-US" dirty="0">
-                <a:solidFill>
-                  <a:schemeClr val="tx1"/>
-                </a:solidFill>
-                <a:latin typeface="Times New Roman" panose="02020603050405020304" pitchFamily="18" charset="0"/>
-                <a:cs typeface="Times New Roman" panose="02020603050405020304" pitchFamily="18" charset="0"/>
-              </a:rPr>
-              <a:t> </a:t>
-            </a:r>
-            <a:r>
-              <a:rPr lang="en-US" dirty="0" err="1">
-                <a:solidFill>
-                  <a:schemeClr val="tx1"/>
-                </a:solidFill>
-                <a:latin typeface="Times New Roman" panose="02020603050405020304" pitchFamily="18" charset="0"/>
-                <a:cs typeface="Times New Roman" panose="02020603050405020304" pitchFamily="18" charset="0"/>
-              </a:rPr>
-              <a:t>sinh</a:t>
-            </a:r>
-            <a:r>
-              <a:rPr lang="en-US" dirty="0">
-                <a:solidFill>
-                  <a:schemeClr val="tx1"/>
-                </a:solidFill>
-                <a:latin typeface="Times New Roman" panose="02020603050405020304" pitchFamily="18" charset="0"/>
-                <a:cs typeface="Times New Roman" panose="02020603050405020304" pitchFamily="18" charset="0"/>
-              </a:rPr>
-              <a:t> </a:t>
-            </a:r>
-            <a:r>
-              <a:rPr lang="en-US" dirty="0" err="1">
-                <a:solidFill>
-                  <a:schemeClr val="tx1"/>
-                </a:solidFill>
-                <a:latin typeface="Times New Roman" panose="02020603050405020304" pitchFamily="18" charset="0"/>
-                <a:cs typeface="Times New Roman" panose="02020603050405020304" pitchFamily="18" charset="0"/>
-              </a:rPr>
-              <a:t>bình</a:t>
-            </a:r>
-            <a:r>
-              <a:rPr lang="en-US" dirty="0">
-                <a:solidFill>
-                  <a:schemeClr val="tx1"/>
-                </a:solidFill>
-                <a:latin typeface="Times New Roman" panose="02020603050405020304" pitchFamily="18" charset="0"/>
-                <a:cs typeface="Times New Roman" panose="02020603050405020304" pitchFamily="18" charset="0"/>
-              </a:rPr>
-              <a:t> </a:t>
-            </a:r>
-            <a:r>
-              <a:rPr lang="en-US" dirty="0" err="1">
-                <a:solidFill>
-                  <a:schemeClr val="tx1"/>
-                </a:solidFill>
-                <a:latin typeface="Times New Roman" panose="02020603050405020304" pitchFamily="18" charset="0"/>
-                <a:cs typeface="Times New Roman" panose="02020603050405020304" pitchFamily="18" charset="0"/>
-              </a:rPr>
-              <a:t>luận</a:t>
-            </a:r>
-            <a:r>
-              <a:rPr lang="en-US" dirty="0">
-                <a:solidFill>
-                  <a:schemeClr val="tx1"/>
-                </a:solidFill>
-                <a:latin typeface="Times New Roman" panose="02020603050405020304" pitchFamily="18" charset="0"/>
-                <a:cs typeface="Times New Roman" panose="02020603050405020304" pitchFamily="18" charset="0"/>
-              </a:rPr>
-              <a:t> </a:t>
-            </a:r>
-            <a:r>
-              <a:rPr lang="en-US" dirty="0" err="1">
-                <a:solidFill>
-                  <a:schemeClr val="tx1"/>
-                </a:solidFill>
-                <a:latin typeface="Times New Roman" panose="02020603050405020304" pitchFamily="18" charset="0"/>
-                <a:cs typeface="Times New Roman" panose="02020603050405020304" pitchFamily="18" charset="0"/>
-              </a:rPr>
-              <a:t>cho</a:t>
-            </a:r>
-            <a:r>
-              <a:rPr lang="en-US" dirty="0">
-                <a:solidFill>
-                  <a:schemeClr val="tx1"/>
-                </a:solidFill>
-                <a:latin typeface="Times New Roman" panose="02020603050405020304" pitchFamily="18" charset="0"/>
-                <a:cs typeface="Times New Roman" panose="02020603050405020304" pitchFamily="18" charset="0"/>
-              </a:rPr>
-              <a:t> </a:t>
-            </a:r>
-            <a:r>
-              <a:rPr lang="en-US" dirty="0" err="1">
-                <a:solidFill>
-                  <a:schemeClr val="tx1"/>
-                </a:solidFill>
-                <a:latin typeface="Times New Roman" panose="02020603050405020304" pitchFamily="18" charset="0"/>
-                <a:cs typeface="Times New Roman" panose="02020603050405020304" pitchFamily="18" charset="0"/>
-              </a:rPr>
-              <a:t>ảnh</a:t>
-            </a:r>
-            <a:r>
-              <a:rPr lang="en-US" dirty="0">
-                <a:solidFill>
-                  <a:schemeClr val="tx1"/>
-                </a:solidFill>
-                <a:latin typeface="Times New Roman" panose="02020603050405020304" pitchFamily="18" charset="0"/>
-                <a:cs typeface="Times New Roman" panose="02020603050405020304" pitchFamily="18" charset="0"/>
-              </a:rPr>
-              <a:t> </a:t>
-            </a:r>
-            <a:r>
-              <a:rPr lang="en-US" dirty="0" err="1">
-                <a:solidFill>
-                  <a:schemeClr val="tx1"/>
-                </a:solidFill>
-                <a:latin typeface="Times New Roman" panose="02020603050405020304" pitchFamily="18" charset="0"/>
-                <a:cs typeface="Times New Roman" panose="02020603050405020304" pitchFamily="18" charset="0"/>
-              </a:rPr>
-              <a:t>thời</a:t>
-            </a:r>
-            <a:r>
-              <a:rPr lang="en-US" dirty="0">
-                <a:solidFill>
-                  <a:schemeClr val="tx1"/>
-                </a:solidFill>
-                <a:latin typeface="Times New Roman" panose="02020603050405020304" pitchFamily="18" charset="0"/>
-                <a:cs typeface="Times New Roman" panose="02020603050405020304" pitchFamily="18" charset="0"/>
-              </a:rPr>
-              <a:t> </a:t>
-            </a:r>
-            <a:r>
-              <a:rPr lang="en-US" dirty="0" err="1">
-                <a:solidFill>
-                  <a:schemeClr val="tx1"/>
-                </a:solidFill>
-                <a:latin typeface="Times New Roman" panose="02020603050405020304" pitchFamily="18" charset="0"/>
-                <a:cs typeface="Times New Roman" panose="02020603050405020304" pitchFamily="18" charset="0"/>
-              </a:rPr>
-              <a:t>trang</a:t>
-            </a:r>
-            <a:r>
-              <a:rPr lang="en-US" dirty="0">
-                <a:solidFill>
-                  <a:schemeClr val="tx1"/>
-                </a:solidFill>
-                <a:latin typeface="Times New Roman" panose="02020603050405020304" pitchFamily="18" charset="0"/>
-                <a:cs typeface="Times New Roman" panose="02020603050405020304" pitchFamily="18" charset="0"/>
-              </a:rPr>
-              <a:t>”.</a:t>
-            </a:r>
-          </a:p>
-          <a:p>
-            <a:pPr marL="0" indent="0">
-              <a:buNone/>
-            </a:pPr>
-            <a:endParaRPr lang="en-US" dirty="0">
-              <a:solidFill>
-                <a:schemeClr val="tx1"/>
-              </a:solidFill>
-            </a:endParaRPr>
-          </a:p>
-        </p:txBody>
-      </p:sp>
-    </p:spTree>
-    <p:extLst>
-      <p:ext uri="{BB962C8B-B14F-4D97-AF65-F5344CB8AC3E}">
-        <p14:creationId xmlns:p14="http://schemas.microsoft.com/office/powerpoint/2010/main" val="2175606873"/>
-      </p:ext>
-    </p:extLst>
-  </p:cSld>
-  <p:clrMapOvr>
-    <a:masterClrMapping/>
-  </p:clrMapOvr>
-  <p:timing>
-    <p:tnLst>
-      <p:par>
-        <p:cTn id="1" dur="indefinite" restart="never" nodeType="tmRoot"/>
-      </p:par>
-    </p:tnLst>
-  </p:timing>
-</p:sld>
-</file>
-
 <file path=ppt/slides/slide12.xml><?xml version="1.0" encoding="utf-8"?>
 <p:sld xmlns:a="http://schemas.openxmlformats.org/drawingml/2006/main" xmlns:r="http://schemas.openxmlformats.org/officeDocument/2006/relationships" xmlns:p="http://schemas.openxmlformats.org/presentationml/2006/main">
   <p:cSld>
@@ -8326,18 +7519,8 @@
           <a:lstStyle/>
           <a:p>
             <a:r>
-              <a:rPr lang="en-US" dirty="0" smtClean="0">
-                <a:latin typeface="Times New Roman" panose="02020603050405020304" pitchFamily="18" charset="0"/>
-                <a:cs typeface="Times New Roman" panose="02020603050405020304" pitchFamily="18" charset="0"/>
-              </a:rPr>
-              <a:t>4. </a:t>
-            </a:r>
-            <a:r>
-              <a:rPr lang="en-US" dirty="0">
-                <a:latin typeface="Times New Roman" panose="02020603050405020304" pitchFamily="18" charset="0"/>
-                <a:cs typeface="Times New Roman" panose="02020603050405020304" pitchFamily="18" charset="0"/>
-              </a:rPr>
-              <a:t>TỔNG KẾT &amp; HƯỚNG PHÁT TRIỂN</a:t>
+              <a:rPr lang="en-US" dirty="0" smtClean="0"/>
+              <a:t>4. DEMO</a:t>
             </a:r>
             <a:endParaRPr lang="en-US" dirty="0"/>
           </a:p>
@@ -8358,966 +7541,20 @@
           <a:bodyPr/>
           <a:lstStyle/>
           <a:p>
-            <a:r>
-              <a:rPr lang="en-US" b="1" dirty="0" smtClean="0">
-                <a:latin typeface="Times New Roman" panose="02020603050405020304" pitchFamily="18" charset="0"/>
-                <a:cs typeface="Times New Roman" panose="02020603050405020304" pitchFamily="18" charset="0"/>
-              </a:rPr>
-              <a:t>HẠN CHẾ:</a:t>
-            </a:r>
-          </a:p>
-          <a:p>
-            <a:pPr marL="0" indent="0">
-              <a:buNone/>
-            </a:pPr>
-            <a:r>
-              <a:rPr lang="en-US" dirty="0">
-                <a:solidFill>
-                  <a:schemeClr val="tx1"/>
-                </a:solidFill>
-                <a:latin typeface="Times New Roman" panose="02020603050405020304" pitchFamily="18" charset="0"/>
-                <a:cs typeface="Times New Roman" panose="02020603050405020304" pitchFamily="18" charset="0"/>
-              </a:rPr>
-              <a:t>- </a:t>
-            </a:r>
-            <a:r>
-              <a:rPr lang="en-US" dirty="0" err="1">
-                <a:solidFill>
-                  <a:schemeClr val="tx1"/>
-                </a:solidFill>
-                <a:latin typeface="Times New Roman" panose="02020603050405020304" pitchFamily="18" charset="0"/>
-                <a:cs typeface="Times New Roman" panose="02020603050405020304" pitchFamily="18" charset="0"/>
-              </a:rPr>
-              <a:t>Cơ</a:t>
-            </a:r>
-            <a:r>
-              <a:rPr lang="en-US" dirty="0">
-                <a:solidFill>
-                  <a:schemeClr val="tx1"/>
-                </a:solidFill>
-                <a:latin typeface="Times New Roman" panose="02020603050405020304" pitchFamily="18" charset="0"/>
-                <a:cs typeface="Times New Roman" panose="02020603050405020304" pitchFamily="18" charset="0"/>
-              </a:rPr>
-              <a:t> </a:t>
-            </a:r>
-            <a:r>
-              <a:rPr lang="en-US" dirty="0" err="1">
-                <a:solidFill>
-                  <a:schemeClr val="tx1"/>
-                </a:solidFill>
-                <a:latin typeface="Times New Roman" panose="02020603050405020304" pitchFamily="18" charset="0"/>
-                <a:cs typeface="Times New Roman" panose="02020603050405020304" pitchFamily="18" charset="0"/>
-              </a:rPr>
-              <a:t>sở</a:t>
-            </a:r>
-            <a:r>
-              <a:rPr lang="en-US" dirty="0">
-                <a:solidFill>
-                  <a:schemeClr val="tx1"/>
-                </a:solidFill>
-                <a:latin typeface="Times New Roman" panose="02020603050405020304" pitchFamily="18" charset="0"/>
-                <a:cs typeface="Times New Roman" panose="02020603050405020304" pitchFamily="18" charset="0"/>
-              </a:rPr>
-              <a:t> </a:t>
-            </a:r>
-            <a:r>
-              <a:rPr lang="en-US" dirty="0" err="1">
-                <a:solidFill>
-                  <a:schemeClr val="tx1"/>
-                </a:solidFill>
-                <a:latin typeface="Times New Roman" panose="02020603050405020304" pitchFamily="18" charset="0"/>
-                <a:cs typeface="Times New Roman" panose="02020603050405020304" pitchFamily="18" charset="0"/>
-              </a:rPr>
-              <a:t>vật</a:t>
-            </a:r>
-            <a:r>
-              <a:rPr lang="en-US" dirty="0">
-                <a:solidFill>
-                  <a:schemeClr val="tx1"/>
-                </a:solidFill>
-                <a:latin typeface="Times New Roman" panose="02020603050405020304" pitchFamily="18" charset="0"/>
-                <a:cs typeface="Times New Roman" panose="02020603050405020304" pitchFamily="18" charset="0"/>
-              </a:rPr>
-              <a:t> </a:t>
-            </a:r>
-            <a:r>
-              <a:rPr lang="en-US" dirty="0" err="1">
-                <a:solidFill>
-                  <a:schemeClr val="tx1"/>
-                </a:solidFill>
-                <a:latin typeface="Times New Roman" panose="02020603050405020304" pitchFamily="18" charset="0"/>
-                <a:cs typeface="Times New Roman" panose="02020603050405020304" pitchFamily="18" charset="0"/>
-              </a:rPr>
-              <a:t>chất</a:t>
-            </a:r>
-            <a:r>
-              <a:rPr lang="en-US" dirty="0">
-                <a:solidFill>
-                  <a:schemeClr val="tx1"/>
-                </a:solidFill>
-                <a:latin typeface="Times New Roman" panose="02020603050405020304" pitchFamily="18" charset="0"/>
-                <a:cs typeface="Times New Roman" panose="02020603050405020304" pitchFamily="18" charset="0"/>
-              </a:rPr>
-              <a:t> </a:t>
-            </a:r>
-            <a:r>
-              <a:rPr lang="en-US" dirty="0" err="1">
-                <a:solidFill>
-                  <a:schemeClr val="tx1"/>
-                </a:solidFill>
-                <a:latin typeface="Times New Roman" panose="02020603050405020304" pitchFamily="18" charset="0"/>
-                <a:cs typeface="Times New Roman" panose="02020603050405020304" pitchFamily="18" charset="0"/>
-              </a:rPr>
-              <a:t>chưa</a:t>
-            </a:r>
-            <a:r>
-              <a:rPr lang="en-US" dirty="0">
-                <a:solidFill>
-                  <a:schemeClr val="tx1"/>
-                </a:solidFill>
-                <a:latin typeface="Times New Roman" panose="02020603050405020304" pitchFamily="18" charset="0"/>
-                <a:cs typeface="Times New Roman" panose="02020603050405020304" pitchFamily="18" charset="0"/>
-              </a:rPr>
-              <a:t> </a:t>
-            </a:r>
-            <a:r>
-              <a:rPr lang="en-US" dirty="0" err="1">
-                <a:solidFill>
-                  <a:schemeClr val="tx1"/>
-                </a:solidFill>
-                <a:latin typeface="Times New Roman" panose="02020603050405020304" pitchFamily="18" charset="0"/>
-                <a:cs typeface="Times New Roman" panose="02020603050405020304" pitchFamily="18" charset="0"/>
-              </a:rPr>
-              <a:t>đủ</a:t>
-            </a:r>
-            <a:r>
-              <a:rPr lang="en-US" dirty="0">
-                <a:solidFill>
-                  <a:schemeClr val="tx1"/>
-                </a:solidFill>
-                <a:latin typeface="Times New Roman" panose="02020603050405020304" pitchFamily="18" charset="0"/>
-                <a:cs typeface="Times New Roman" panose="02020603050405020304" pitchFamily="18" charset="0"/>
-              </a:rPr>
-              <a:t> </a:t>
-            </a:r>
-            <a:r>
-              <a:rPr lang="en-US" dirty="0" err="1">
-                <a:solidFill>
-                  <a:schemeClr val="tx1"/>
-                </a:solidFill>
-                <a:latin typeface="Times New Roman" panose="02020603050405020304" pitchFamily="18" charset="0"/>
-                <a:cs typeface="Times New Roman" panose="02020603050405020304" pitchFamily="18" charset="0"/>
-              </a:rPr>
-              <a:t>tốt</a:t>
-            </a:r>
-            <a:r>
-              <a:rPr lang="en-US" dirty="0">
-                <a:solidFill>
-                  <a:schemeClr val="tx1"/>
-                </a:solidFill>
-                <a:latin typeface="Times New Roman" panose="02020603050405020304" pitchFamily="18" charset="0"/>
-                <a:cs typeface="Times New Roman" panose="02020603050405020304" pitchFamily="18" charset="0"/>
-              </a:rPr>
-              <a:t>.</a:t>
-            </a:r>
-          </a:p>
-          <a:p>
-            <a:pPr marL="0" indent="0">
-              <a:buNone/>
-            </a:pPr>
-            <a:r>
-              <a:rPr lang="en-US" dirty="0">
-                <a:solidFill>
-                  <a:schemeClr val="tx1"/>
-                </a:solidFill>
-                <a:latin typeface="Times New Roman" panose="02020603050405020304" pitchFamily="18" charset="0"/>
-                <a:cs typeface="Times New Roman" panose="02020603050405020304" pitchFamily="18" charset="0"/>
-              </a:rPr>
-              <a:t>- </a:t>
-            </a:r>
-            <a:r>
-              <a:rPr lang="en-US" dirty="0" err="1">
-                <a:solidFill>
-                  <a:schemeClr val="tx1"/>
-                </a:solidFill>
-                <a:latin typeface="Times New Roman" panose="02020603050405020304" pitchFamily="18" charset="0"/>
-                <a:cs typeface="Times New Roman" panose="02020603050405020304" pitchFamily="18" charset="0"/>
-              </a:rPr>
-              <a:t>Chưa</a:t>
-            </a:r>
-            <a:r>
-              <a:rPr lang="en-US" dirty="0">
-                <a:solidFill>
-                  <a:schemeClr val="tx1"/>
-                </a:solidFill>
-                <a:latin typeface="Times New Roman" panose="02020603050405020304" pitchFamily="18" charset="0"/>
-                <a:cs typeface="Times New Roman" panose="02020603050405020304" pitchFamily="18" charset="0"/>
-              </a:rPr>
-              <a:t> </a:t>
-            </a:r>
-            <a:r>
-              <a:rPr lang="en-US" dirty="0" err="1">
-                <a:solidFill>
-                  <a:schemeClr val="tx1"/>
-                </a:solidFill>
-                <a:latin typeface="Times New Roman" panose="02020603050405020304" pitchFamily="18" charset="0"/>
-                <a:cs typeface="Times New Roman" panose="02020603050405020304" pitchFamily="18" charset="0"/>
-              </a:rPr>
-              <a:t>quen</a:t>
-            </a:r>
-            <a:r>
-              <a:rPr lang="en-US" dirty="0">
-                <a:solidFill>
-                  <a:schemeClr val="tx1"/>
-                </a:solidFill>
-                <a:latin typeface="Times New Roman" panose="02020603050405020304" pitchFamily="18" charset="0"/>
-                <a:cs typeface="Times New Roman" panose="02020603050405020304" pitchFamily="18" charset="0"/>
-              </a:rPr>
-              <a:t> </a:t>
-            </a:r>
-            <a:r>
-              <a:rPr lang="en-US" dirty="0" err="1">
-                <a:solidFill>
-                  <a:schemeClr val="tx1"/>
-                </a:solidFill>
-                <a:latin typeface="Times New Roman" panose="02020603050405020304" pitchFamily="18" charset="0"/>
-                <a:cs typeface="Times New Roman" panose="02020603050405020304" pitchFamily="18" charset="0"/>
-              </a:rPr>
-              <a:t>với</a:t>
-            </a:r>
-            <a:r>
-              <a:rPr lang="en-US" dirty="0">
-                <a:solidFill>
-                  <a:schemeClr val="tx1"/>
-                </a:solidFill>
-                <a:latin typeface="Times New Roman" panose="02020603050405020304" pitchFamily="18" charset="0"/>
-                <a:cs typeface="Times New Roman" panose="02020603050405020304" pitchFamily="18" charset="0"/>
-              </a:rPr>
-              <a:t> </a:t>
-            </a:r>
-            <a:r>
-              <a:rPr lang="en-US" dirty="0" err="1">
-                <a:solidFill>
-                  <a:schemeClr val="tx1"/>
-                </a:solidFill>
-                <a:latin typeface="Times New Roman" panose="02020603050405020304" pitchFamily="18" charset="0"/>
-                <a:cs typeface="Times New Roman" panose="02020603050405020304" pitchFamily="18" charset="0"/>
-              </a:rPr>
-              <a:t>môi</a:t>
-            </a:r>
-            <a:r>
-              <a:rPr lang="en-US" dirty="0">
-                <a:solidFill>
-                  <a:schemeClr val="tx1"/>
-                </a:solidFill>
-                <a:latin typeface="Times New Roman" panose="02020603050405020304" pitchFamily="18" charset="0"/>
-                <a:cs typeface="Times New Roman" panose="02020603050405020304" pitchFamily="18" charset="0"/>
-              </a:rPr>
-              <a:t> </a:t>
-            </a:r>
-            <a:r>
-              <a:rPr lang="en-US" dirty="0" err="1">
-                <a:solidFill>
-                  <a:schemeClr val="tx1"/>
-                </a:solidFill>
-                <a:latin typeface="Times New Roman" panose="02020603050405020304" pitchFamily="18" charset="0"/>
-                <a:cs typeface="Times New Roman" panose="02020603050405020304" pitchFamily="18" charset="0"/>
-              </a:rPr>
-              <a:t>trường</a:t>
-            </a:r>
-            <a:r>
-              <a:rPr lang="en-US" dirty="0">
-                <a:solidFill>
-                  <a:schemeClr val="tx1"/>
-                </a:solidFill>
-                <a:latin typeface="Times New Roman" panose="02020603050405020304" pitchFamily="18" charset="0"/>
-                <a:cs typeface="Times New Roman" panose="02020603050405020304" pitchFamily="18" charset="0"/>
-              </a:rPr>
-              <a:t> </a:t>
-            </a:r>
-            <a:r>
-              <a:rPr lang="en-US" dirty="0" err="1">
-                <a:solidFill>
-                  <a:schemeClr val="tx1"/>
-                </a:solidFill>
-                <a:latin typeface="Times New Roman" panose="02020603050405020304" pitchFamily="18" charset="0"/>
-                <a:cs typeface="Times New Roman" panose="02020603050405020304" pitchFamily="18" charset="0"/>
-              </a:rPr>
-              <a:t>làm</a:t>
-            </a:r>
-            <a:r>
-              <a:rPr lang="en-US" dirty="0">
-                <a:solidFill>
-                  <a:schemeClr val="tx1"/>
-                </a:solidFill>
-                <a:latin typeface="Times New Roman" panose="02020603050405020304" pitchFamily="18" charset="0"/>
-                <a:cs typeface="Times New Roman" panose="02020603050405020304" pitchFamily="18" charset="0"/>
-              </a:rPr>
-              <a:t> </a:t>
-            </a:r>
-            <a:r>
-              <a:rPr lang="en-US" dirty="0" err="1">
-                <a:solidFill>
-                  <a:schemeClr val="tx1"/>
-                </a:solidFill>
-                <a:latin typeface="Times New Roman" panose="02020603050405020304" pitchFamily="18" charset="0"/>
-                <a:cs typeface="Times New Roman" panose="02020603050405020304" pitchFamily="18" charset="0"/>
-              </a:rPr>
-              <a:t>việc</a:t>
-            </a:r>
-            <a:r>
-              <a:rPr lang="en-US" dirty="0">
-                <a:solidFill>
-                  <a:schemeClr val="tx1"/>
-                </a:solidFill>
-                <a:latin typeface="Times New Roman" panose="02020603050405020304" pitchFamily="18" charset="0"/>
-                <a:cs typeface="Times New Roman" panose="02020603050405020304" pitchFamily="18" charset="0"/>
-              </a:rPr>
-              <a:t> Google </a:t>
-            </a:r>
-            <a:r>
-              <a:rPr lang="en-US" dirty="0" err="1">
-                <a:solidFill>
-                  <a:schemeClr val="tx1"/>
-                </a:solidFill>
-                <a:latin typeface="Times New Roman" panose="02020603050405020304" pitchFamily="18" charset="0"/>
-                <a:cs typeface="Times New Roman" panose="02020603050405020304" pitchFamily="18" charset="0"/>
-              </a:rPr>
-              <a:t>Colab</a:t>
-            </a:r>
-            <a:r>
-              <a:rPr lang="en-US" dirty="0">
-                <a:solidFill>
-                  <a:schemeClr val="tx1"/>
-                </a:solidFill>
-                <a:latin typeface="Times New Roman" panose="02020603050405020304" pitchFamily="18" charset="0"/>
-                <a:cs typeface="Times New Roman" panose="02020603050405020304" pitchFamily="18" charset="0"/>
-              </a:rPr>
-              <a:t> Service.</a:t>
-            </a:r>
-          </a:p>
-          <a:p>
-            <a:pPr marL="0" indent="0">
-              <a:buNone/>
-            </a:pPr>
-            <a:r>
-              <a:rPr lang="en-US" dirty="0">
-                <a:solidFill>
-                  <a:schemeClr val="tx1"/>
-                </a:solidFill>
-                <a:latin typeface="Times New Roman" panose="02020603050405020304" pitchFamily="18" charset="0"/>
-                <a:cs typeface="Times New Roman" panose="02020603050405020304" pitchFamily="18" charset="0"/>
-              </a:rPr>
-              <a:t>- </a:t>
-            </a:r>
-            <a:r>
-              <a:rPr lang="en-US" dirty="0" err="1">
-                <a:solidFill>
-                  <a:schemeClr val="tx1"/>
-                </a:solidFill>
-                <a:latin typeface="Times New Roman" panose="02020603050405020304" pitchFamily="18" charset="0"/>
-                <a:cs typeface="Times New Roman" panose="02020603050405020304" pitchFamily="18" charset="0"/>
-              </a:rPr>
-              <a:t>Ch</a:t>
-            </a:r>
-            <a:r>
-              <a:rPr lang="vi-VN" dirty="0">
-                <a:solidFill>
-                  <a:schemeClr val="tx1"/>
-                </a:solidFill>
-                <a:latin typeface="Times New Roman" panose="02020603050405020304" pitchFamily="18" charset="0"/>
-                <a:cs typeface="Times New Roman" panose="02020603050405020304" pitchFamily="18" charset="0"/>
-              </a:rPr>
-              <a:t>ư</a:t>
-            </a:r>
-            <a:r>
-              <a:rPr lang="en-US" dirty="0">
-                <a:solidFill>
-                  <a:schemeClr val="tx1"/>
-                </a:solidFill>
-                <a:latin typeface="Times New Roman" panose="02020603050405020304" pitchFamily="18" charset="0"/>
-                <a:cs typeface="Times New Roman" panose="02020603050405020304" pitchFamily="18" charset="0"/>
-              </a:rPr>
-              <a:t>a </a:t>
-            </a:r>
-            <a:r>
-              <a:rPr lang="en-US" dirty="0" err="1">
-                <a:solidFill>
-                  <a:schemeClr val="tx1"/>
-                </a:solidFill>
-                <a:latin typeface="Times New Roman" panose="02020603050405020304" pitchFamily="18" charset="0"/>
-                <a:cs typeface="Times New Roman" panose="02020603050405020304" pitchFamily="18" charset="0"/>
-              </a:rPr>
-              <a:t>có</a:t>
-            </a:r>
-            <a:r>
-              <a:rPr lang="en-US" dirty="0">
-                <a:solidFill>
-                  <a:schemeClr val="tx1"/>
-                </a:solidFill>
-                <a:latin typeface="Times New Roman" panose="02020603050405020304" pitchFamily="18" charset="0"/>
-                <a:cs typeface="Times New Roman" panose="02020603050405020304" pitchFamily="18" charset="0"/>
-              </a:rPr>
-              <a:t> </a:t>
-            </a:r>
-            <a:r>
-              <a:rPr lang="en-US" dirty="0" err="1">
-                <a:solidFill>
-                  <a:schemeClr val="tx1"/>
-                </a:solidFill>
-                <a:latin typeface="Times New Roman" panose="02020603050405020304" pitchFamily="18" charset="0"/>
-                <a:cs typeface="Times New Roman" panose="02020603050405020304" pitchFamily="18" charset="0"/>
-              </a:rPr>
-              <a:t>kinh</a:t>
-            </a:r>
-            <a:r>
-              <a:rPr lang="en-US" dirty="0">
-                <a:solidFill>
-                  <a:schemeClr val="tx1"/>
-                </a:solidFill>
-                <a:latin typeface="Times New Roman" panose="02020603050405020304" pitchFamily="18" charset="0"/>
-                <a:cs typeface="Times New Roman" panose="02020603050405020304" pitchFamily="18" charset="0"/>
-              </a:rPr>
-              <a:t> </a:t>
-            </a:r>
-            <a:r>
-              <a:rPr lang="en-US" dirty="0" err="1">
-                <a:solidFill>
-                  <a:schemeClr val="tx1"/>
-                </a:solidFill>
-                <a:latin typeface="Times New Roman" panose="02020603050405020304" pitchFamily="18" charset="0"/>
-                <a:cs typeface="Times New Roman" panose="02020603050405020304" pitchFamily="18" charset="0"/>
-              </a:rPr>
-              <a:t>nghiệm</a:t>
-            </a:r>
-            <a:r>
-              <a:rPr lang="en-US" dirty="0">
-                <a:solidFill>
-                  <a:schemeClr val="tx1"/>
-                </a:solidFill>
-                <a:latin typeface="Times New Roman" panose="02020603050405020304" pitchFamily="18" charset="0"/>
-                <a:cs typeface="Times New Roman" panose="02020603050405020304" pitchFamily="18" charset="0"/>
-              </a:rPr>
-              <a:t> </a:t>
-            </a:r>
-            <a:r>
-              <a:rPr lang="en-US" dirty="0" err="1">
-                <a:solidFill>
-                  <a:schemeClr val="tx1"/>
-                </a:solidFill>
-                <a:latin typeface="Times New Roman" panose="02020603050405020304" pitchFamily="18" charset="0"/>
-                <a:cs typeface="Times New Roman" panose="02020603050405020304" pitchFamily="18" charset="0"/>
-              </a:rPr>
-              <a:t>khi</a:t>
-            </a:r>
-            <a:r>
-              <a:rPr lang="en-US" dirty="0">
-                <a:solidFill>
-                  <a:schemeClr val="tx1"/>
-                </a:solidFill>
-                <a:latin typeface="Times New Roman" panose="02020603050405020304" pitchFamily="18" charset="0"/>
-                <a:cs typeface="Times New Roman" panose="02020603050405020304" pitchFamily="18" charset="0"/>
-              </a:rPr>
-              <a:t> </a:t>
-            </a:r>
-            <a:r>
-              <a:rPr lang="en-US" dirty="0" err="1">
-                <a:solidFill>
-                  <a:schemeClr val="tx1"/>
-                </a:solidFill>
-                <a:latin typeface="Times New Roman" panose="02020603050405020304" pitchFamily="18" charset="0"/>
-                <a:cs typeface="Times New Roman" panose="02020603050405020304" pitchFamily="18" charset="0"/>
-              </a:rPr>
-              <a:t>tiến</a:t>
-            </a:r>
-            <a:r>
-              <a:rPr lang="en-US" dirty="0">
-                <a:solidFill>
-                  <a:schemeClr val="tx1"/>
-                </a:solidFill>
-                <a:latin typeface="Times New Roman" panose="02020603050405020304" pitchFamily="18" charset="0"/>
-                <a:cs typeface="Times New Roman" panose="02020603050405020304" pitchFamily="18" charset="0"/>
-              </a:rPr>
-              <a:t> </a:t>
-            </a:r>
-            <a:r>
-              <a:rPr lang="en-US" dirty="0" err="1">
-                <a:solidFill>
-                  <a:schemeClr val="tx1"/>
-                </a:solidFill>
-                <a:latin typeface="Times New Roman" panose="02020603050405020304" pitchFamily="18" charset="0"/>
-                <a:cs typeface="Times New Roman" panose="02020603050405020304" pitchFamily="18" charset="0"/>
-              </a:rPr>
-              <a:t>hành</a:t>
-            </a:r>
-            <a:r>
-              <a:rPr lang="en-US" dirty="0">
-                <a:solidFill>
-                  <a:schemeClr val="tx1"/>
-                </a:solidFill>
-                <a:latin typeface="Times New Roman" panose="02020603050405020304" pitchFamily="18" charset="0"/>
-                <a:cs typeface="Times New Roman" panose="02020603050405020304" pitchFamily="18" charset="0"/>
-              </a:rPr>
-              <a:t> </a:t>
-            </a:r>
-            <a:r>
-              <a:rPr lang="en-US" dirty="0" err="1">
-                <a:solidFill>
-                  <a:schemeClr val="tx1"/>
-                </a:solidFill>
-                <a:latin typeface="Times New Roman" panose="02020603050405020304" pitchFamily="18" charset="0"/>
-                <a:cs typeface="Times New Roman" panose="02020603050405020304" pitchFamily="18" charset="0"/>
-              </a:rPr>
-              <a:t>thực</a:t>
-            </a:r>
-            <a:r>
-              <a:rPr lang="en-US" dirty="0">
-                <a:solidFill>
-                  <a:schemeClr val="tx1"/>
-                </a:solidFill>
-                <a:latin typeface="Times New Roman" panose="02020603050405020304" pitchFamily="18" charset="0"/>
-                <a:cs typeface="Times New Roman" panose="02020603050405020304" pitchFamily="18" charset="0"/>
-              </a:rPr>
-              <a:t> </a:t>
-            </a:r>
-            <a:r>
-              <a:rPr lang="en-US" dirty="0" err="1">
-                <a:solidFill>
-                  <a:schemeClr val="tx1"/>
-                </a:solidFill>
-                <a:latin typeface="Times New Roman" panose="02020603050405020304" pitchFamily="18" charset="0"/>
-                <a:cs typeface="Times New Roman" panose="02020603050405020304" pitchFamily="18" charset="0"/>
-              </a:rPr>
-              <a:t>nghiệm</a:t>
-            </a:r>
-            <a:r>
-              <a:rPr lang="en-US" dirty="0">
-                <a:solidFill>
-                  <a:schemeClr val="tx1"/>
-                </a:solidFill>
-                <a:latin typeface="Times New Roman" panose="02020603050405020304" pitchFamily="18" charset="0"/>
-                <a:cs typeface="Times New Roman" panose="02020603050405020304" pitchFamily="18" charset="0"/>
-              </a:rPr>
-              <a:t>.</a:t>
-            </a:r>
-          </a:p>
-          <a:p>
-            <a:pPr marL="0" indent="0">
-              <a:buNone/>
-            </a:pPr>
-            <a:r>
-              <a:rPr lang="en-US" dirty="0">
-                <a:solidFill>
-                  <a:schemeClr val="tx1"/>
-                </a:solidFill>
-                <a:latin typeface="Times New Roman" panose="02020603050405020304" pitchFamily="18" charset="0"/>
-                <a:cs typeface="Times New Roman" panose="02020603050405020304" pitchFamily="18" charset="0"/>
-              </a:rPr>
-              <a:t>- </a:t>
-            </a:r>
-            <a:r>
-              <a:rPr lang="en-US" dirty="0" err="1">
-                <a:solidFill>
-                  <a:schemeClr val="tx1"/>
-                </a:solidFill>
-                <a:latin typeface="Times New Roman" panose="02020603050405020304" pitchFamily="18" charset="0"/>
-                <a:cs typeface="Times New Roman" panose="02020603050405020304" pitchFamily="18" charset="0"/>
-              </a:rPr>
-              <a:t>Kết</a:t>
-            </a:r>
-            <a:r>
-              <a:rPr lang="en-US" dirty="0">
-                <a:solidFill>
-                  <a:schemeClr val="tx1"/>
-                </a:solidFill>
-                <a:latin typeface="Times New Roman" panose="02020603050405020304" pitchFamily="18" charset="0"/>
-                <a:cs typeface="Times New Roman" panose="02020603050405020304" pitchFamily="18" charset="0"/>
-              </a:rPr>
-              <a:t> </a:t>
-            </a:r>
-            <a:r>
-              <a:rPr lang="en-US" dirty="0" err="1">
-                <a:solidFill>
-                  <a:schemeClr val="tx1"/>
-                </a:solidFill>
-                <a:latin typeface="Times New Roman" panose="02020603050405020304" pitchFamily="18" charset="0"/>
-                <a:cs typeface="Times New Roman" panose="02020603050405020304" pitchFamily="18" charset="0"/>
-              </a:rPr>
-              <a:t>quả</a:t>
-            </a:r>
-            <a:r>
-              <a:rPr lang="en-US" dirty="0">
-                <a:solidFill>
-                  <a:schemeClr val="tx1"/>
-                </a:solidFill>
-                <a:latin typeface="Times New Roman" panose="02020603050405020304" pitchFamily="18" charset="0"/>
-                <a:cs typeface="Times New Roman" panose="02020603050405020304" pitchFamily="18" charset="0"/>
-              </a:rPr>
-              <a:t> </a:t>
-            </a:r>
-            <a:r>
-              <a:rPr lang="en-US" dirty="0" err="1">
-                <a:solidFill>
-                  <a:schemeClr val="tx1"/>
-                </a:solidFill>
-                <a:latin typeface="Times New Roman" panose="02020603050405020304" pitchFamily="18" charset="0"/>
-                <a:cs typeface="Times New Roman" panose="02020603050405020304" pitchFamily="18" charset="0"/>
-              </a:rPr>
-              <a:t>trong</a:t>
-            </a:r>
-            <a:r>
-              <a:rPr lang="en-US" dirty="0">
-                <a:solidFill>
-                  <a:schemeClr val="tx1"/>
-                </a:solidFill>
-                <a:latin typeface="Times New Roman" panose="02020603050405020304" pitchFamily="18" charset="0"/>
-                <a:cs typeface="Times New Roman" panose="02020603050405020304" pitchFamily="18" charset="0"/>
-              </a:rPr>
-              <a:t> </a:t>
-            </a:r>
-            <a:r>
-              <a:rPr lang="en-US" dirty="0" err="1">
-                <a:solidFill>
-                  <a:schemeClr val="tx1"/>
-                </a:solidFill>
-                <a:latin typeface="Times New Roman" panose="02020603050405020304" pitchFamily="18" charset="0"/>
-                <a:cs typeface="Times New Roman" panose="02020603050405020304" pitchFamily="18" charset="0"/>
-              </a:rPr>
-              <a:t>việc</a:t>
-            </a:r>
-            <a:r>
-              <a:rPr lang="en-US" dirty="0">
-                <a:solidFill>
-                  <a:schemeClr val="tx1"/>
-                </a:solidFill>
-                <a:latin typeface="Times New Roman" panose="02020603050405020304" pitchFamily="18" charset="0"/>
-                <a:cs typeface="Times New Roman" panose="02020603050405020304" pitchFamily="18" charset="0"/>
-              </a:rPr>
-              <a:t> </a:t>
-            </a:r>
-            <a:r>
-              <a:rPr lang="en-US" dirty="0" err="1">
-                <a:solidFill>
-                  <a:schemeClr val="tx1"/>
-                </a:solidFill>
-                <a:latin typeface="Times New Roman" panose="02020603050405020304" pitchFamily="18" charset="0"/>
-                <a:cs typeface="Times New Roman" panose="02020603050405020304" pitchFamily="18" charset="0"/>
-              </a:rPr>
-              <a:t>thực</a:t>
-            </a:r>
-            <a:r>
-              <a:rPr lang="en-US" dirty="0">
-                <a:solidFill>
-                  <a:schemeClr val="tx1"/>
-                </a:solidFill>
-                <a:latin typeface="Times New Roman" panose="02020603050405020304" pitchFamily="18" charset="0"/>
-                <a:cs typeface="Times New Roman" panose="02020603050405020304" pitchFamily="18" charset="0"/>
-              </a:rPr>
-              <a:t> </a:t>
-            </a:r>
-            <a:r>
-              <a:rPr lang="en-US" dirty="0" err="1">
-                <a:solidFill>
-                  <a:schemeClr val="tx1"/>
-                </a:solidFill>
-                <a:latin typeface="Times New Roman" panose="02020603050405020304" pitchFamily="18" charset="0"/>
-                <a:cs typeface="Times New Roman" panose="02020603050405020304" pitchFamily="18" charset="0"/>
-              </a:rPr>
-              <a:t>nghiệm</a:t>
-            </a:r>
-            <a:r>
-              <a:rPr lang="en-US" dirty="0">
-                <a:solidFill>
-                  <a:schemeClr val="tx1"/>
-                </a:solidFill>
-                <a:latin typeface="Times New Roman" panose="02020603050405020304" pitchFamily="18" charset="0"/>
-                <a:cs typeface="Times New Roman" panose="02020603050405020304" pitchFamily="18" charset="0"/>
-              </a:rPr>
-              <a:t> </a:t>
-            </a:r>
-            <a:r>
-              <a:rPr lang="en-US" dirty="0" err="1">
-                <a:solidFill>
-                  <a:schemeClr val="tx1"/>
-                </a:solidFill>
-                <a:latin typeface="Times New Roman" panose="02020603050405020304" pitchFamily="18" charset="0"/>
-                <a:cs typeface="Times New Roman" panose="02020603050405020304" pitchFamily="18" charset="0"/>
-              </a:rPr>
-              <a:t>chưa</a:t>
-            </a:r>
-            <a:r>
-              <a:rPr lang="en-US" dirty="0">
-                <a:solidFill>
-                  <a:schemeClr val="tx1"/>
-                </a:solidFill>
-                <a:latin typeface="Times New Roman" panose="02020603050405020304" pitchFamily="18" charset="0"/>
-                <a:cs typeface="Times New Roman" panose="02020603050405020304" pitchFamily="18" charset="0"/>
-              </a:rPr>
-              <a:t> </a:t>
-            </a:r>
-            <a:r>
-              <a:rPr lang="en-US" dirty="0" err="1">
-                <a:solidFill>
-                  <a:schemeClr val="tx1"/>
-                </a:solidFill>
-                <a:latin typeface="Times New Roman" panose="02020603050405020304" pitchFamily="18" charset="0"/>
-                <a:cs typeface="Times New Roman" panose="02020603050405020304" pitchFamily="18" charset="0"/>
-              </a:rPr>
-              <a:t>thật</a:t>
-            </a:r>
-            <a:r>
-              <a:rPr lang="en-US" dirty="0">
-                <a:solidFill>
-                  <a:schemeClr val="tx1"/>
-                </a:solidFill>
-                <a:latin typeface="Times New Roman" panose="02020603050405020304" pitchFamily="18" charset="0"/>
-                <a:cs typeface="Times New Roman" panose="02020603050405020304" pitchFamily="18" charset="0"/>
-              </a:rPr>
-              <a:t> </a:t>
-            </a:r>
-            <a:r>
-              <a:rPr lang="en-US" dirty="0" err="1">
-                <a:solidFill>
-                  <a:schemeClr val="tx1"/>
-                </a:solidFill>
-                <a:latin typeface="Times New Roman" panose="02020603050405020304" pitchFamily="18" charset="0"/>
-                <a:cs typeface="Times New Roman" panose="02020603050405020304" pitchFamily="18" charset="0"/>
-              </a:rPr>
-              <a:t>sự</a:t>
-            </a:r>
-            <a:r>
-              <a:rPr lang="en-US" dirty="0">
-                <a:solidFill>
-                  <a:schemeClr val="tx1"/>
-                </a:solidFill>
-                <a:latin typeface="Times New Roman" panose="02020603050405020304" pitchFamily="18" charset="0"/>
-                <a:cs typeface="Times New Roman" panose="02020603050405020304" pitchFamily="18" charset="0"/>
-              </a:rPr>
-              <a:t> </a:t>
-            </a:r>
-            <a:r>
-              <a:rPr lang="en-US" dirty="0" err="1">
-                <a:solidFill>
-                  <a:schemeClr val="tx1"/>
-                </a:solidFill>
-                <a:latin typeface="Times New Roman" panose="02020603050405020304" pitchFamily="18" charset="0"/>
-                <a:cs typeface="Times New Roman" panose="02020603050405020304" pitchFamily="18" charset="0"/>
-              </a:rPr>
-              <a:t>được</a:t>
-            </a:r>
-            <a:r>
-              <a:rPr lang="en-US" dirty="0">
-                <a:solidFill>
-                  <a:schemeClr val="tx1"/>
-                </a:solidFill>
-                <a:latin typeface="Times New Roman" panose="02020603050405020304" pitchFamily="18" charset="0"/>
-                <a:cs typeface="Times New Roman" panose="02020603050405020304" pitchFamily="18" charset="0"/>
-              </a:rPr>
-              <a:t> </a:t>
-            </a:r>
-            <a:r>
-              <a:rPr lang="en-US" dirty="0" err="1">
-                <a:solidFill>
-                  <a:schemeClr val="tx1"/>
-                </a:solidFill>
-                <a:latin typeface="Times New Roman" panose="02020603050405020304" pitchFamily="18" charset="0"/>
-                <a:cs typeface="Times New Roman" panose="02020603050405020304" pitchFamily="18" charset="0"/>
-              </a:rPr>
-              <a:t>như</a:t>
-            </a:r>
-            <a:r>
-              <a:rPr lang="en-US" dirty="0">
-                <a:solidFill>
-                  <a:schemeClr val="tx1"/>
-                </a:solidFill>
-                <a:latin typeface="Times New Roman" panose="02020603050405020304" pitchFamily="18" charset="0"/>
-                <a:cs typeface="Times New Roman" panose="02020603050405020304" pitchFamily="18" charset="0"/>
-              </a:rPr>
-              <a:t> </a:t>
-            </a:r>
-            <a:r>
-              <a:rPr lang="en-US" dirty="0" err="1">
-                <a:solidFill>
-                  <a:schemeClr val="tx1"/>
-                </a:solidFill>
-                <a:latin typeface="Times New Roman" panose="02020603050405020304" pitchFamily="18" charset="0"/>
-                <a:cs typeface="Times New Roman" panose="02020603050405020304" pitchFamily="18" charset="0"/>
-              </a:rPr>
-              <a:t>mong</a:t>
-            </a:r>
-            <a:r>
-              <a:rPr lang="en-US" dirty="0">
-                <a:solidFill>
-                  <a:schemeClr val="tx1"/>
-                </a:solidFill>
-                <a:latin typeface="Times New Roman" panose="02020603050405020304" pitchFamily="18" charset="0"/>
-                <a:cs typeface="Times New Roman" panose="02020603050405020304" pitchFamily="18" charset="0"/>
-              </a:rPr>
-              <a:t> </a:t>
-            </a:r>
-            <a:r>
-              <a:rPr lang="en-US" dirty="0" err="1">
-                <a:solidFill>
-                  <a:schemeClr val="tx1"/>
-                </a:solidFill>
-                <a:latin typeface="Times New Roman" panose="02020603050405020304" pitchFamily="18" charset="0"/>
-                <a:cs typeface="Times New Roman" panose="02020603050405020304" pitchFamily="18" charset="0"/>
-              </a:rPr>
-              <a:t>muốn</a:t>
-            </a:r>
-            <a:r>
-              <a:rPr lang="en-US" dirty="0">
-                <a:solidFill>
-                  <a:schemeClr val="tx1"/>
-                </a:solidFill>
-                <a:latin typeface="Times New Roman" panose="02020603050405020304" pitchFamily="18" charset="0"/>
-                <a:cs typeface="Times New Roman" panose="02020603050405020304" pitchFamily="18" charset="0"/>
-              </a:rPr>
-              <a:t>, </a:t>
-            </a:r>
-            <a:r>
-              <a:rPr lang="en-US" dirty="0" err="1">
-                <a:solidFill>
-                  <a:schemeClr val="tx1"/>
-                </a:solidFill>
-                <a:latin typeface="Times New Roman" panose="02020603050405020304" pitchFamily="18" charset="0"/>
-                <a:cs typeface="Times New Roman" panose="02020603050405020304" pitchFamily="18" charset="0"/>
-              </a:rPr>
-              <a:t>nguyên</a:t>
-            </a:r>
-            <a:r>
-              <a:rPr lang="en-US" dirty="0">
-                <a:solidFill>
-                  <a:schemeClr val="tx1"/>
-                </a:solidFill>
-                <a:latin typeface="Times New Roman" panose="02020603050405020304" pitchFamily="18" charset="0"/>
-                <a:cs typeface="Times New Roman" panose="02020603050405020304" pitchFamily="18" charset="0"/>
-              </a:rPr>
-              <a:t> </a:t>
-            </a:r>
-            <a:r>
-              <a:rPr lang="en-US" dirty="0" err="1">
-                <a:solidFill>
-                  <a:schemeClr val="tx1"/>
-                </a:solidFill>
-                <a:latin typeface="Times New Roman" panose="02020603050405020304" pitchFamily="18" charset="0"/>
-                <a:cs typeface="Times New Roman" panose="02020603050405020304" pitchFamily="18" charset="0"/>
-              </a:rPr>
-              <a:t>nhân</a:t>
-            </a:r>
-            <a:r>
-              <a:rPr lang="en-US" dirty="0">
-                <a:solidFill>
-                  <a:schemeClr val="tx1"/>
-                </a:solidFill>
-                <a:latin typeface="Times New Roman" panose="02020603050405020304" pitchFamily="18" charset="0"/>
-                <a:cs typeface="Times New Roman" panose="02020603050405020304" pitchFamily="18" charset="0"/>
-              </a:rPr>
-              <a:t> </a:t>
-            </a:r>
-            <a:r>
-              <a:rPr lang="en-US" dirty="0" err="1">
-                <a:solidFill>
-                  <a:schemeClr val="tx1"/>
-                </a:solidFill>
-                <a:latin typeface="Times New Roman" panose="02020603050405020304" pitchFamily="18" charset="0"/>
-                <a:cs typeface="Times New Roman" panose="02020603050405020304" pitchFamily="18" charset="0"/>
-              </a:rPr>
-              <a:t>chủ</a:t>
-            </a:r>
-            <a:r>
-              <a:rPr lang="en-US" dirty="0">
-                <a:solidFill>
-                  <a:schemeClr val="tx1"/>
-                </a:solidFill>
-                <a:latin typeface="Times New Roman" panose="02020603050405020304" pitchFamily="18" charset="0"/>
-                <a:cs typeface="Times New Roman" panose="02020603050405020304" pitchFamily="18" charset="0"/>
-              </a:rPr>
-              <a:t> </a:t>
-            </a:r>
-            <a:r>
-              <a:rPr lang="en-US" dirty="0" err="1">
-                <a:solidFill>
-                  <a:schemeClr val="tx1"/>
-                </a:solidFill>
-                <a:latin typeface="Times New Roman" panose="02020603050405020304" pitchFamily="18" charset="0"/>
-                <a:cs typeface="Times New Roman" panose="02020603050405020304" pitchFamily="18" charset="0"/>
-              </a:rPr>
-              <a:t>yếu</a:t>
-            </a:r>
-            <a:r>
-              <a:rPr lang="en-US" dirty="0">
-                <a:solidFill>
-                  <a:schemeClr val="tx1"/>
-                </a:solidFill>
-                <a:latin typeface="Times New Roman" panose="02020603050405020304" pitchFamily="18" charset="0"/>
-                <a:cs typeface="Times New Roman" panose="02020603050405020304" pitchFamily="18" charset="0"/>
-              </a:rPr>
-              <a:t> do dataset </a:t>
-            </a:r>
-            <a:r>
-              <a:rPr lang="en-US" dirty="0" err="1">
-                <a:solidFill>
-                  <a:schemeClr val="tx1"/>
-                </a:solidFill>
-                <a:latin typeface="Times New Roman" panose="02020603050405020304" pitchFamily="18" charset="0"/>
-                <a:cs typeface="Times New Roman" panose="02020603050405020304" pitchFamily="18" charset="0"/>
-              </a:rPr>
-              <a:t>quá</a:t>
-            </a:r>
-            <a:r>
-              <a:rPr lang="en-US" dirty="0">
-                <a:solidFill>
-                  <a:schemeClr val="tx1"/>
-                </a:solidFill>
-                <a:latin typeface="Times New Roman" panose="02020603050405020304" pitchFamily="18" charset="0"/>
-                <a:cs typeface="Times New Roman" panose="02020603050405020304" pitchFamily="18" charset="0"/>
-              </a:rPr>
-              <a:t> </a:t>
-            </a:r>
-            <a:r>
-              <a:rPr lang="en-US" dirty="0" err="1">
-                <a:solidFill>
-                  <a:schemeClr val="tx1"/>
-                </a:solidFill>
-                <a:latin typeface="Times New Roman" panose="02020603050405020304" pitchFamily="18" charset="0"/>
-                <a:cs typeface="Times New Roman" panose="02020603050405020304" pitchFamily="18" charset="0"/>
-              </a:rPr>
-              <a:t>nhiều</a:t>
-            </a:r>
-            <a:r>
-              <a:rPr lang="en-US" dirty="0">
-                <a:solidFill>
-                  <a:schemeClr val="tx1"/>
-                </a:solidFill>
-                <a:latin typeface="Times New Roman" panose="02020603050405020304" pitchFamily="18" charset="0"/>
-                <a:cs typeface="Times New Roman" panose="02020603050405020304" pitchFamily="18" charset="0"/>
-              </a:rPr>
-              <a:t>.</a:t>
-            </a:r>
-          </a:p>
-          <a:p>
-            <a:endParaRPr lang="en-US" dirty="0"/>
+            <a:endParaRPr lang="en-US"/>
           </a:p>
         </p:txBody>
       </p:sp>
     </p:spTree>
     <p:extLst>
       <p:ext uri="{BB962C8B-B14F-4D97-AF65-F5344CB8AC3E}">
-        <p14:creationId xmlns:p14="http://schemas.microsoft.com/office/powerpoint/2010/main" val="1745079219"/>
+        <p14:creationId xmlns:p14="http://schemas.microsoft.com/office/powerpoint/2010/main" val="1981984595"/>
       </p:ext>
     </p:extLst>
   </p:cSld>
   <p:clrMapOvr>
     <a:masterClrMapping/>
   </p:clrMapOvr>
-  <p:timing>
-    <p:tnLst>
-      <p:par>
-        <p:cTn id="1" dur="indefinite" restart="never" nodeType="tmRoot"/>
-      </p:par>
-    </p:tnLst>
-  </p:timing>
 </p:sld>
 </file>
 
@@ -9354,11 +7591,2833 @@
           <a:lstStyle/>
           <a:p>
             <a:r>
+              <a:rPr lang="en-US" dirty="0">
+                <a:latin typeface="Times New Roman" panose="02020603050405020304" pitchFamily="18" charset="0"/>
+                <a:cs typeface="Times New Roman" panose="02020603050405020304" pitchFamily="18" charset="0"/>
+              </a:rPr>
+              <a:t>5</a:t>
+            </a:r>
+            <a:r>
               <a:rPr lang="en-US" dirty="0" smtClean="0">
                 <a:latin typeface="Times New Roman" panose="02020603050405020304" pitchFamily="18" charset="0"/>
                 <a:cs typeface="Times New Roman" panose="02020603050405020304" pitchFamily="18" charset="0"/>
               </a:rPr>
-              <a:t>4. </a:t>
+              <a:t>. TỔNG KẾT &amp; HƯỚNG PHÁT TRIỂN</a:t>
+            </a:r>
+            <a:endParaRPr lang="en-US" dirty="0"/>
+          </a:p>
+        </p:txBody>
+      </p:sp>
+      <p:sp>
+        <p:nvSpPr>
+          <p:cNvPr id="3" name="Content Placeholder 2"/>
+          <p:cNvSpPr>
+            <a:spLocks noGrp="1"/>
+          </p:cNvSpPr>
+          <p:nvPr>
+            <p:ph idx="1"/>
+          </p:nvPr>
+        </p:nvSpPr>
+        <p:spPr>
+          <a:xfrm>
+            <a:off x="677334" y="2096194"/>
+            <a:ext cx="8596668" cy="3880773"/>
+          </a:xfrm>
+        </p:spPr>
+        <p:txBody>
+          <a:bodyPr/>
+          <a:lstStyle/>
+          <a:p>
+            <a:r>
+              <a:rPr lang="en-US" b="1" dirty="0" smtClean="0">
+                <a:solidFill>
+                  <a:schemeClr val="tx1"/>
+                </a:solidFill>
+                <a:latin typeface="Times New Roman" panose="02020603050405020304" pitchFamily="18" charset="0"/>
+                <a:cs typeface="Times New Roman" panose="02020603050405020304" pitchFamily="18" charset="0"/>
+              </a:rPr>
+              <a:t>CÁC CÔNG VIỆC ĐÃ THỰC HIỆN:</a:t>
+            </a:r>
+            <a:endParaRPr lang="en-US" b="1" dirty="0">
+              <a:solidFill>
+                <a:schemeClr val="tx1"/>
+              </a:solidFill>
+              <a:latin typeface="Times New Roman" panose="02020603050405020304" pitchFamily="18" charset="0"/>
+              <a:cs typeface="Times New Roman" panose="02020603050405020304" pitchFamily="18" charset="0"/>
+            </a:endParaRPr>
+          </a:p>
+          <a:p>
+            <a:pPr marL="0" indent="0">
+              <a:buNone/>
+            </a:pPr>
+            <a:r>
+              <a:rPr lang="en-US" dirty="0">
+                <a:solidFill>
+                  <a:schemeClr val="tx1"/>
+                </a:solidFill>
+                <a:latin typeface="Times New Roman" panose="02020603050405020304" pitchFamily="18" charset="0"/>
+                <a:cs typeface="Times New Roman" panose="02020603050405020304" pitchFamily="18" charset="0"/>
+              </a:rPr>
+              <a:t>- </a:t>
+            </a:r>
+            <a:r>
+              <a:rPr lang="en-US" dirty="0" err="1">
+                <a:solidFill>
+                  <a:schemeClr val="tx1"/>
+                </a:solidFill>
+                <a:latin typeface="Times New Roman" panose="02020603050405020304" pitchFamily="18" charset="0"/>
+                <a:cs typeface="Times New Roman" panose="02020603050405020304" pitchFamily="18" charset="0"/>
+              </a:rPr>
+              <a:t>Nghiên</a:t>
+            </a:r>
+            <a:r>
+              <a:rPr lang="en-US" dirty="0">
+                <a:solidFill>
+                  <a:schemeClr val="tx1"/>
+                </a:solidFill>
+                <a:latin typeface="Times New Roman" panose="02020603050405020304" pitchFamily="18" charset="0"/>
+                <a:cs typeface="Times New Roman" panose="02020603050405020304" pitchFamily="18" charset="0"/>
+              </a:rPr>
+              <a:t> </a:t>
+            </a:r>
+            <a:r>
+              <a:rPr lang="en-US" dirty="0" err="1">
+                <a:solidFill>
+                  <a:schemeClr val="tx1"/>
+                </a:solidFill>
+                <a:latin typeface="Times New Roman" panose="02020603050405020304" pitchFamily="18" charset="0"/>
+                <a:cs typeface="Times New Roman" panose="02020603050405020304" pitchFamily="18" charset="0"/>
+              </a:rPr>
+              <a:t>cứu</a:t>
+            </a:r>
+            <a:r>
+              <a:rPr lang="en-US" dirty="0">
+                <a:solidFill>
+                  <a:schemeClr val="tx1"/>
+                </a:solidFill>
+                <a:latin typeface="Times New Roman" panose="02020603050405020304" pitchFamily="18" charset="0"/>
+                <a:cs typeface="Times New Roman" panose="02020603050405020304" pitchFamily="18" charset="0"/>
+              </a:rPr>
+              <a:t> </a:t>
+            </a:r>
+            <a:r>
+              <a:rPr lang="en-US" dirty="0" err="1">
+                <a:solidFill>
+                  <a:schemeClr val="tx1"/>
+                </a:solidFill>
+                <a:latin typeface="Times New Roman" panose="02020603050405020304" pitchFamily="18" charset="0"/>
+                <a:cs typeface="Times New Roman" panose="02020603050405020304" pitchFamily="18" charset="0"/>
+              </a:rPr>
+              <a:t>các</a:t>
+            </a:r>
+            <a:r>
+              <a:rPr lang="en-US" dirty="0">
+                <a:solidFill>
+                  <a:schemeClr val="tx1"/>
+                </a:solidFill>
+                <a:latin typeface="Times New Roman" panose="02020603050405020304" pitchFamily="18" charset="0"/>
+                <a:cs typeface="Times New Roman" panose="02020603050405020304" pitchFamily="18" charset="0"/>
+              </a:rPr>
+              <a:t> </a:t>
+            </a:r>
+            <a:r>
+              <a:rPr lang="en-US" dirty="0" err="1">
+                <a:solidFill>
+                  <a:schemeClr val="tx1"/>
+                </a:solidFill>
+                <a:latin typeface="Times New Roman" panose="02020603050405020304" pitchFamily="18" charset="0"/>
+                <a:cs typeface="Times New Roman" panose="02020603050405020304" pitchFamily="18" charset="0"/>
+              </a:rPr>
+              <a:t>mô</a:t>
+            </a:r>
+            <a:r>
+              <a:rPr lang="en-US" dirty="0">
+                <a:solidFill>
+                  <a:schemeClr val="tx1"/>
+                </a:solidFill>
+                <a:latin typeface="Times New Roman" panose="02020603050405020304" pitchFamily="18" charset="0"/>
+                <a:cs typeface="Times New Roman" panose="02020603050405020304" pitchFamily="18" charset="0"/>
+              </a:rPr>
+              <a:t> </a:t>
+            </a:r>
+            <a:r>
+              <a:rPr lang="en-US" dirty="0" err="1">
+                <a:solidFill>
+                  <a:schemeClr val="tx1"/>
+                </a:solidFill>
+                <a:latin typeface="Times New Roman" panose="02020603050405020304" pitchFamily="18" charset="0"/>
+                <a:cs typeface="Times New Roman" panose="02020603050405020304" pitchFamily="18" charset="0"/>
+              </a:rPr>
+              <a:t>hình</a:t>
+            </a:r>
+            <a:r>
+              <a:rPr lang="en-US" dirty="0">
+                <a:solidFill>
+                  <a:schemeClr val="tx1"/>
+                </a:solidFill>
+                <a:latin typeface="Times New Roman" panose="02020603050405020304" pitchFamily="18" charset="0"/>
+                <a:cs typeface="Times New Roman" panose="02020603050405020304" pitchFamily="18" charset="0"/>
+              </a:rPr>
+              <a:t> </a:t>
+            </a:r>
+            <a:r>
+              <a:rPr lang="en-US" dirty="0" err="1">
+                <a:solidFill>
+                  <a:schemeClr val="tx1"/>
+                </a:solidFill>
+                <a:latin typeface="Times New Roman" panose="02020603050405020304" pitchFamily="18" charset="0"/>
+                <a:cs typeface="Times New Roman" panose="02020603050405020304" pitchFamily="18" charset="0"/>
+              </a:rPr>
+              <a:t>để</a:t>
+            </a:r>
+            <a:r>
+              <a:rPr lang="en-US" dirty="0">
+                <a:solidFill>
+                  <a:schemeClr val="tx1"/>
+                </a:solidFill>
+                <a:latin typeface="Times New Roman" panose="02020603050405020304" pitchFamily="18" charset="0"/>
+                <a:cs typeface="Times New Roman" panose="02020603050405020304" pitchFamily="18" charset="0"/>
+              </a:rPr>
+              <a:t> </a:t>
+            </a:r>
+            <a:r>
+              <a:rPr lang="en-US" dirty="0" err="1">
+                <a:solidFill>
+                  <a:schemeClr val="tx1"/>
+                </a:solidFill>
+                <a:latin typeface="Times New Roman" panose="02020603050405020304" pitchFamily="18" charset="0"/>
+                <a:cs typeface="Times New Roman" panose="02020603050405020304" pitchFamily="18" charset="0"/>
+              </a:rPr>
+              <a:t>xử</a:t>
+            </a:r>
+            <a:r>
+              <a:rPr lang="en-US" dirty="0">
+                <a:solidFill>
+                  <a:schemeClr val="tx1"/>
+                </a:solidFill>
+                <a:latin typeface="Times New Roman" panose="02020603050405020304" pitchFamily="18" charset="0"/>
+                <a:cs typeface="Times New Roman" panose="02020603050405020304" pitchFamily="18" charset="0"/>
+              </a:rPr>
+              <a:t> </a:t>
+            </a:r>
+            <a:r>
+              <a:rPr lang="en-US" dirty="0" err="1">
+                <a:solidFill>
+                  <a:schemeClr val="tx1"/>
+                </a:solidFill>
+                <a:latin typeface="Times New Roman" panose="02020603050405020304" pitchFamily="18" charset="0"/>
+                <a:cs typeface="Times New Roman" panose="02020603050405020304" pitchFamily="18" charset="0"/>
+              </a:rPr>
+              <a:t>lý</a:t>
+            </a:r>
+            <a:r>
+              <a:rPr lang="en-US" dirty="0">
+                <a:solidFill>
+                  <a:schemeClr val="tx1"/>
+                </a:solidFill>
+                <a:latin typeface="Times New Roman" panose="02020603050405020304" pitchFamily="18" charset="0"/>
+                <a:cs typeface="Times New Roman" panose="02020603050405020304" pitchFamily="18" charset="0"/>
+              </a:rPr>
+              <a:t> </a:t>
+            </a:r>
+            <a:r>
+              <a:rPr lang="en-US" dirty="0" err="1">
+                <a:solidFill>
+                  <a:schemeClr val="tx1"/>
+                </a:solidFill>
+                <a:latin typeface="Times New Roman" panose="02020603050405020304" pitchFamily="18" charset="0"/>
+                <a:cs typeface="Times New Roman" panose="02020603050405020304" pitchFamily="18" charset="0"/>
+              </a:rPr>
+              <a:t>các</a:t>
+            </a:r>
+            <a:r>
+              <a:rPr lang="en-US" dirty="0">
+                <a:solidFill>
+                  <a:schemeClr val="tx1"/>
+                </a:solidFill>
+                <a:latin typeface="Times New Roman" panose="02020603050405020304" pitchFamily="18" charset="0"/>
+                <a:cs typeface="Times New Roman" panose="02020603050405020304" pitchFamily="18" charset="0"/>
+              </a:rPr>
+              <a:t> </a:t>
+            </a:r>
+            <a:r>
+              <a:rPr lang="en-US" dirty="0" err="1">
+                <a:solidFill>
+                  <a:schemeClr val="tx1"/>
+                </a:solidFill>
+                <a:latin typeface="Times New Roman" panose="02020603050405020304" pitchFamily="18" charset="0"/>
+                <a:cs typeface="Times New Roman" panose="02020603050405020304" pitchFamily="18" charset="0"/>
+              </a:rPr>
+              <a:t>bài</a:t>
+            </a:r>
+            <a:r>
+              <a:rPr lang="en-US" dirty="0">
+                <a:solidFill>
+                  <a:schemeClr val="tx1"/>
+                </a:solidFill>
+                <a:latin typeface="Times New Roman" panose="02020603050405020304" pitchFamily="18" charset="0"/>
+                <a:cs typeface="Times New Roman" panose="02020603050405020304" pitchFamily="18" charset="0"/>
+              </a:rPr>
+              <a:t> </a:t>
+            </a:r>
+            <a:r>
+              <a:rPr lang="en-US" dirty="0" err="1">
+                <a:solidFill>
+                  <a:schemeClr val="tx1"/>
+                </a:solidFill>
+                <a:latin typeface="Times New Roman" panose="02020603050405020304" pitchFamily="18" charset="0"/>
+                <a:cs typeface="Times New Roman" panose="02020603050405020304" pitchFamily="18" charset="0"/>
+              </a:rPr>
+              <a:t>toán</a:t>
+            </a:r>
+            <a:r>
+              <a:rPr lang="en-US" dirty="0">
+                <a:solidFill>
+                  <a:schemeClr val="tx1"/>
+                </a:solidFill>
+                <a:latin typeface="Times New Roman" panose="02020603050405020304" pitchFamily="18" charset="0"/>
+                <a:cs typeface="Times New Roman" panose="02020603050405020304" pitchFamily="18" charset="0"/>
+              </a:rPr>
+              <a:t> </a:t>
+            </a:r>
+            <a:r>
+              <a:rPr lang="en-US" dirty="0" err="1">
+                <a:solidFill>
+                  <a:schemeClr val="tx1"/>
+                </a:solidFill>
+                <a:latin typeface="Times New Roman" panose="02020603050405020304" pitchFamily="18" charset="0"/>
+                <a:cs typeface="Times New Roman" panose="02020603050405020304" pitchFamily="18" charset="0"/>
+              </a:rPr>
+              <a:t>xử</a:t>
+            </a:r>
+            <a:r>
+              <a:rPr lang="en-US" dirty="0">
+                <a:solidFill>
+                  <a:schemeClr val="tx1"/>
+                </a:solidFill>
+                <a:latin typeface="Times New Roman" panose="02020603050405020304" pitchFamily="18" charset="0"/>
+                <a:cs typeface="Times New Roman" panose="02020603050405020304" pitchFamily="18" charset="0"/>
+              </a:rPr>
+              <a:t> </a:t>
+            </a:r>
+            <a:r>
+              <a:rPr lang="en-US" dirty="0" err="1">
+                <a:solidFill>
+                  <a:schemeClr val="tx1"/>
+                </a:solidFill>
+                <a:latin typeface="Times New Roman" panose="02020603050405020304" pitchFamily="18" charset="0"/>
+                <a:cs typeface="Times New Roman" panose="02020603050405020304" pitchFamily="18" charset="0"/>
+              </a:rPr>
+              <a:t>lý</a:t>
+            </a:r>
+            <a:r>
+              <a:rPr lang="en-US" dirty="0">
+                <a:solidFill>
+                  <a:schemeClr val="tx1"/>
+                </a:solidFill>
+                <a:latin typeface="Times New Roman" panose="02020603050405020304" pitchFamily="18" charset="0"/>
+                <a:cs typeface="Times New Roman" panose="02020603050405020304" pitchFamily="18" charset="0"/>
+              </a:rPr>
+              <a:t> </a:t>
+            </a:r>
+            <a:r>
+              <a:rPr lang="en-US" dirty="0" err="1">
+                <a:solidFill>
+                  <a:schemeClr val="tx1"/>
+                </a:solidFill>
+                <a:latin typeface="Times New Roman" panose="02020603050405020304" pitchFamily="18" charset="0"/>
+                <a:cs typeface="Times New Roman" panose="02020603050405020304" pitchFamily="18" charset="0"/>
+              </a:rPr>
+              <a:t>hình</a:t>
+            </a:r>
+            <a:r>
+              <a:rPr lang="en-US" dirty="0">
+                <a:solidFill>
+                  <a:schemeClr val="tx1"/>
+                </a:solidFill>
+                <a:latin typeface="Times New Roman" panose="02020603050405020304" pitchFamily="18" charset="0"/>
+                <a:cs typeface="Times New Roman" panose="02020603050405020304" pitchFamily="18" charset="0"/>
+              </a:rPr>
+              <a:t> </a:t>
+            </a:r>
+            <a:r>
+              <a:rPr lang="en-US" dirty="0" err="1">
+                <a:solidFill>
+                  <a:schemeClr val="tx1"/>
+                </a:solidFill>
+                <a:latin typeface="Times New Roman" panose="02020603050405020304" pitchFamily="18" charset="0"/>
+                <a:cs typeface="Times New Roman" panose="02020603050405020304" pitchFamily="18" charset="0"/>
+              </a:rPr>
+              <a:t>ảnh</a:t>
+            </a:r>
+            <a:r>
+              <a:rPr lang="en-US" dirty="0">
+                <a:solidFill>
+                  <a:schemeClr val="tx1"/>
+                </a:solidFill>
+                <a:latin typeface="Times New Roman" panose="02020603050405020304" pitchFamily="18" charset="0"/>
+                <a:cs typeface="Times New Roman" panose="02020603050405020304" pitchFamily="18" charset="0"/>
+              </a:rPr>
+              <a:t>, </a:t>
+            </a:r>
+            <a:r>
+              <a:rPr lang="en-US" dirty="0" err="1">
+                <a:solidFill>
+                  <a:schemeClr val="tx1"/>
+                </a:solidFill>
+                <a:latin typeface="Times New Roman" panose="02020603050405020304" pitchFamily="18" charset="0"/>
+                <a:cs typeface="Times New Roman" panose="02020603050405020304" pitchFamily="18" charset="0"/>
+              </a:rPr>
+              <a:t>văn</a:t>
+            </a:r>
+            <a:r>
+              <a:rPr lang="en-US" dirty="0">
+                <a:solidFill>
+                  <a:schemeClr val="tx1"/>
+                </a:solidFill>
+                <a:latin typeface="Times New Roman" panose="02020603050405020304" pitchFamily="18" charset="0"/>
+                <a:cs typeface="Times New Roman" panose="02020603050405020304" pitchFamily="18" charset="0"/>
+              </a:rPr>
+              <a:t> </a:t>
+            </a:r>
+            <a:r>
+              <a:rPr lang="en-US" dirty="0" err="1">
+                <a:solidFill>
+                  <a:schemeClr val="tx1"/>
+                </a:solidFill>
+                <a:latin typeface="Times New Roman" panose="02020603050405020304" pitchFamily="18" charset="0"/>
+                <a:cs typeface="Times New Roman" panose="02020603050405020304" pitchFamily="18" charset="0"/>
+              </a:rPr>
+              <a:t>bản</a:t>
+            </a:r>
+            <a:r>
+              <a:rPr lang="en-US" dirty="0">
+                <a:solidFill>
+                  <a:schemeClr val="tx1"/>
+                </a:solidFill>
+                <a:latin typeface="Times New Roman" panose="02020603050405020304" pitchFamily="18" charset="0"/>
+                <a:cs typeface="Times New Roman" panose="02020603050405020304" pitchFamily="18" charset="0"/>
+              </a:rPr>
+              <a:t> </a:t>
+            </a:r>
+            <a:r>
+              <a:rPr lang="en-US" dirty="0" err="1">
+                <a:solidFill>
+                  <a:schemeClr val="tx1"/>
+                </a:solidFill>
+                <a:latin typeface="Times New Roman" panose="02020603050405020304" pitchFamily="18" charset="0"/>
+                <a:cs typeface="Times New Roman" panose="02020603050405020304" pitchFamily="18" charset="0"/>
+              </a:rPr>
+              <a:t>trong</a:t>
+            </a:r>
+            <a:r>
+              <a:rPr lang="en-US" dirty="0">
+                <a:solidFill>
+                  <a:schemeClr val="tx1"/>
+                </a:solidFill>
+                <a:latin typeface="Times New Roman" panose="02020603050405020304" pitchFamily="18" charset="0"/>
+                <a:cs typeface="Times New Roman" panose="02020603050405020304" pitchFamily="18" charset="0"/>
+              </a:rPr>
+              <a:t> Deep Learning, Machine Learning. </a:t>
+            </a:r>
+          </a:p>
+          <a:p>
+            <a:pPr marL="0" indent="0">
+              <a:buNone/>
+            </a:pPr>
+            <a:r>
+              <a:rPr lang="en-US" dirty="0">
+                <a:solidFill>
+                  <a:schemeClr val="tx1"/>
+                </a:solidFill>
+                <a:latin typeface="Times New Roman" panose="02020603050405020304" pitchFamily="18" charset="0"/>
+                <a:cs typeface="Times New Roman" panose="02020603050405020304" pitchFamily="18" charset="0"/>
+              </a:rPr>
+              <a:t>- </a:t>
+            </a:r>
+            <a:r>
+              <a:rPr lang="en-US" dirty="0" err="1">
+                <a:solidFill>
+                  <a:schemeClr val="tx1"/>
+                </a:solidFill>
+                <a:latin typeface="Times New Roman" panose="02020603050405020304" pitchFamily="18" charset="0"/>
+                <a:cs typeface="Times New Roman" panose="02020603050405020304" pitchFamily="18" charset="0"/>
+              </a:rPr>
+              <a:t>Tìm</a:t>
+            </a:r>
+            <a:r>
+              <a:rPr lang="en-US" dirty="0">
+                <a:solidFill>
+                  <a:schemeClr val="tx1"/>
+                </a:solidFill>
+                <a:latin typeface="Times New Roman" panose="02020603050405020304" pitchFamily="18" charset="0"/>
+                <a:cs typeface="Times New Roman" panose="02020603050405020304" pitchFamily="18" charset="0"/>
+              </a:rPr>
+              <a:t> </a:t>
+            </a:r>
+            <a:r>
+              <a:rPr lang="en-US" dirty="0" err="1">
+                <a:solidFill>
+                  <a:schemeClr val="tx1"/>
+                </a:solidFill>
+                <a:latin typeface="Times New Roman" panose="02020603050405020304" pitchFamily="18" charset="0"/>
+                <a:cs typeface="Times New Roman" panose="02020603050405020304" pitchFamily="18" charset="0"/>
+              </a:rPr>
+              <a:t>hiểu</a:t>
+            </a:r>
+            <a:r>
+              <a:rPr lang="en-US" dirty="0">
+                <a:solidFill>
+                  <a:schemeClr val="tx1"/>
+                </a:solidFill>
+                <a:latin typeface="Times New Roman" panose="02020603050405020304" pitchFamily="18" charset="0"/>
+                <a:cs typeface="Times New Roman" panose="02020603050405020304" pitchFamily="18" charset="0"/>
+              </a:rPr>
+              <a:t> </a:t>
+            </a:r>
+            <a:r>
+              <a:rPr lang="en-US" dirty="0" err="1">
+                <a:solidFill>
+                  <a:schemeClr val="tx1"/>
+                </a:solidFill>
+                <a:latin typeface="Times New Roman" panose="02020603050405020304" pitchFamily="18" charset="0"/>
+                <a:cs typeface="Times New Roman" panose="02020603050405020304" pitchFamily="18" charset="0"/>
+              </a:rPr>
+              <a:t>ứng</a:t>
+            </a:r>
+            <a:r>
+              <a:rPr lang="en-US" dirty="0">
+                <a:solidFill>
+                  <a:schemeClr val="tx1"/>
+                </a:solidFill>
+                <a:latin typeface="Times New Roman" panose="02020603050405020304" pitchFamily="18" charset="0"/>
+                <a:cs typeface="Times New Roman" panose="02020603050405020304" pitchFamily="18" charset="0"/>
+              </a:rPr>
+              <a:t> </a:t>
+            </a:r>
+            <a:r>
+              <a:rPr lang="en-US" dirty="0" err="1">
+                <a:solidFill>
+                  <a:schemeClr val="tx1"/>
+                </a:solidFill>
+                <a:latin typeface="Times New Roman" panose="02020603050405020304" pitchFamily="18" charset="0"/>
+                <a:cs typeface="Times New Roman" panose="02020603050405020304" pitchFamily="18" charset="0"/>
+              </a:rPr>
+              <a:t>dụng</a:t>
+            </a:r>
+            <a:r>
+              <a:rPr lang="en-US" dirty="0">
+                <a:solidFill>
+                  <a:schemeClr val="tx1"/>
+                </a:solidFill>
+                <a:latin typeface="Times New Roman" panose="02020603050405020304" pitchFamily="18" charset="0"/>
+                <a:cs typeface="Times New Roman" panose="02020603050405020304" pitchFamily="18" charset="0"/>
+              </a:rPr>
+              <a:t> </a:t>
+            </a:r>
+            <a:r>
+              <a:rPr lang="en-US" dirty="0" err="1">
+                <a:solidFill>
+                  <a:schemeClr val="tx1"/>
+                </a:solidFill>
+                <a:latin typeface="Times New Roman" panose="02020603050405020304" pitchFamily="18" charset="0"/>
+                <a:cs typeface="Times New Roman" panose="02020603050405020304" pitchFamily="18" charset="0"/>
+              </a:rPr>
+              <a:t>giải</a:t>
+            </a:r>
+            <a:r>
+              <a:rPr lang="en-US" dirty="0">
+                <a:solidFill>
+                  <a:schemeClr val="tx1"/>
+                </a:solidFill>
+                <a:latin typeface="Times New Roman" panose="02020603050405020304" pitchFamily="18" charset="0"/>
+                <a:cs typeface="Times New Roman" panose="02020603050405020304" pitchFamily="18" charset="0"/>
+              </a:rPr>
+              <a:t> </a:t>
+            </a:r>
+            <a:r>
+              <a:rPr lang="en-US" dirty="0" err="1">
+                <a:solidFill>
+                  <a:schemeClr val="tx1"/>
+                </a:solidFill>
+                <a:latin typeface="Times New Roman" panose="02020603050405020304" pitchFamily="18" charset="0"/>
+                <a:cs typeface="Times New Roman" panose="02020603050405020304" pitchFamily="18" charset="0"/>
+              </a:rPr>
+              <a:t>quyết</a:t>
+            </a:r>
+            <a:r>
+              <a:rPr lang="en-US" dirty="0">
+                <a:solidFill>
+                  <a:schemeClr val="tx1"/>
+                </a:solidFill>
+                <a:latin typeface="Times New Roman" panose="02020603050405020304" pitchFamily="18" charset="0"/>
+                <a:cs typeface="Times New Roman" panose="02020603050405020304" pitchFamily="18" charset="0"/>
+              </a:rPr>
+              <a:t> </a:t>
+            </a:r>
+            <a:r>
+              <a:rPr lang="en-US" dirty="0" err="1">
+                <a:solidFill>
+                  <a:schemeClr val="tx1"/>
+                </a:solidFill>
+                <a:latin typeface="Times New Roman" panose="02020603050405020304" pitchFamily="18" charset="0"/>
+                <a:cs typeface="Times New Roman" panose="02020603050405020304" pitchFamily="18" charset="0"/>
+              </a:rPr>
+              <a:t>các</a:t>
+            </a:r>
+            <a:r>
+              <a:rPr lang="en-US" dirty="0">
+                <a:solidFill>
+                  <a:schemeClr val="tx1"/>
+                </a:solidFill>
+                <a:latin typeface="Times New Roman" panose="02020603050405020304" pitchFamily="18" charset="0"/>
+                <a:cs typeface="Times New Roman" panose="02020603050405020304" pitchFamily="18" charset="0"/>
+              </a:rPr>
+              <a:t> </a:t>
+            </a:r>
+            <a:r>
+              <a:rPr lang="en-US" dirty="0" err="1">
+                <a:solidFill>
+                  <a:schemeClr val="tx1"/>
+                </a:solidFill>
+                <a:latin typeface="Times New Roman" panose="02020603050405020304" pitchFamily="18" charset="0"/>
+                <a:cs typeface="Times New Roman" panose="02020603050405020304" pitchFamily="18" charset="0"/>
+              </a:rPr>
+              <a:t>vấn</a:t>
+            </a:r>
+            <a:r>
+              <a:rPr lang="en-US" dirty="0">
+                <a:solidFill>
+                  <a:schemeClr val="tx1"/>
+                </a:solidFill>
+                <a:latin typeface="Times New Roman" panose="02020603050405020304" pitchFamily="18" charset="0"/>
+                <a:cs typeface="Times New Roman" panose="02020603050405020304" pitchFamily="18" charset="0"/>
+              </a:rPr>
+              <a:t> </a:t>
+            </a:r>
+            <a:r>
+              <a:rPr lang="en-US" dirty="0" err="1">
+                <a:solidFill>
+                  <a:schemeClr val="tx1"/>
+                </a:solidFill>
+                <a:latin typeface="Times New Roman" panose="02020603050405020304" pitchFamily="18" charset="0"/>
+                <a:cs typeface="Times New Roman" panose="02020603050405020304" pitchFamily="18" charset="0"/>
+              </a:rPr>
+              <a:t>đề</a:t>
+            </a:r>
+            <a:r>
+              <a:rPr lang="en-US" dirty="0">
+                <a:solidFill>
+                  <a:schemeClr val="tx1"/>
+                </a:solidFill>
+                <a:latin typeface="Times New Roman" panose="02020603050405020304" pitchFamily="18" charset="0"/>
+                <a:cs typeface="Times New Roman" panose="02020603050405020304" pitchFamily="18" charset="0"/>
+              </a:rPr>
+              <a:t> /</a:t>
+            </a:r>
+            <a:r>
+              <a:rPr lang="en-US" dirty="0" err="1">
+                <a:solidFill>
+                  <a:schemeClr val="tx1"/>
+                </a:solidFill>
+                <a:latin typeface="Times New Roman" panose="02020603050405020304" pitchFamily="18" charset="0"/>
+                <a:cs typeface="Times New Roman" panose="02020603050405020304" pitchFamily="18" charset="0"/>
+              </a:rPr>
+              <a:t>bài</a:t>
+            </a:r>
+            <a:r>
+              <a:rPr lang="en-US" dirty="0">
+                <a:solidFill>
+                  <a:schemeClr val="tx1"/>
+                </a:solidFill>
+                <a:latin typeface="Times New Roman" panose="02020603050405020304" pitchFamily="18" charset="0"/>
+                <a:cs typeface="Times New Roman" panose="02020603050405020304" pitchFamily="18" charset="0"/>
+              </a:rPr>
+              <a:t> </a:t>
+            </a:r>
+            <a:r>
+              <a:rPr lang="en-US" dirty="0" err="1">
+                <a:solidFill>
+                  <a:schemeClr val="tx1"/>
+                </a:solidFill>
+                <a:latin typeface="Times New Roman" panose="02020603050405020304" pitchFamily="18" charset="0"/>
+                <a:cs typeface="Times New Roman" panose="02020603050405020304" pitchFamily="18" charset="0"/>
+              </a:rPr>
+              <a:t>toán</a:t>
+            </a:r>
+            <a:r>
+              <a:rPr lang="en-US" dirty="0">
+                <a:solidFill>
+                  <a:schemeClr val="tx1"/>
+                </a:solidFill>
+                <a:latin typeface="Times New Roman" panose="02020603050405020304" pitchFamily="18" charset="0"/>
+                <a:cs typeface="Times New Roman" panose="02020603050405020304" pitchFamily="18" charset="0"/>
+              </a:rPr>
+              <a:t> </a:t>
+            </a:r>
+            <a:r>
+              <a:rPr lang="en-US" dirty="0" err="1">
+                <a:solidFill>
+                  <a:schemeClr val="tx1"/>
+                </a:solidFill>
+                <a:latin typeface="Times New Roman" panose="02020603050405020304" pitchFamily="18" charset="0"/>
+                <a:cs typeface="Times New Roman" panose="02020603050405020304" pitchFamily="18" charset="0"/>
+              </a:rPr>
+              <a:t>về</a:t>
+            </a:r>
+            <a:r>
+              <a:rPr lang="en-US" dirty="0">
+                <a:solidFill>
+                  <a:schemeClr val="tx1"/>
+                </a:solidFill>
+                <a:latin typeface="Times New Roman" panose="02020603050405020304" pitchFamily="18" charset="0"/>
+                <a:cs typeface="Times New Roman" panose="02020603050405020304" pitchFamily="18" charset="0"/>
+              </a:rPr>
+              <a:t> </a:t>
+            </a:r>
+            <a:r>
+              <a:rPr lang="en-US" dirty="0" err="1">
+                <a:solidFill>
+                  <a:schemeClr val="tx1"/>
+                </a:solidFill>
+                <a:latin typeface="Times New Roman" panose="02020603050405020304" pitchFamily="18" charset="0"/>
+                <a:cs typeface="Times New Roman" panose="02020603050405020304" pitchFamily="18" charset="0"/>
+              </a:rPr>
+              <a:t>gợi</a:t>
+            </a:r>
+            <a:r>
+              <a:rPr lang="en-US" dirty="0">
+                <a:solidFill>
+                  <a:schemeClr val="tx1"/>
+                </a:solidFill>
+                <a:latin typeface="Times New Roman" panose="02020603050405020304" pitchFamily="18" charset="0"/>
+                <a:cs typeface="Times New Roman" panose="02020603050405020304" pitchFamily="18" charset="0"/>
+              </a:rPr>
+              <a:t> ý </a:t>
+            </a:r>
+            <a:r>
+              <a:rPr lang="en-US" dirty="0" err="1">
+                <a:solidFill>
+                  <a:schemeClr val="tx1"/>
+                </a:solidFill>
+                <a:latin typeface="Times New Roman" panose="02020603050405020304" pitchFamily="18" charset="0"/>
+                <a:cs typeface="Times New Roman" panose="02020603050405020304" pitchFamily="18" charset="0"/>
+              </a:rPr>
+              <a:t>và</a:t>
+            </a:r>
+            <a:r>
+              <a:rPr lang="en-US" dirty="0">
+                <a:solidFill>
+                  <a:schemeClr val="tx1"/>
+                </a:solidFill>
+                <a:latin typeface="Times New Roman" panose="02020603050405020304" pitchFamily="18" charset="0"/>
+                <a:cs typeface="Times New Roman" panose="02020603050405020304" pitchFamily="18" charset="0"/>
+              </a:rPr>
+              <a:t> </a:t>
+            </a:r>
+            <a:r>
+              <a:rPr lang="en-US" dirty="0" err="1">
+                <a:solidFill>
+                  <a:schemeClr val="tx1"/>
+                </a:solidFill>
+                <a:latin typeface="Times New Roman" panose="02020603050405020304" pitchFamily="18" charset="0"/>
+                <a:cs typeface="Times New Roman" panose="02020603050405020304" pitchFamily="18" charset="0"/>
+              </a:rPr>
+              <a:t>phát</a:t>
+            </a:r>
+            <a:r>
+              <a:rPr lang="en-US" dirty="0">
+                <a:solidFill>
+                  <a:schemeClr val="tx1"/>
+                </a:solidFill>
+                <a:latin typeface="Times New Roman" panose="02020603050405020304" pitchFamily="18" charset="0"/>
+                <a:cs typeface="Times New Roman" panose="02020603050405020304" pitchFamily="18" charset="0"/>
+              </a:rPr>
+              <a:t> </a:t>
+            </a:r>
+            <a:r>
+              <a:rPr lang="en-US" dirty="0" err="1">
+                <a:solidFill>
+                  <a:schemeClr val="tx1"/>
+                </a:solidFill>
+                <a:latin typeface="Times New Roman" panose="02020603050405020304" pitchFamily="18" charset="0"/>
+                <a:cs typeface="Times New Roman" panose="02020603050405020304" pitchFamily="18" charset="0"/>
+              </a:rPr>
+              <a:t>sinh</a:t>
+            </a:r>
+            <a:r>
+              <a:rPr lang="en-US" dirty="0">
+                <a:solidFill>
+                  <a:schemeClr val="tx1"/>
+                </a:solidFill>
+                <a:latin typeface="Times New Roman" panose="02020603050405020304" pitchFamily="18" charset="0"/>
+                <a:cs typeface="Times New Roman" panose="02020603050405020304" pitchFamily="18" charset="0"/>
+              </a:rPr>
+              <a:t> </a:t>
+            </a:r>
+            <a:r>
+              <a:rPr lang="en-US" dirty="0" err="1">
+                <a:solidFill>
+                  <a:schemeClr val="tx1"/>
+                </a:solidFill>
+                <a:latin typeface="Times New Roman" panose="02020603050405020304" pitchFamily="18" charset="0"/>
+                <a:cs typeface="Times New Roman" panose="02020603050405020304" pitchFamily="18" charset="0"/>
+              </a:rPr>
+              <a:t>câu</a:t>
+            </a:r>
+            <a:r>
+              <a:rPr lang="en-US" dirty="0">
+                <a:solidFill>
+                  <a:schemeClr val="tx1"/>
+                </a:solidFill>
+                <a:latin typeface="Times New Roman" panose="02020603050405020304" pitchFamily="18" charset="0"/>
+                <a:cs typeface="Times New Roman" panose="02020603050405020304" pitchFamily="18" charset="0"/>
+              </a:rPr>
+              <a:t> </a:t>
+            </a:r>
+            <a:r>
+              <a:rPr lang="en-US" dirty="0" err="1">
+                <a:solidFill>
+                  <a:schemeClr val="tx1"/>
+                </a:solidFill>
+                <a:latin typeface="Times New Roman" panose="02020603050405020304" pitchFamily="18" charset="0"/>
+                <a:cs typeface="Times New Roman" panose="02020603050405020304" pitchFamily="18" charset="0"/>
+              </a:rPr>
+              <a:t>bình</a:t>
+            </a:r>
+            <a:r>
+              <a:rPr lang="en-US" dirty="0">
+                <a:solidFill>
+                  <a:schemeClr val="tx1"/>
+                </a:solidFill>
+                <a:latin typeface="Times New Roman" panose="02020603050405020304" pitchFamily="18" charset="0"/>
+                <a:cs typeface="Times New Roman" panose="02020603050405020304" pitchFamily="18" charset="0"/>
+              </a:rPr>
+              <a:t> </a:t>
+            </a:r>
+            <a:r>
+              <a:rPr lang="en-US" dirty="0" err="1">
+                <a:solidFill>
+                  <a:schemeClr val="tx1"/>
+                </a:solidFill>
+                <a:latin typeface="Times New Roman" panose="02020603050405020304" pitchFamily="18" charset="0"/>
+                <a:cs typeface="Times New Roman" panose="02020603050405020304" pitchFamily="18" charset="0"/>
+              </a:rPr>
+              <a:t>luận</a:t>
+            </a:r>
+            <a:r>
+              <a:rPr lang="en-US" dirty="0">
+                <a:solidFill>
+                  <a:schemeClr val="tx1"/>
+                </a:solidFill>
+                <a:latin typeface="Times New Roman" panose="02020603050405020304" pitchFamily="18" charset="0"/>
+                <a:cs typeface="Times New Roman" panose="02020603050405020304" pitchFamily="18" charset="0"/>
+              </a:rPr>
+              <a:t> </a:t>
+            </a:r>
+            <a:r>
+              <a:rPr lang="en-US" dirty="0" err="1">
+                <a:solidFill>
+                  <a:schemeClr val="tx1"/>
+                </a:solidFill>
+                <a:latin typeface="Times New Roman" panose="02020603050405020304" pitchFamily="18" charset="0"/>
+                <a:cs typeface="Times New Roman" panose="02020603050405020304" pitchFamily="18" charset="0"/>
+              </a:rPr>
+              <a:t>cho</a:t>
+            </a:r>
+            <a:r>
+              <a:rPr lang="en-US" dirty="0">
+                <a:solidFill>
+                  <a:schemeClr val="tx1"/>
+                </a:solidFill>
+                <a:latin typeface="Times New Roman" panose="02020603050405020304" pitchFamily="18" charset="0"/>
+                <a:cs typeface="Times New Roman" panose="02020603050405020304" pitchFamily="18" charset="0"/>
+              </a:rPr>
+              <a:t> </a:t>
+            </a:r>
+            <a:r>
+              <a:rPr lang="en-US" dirty="0" err="1">
+                <a:solidFill>
+                  <a:schemeClr val="tx1"/>
+                </a:solidFill>
+                <a:latin typeface="Times New Roman" panose="02020603050405020304" pitchFamily="18" charset="0"/>
+                <a:cs typeface="Times New Roman" panose="02020603050405020304" pitchFamily="18" charset="0"/>
+              </a:rPr>
+              <a:t>những</a:t>
+            </a:r>
+            <a:r>
+              <a:rPr lang="en-US" dirty="0">
+                <a:solidFill>
+                  <a:schemeClr val="tx1"/>
+                </a:solidFill>
+                <a:latin typeface="Times New Roman" panose="02020603050405020304" pitchFamily="18" charset="0"/>
+                <a:cs typeface="Times New Roman" panose="02020603050405020304" pitchFamily="18" charset="0"/>
+              </a:rPr>
+              <a:t> </a:t>
+            </a:r>
+            <a:r>
+              <a:rPr lang="en-US" dirty="0" err="1">
+                <a:solidFill>
+                  <a:schemeClr val="tx1"/>
+                </a:solidFill>
+                <a:latin typeface="Times New Roman" panose="02020603050405020304" pitchFamily="18" charset="0"/>
+                <a:cs typeface="Times New Roman" panose="02020603050405020304" pitchFamily="18" charset="0"/>
+              </a:rPr>
+              <a:t>bộ</a:t>
+            </a:r>
+            <a:r>
+              <a:rPr lang="en-US" dirty="0">
+                <a:solidFill>
+                  <a:schemeClr val="tx1"/>
+                </a:solidFill>
+                <a:latin typeface="Times New Roman" panose="02020603050405020304" pitchFamily="18" charset="0"/>
+                <a:cs typeface="Times New Roman" panose="02020603050405020304" pitchFamily="18" charset="0"/>
+              </a:rPr>
+              <a:t> </a:t>
+            </a:r>
+            <a:r>
+              <a:rPr lang="en-US" dirty="0" err="1">
+                <a:solidFill>
+                  <a:schemeClr val="tx1"/>
+                </a:solidFill>
+                <a:latin typeface="Times New Roman" panose="02020603050405020304" pitchFamily="18" charset="0"/>
+                <a:cs typeface="Times New Roman" panose="02020603050405020304" pitchFamily="18" charset="0"/>
+              </a:rPr>
+              <a:t>trang</a:t>
+            </a:r>
+            <a:r>
+              <a:rPr lang="en-US" dirty="0">
+                <a:solidFill>
+                  <a:schemeClr val="tx1"/>
+                </a:solidFill>
+                <a:latin typeface="Times New Roman" panose="02020603050405020304" pitchFamily="18" charset="0"/>
+                <a:cs typeface="Times New Roman" panose="02020603050405020304" pitchFamily="18" charset="0"/>
+              </a:rPr>
+              <a:t> </a:t>
+            </a:r>
+            <a:r>
+              <a:rPr lang="en-US" dirty="0" err="1">
+                <a:solidFill>
+                  <a:schemeClr val="tx1"/>
+                </a:solidFill>
+                <a:latin typeface="Times New Roman" panose="02020603050405020304" pitchFamily="18" charset="0"/>
+                <a:cs typeface="Times New Roman" panose="02020603050405020304" pitchFamily="18" charset="0"/>
+              </a:rPr>
+              <a:t>phục</a:t>
+            </a:r>
+            <a:r>
+              <a:rPr lang="en-US" dirty="0">
+                <a:solidFill>
+                  <a:schemeClr val="tx1"/>
+                </a:solidFill>
+                <a:latin typeface="Times New Roman" panose="02020603050405020304" pitchFamily="18" charset="0"/>
+                <a:cs typeface="Times New Roman" panose="02020603050405020304" pitchFamily="18" charset="0"/>
+              </a:rPr>
+              <a:t>.</a:t>
+            </a:r>
+          </a:p>
+          <a:p>
+            <a:pPr marL="0" indent="0">
+              <a:buNone/>
+            </a:pPr>
+            <a:r>
+              <a:rPr lang="en-US" dirty="0">
+                <a:solidFill>
+                  <a:schemeClr val="tx1"/>
+                </a:solidFill>
+                <a:latin typeface="Times New Roman" panose="02020603050405020304" pitchFamily="18" charset="0"/>
+                <a:cs typeface="Times New Roman" panose="02020603050405020304" pitchFamily="18" charset="0"/>
+              </a:rPr>
+              <a:t>- </a:t>
+            </a:r>
+            <a:r>
+              <a:rPr lang="en-US" dirty="0" err="1">
+                <a:solidFill>
+                  <a:schemeClr val="tx1"/>
+                </a:solidFill>
+                <a:latin typeface="Times New Roman" panose="02020603050405020304" pitchFamily="18" charset="0"/>
+                <a:cs typeface="Times New Roman" panose="02020603050405020304" pitchFamily="18" charset="0"/>
+              </a:rPr>
+              <a:t>Nghiên</a:t>
+            </a:r>
+            <a:r>
+              <a:rPr lang="en-US" dirty="0">
+                <a:solidFill>
+                  <a:schemeClr val="tx1"/>
+                </a:solidFill>
+                <a:latin typeface="Times New Roman" panose="02020603050405020304" pitchFamily="18" charset="0"/>
+                <a:cs typeface="Times New Roman" panose="02020603050405020304" pitchFamily="18" charset="0"/>
+              </a:rPr>
+              <a:t> </a:t>
+            </a:r>
+            <a:r>
+              <a:rPr lang="en-US" dirty="0" err="1">
+                <a:solidFill>
+                  <a:schemeClr val="tx1"/>
+                </a:solidFill>
+                <a:latin typeface="Times New Roman" panose="02020603050405020304" pitchFamily="18" charset="0"/>
+                <a:cs typeface="Times New Roman" panose="02020603050405020304" pitchFamily="18" charset="0"/>
+              </a:rPr>
+              <a:t>cứu</a:t>
+            </a:r>
+            <a:r>
+              <a:rPr lang="en-US" dirty="0">
+                <a:solidFill>
+                  <a:schemeClr val="tx1"/>
+                </a:solidFill>
+                <a:latin typeface="Times New Roman" panose="02020603050405020304" pitchFamily="18" charset="0"/>
+                <a:cs typeface="Times New Roman" panose="02020603050405020304" pitchFamily="18" charset="0"/>
+              </a:rPr>
+              <a:t> </a:t>
+            </a:r>
+            <a:r>
+              <a:rPr lang="en-US" dirty="0" err="1">
+                <a:solidFill>
+                  <a:schemeClr val="tx1"/>
+                </a:solidFill>
+                <a:latin typeface="Times New Roman" panose="02020603050405020304" pitchFamily="18" charset="0"/>
+                <a:cs typeface="Times New Roman" panose="02020603050405020304" pitchFamily="18" charset="0"/>
+              </a:rPr>
+              <a:t>mô</a:t>
+            </a:r>
+            <a:r>
+              <a:rPr lang="en-US" dirty="0">
+                <a:solidFill>
+                  <a:schemeClr val="tx1"/>
+                </a:solidFill>
+                <a:latin typeface="Times New Roman" panose="02020603050405020304" pitchFamily="18" charset="0"/>
+                <a:cs typeface="Times New Roman" panose="02020603050405020304" pitchFamily="18" charset="0"/>
+              </a:rPr>
+              <a:t> </a:t>
+            </a:r>
+            <a:r>
+              <a:rPr lang="en-US" dirty="0" err="1">
+                <a:solidFill>
+                  <a:schemeClr val="tx1"/>
+                </a:solidFill>
+                <a:latin typeface="Times New Roman" panose="02020603050405020304" pitchFamily="18" charset="0"/>
+                <a:cs typeface="Times New Roman" panose="02020603050405020304" pitchFamily="18" charset="0"/>
+              </a:rPr>
+              <a:t>hình</a:t>
+            </a:r>
+            <a:r>
+              <a:rPr lang="en-US" dirty="0">
+                <a:solidFill>
+                  <a:schemeClr val="tx1"/>
+                </a:solidFill>
+                <a:latin typeface="Times New Roman" panose="02020603050405020304" pitchFamily="18" charset="0"/>
+                <a:cs typeface="Times New Roman" panose="02020603050405020304" pitchFamily="18" charset="0"/>
+              </a:rPr>
+              <a:t>, </a:t>
+            </a:r>
+            <a:r>
+              <a:rPr lang="en-US" dirty="0" err="1">
+                <a:solidFill>
+                  <a:schemeClr val="tx1"/>
+                </a:solidFill>
+                <a:latin typeface="Times New Roman" panose="02020603050405020304" pitchFamily="18" charset="0"/>
+                <a:cs typeface="Times New Roman" panose="02020603050405020304" pitchFamily="18" charset="0"/>
+              </a:rPr>
+              <a:t>kỹ</a:t>
+            </a:r>
+            <a:r>
+              <a:rPr lang="en-US" dirty="0">
+                <a:solidFill>
+                  <a:schemeClr val="tx1"/>
+                </a:solidFill>
+                <a:latin typeface="Times New Roman" panose="02020603050405020304" pitchFamily="18" charset="0"/>
+                <a:cs typeface="Times New Roman" panose="02020603050405020304" pitchFamily="18" charset="0"/>
+              </a:rPr>
+              <a:t> </a:t>
+            </a:r>
+            <a:r>
+              <a:rPr lang="en-US" dirty="0" err="1">
+                <a:solidFill>
+                  <a:schemeClr val="tx1"/>
+                </a:solidFill>
+                <a:latin typeface="Times New Roman" panose="02020603050405020304" pitchFamily="18" charset="0"/>
+                <a:cs typeface="Times New Roman" panose="02020603050405020304" pitchFamily="18" charset="0"/>
+              </a:rPr>
+              <a:t>thuật</a:t>
+            </a:r>
+            <a:r>
+              <a:rPr lang="en-US" dirty="0">
+                <a:solidFill>
+                  <a:schemeClr val="tx1"/>
+                </a:solidFill>
+                <a:latin typeface="Times New Roman" panose="02020603050405020304" pitchFamily="18" charset="0"/>
+                <a:cs typeface="Times New Roman" panose="02020603050405020304" pitchFamily="18" charset="0"/>
+              </a:rPr>
+              <a:t> </a:t>
+            </a:r>
+            <a:r>
+              <a:rPr lang="en-US" dirty="0" err="1">
+                <a:solidFill>
+                  <a:schemeClr val="tx1"/>
+                </a:solidFill>
+                <a:latin typeface="Times New Roman" panose="02020603050405020304" pitchFamily="18" charset="0"/>
+                <a:cs typeface="Times New Roman" panose="02020603050405020304" pitchFamily="18" charset="0"/>
+              </a:rPr>
+              <a:t>để</a:t>
+            </a:r>
+            <a:r>
+              <a:rPr lang="en-US" dirty="0">
+                <a:solidFill>
+                  <a:schemeClr val="tx1"/>
+                </a:solidFill>
+                <a:latin typeface="Times New Roman" panose="02020603050405020304" pitchFamily="18" charset="0"/>
+                <a:cs typeface="Times New Roman" panose="02020603050405020304" pitchFamily="18" charset="0"/>
+              </a:rPr>
+              <a:t> </a:t>
+            </a:r>
+            <a:r>
+              <a:rPr lang="en-US" dirty="0" err="1">
+                <a:solidFill>
+                  <a:schemeClr val="tx1"/>
+                </a:solidFill>
+                <a:latin typeface="Times New Roman" panose="02020603050405020304" pitchFamily="18" charset="0"/>
+                <a:cs typeface="Times New Roman" panose="02020603050405020304" pitchFamily="18" charset="0"/>
+              </a:rPr>
+              <a:t>ứng</a:t>
+            </a:r>
+            <a:r>
+              <a:rPr lang="en-US" dirty="0">
+                <a:solidFill>
+                  <a:schemeClr val="tx1"/>
+                </a:solidFill>
+                <a:latin typeface="Times New Roman" panose="02020603050405020304" pitchFamily="18" charset="0"/>
+                <a:cs typeface="Times New Roman" panose="02020603050405020304" pitchFamily="18" charset="0"/>
+              </a:rPr>
+              <a:t> </a:t>
+            </a:r>
+            <a:r>
+              <a:rPr lang="en-US" dirty="0" err="1">
+                <a:solidFill>
+                  <a:schemeClr val="tx1"/>
+                </a:solidFill>
+                <a:latin typeface="Times New Roman" panose="02020603050405020304" pitchFamily="18" charset="0"/>
+                <a:cs typeface="Times New Roman" panose="02020603050405020304" pitchFamily="18" charset="0"/>
+              </a:rPr>
+              <a:t>dụng</a:t>
+            </a:r>
+            <a:r>
+              <a:rPr lang="en-US" dirty="0">
+                <a:solidFill>
+                  <a:schemeClr val="tx1"/>
+                </a:solidFill>
+                <a:latin typeface="Times New Roman" panose="02020603050405020304" pitchFamily="18" charset="0"/>
+                <a:cs typeface="Times New Roman" panose="02020603050405020304" pitchFamily="18" charset="0"/>
+              </a:rPr>
+              <a:t> </a:t>
+            </a:r>
+            <a:r>
+              <a:rPr lang="en-US" dirty="0" err="1">
+                <a:solidFill>
+                  <a:schemeClr val="tx1"/>
+                </a:solidFill>
+                <a:latin typeface="Times New Roman" panose="02020603050405020304" pitchFamily="18" charset="0"/>
+                <a:cs typeface="Times New Roman" panose="02020603050405020304" pitchFamily="18" charset="0"/>
+              </a:rPr>
+              <a:t>vào</a:t>
+            </a:r>
+            <a:r>
+              <a:rPr lang="en-US" dirty="0">
+                <a:solidFill>
+                  <a:schemeClr val="tx1"/>
+                </a:solidFill>
+                <a:latin typeface="Times New Roman" panose="02020603050405020304" pitchFamily="18" charset="0"/>
+                <a:cs typeface="Times New Roman" panose="02020603050405020304" pitchFamily="18" charset="0"/>
+              </a:rPr>
+              <a:t> </a:t>
+            </a:r>
+            <a:r>
+              <a:rPr lang="en-US" dirty="0" err="1">
+                <a:solidFill>
+                  <a:schemeClr val="tx1"/>
+                </a:solidFill>
+                <a:latin typeface="Times New Roman" panose="02020603050405020304" pitchFamily="18" charset="0"/>
+                <a:cs typeface="Times New Roman" panose="02020603050405020304" pitchFamily="18" charset="0"/>
+              </a:rPr>
+              <a:t>việc</a:t>
+            </a:r>
+            <a:r>
+              <a:rPr lang="en-US" dirty="0">
+                <a:solidFill>
+                  <a:schemeClr val="tx1"/>
+                </a:solidFill>
+                <a:latin typeface="Times New Roman" panose="02020603050405020304" pitchFamily="18" charset="0"/>
+                <a:cs typeface="Times New Roman" panose="02020603050405020304" pitchFamily="18" charset="0"/>
+              </a:rPr>
+              <a:t> </a:t>
+            </a:r>
+            <a:r>
+              <a:rPr lang="en-US" dirty="0" err="1">
+                <a:solidFill>
+                  <a:schemeClr val="tx1"/>
+                </a:solidFill>
+                <a:latin typeface="Times New Roman" panose="02020603050405020304" pitchFamily="18" charset="0"/>
+                <a:cs typeface="Times New Roman" panose="02020603050405020304" pitchFamily="18" charset="0"/>
+              </a:rPr>
+              <a:t>giải</a:t>
+            </a:r>
+            <a:r>
+              <a:rPr lang="en-US" dirty="0">
+                <a:solidFill>
+                  <a:schemeClr val="tx1"/>
+                </a:solidFill>
+                <a:latin typeface="Times New Roman" panose="02020603050405020304" pitchFamily="18" charset="0"/>
+                <a:cs typeface="Times New Roman" panose="02020603050405020304" pitchFamily="18" charset="0"/>
+              </a:rPr>
+              <a:t> </a:t>
+            </a:r>
+            <a:r>
+              <a:rPr lang="en-US" dirty="0" err="1">
+                <a:solidFill>
+                  <a:schemeClr val="tx1"/>
+                </a:solidFill>
+                <a:latin typeface="Times New Roman" panose="02020603050405020304" pitchFamily="18" charset="0"/>
+                <a:cs typeface="Times New Roman" panose="02020603050405020304" pitchFamily="18" charset="0"/>
+              </a:rPr>
+              <a:t>quyết</a:t>
+            </a:r>
+            <a:r>
+              <a:rPr lang="en-US" dirty="0">
+                <a:solidFill>
+                  <a:schemeClr val="tx1"/>
+                </a:solidFill>
+                <a:latin typeface="Times New Roman" panose="02020603050405020304" pitchFamily="18" charset="0"/>
+                <a:cs typeface="Times New Roman" panose="02020603050405020304" pitchFamily="18" charset="0"/>
+              </a:rPr>
+              <a:t> </a:t>
+            </a:r>
+            <a:r>
+              <a:rPr lang="en-US" dirty="0" err="1">
+                <a:solidFill>
+                  <a:schemeClr val="tx1"/>
+                </a:solidFill>
+                <a:latin typeface="Times New Roman" panose="02020603050405020304" pitchFamily="18" charset="0"/>
+                <a:cs typeface="Times New Roman" panose="02020603050405020304" pitchFamily="18" charset="0"/>
+              </a:rPr>
+              <a:t>mô</a:t>
+            </a:r>
+            <a:r>
+              <a:rPr lang="en-US" dirty="0">
+                <a:solidFill>
+                  <a:schemeClr val="tx1"/>
+                </a:solidFill>
+                <a:latin typeface="Times New Roman" panose="02020603050405020304" pitchFamily="18" charset="0"/>
+                <a:cs typeface="Times New Roman" panose="02020603050405020304" pitchFamily="18" charset="0"/>
+              </a:rPr>
+              <a:t> </a:t>
+            </a:r>
+            <a:r>
+              <a:rPr lang="en-US" dirty="0" err="1">
+                <a:solidFill>
+                  <a:schemeClr val="tx1"/>
+                </a:solidFill>
+                <a:latin typeface="Times New Roman" panose="02020603050405020304" pitchFamily="18" charset="0"/>
+                <a:cs typeface="Times New Roman" panose="02020603050405020304" pitchFamily="18" charset="0"/>
+              </a:rPr>
+              <a:t>hình</a:t>
+            </a:r>
+            <a:r>
+              <a:rPr lang="en-US" dirty="0">
+                <a:solidFill>
+                  <a:schemeClr val="tx1"/>
+                </a:solidFill>
+                <a:latin typeface="Times New Roman" panose="02020603050405020304" pitchFamily="18" charset="0"/>
+                <a:cs typeface="Times New Roman" panose="02020603050405020304" pitchFamily="18" charset="0"/>
+              </a:rPr>
+              <a:t> </a:t>
+            </a:r>
+            <a:r>
+              <a:rPr lang="en-US" dirty="0" err="1">
+                <a:solidFill>
+                  <a:schemeClr val="tx1"/>
+                </a:solidFill>
+                <a:latin typeface="Times New Roman" panose="02020603050405020304" pitchFamily="18" charset="0"/>
+                <a:cs typeface="Times New Roman" panose="02020603050405020304" pitchFamily="18" charset="0"/>
+              </a:rPr>
+              <a:t>phát</a:t>
+            </a:r>
+            <a:r>
+              <a:rPr lang="en-US" dirty="0">
+                <a:solidFill>
+                  <a:schemeClr val="tx1"/>
+                </a:solidFill>
+                <a:latin typeface="Times New Roman" panose="02020603050405020304" pitchFamily="18" charset="0"/>
+                <a:cs typeface="Times New Roman" panose="02020603050405020304" pitchFamily="18" charset="0"/>
+              </a:rPr>
+              <a:t> </a:t>
+            </a:r>
+            <a:r>
+              <a:rPr lang="en-US" dirty="0" err="1">
+                <a:solidFill>
+                  <a:schemeClr val="tx1"/>
+                </a:solidFill>
+                <a:latin typeface="Times New Roman" panose="02020603050405020304" pitchFamily="18" charset="0"/>
+                <a:cs typeface="Times New Roman" panose="02020603050405020304" pitchFamily="18" charset="0"/>
+              </a:rPr>
+              <a:t>sinh</a:t>
+            </a:r>
+            <a:r>
+              <a:rPr lang="en-US" dirty="0">
+                <a:solidFill>
+                  <a:schemeClr val="tx1"/>
+                </a:solidFill>
+                <a:latin typeface="Times New Roman" panose="02020603050405020304" pitchFamily="18" charset="0"/>
+                <a:cs typeface="Times New Roman" panose="02020603050405020304" pitchFamily="18" charset="0"/>
+              </a:rPr>
+              <a:t> </a:t>
+            </a:r>
+            <a:r>
+              <a:rPr lang="en-US" dirty="0" err="1">
+                <a:solidFill>
+                  <a:schemeClr val="tx1"/>
+                </a:solidFill>
+                <a:latin typeface="Times New Roman" panose="02020603050405020304" pitchFamily="18" charset="0"/>
+                <a:cs typeface="Times New Roman" panose="02020603050405020304" pitchFamily="18" charset="0"/>
+              </a:rPr>
+              <a:t>câu</a:t>
+            </a:r>
+            <a:r>
+              <a:rPr lang="en-US" dirty="0">
+                <a:solidFill>
+                  <a:schemeClr val="tx1"/>
+                </a:solidFill>
+                <a:latin typeface="Times New Roman" panose="02020603050405020304" pitchFamily="18" charset="0"/>
+                <a:cs typeface="Times New Roman" panose="02020603050405020304" pitchFamily="18" charset="0"/>
+              </a:rPr>
+              <a:t> </a:t>
+            </a:r>
+            <a:r>
+              <a:rPr lang="en-US" dirty="0" err="1">
+                <a:solidFill>
+                  <a:schemeClr val="tx1"/>
+                </a:solidFill>
+                <a:latin typeface="Times New Roman" panose="02020603050405020304" pitchFamily="18" charset="0"/>
+                <a:cs typeface="Times New Roman" panose="02020603050405020304" pitchFamily="18" charset="0"/>
+              </a:rPr>
+              <a:t>bình</a:t>
+            </a:r>
+            <a:r>
+              <a:rPr lang="en-US" dirty="0">
+                <a:solidFill>
+                  <a:schemeClr val="tx1"/>
+                </a:solidFill>
+                <a:latin typeface="Times New Roman" panose="02020603050405020304" pitchFamily="18" charset="0"/>
+                <a:cs typeface="Times New Roman" panose="02020603050405020304" pitchFamily="18" charset="0"/>
+              </a:rPr>
+              <a:t> </a:t>
+            </a:r>
+            <a:r>
+              <a:rPr lang="en-US" dirty="0" err="1">
+                <a:solidFill>
+                  <a:schemeClr val="tx1"/>
+                </a:solidFill>
+                <a:latin typeface="Times New Roman" panose="02020603050405020304" pitchFamily="18" charset="0"/>
+                <a:cs typeface="Times New Roman" panose="02020603050405020304" pitchFamily="18" charset="0"/>
+              </a:rPr>
+              <a:t>luận</a:t>
+            </a:r>
+            <a:r>
+              <a:rPr lang="en-US" dirty="0">
+                <a:solidFill>
+                  <a:schemeClr val="tx1"/>
+                </a:solidFill>
+                <a:latin typeface="Times New Roman" panose="02020603050405020304" pitchFamily="18" charset="0"/>
+                <a:cs typeface="Times New Roman" panose="02020603050405020304" pitchFamily="18" charset="0"/>
+              </a:rPr>
+              <a:t> </a:t>
+            </a:r>
+            <a:r>
+              <a:rPr lang="en-US" dirty="0" err="1">
+                <a:solidFill>
+                  <a:schemeClr val="tx1"/>
+                </a:solidFill>
+                <a:latin typeface="Times New Roman" panose="02020603050405020304" pitchFamily="18" charset="0"/>
+                <a:cs typeface="Times New Roman" panose="02020603050405020304" pitchFamily="18" charset="0"/>
+              </a:rPr>
+              <a:t>từ</a:t>
+            </a:r>
+            <a:r>
+              <a:rPr lang="en-US" dirty="0">
+                <a:solidFill>
+                  <a:schemeClr val="tx1"/>
+                </a:solidFill>
+                <a:latin typeface="Times New Roman" panose="02020603050405020304" pitchFamily="18" charset="0"/>
+                <a:cs typeface="Times New Roman" panose="02020603050405020304" pitchFamily="18" charset="0"/>
+              </a:rPr>
+              <a:t> </a:t>
+            </a:r>
+            <a:r>
+              <a:rPr lang="en-US" dirty="0" err="1">
+                <a:solidFill>
+                  <a:schemeClr val="tx1"/>
+                </a:solidFill>
+                <a:latin typeface="Times New Roman" panose="02020603050405020304" pitchFamily="18" charset="0"/>
+                <a:cs typeface="Times New Roman" panose="02020603050405020304" pitchFamily="18" charset="0"/>
+              </a:rPr>
+              <a:t>ảnh</a:t>
+            </a:r>
+            <a:r>
+              <a:rPr lang="en-US" dirty="0">
+                <a:solidFill>
+                  <a:schemeClr val="tx1"/>
+                </a:solidFill>
+                <a:latin typeface="Times New Roman" panose="02020603050405020304" pitchFamily="18" charset="0"/>
+                <a:cs typeface="Times New Roman" panose="02020603050405020304" pitchFamily="18" charset="0"/>
+              </a:rPr>
+              <a:t> </a:t>
+            </a:r>
+            <a:r>
+              <a:rPr lang="en-US" dirty="0" err="1">
+                <a:solidFill>
+                  <a:schemeClr val="tx1"/>
+                </a:solidFill>
+                <a:latin typeface="Times New Roman" panose="02020603050405020304" pitchFamily="18" charset="0"/>
+                <a:cs typeface="Times New Roman" panose="02020603050405020304" pitchFamily="18" charset="0"/>
+              </a:rPr>
+              <a:t>tĩnh</a:t>
+            </a:r>
+            <a:r>
+              <a:rPr lang="en-US" dirty="0">
+                <a:solidFill>
+                  <a:schemeClr val="tx1"/>
+                </a:solidFill>
+                <a:latin typeface="Times New Roman" panose="02020603050405020304" pitchFamily="18" charset="0"/>
+                <a:cs typeface="Times New Roman" panose="02020603050405020304" pitchFamily="18" charset="0"/>
+              </a:rPr>
+              <a:t>. </a:t>
+            </a:r>
+          </a:p>
+          <a:p>
+            <a:pPr marL="0" indent="0">
+              <a:buNone/>
+            </a:pPr>
+            <a:r>
+              <a:rPr lang="en-US" dirty="0">
+                <a:solidFill>
+                  <a:schemeClr val="tx1"/>
+                </a:solidFill>
+                <a:latin typeface="Times New Roman" panose="02020603050405020304" pitchFamily="18" charset="0"/>
+                <a:cs typeface="Times New Roman" panose="02020603050405020304" pitchFamily="18" charset="0"/>
+              </a:rPr>
+              <a:t>- </a:t>
+            </a:r>
+            <a:r>
+              <a:rPr lang="en-US" dirty="0" err="1">
+                <a:solidFill>
+                  <a:schemeClr val="tx1"/>
+                </a:solidFill>
+                <a:latin typeface="Times New Roman" panose="02020603050405020304" pitchFamily="18" charset="0"/>
+                <a:cs typeface="Times New Roman" panose="02020603050405020304" pitchFamily="18" charset="0"/>
+              </a:rPr>
+              <a:t>Hiện</a:t>
+            </a:r>
+            <a:r>
+              <a:rPr lang="en-US" dirty="0">
+                <a:solidFill>
+                  <a:schemeClr val="tx1"/>
+                </a:solidFill>
+                <a:latin typeface="Times New Roman" panose="02020603050405020304" pitchFamily="18" charset="0"/>
+                <a:cs typeface="Times New Roman" panose="02020603050405020304" pitchFamily="18" charset="0"/>
+              </a:rPr>
+              <a:t> </a:t>
+            </a:r>
+            <a:r>
+              <a:rPr lang="en-US" dirty="0" err="1">
+                <a:solidFill>
+                  <a:schemeClr val="tx1"/>
+                </a:solidFill>
+                <a:latin typeface="Times New Roman" panose="02020603050405020304" pitchFamily="18" charset="0"/>
+                <a:cs typeface="Times New Roman" panose="02020603050405020304" pitchFamily="18" charset="0"/>
+              </a:rPr>
+              <a:t>thực</a:t>
+            </a:r>
+            <a:r>
+              <a:rPr lang="en-US" dirty="0">
+                <a:solidFill>
+                  <a:schemeClr val="tx1"/>
+                </a:solidFill>
+                <a:latin typeface="Times New Roman" panose="02020603050405020304" pitchFamily="18" charset="0"/>
+                <a:cs typeface="Times New Roman" panose="02020603050405020304" pitchFamily="18" charset="0"/>
+              </a:rPr>
+              <a:t> </a:t>
+            </a:r>
+            <a:r>
+              <a:rPr lang="en-US" dirty="0" err="1">
+                <a:solidFill>
+                  <a:schemeClr val="tx1"/>
+                </a:solidFill>
+                <a:latin typeface="Times New Roman" panose="02020603050405020304" pitchFamily="18" charset="0"/>
+                <a:cs typeface="Times New Roman" panose="02020603050405020304" pitchFamily="18" charset="0"/>
+              </a:rPr>
+              <a:t>lại</a:t>
+            </a:r>
+            <a:r>
+              <a:rPr lang="en-US" dirty="0">
+                <a:solidFill>
+                  <a:schemeClr val="tx1"/>
+                </a:solidFill>
+                <a:latin typeface="Times New Roman" panose="02020603050405020304" pitchFamily="18" charset="0"/>
+                <a:cs typeface="Times New Roman" panose="02020603050405020304" pitchFamily="18" charset="0"/>
+              </a:rPr>
+              <a:t> </a:t>
+            </a:r>
+            <a:r>
+              <a:rPr lang="en-US" dirty="0" err="1">
+                <a:solidFill>
+                  <a:schemeClr val="tx1"/>
+                </a:solidFill>
+                <a:latin typeface="Times New Roman" panose="02020603050405020304" pitchFamily="18" charset="0"/>
+                <a:cs typeface="Times New Roman" panose="02020603050405020304" pitchFamily="18" charset="0"/>
+              </a:rPr>
+              <a:t>mô</a:t>
+            </a:r>
+            <a:r>
+              <a:rPr lang="en-US" dirty="0">
+                <a:solidFill>
+                  <a:schemeClr val="tx1"/>
+                </a:solidFill>
+                <a:latin typeface="Times New Roman" panose="02020603050405020304" pitchFamily="18" charset="0"/>
+                <a:cs typeface="Times New Roman" panose="02020603050405020304" pitchFamily="18" charset="0"/>
+              </a:rPr>
+              <a:t> </a:t>
+            </a:r>
+            <a:r>
+              <a:rPr lang="en-US" dirty="0" err="1">
+                <a:solidFill>
+                  <a:schemeClr val="tx1"/>
+                </a:solidFill>
+                <a:latin typeface="Times New Roman" panose="02020603050405020304" pitchFamily="18" charset="0"/>
+                <a:cs typeface="Times New Roman" panose="02020603050405020304" pitchFamily="18" charset="0"/>
+              </a:rPr>
+              <a:t>hình</a:t>
+            </a:r>
+            <a:r>
+              <a:rPr lang="en-US" dirty="0">
+                <a:solidFill>
+                  <a:schemeClr val="tx1"/>
+                </a:solidFill>
+                <a:latin typeface="Times New Roman" panose="02020603050405020304" pitchFamily="18" charset="0"/>
+                <a:cs typeface="Times New Roman" panose="02020603050405020304" pitchFamily="18" charset="0"/>
+              </a:rPr>
+              <a:t> “</a:t>
+            </a:r>
+            <a:r>
+              <a:rPr lang="en-US" dirty="0" err="1">
+                <a:solidFill>
+                  <a:schemeClr val="tx1"/>
+                </a:solidFill>
+                <a:latin typeface="Times New Roman" panose="02020603050405020304" pitchFamily="18" charset="0"/>
+                <a:cs typeface="Times New Roman" panose="02020603050405020304" pitchFamily="18" charset="0"/>
+              </a:rPr>
+              <a:t>Tự</a:t>
+            </a:r>
+            <a:r>
+              <a:rPr lang="en-US" dirty="0">
+                <a:solidFill>
+                  <a:schemeClr val="tx1"/>
+                </a:solidFill>
+                <a:latin typeface="Times New Roman" panose="02020603050405020304" pitchFamily="18" charset="0"/>
+                <a:cs typeface="Times New Roman" panose="02020603050405020304" pitchFamily="18" charset="0"/>
+              </a:rPr>
+              <a:t> </a:t>
+            </a:r>
+            <a:r>
+              <a:rPr lang="en-US" dirty="0" err="1">
+                <a:solidFill>
+                  <a:schemeClr val="tx1"/>
+                </a:solidFill>
+                <a:latin typeface="Times New Roman" panose="02020603050405020304" pitchFamily="18" charset="0"/>
+                <a:cs typeface="Times New Roman" panose="02020603050405020304" pitchFamily="18" charset="0"/>
+              </a:rPr>
+              <a:t>động</a:t>
+            </a:r>
+            <a:r>
+              <a:rPr lang="en-US" dirty="0">
+                <a:solidFill>
+                  <a:schemeClr val="tx1"/>
+                </a:solidFill>
+                <a:latin typeface="Times New Roman" panose="02020603050405020304" pitchFamily="18" charset="0"/>
+                <a:cs typeface="Times New Roman" panose="02020603050405020304" pitchFamily="18" charset="0"/>
+              </a:rPr>
+              <a:t> </a:t>
+            </a:r>
+            <a:r>
+              <a:rPr lang="en-US" dirty="0" err="1">
+                <a:solidFill>
+                  <a:schemeClr val="tx1"/>
+                </a:solidFill>
+                <a:latin typeface="Times New Roman" panose="02020603050405020304" pitchFamily="18" charset="0"/>
+                <a:cs typeface="Times New Roman" panose="02020603050405020304" pitchFamily="18" charset="0"/>
+              </a:rPr>
+              <a:t>phát</a:t>
+            </a:r>
+            <a:r>
+              <a:rPr lang="en-US" dirty="0">
+                <a:solidFill>
+                  <a:schemeClr val="tx1"/>
+                </a:solidFill>
+                <a:latin typeface="Times New Roman" panose="02020603050405020304" pitchFamily="18" charset="0"/>
+                <a:cs typeface="Times New Roman" panose="02020603050405020304" pitchFamily="18" charset="0"/>
+              </a:rPr>
+              <a:t> </a:t>
+            </a:r>
+            <a:r>
+              <a:rPr lang="en-US" dirty="0" err="1">
+                <a:solidFill>
+                  <a:schemeClr val="tx1"/>
+                </a:solidFill>
+                <a:latin typeface="Times New Roman" panose="02020603050405020304" pitchFamily="18" charset="0"/>
+                <a:cs typeface="Times New Roman" panose="02020603050405020304" pitchFamily="18" charset="0"/>
+              </a:rPr>
+              <a:t>sinh</a:t>
+            </a:r>
+            <a:r>
+              <a:rPr lang="en-US" dirty="0">
+                <a:solidFill>
+                  <a:schemeClr val="tx1"/>
+                </a:solidFill>
+                <a:latin typeface="Times New Roman" panose="02020603050405020304" pitchFamily="18" charset="0"/>
+                <a:cs typeface="Times New Roman" panose="02020603050405020304" pitchFamily="18" charset="0"/>
+              </a:rPr>
+              <a:t> </a:t>
+            </a:r>
+            <a:r>
+              <a:rPr lang="en-US" dirty="0" err="1">
+                <a:solidFill>
+                  <a:schemeClr val="tx1"/>
+                </a:solidFill>
+                <a:latin typeface="Times New Roman" panose="02020603050405020304" pitchFamily="18" charset="0"/>
+                <a:cs typeface="Times New Roman" panose="02020603050405020304" pitchFamily="18" charset="0"/>
+              </a:rPr>
+              <a:t>bình</a:t>
+            </a:r>
+            <a:r>
+              <a:rPr lang="en-US" dirty="0">
+                <a:solidFill>
+                  <a:schemeClr val="tx1"/>
+                </a:solidFill>
+                <a:latin typeface="Times New Roman" panose="02020603050405020304" pitchFamily="18" charset="0"/>
+                <a:cs typeface="Times New Roman" panose="02020603050405020304" pitchFamily="18" charset="0"/>
+              </a:rPr>
+              <a:t> </a:t>
+            </a:r>
+            <a:r>
+              <a:rPr lang="en-US" dirty="0" err="1">
+                <a:solidFill>
+                  <a:schemeClr val="tx1"/>
+                </a:solidFill>
+                <a:latin typeface="Times New Roman" panose="02020603050405020304" pitchFamily="18" charset="0"/>
+                <a:cs typeface="Times New Roman" panose="02020603050405020304" pitchFamily="18" charset="0"/>
+              </a:rPr>
+              <a:t>luận</a:t>
+            </a:r>
+            <a:r>
+              <a:rPr lang="en-US" dirty="0">
+                <a:solidFill>
+                  <a:schemeClr val="tx1"/>
+                </a:solidFill>
+                <a:latin typeface="Times New Roman" panose="02020603050405020304" pitchFamily="18" charset="0"/>
+                <a:cs typeface="Times New Roman" panose="02020603050405020304" pitchFamily="18" charset="0"/>
+              </a:rPr>
+              <a:t> </a:t>
+            </a:r>
+            <a:r>
+              <a:rPr lang="en-US" dirty="0" err="1">
+                <a:solidFill>
+                  <a:schemeClr val="tx1"/>
+                </a:solidFill>
+                <a:latin typeface="Times New Roman" panose="02020603050405020304" pitchFamily="18" charset="0"/>
+                <a:cs typeface="Times New Roman" panose="02020603050405020304" pitchFamily="18" charset="0"/>
+              </a:rPr>
+              <a:t>cho</a:t>
+            </a:r>
+            <a:r>
+              <a:rPr lang="en-US" dirty="0">
+                <a:solidFill>
+                  <a:schemeClr val="tx1"/>
+                </a:solidFill>
+                <a:latin typeface="Times New Roman" panose="02020603050405020304" pitchFamily="18" charset="0"/>
+                <a:cs typeface="Times New Roman" panose="02020603050405020304" pitchFamily="18" charset="0"/>
+              </a:rPr>
+              <a:t> </a:t>
+            </a:r>
+            <a:r>
+              <a:rPr lang="en-US" dirty="0" err="1">
+                <a:solidFill>
+                  <a:schemeClr val="tx1"/>
+                </a:solidFill>
+                <a:latin typeface="Times New Roman" panose="02020603050405020304" pitchFamily="18" charset="0"/>
+                <a:cs typeface="Times New Roman" panose="02020603050405020304" pitchFamily="18" charset="0"/>
+              </a:rPr>
+              <a:t>ảnh</a:t>
+            </a:r>
+            <a:r>
+              <a:rPr lang="en-US" dirty="0">
+                <a:solidFill>
+                  <a:schemeClr val="tx1"/>
+                </a:solidFill>
+                <a:latin typeface="Times New Roman" panose="02020603050405020304" pitchFamily="18" charset="0"/>
+                <a:cs typeface="Times New Roman" panose="02020603050405020304" pitchFamily="18" charset="0"/>
+              </a:rPr>
+              <a:t> </a:t>
+            </a:r>
+            <a:r>
+              <a:rPr lang="en-US" dirty="0" err="1">
+                <a:solidFill>
+                  <a:schemeClr val="tx1"/>
+                </a:solidFill>
+                <a:latin typeface="Times New Roman" panose="02020603050405020304" pitchFamily="18" charset="0"/>
+                <a:cs typeface="Times New Roman" panose="02020603050405020304" pitchFamily="18" charset="0"/>
+              </a:rPr>
+              <a:t>thời</a:t>
+            </a:r>
+            <a:r>
+              <a:rPr lang="en-US" dirty="0">
+                <a:solidFill>
+                  <a:schemeClr val="tx1"/>
+                </a:solidFill>
+                <a:latin typeface="Times New Roman" panose="02020603050405020304" pitchFamily="18" charset="0"/>
+                <a:cs typeface="Times New Roman" panose="02020603050405020304" pitchFamily="18" charset="0"/>
+              </a:rPr>
+              <a:t> </a:t>
+            </a:r>
+            <a:r>
+              <a:rPr lang="en-US" dirty="0" err="1">
+                <a:solidFill>
+                  <a:schemeClr val="tx1"/>
+                </a:solidFill>
+                <a:latin typeface="Times New Roman" panose="02020603050405020304" pitchFamily="18" charset="0"/>
+                <a:cs typeface="Times New Roman" panose="02020603050405020304" pitchFamily="18" charset="0"/>
+              </a:rPr>
+              <a:t>trang</a:t>
+            </a:r>
+            <a:r>
+              <a:rPr lang="en-US" dirty="0">
+                <a:solidFill>
+                  <a:schemeClr val="tx1"/>
+                </a:solidFill>
+                <a:latin typeface="Times New Roman" panose="02020603050405020304" pitchFamily="18" charset="0"/>
+                <a:cs typeface="Times New Roman" panose="02020603050405020304" pitchFamily="18" charset="0"/>
+              </a:rPr>
+              <a:t>”.</a:t>
+            </a:r>
+          </a:p>
+          <a:p>
+            <a:pPr marL="0" indent="0">
+              <a:buNone/>
+            </a:pPr>
+            <a:endParaRPr lang="en-US" dirty="0">
+              <a:solidFill>
+                <a:schemeClr val="tx1"/>
+              </a:solidFill>
+            </a:endParaRPr>
+          </a:p>
+        </p:txBody>
+      </p:sp>
+    </p:spTree>
+    <p:extLst>
+      <p:ext uri="{BB962C8B-B14F-4D97-AF65-F5344CB8AC3E}">
+        <p14:creationId xmlns:p14="http://schemas.microsoft.com/office/powerpoint/2010/main" val="2175606873"/>
+      </p:ext>
+    </p:extLst>
+  </p:cSld>
+  <p:clrMapOvr>
+    <a:masterClrMapping/>
+  </p:clrMapOvr>
+  <p:timing>
+    <p:tnLst>
+      <p:par>
+        <p:cTn id="1" dur="indefinite" restart="never" nodeType="tmRoot"/>
+      </p:par>
+    </p:tnLst>
+  </p:timing>
+</p:sld>
+</file>
+
+<file path=ppt/slides/slide14.xml><?xml version="1.0" encoding="utf-8"?>
+<p:sld xmlns:a="http://schemas.openxmlformats.org/drawingml/2006/main" xmlns:r="http://schemas.openxmlformats.org/officeDocument/2006/relationships" xmlns:p="http://schemas.openxmlformats.org/presentationml/2006/main">
+  <p:cSld>
+    <p:spTree>
+      <p:nvGrpSpPr>
+        <p:cNvPr id="1" name=""/>
+        <p:cNvGrpSpPr/>
+        <p:nvPr/>
+      </p:nvGrpSpPr>
+      <p:grpSpPr>
+        <a:xfrm>
+          <a:off x="0" y="0"/>
+          <a:ext cx="0" cy="0"/>
+          <a:chOff x="0" y="0"/>
+          <a:chExt cx="0" cy="0"/>
+        </a:xfrm>
+      </p:grpSpPr>
+      <p:sp>
+        <p:nvSpPr>
+          <p:cNvPr id="2" name="Title 1"/>
+          <p:cNvSpPr>
+            <a:spLocks noGrp="1"/>
+          </p:cNvSpPr>
+          <p:nvPr>
+            <p:ph type="title"/>
+          </p:nvPr>
+        </p:nvSpPr>
+        <p:spPr/>
+        <p:txBody>
+          <a:bodyPr/>
+          <a:lstStyle/>
+          <a:p>
+            <a:r>
+              <a:rPr lang="en-US" dirty="0">
+                <a:latin typeface="Times New Roman" panose="02020603050405020304" pitchFamily="18" charset="0"/>
+                <a:cs typeface="Times New Roman" panose="02020603050405020304" pitchFamily="18" charset="0"/>
+              </a:rPr>
+              <a:t>5</a:t>
+            </a:r>
+            <a:r>
+              <a:rPr lang="en-US" dirty="0" smtClean="0">
+                <a:latin typeface="Times New Roman" panose="02020603050405020304" pitchFamily="18" charset="0"/>
+                <a:cs typeface="Times New Roman" panose="02020603050405020304" pitchFamily="18" charset="0"/>
+              </a:rPr>
+              <a:t>. </a:t>
+            </a:r>
+            <a:r>
+              <a:rPr lang="en-US" dirty="0">
+                <a:latin typeface="Times New Roman" panose="02020603050405020304" pitchFamily="18" charset="0"/>
+                <a:cs typeface="Times New Roman" panose="02020603050405020304" pitchFamily="18" charset="0"/>
+              </a:rPr>
+              <a:t>TỔNG KẾT &amp; HƯỚNG PHÁT TRIỂN</a:t>
+            </a:r>
+            <a:endParaRPr lang="en-US" dirty="0"/>
+          </a:p>
+        </p:txBody>
+      </p:sp>
+      <p:sp>
+        <p:nvSpPr>
+          <p:cNvPr id="3" name="Content Placeholder 2"/>
+          <p:cNvSpPr>
+            <a:spLocks noGrp="1"/>
+          </p:cNvSpPr>
+          <p:nvPr>
+            <p:ph idx="1"/>
+          </p:nvPr>
+        </p:nvSpPr>
+        <p:spPr/>
+        <p:txBody>
+          <a:bodyPr/>
+          <a:lstStyle/>
+          <a:p>
+            <a:r>
+              <a:rPr lang="en-US" b="1" dirty="0" smtClean="0">
+                <a:latin typeface="Times New Roman" panose="02020603050405020304" pitchFamily="18" charset="0"/>
+                <a:cs typeface="Times New Roman" panose="02020603050405020304" pitchFamily="18" charset="0"/>
+              </a:rPr>
+              <a:t>HẠN CHẾ:</a:t>
+            </a:r>
+          </a:p>
+          <a:p>
+            <a:pPr marL="0" indent="0">
+              <a:buNone/>
+            </a:pPr>
+            <a:r>
+              <a:rPr lang="en-US" dirty="0">
+                <a:solidFill>
+                  <a:schemeClr val="tx1"/>
+                </a:solidFill>
+                <a:latin typeface="Times New Roman" panose="02020603050405020304" pitchFamily="18" charset="0"/>
+                <a:cs typeface="Times New Roman" panose="02020603050405020304" pitchFamily="18" charset="0"/>
+              </a:rPr>
+              <a:t>- </a:t>
+            </a:r>
+            <a:r>
+              <a:rPr lang="en-US" dirty="0" err="1">
+                <a:solidFill>
+                  <a:schemeClr val="tx1"/>
+                </a:solidFill>
+                <a:latin typeface="Times New Roman" panose="02020603050405020304" pitchFamily="18" charset="0"/>
+                <a:cs typeface="Times New Roman" panose="02020603050405020304" pitchFamily="18" charset="0"/>
+              </a:rPr>
+              <a:t>Cơ</a:t>
+            </a:r>
+            <a:r>
+              <a:rPr lang="en-US" dirty="0">
+                <a:solidFill>
+                  <a:schemeClr val="tx1"/>
+                </a:solidFill>
+                <a:latin typeface="Times New Roman" panose="02020603050405020304" pitchFamily="18" charset="0"/>
+                <a:cs typeface="Times New Roman" panose="02020603050405020304" pitchFamily="18" charset="0"/>
+              </a:rPr>
+              <a:t> </a:t>
+            </a:r>
+            <a:r>
+              <a:rPr lang="en-US" dirty="0" err="1">
+                <a:solidFill>
+                  <a:schemeClr val="tx1"/>
+                </a:solidFill>
+                <a:latin typeface="Times New Roman" panose="02020603050405020304" pitchFamily="18" charset="0"/>
+                <a:cs typeface="Times New Roman" panose="02020603050405020304" pitchFamily="18" charset="0"/>
+              </a:rPr>
+              <a:t>sở</a:t>
+            </a:r>
+            <a:r>
+              <a:rPr lang="en-US" dirty="0">
+                <a:solidFill>
+                  <a:schemeClr val="tx1"/>
+                </a:solidFill>
+                <a:latin typeface="Times New Roman" panose="02020603050405020304" pitchFamily="18" charset="0"/>
+                <a:cs typeface="Times New Roman" panose="02020603050405020304" pitchFamily="18" charset="0"/>
+              </a:rPr>
+              <a:t> </a:t>
+            </a:r>
+            <a:r>
+              <a:rPr lang="en-US" dirty="0" err="1">
+                <a:solidFill>
+                  <a:schemeClr val="tx1"/>
+                </a:solidFill>
+                <a:latin typeface="Times New Roman" panose="02020603050405020304" pitchFamily="18" charset="0"/>
+                <a:cs typeface="Times New Roman" panose="02020603050405020304" pitchFamily="18" charset="0"/>
+              </a:rPr>
+              <a:t>vật</a:t>
+            </a:r>
+            <a:r>
+              <a:rPr lang="en-US" dirty="0">
+                <a:solidFill>
+                  <a:schemeClr val="tx1"/>
+                </a:solidFill>
+                <a:latin typeface="Times New Roman" panose="02020603050405020304" pitchFamily="18" charset="0"/>
+                <a:cs typeface="Times New Roman" panose="02020603050405020304" pitchFamily="18" charset="0"/>
+              </a:rPr>
+              <a:t> </a:t>
+            </a:r>
+            <a:r>
+              <a:rPr lang="en-US" dirty="0" err="1">
+                <a:solidFill>
+                  <a:schemeClr val="tx1"/>
+                </a:solidFill>
+                <a:latin typeface="Times New Roman" panose="02020603050405020304" pitchFamily="18" charset="0"/>
+                <a:cs typeface="Times New Roman" panose="02020603050405020304" pitchFamily="18" charset="0"/>
+              </a:rPr>
+              <a:t>chất</a:t>
+            </a:r>
+            <a:r>
+              <a:rPr lang="en-US" dirty="0">
+                <a:solidFill>
+                  <a:schemeClr val="tx1"/>
+                </a:solidFill>
+                <a:latin typeface="Times New Roman" panose="02020603050405020304" pitchFamily="18" charset="0"/>
+                <a:cs typeface="Times New Roman" panose="02020603050405020304" pitchFamily="18" charset="0"/>
+              </a:rPr>
+              <a:t> </a:t>
+            </a:r>
+            <a:r>
+              <a:rPr lang="en-US" dirty="0" err="1">
+                <a:solidFill>
+                  <a:schemeClr val="tx1"/>
+                </a:solidFill>
+                <a:latin typeface="Times New Roman" panose="02020603050405020304" pitchFamily="18" charset="0"/>
+                <a:cs typeface="Times New Roman" panose="02020603050405020304" pitchFamily="18" charset="0"/>
+              </a:rPr>
+              <a:t>chưa</a:t>
+            </a:r>
+            <a:r>
+              <a:rPr lang="en-US" dirty="0">
+                <a:solidFill>
+                  <a:schemeClr val="tx1"/>
+                </a:solidFill>
+                <a:latin typeface="Times New Roman" panose="02020603050405020304" pitchFamily="18" charset="0"/>
+                <a:cs typeface="Times New Roman" panose="02020603050405020304" pitchFamily="18" charset="0"/>
+              </a:rPr>
+              <a:t> </a:t>
+            </a:r>
+            <a:r>
+              <a:rPr lang="en-US" dirty="0" err="1">
+                <a:solidFill>
+                  <a:schemeClr val="tx1"/>
+                </a:solidFill>
+                <a:latin typeface="Times New Roman" panose="02020603050405020304" pitchFamily="18" charset="0"/>
+                <a:cs typeface="Times New Roman" panose="02020603050405020304" pitchFamily="18" charset="0"/>
+              </a:rPr>
+              <a:t>đủ</a:t>
+            </a:r>
+            <a:r>
+              <a:rPr lang="en-US" dirty="0">
+                <a:solidFill>
+                  <a:schemeClr val="tx1"/>
+                </a:solidFill>
+                <a:latin typeface="Times New Roman" panose="02020603050405020304" pitchFamily="18" charset="0"/>
+                <a:cs typeface="Times New Roman" panose="02020603050405020304" pitchFamily="18" charset="0"/>
+              </a:rPr>
+              <a:t> </a:t>
+            </a:r>
+            <a:r>
+              <a:rPr lang="en-US" dirty="0" err="1">
+                <a:solidFill>
+                  <a:schemeClr val="tx1"/>
+                </a:solidFill>
+                <a:latin typeface="Times New Roman" panose="02020603050405020304" pitchFamily="18" charset="0"/>
+                <a:cs typeface="Times New Roman" panose="02020603050405020304" pitchFamily="18" charset="0"/>
+              </a:rPr>
+              <a:t>tốt</a:t>
+            </a:r>
+            <a:r>
+              <a:rPr lang="en-US" dirty="0">
+                <a:solidFill>
+                  <a:schemeClr val="tx1"/>
+                </a:solidFill>
+                <a:latin typeface="Times New Roman" panose="02020603050405020304" pitchFamily="18" charset="0"/>
+                <a:cs typeface="Times New Roman" panose="02020603050405020304" pitchFamily="18" charset="0"/>
+              </a:rPr>
+              <a:t>.</a:t>
+            </a:r>
+          </a:p>
+          <a:p>
+            <a:pPr marL="0" indent="0">
+              <a:buNone/>
+            </a:pPr>
+            <a:r>
+              <a:rPr lang="en-US" dirty="0">
+                <a:solidFill>
+                  <a:schemeClr val="tx1"/>
+                </a:solidFill>
+                <a:latin typeface="Times New Roman" panose="02020603050405020304" pitchFamily="18" charset="0"/>
+                <a:cs typeface="Times New Roman" panose="02020603050405020304" pitchFamily="18" charset="0"/>
+              </a:rPr>
+              <a:t>- </a:t>
+            </a:r>
+            <a:r>
+              <a:rPr lang="en-US" dirty="0" err="1">
+                <a:solidFill>
+                  <a:schemeClr val="tx1"/>
+                </a:solidFill>
+                <a:latin typeface="Times New Roman" panose="02020603050405020304" pitchFamily="18" charset="0"/>
+                <a:cs typeface="Times New Roman" panose="02020603050405020304" pitchFamily="18" charset="0"/>
+              </a:rPr>
+              <a:t>Chưa</a:t>
+            </a:r>
+            <a:r>
+              <a:rPr lang="en-US" dirty="0">
+                <a:solidFill>
+                  <a:schemeClr val="tx1"/>
+                </a:solidFill>
+                <a:latin typeface="Times New Roman" panose="02020603050405020304" pitchFamily="18" charset="0"/>
+                <a:cs typeface="Times New Roman" panose="02020603050405020304" pitchFamily="18" charset="0"/>
+              </a:rPr>
+              <a:t> </a:t>
+            </a:r>
+            <a:r>
+              <a:rPr lang="en-US" dirty="0" err="1">
+                <a:solidFill>
+                  <a:schemeClr val="tx1"/>
+                </a:solidFill>
+                <a:latin typeface="Times New Roman" panose="02020603050405020304" pitchFamily="18" charset="0"/>
+                <a:cs typeface="Times New Roman" panose="02020603050405020304" pitchFamily="18" charset="0"/>
+              </a:rPr>
+              <a:t>quen</a:t>
+            </a:r>
+            <a:r>
+              <a:rPr lang="en-US" dirty="0">
+                <a:solidFill>
+                  <a:schemeClr val="tx1"/>
+                </a:solidFill>
+                <a:latin typeface="Times New Roman" panose="02020603050405020304" pitchFamily="18" charset="0"/>
+                <a:cs typeface="Times New Roman" panose="02020603050405020304" pitchFamily="18" charset="0"/>
+              </a:rPr>
+              <a:t> </a:t>
+            </a:r>
+            <a:r>
+              <a:rPr lang="en-US" dirty="0" err="1">
+                <a:solidFill>
+                  <a:schemeClr val="tx1"/>
+                </a:solidFill>
+                <a:latin typeface="Times New Roman" panose="02020603050405020304" pitchFamily="18" charset="0"/>
+                <a:cs typeface="Times New Roman" panose="02020603050405020304" pitchFamily="18" charset="0"/>
+              </a:rPr>
+              <a:t>với</a:t>
+            </a:r>
+            <a:r>
+              <a:rPr lang="en-US" dirty="0">
+                <a:solidFill>
+                  <a:schemeClr val="tx1"/>
+                </a:solidFill>
+                <a:latin typeface="Times New Roman" panose="02020603050405020304" pitchFamily="18" charset="0"/>
+                <a:cs typeface="Times New Roman" panose="02020603050405020304" pitchFamily="18" charset="0"/>
+              </a:rPr>
+              <a:t> </a:t>
+            </a:r>
+            <a:r>
+              <a:rPr lang="en-US" dirty="0" err="1">
+                <a:solidFill>
+                  <a:schemeClr val="tx1"/>
+                </a:solidFill>
+                <a:latin typeface="Times New Roman" panose="02020603050405020304" pitchFamily="18" charset="0"/>
+                <a:cs typeface="Times New Roman" panose="02020603050405020304" pitchFamily="18" charset="0"/>
+              </a:rPr>
+              <a:t>môi</a:t>
+            </a:r>
+            <a:r>
+              <a:rPr lang="en-US" dirty="0">
+                <a:solidFill>
+                  <a:schemeClr val="tx1"/>
+                </a:solidFill>
+                <a:latin typeface="Times New Roman" panose="02020603050405020304" pitchFamily="18" charset="0"/>
+                <a:cs typeface="Times New Roman" panose="02020603050405020304" pitchFamily="18" charset="0"/>
+              </a:rPr>
+              <a:t> </a:t>
+            </a:r>
+            <a:r>
+              <a:rPr lang="en-US" dirty="0" err="1">
+                <a:solidFill>
+                  <a:schemeClr val="tx1"/>
+                </a:solidFill>
+                <a:latin typeface="Times New Roman" panose="02020603050405020304" pitchFamily="18" charset="0"/>
+                <a:cs typeface="Times New Roman" panose="02020603050405020304" pitchFamily="18" charset="0"/>
+              </a:rPr>
+              <a:t>trường</a:t>
+            </a:r>
+            <a:r>
+              <a:rPr lang="en-US" dirty="0">
+                <a:solidFill>
+                  <a:schemeClr val="tx1"/>
+                </a:solidFill>
+                <a:latin typeface="Times New Roman" panose="02020603050405020304" pitchFamily="18" charset="0"/>
+                <a:cs typeface="Times New Roman" panose="02020603050405020304" pitchFamily="18" charset="0"/>
+              </a:rPr>
+              <a:t> </a:t>
+            </a:r>
+            <a:r>
+              <a:rPr lang="en-US" dirty="0" err="1">
+                <a:solidFill>
+                  <a:schemeClr val="tx1"/>
+                </a:solidFill>
+                <a:latin typeface="Times New Roman" panose="02020603050405020304" pitchFamily="18" charset="0"/>
+                <a:cs typeface="Times New Roman" panose="02020603050405020304" pitchFamily="18" charset="0"/>
+              </a:rPr>
+              <a:t>làm</a:t>
+            </a:r>
+            <a:r>
+              <a:rPr lang="en-US" dirty="0">
+                <a:solidFill>
+                  <a:schemeClr val="tx1"/>
+                </a:solidFill>
+                <a:latin typeface="Times New Roman" panose="02020603050405020304" pitchFamily="18" charset="0"/>
+                <a:cs typeface="Times New Roman" panose="02020603050405020304" pitchFamily="18" charset="0"/>
+              </a:rPr>
+              <a:t> </a:t>
+            </a:r>
+            <a:r>
+              <a:rPr lang="en-US" dirty="0" err="1">
+                <a:solidFill>
+                  <a:schemeClr val="tx1"/>
+                </a:solidFill>
+                <a:latin typeface="Times New Roman" panose="02020603050405020304" pitchFamily="18" charset="0"/>
+                <a:cs typeface="Times New Roman" panose="02020603050405020304" pitchFamily="18" charset="0"/>
+              </a:rPr>
+              <a:t>việc</a:t>
+            </a:r>
+            <a:r>
+              <a:rPr lang="en-US" dirty="0">
+                <a:solidFill>
+                  <a:schemeClr val="tx1"/>
+                </a:solidFill>
+                <a:latin typeface="Times New Roman" panose="02020603050405020304" pitchFamily="18" charset="0"/>
+                <a:cs typeface="Times New Roman" panose="02020603050405020304" pitchFamily="18" charset="0"/>
+              </a:rPr>
+              <a:t> Google </a:t>
+            </a:r>
+            <a:r>
+              <a:rPr lang="en-US" dirty="0" err="1">
+                <a:solidFill>
+                  <a:schemeClr val="tx1"/>
+                </a:solidFill>
+                <a:latin typeface="Times New Roman" panose="02020603050405020304" pitchFamily="18" charset="0"/>
+                <a:cs typeface="Times New Roman" panose="02020603050405020304" pitchFamily="18" charset="0"/>
+              </a:rPr>
+              <a:t>Colab</a:t>
+            </a:r>
+            <a:r>
+              <a:rPr lang="en-US" dirty="0">
+                <a:solidFill>
+                  <a:schemeClr val="tx1"/>
+                </a:solidFill>
+                <a:latin typeface="Times New Roman" panose="02020603050405020304" pitchFamily="18" charset="0"/>
+                <a:cs typeface="Times New Roman" panose="02020603050405020304" pitchFamily="18" charset="0"/>
+              </a:rPr>
+              <a:t> Service.</a:t>
+            </a:r>
+          </a:p>
+          <a:p>
+            <a:pPr marL="0" indent="0">
+              <a:buNone/>
+            </a:pPr>
+            <a:r>
+              <a:rPr lang="en-US" dirty="0">
+                <a:solidFill>
+                  <a:schemeClr val="tx1"/>
+                </a:solidFill>
+                <a:latin typeface="Times New Roman" panose="02020603050405020304" pitchFamily="18" charset="0"/>
+                <a:cs typeface="Times New Roman" panose="02020603050405020304" pitchFamily="18" charset="0"/>
+              </a:rPr>
+              <a:t>- </a:t>
+            </a:r>
+            <a:r>
+              <a:rPr lang="en-US" dirty="0" err="1">
+                <a:solidFill>
+                  <a:schemeClr val="tx1"/>
+                </a:solidFill>
+                <a:latin typeface="Times New Roman" panose="02020603050405020304" pitchFamily="18" charset="0"/>
+                <a:cs typeface="Times New Roman" panose="02020603050405020304" pitchFamily="18" charset="0"/>
+              </a:rPr>
+              <a:t>Ch</a:t>
+            </a:r>
+            <a:r>
+              <a:rPr lang="vi-VN" dirty="0">
+                <a:solidFill>
+                  <a:schemeClr val="tx1"/>
+                </a:solidFill>
+                <a:latin typeface="Times New Roman" panose="02020603050405020304" pitchFamily="18" charset="0"/>
+                <a:cs typeface="Times New Roman" panose="02020603050405020304" pitchFamily="18" charset="0"/>
+              </a:rPr>
+              <a:t>ư</a:t>
+            </a:r>
+            <a:r>
+              <a:rPr lang="en-US" dirty="0">
+                <a:solidFill>
+                  <a:schemeClr val="tx1"/>
+                </a:solidFill>
+                <a:latin typeface="Times New Roman" panose="02020603050405020304" pitchFamily="18" charset="0"/>
+                <a:cs typeface="Times New Roman" panose="02020603050405020304" pitchFamily="18" charset="0"/>
+              </a:rPr>
+              <a:t>a </a:t>
+            </a:r>
+            <a:r>
+              <a:rPr lang="en-US" dirty="0" err="1">
+                <a:solidFill>
+                  <a:schemeClr val="tx1"/>
+                </a:solidFill>
+                <a:latin typeface="Times New Roman" panose="02020603050405020304" pitchFamily="18" charset="0"/>
+                <a:cs typeface="Times New Roman" panose="02020603050405020304" pitchFamily="18" charset="0"/>
+              </a:rPr>
+              <a:t>có</a:t>
+            </a:r>
+            <a:r>
+              <a:rPr lang="en-US" dirty="0">
+                <a:solidFill>
+                  <a:schemeClr val="tx1"/>
+                </a:solidFill>
+                <a:latin typeface="Times New Roman" panose="02020603050405020304" pitchFamily="18" charset="0"/>
+                <a:cs typeface="Times New Roman" panose="02020603050405020304" pitchFamily="18" charset="0"/>
+              </a:rPr>
+              <a:t> </a:t>
+            </a:r>
+            <a:r>
+              <a:rPr lang="en-US" dirty="0" err="1">
+                <a:solidFill>
+                  <a:schemeClr val="tx1"/>
+                </a:solidFill>
+                <a:latin typeface="Times New Roman" panose="02020603050405020304" pitchFamily="18" charset="0"/>
+                <a:cs typeface="Times New Roman" panose="02020603050405020304" pitchFamily="18" charset="0"/>
+              </a:rPr>
+              <a:t>kinh</a:t>
+            </a:r>
+            <a:r>
+              <a:rPr lang="en-US" dirty="0">
+                <a:solidFill>
+                  <a:schemeClr val="tx1"/>
+                </a:solidFill>
+                <a:latin typeface="Times New Roman" panose="02020603050405020304" pitchFamily="18" charset="0"/>
+                <a:cs typeface="Times New Roman" panose="02020603050405020304" pitchFamily="18" charset="0"/>
+              </a:rPr>
+              <a:t> </a:t>
+            </a:r>
+            <a:r>
+              <a:rPr lang="en-US" dirty="0" err="1">
+                <a:solidFill>
+                  <a:schemeClr val="tx1"/>
+                </a:solidFill>
+                <a:latin typeface="Times New Roman" panose="02020603050405020304" pitchFamily="18" charset="0"/>
+                <a:cs typeface="Times New Roman" panose="02020603050405020304" pitchFamily="18" charset="0"/>
+              </a:rPr>
+              <a:t>nghiệm</a:t>
+            </a:r>
+            <a:r>
+              <a:rPr lang="en-US" dirty="0">
+                <a:solidFill>
+                  <a:schemeClr val="tx1"/>
+                </a:solidFill>
+                <a:latin typeface="Times New Roman" panose="02020603050405020304" pitchFamily="18" charset="0"/>
+                <a:cs typeface="Times New Roman" panose="02020603050405020304" pitchFamily="18" charset="0"/>
+              </a:rPr>
+              <a:t> </a:t>
+            </a:r>
+            <a:r>
+              <a:rPr lang="en-US" dirty="0" err="1">
+                <a:solidFill>
+                  <a:schemeClr val="tx1"/>
+                </a:solidFill>
+                <a:latin typeface="Times New Roman" panose="02020603050405020304" pitchFamily="18" charset="0"/>
+                <a:cs typeface="Times New Roman" panose="02020603050405020304" pitchFamily="18" charset="0"/>
+              </a:rPr>
+              <a:t>khi</a:t>
+            </a:r>
+            <a:r>
+              <a:rPr lang="en-US" dirty="0">
+                <a:solidFill>
+                  <a:schemeClr val="tx1"/>
+                </a:solidFill>
+                <a:latin typeface="Times New Roman" panose="02020603050405020304" pitchFamily="18" charset="0"/>
+                <a:cs typeface="Times New Roman" panose="02020603050405020304" pitchFamily="18" charset="0"/>
+              </a:rPr>
+              <a:t> </a:t>
+            </a:r>
+            <a:r>
+              <a:rPr lang="en-US" dirty="0" err="1">
+                <a:solidFill>
+                  <a:schemeClr val="tx1"/>
+                </a:solidFill>
+                <a:latin typeface="Times New Roman" panose="02020603050405020304" pitchFamily="18" charset="0"/>
+                <a:cs typeface="Times New Roman" panose="02020603050405020304" pitchFamily="18" charset="0"/>
+              </a:rPr>
+              <a:t>tiến</a:t>
+            </a:r>
+            <a:r>
+              <a:rPr lang="en-US" dirty="0">
+                <a:solidFill>
+                  <a:schemeClr val="tx1"/>
+                </a:solidFill>
+                <a:latin typeface="Times New Roman" panose="02020603050405020304" pitchFamily="18" charset="0"/>
+                <a:cs typeface="Times New Roman" panose="02020603050405020304" pitchFamily="18" charset="0"/>
+              </a:rPr>
+              <a:t> </a:t>
+            </a:r>
+            <a:r>
+              <a:rPr lang="en-US" dirty="0" err="1">
+                <a:solidFill>
+                  <a:schemeClr val="tx1"/>
+                </a:solidFill>
+                <a:latin typeface="Times New Roman" panose="02020603050405020304" pitchFamily="18" charset="0"/>
+                <a:cs typeface="Times New Roman" panose="02020603050405020304" pitchFamily="18" charset="0"/>
+              </a:rPr>
+              <a:t>hành</a:t>
+            </a:r>
+            <a:r>
+              <a:rPr lang="en-US" dirty="0">
+                <a:solidFill>
+                  <a:schemeClr val="tx1"/>
+                </a:solidFill>
+                <a:latin typeface="Times New Roman" panose="02020603050405020304" pitchFamily="18" charset="0"/>
+                <a:cs typeface="Times New Roman" panose="02020603050405020304" pitchFamily="18" charset="0"/>
+              </a:rPr>
+              <a:t> </a:t>
+            </a:r>
+            <a:r>
+              <a:rPr lang="en-US" dirty="0" err="1">
+                <a:solidFill>
+                  <a:schemeClr val="tx1"/>
+                </a:solidFill>
+                <a:latin typeface="Times New Roman" panose="02020603050405020304" pitchFamily="18" charset="0"/>
+                <a:cs typeface="Times New Roman" panose="02020603050405020304" pitchFamily="18" charset="0"/>
+              </a:rPr>
+              <a:t>thực</a:t>
+            </a:r>
+            <a:r>
+              <a:rPr lang="en-US" dirty="0">
+                <a:solidFill>
+                  <a:schemeClr val="tx1"/>
+                </a:solidFill>
+                <a:latin typeface="Times New Roman" panose="02020603050405020304" pitchFamily="18" charset="0"/>
+                <a:cs typeface="Times New Roman" panose="02020603050405020304" pitchFamily="18" charset="0"/>
+              </a:rPr>
+              <a:t> </a:t>
+            </a:r>
+            <a:r>
+              <a:rPr lang="en-US" dirty="0" err="1">
+                <a:solidFill>
+                  <a:schemeClr val="tx1"/>
+                </a:solidFill>
+                <a:latin typeface="Times New Roman" panose="02020603050405020304" pitchFamily="18" charset="0"/>
+                <a:cs typeface="Times New Roman" panose="02020603050405020304" pitchFamily="18" charset="0"/>
+              </a:rPr>
+              <a:t>nghiệm</a:t>
+            </a:r>
+            <a:r>
+              <a:rPr lang="en-US" dirty="0">
+                <a:solidFill>
+                  <a:schemeClr val="tx1"/>
+                </a:solidFill>
+                <a:latin typeface="Times New Roman" panose="02020603050405020304" pitchFamily="18" charset="0"/>
+                <a:cs typeface="Times New Roman" panose="02020603050405020304" pitchFamily="18" charset="0"/>
+              </a:rPr>
+              <a:t>.</a:t>
+            </a:r>
+          </a:p>
+          <a:p>
+            <a:pPr marL="0" indent="0">
+              <a:buNone/>
+            </a:pPr>
+            <a:r>
+              <a:rPr lang="en-US" dirty="0">
+                <a:solidFill>
+                  <a:schemeClr val="tx1"/>
+                </a:solidFill>
+                <a:latin typeface="Times New Roman" panose="02020603050405020304" pitchFamily="18" charset="0"/>
+                <a:cs typeface="Times New Roman" panose="02020603050405020304" pitchFamily="18" charset="0"/>
+              </a:rPr>
+              <a:t>- </a:t>
+            </a:r>
+            <a:r>
+              <a:rPr lang="en-US" dirty="0" err="1">
+                <a:solidFill>
+                  <a:schemeClr val="tx1"/>
+                </a:solidFill>
+                <a:latin typeface="Times New Roman" panose="02020603050405020304" pitchFamily="18" charset="0"/>
+                <a:cs typeface="Times New Roman" panose="02020603050405020304" pitchFamily="18" charset="0"/>
+              </a:rPr>
+              <a:t>Kết</a:t>
+            </a:r>
+            <a:r>
+              <a:rPr lang="en-US" dirty="0">
+                <a:solidFill>
+                  <a:schemeClr val="tx1"/>
+                </a:solidFill>
+                <a:latin typeface="Times New Roman" panose="02020603050405020304" pitchFamily="18" charset="0"/>
+                <a:cs typeface="Times New Roman" panose="02020603050405020304" pitchFamily="18" charset="0"/>
+              </a:rPr>
+              <a:t> </a:t>
+            </a:r>
+            <a:r>
+              <a:rPr lang="en-US" dirty="0" err="1">
+                <a:solidFill>
+                  <a:schemeClr val="tx1"/>
+                </a:solidFill>
+                <a:latin typeface="Times New Roman" panose="02020603050405020304" pitchFamily="18" charset="0"/>
+                <a:cs typeface="Times New Roman" panose="02020603050405020304" pitchFamily="18" charset="0"/>
+              </a:rPr>
+              <a:t>quả</a:t>
+            </a:r>
+            <a:r>
+              <a:rPr lang="en-US" dirty="0">
+                <a:solidFill>
+                  <a:schemeClr val="tx1"/>
+                </a:solidFill>
+                <a:latin typeface="Times New Roman" panose="02020603050405020304" pitchFamily="18" charset="0"/>
+                <a:cs typeface="Times New Roman" panose="02020603050405020304" pitchFamily="18" charset="0"/>
+              </a:rPr>
+              <a:t> </a:t>
+            </a:r>
+            <a:r>
+              <a:rPr lang="en-US" dirty="0" err="1">
+                <a:solidFill>
+                  <a:schemeClr val="tx1"/>
+                </a:solidFill>
+                <a:latin typeface="Times New Roman" panose="02020603050405020304" pitchFamily="18" charset="0"/>
+                <a:cs typeface="Times New Roman" panose="02020603050405020304" pitchFamily="18" charset="0"/>
+              </a:rPr>
+              <a:t>trong</a:t>
+            </a:r>
+            <a:r>
+              <a:rPr lang="en-US" dirty="0">
+                <a:solidFill>
+                  <a:schemeClr val="tx1"/>
+                </a:solidFill>
+                <a:latin typeface="Times New Roman" panose="02020603050405020304" pitchFamily="18" charset="0"/>
+                <a:cs typeface="Times New Roman" panose="02020603050405020304" pitchFamily="18" charset="0"/>
+              </a:rPr>
+              <a:t> </a:t>
+            </a:r>
+            <a:r>
+              <a:rPr lang="en-US" dirty="0" err="1">
+                <a:solidFill>
+                  <a:schemeClr val="tx1"/>
+                </a:solidFill>
+                <a:latin typeface="Times New Roman" panose="02020603050405020304" pitchFamily="18" charset="0"/>
+                <a:cs typeface="Times New Roman" panose="02020603050405020304" pitchFamily="18" charset="0"/>
+              </a:rPr>
+              <a:t>việc</a:t>
+            </a:r>
+            <a:r>
+              <a:rPr lang="en-US" dirty="0">
+                <a:solidFill>
+                  <a:schemeClr val="tx1"/>
+                </a:solidFill>
+                <a:latin typeface="Times New Roman" panose="02020603050405020304" pitchFamily="18" charset="0"/>
+                <a:cs typeface="Times New Roman" panose="02020603050405020304" pitchFamily="18" charset="0"/>
+              </a:rPr>
+              <a:t> </a:t>
+            </a:r>
+            <a:r>
+              <a:rPr lang="en-US" dirty="0" err="1">
+                <a:solidFill>
+                  <a:schemeClr val="tx1"/>
+                </a:solidFill>
+                <a:latin typeface="Times New Roman" panose="02020603050405020304" pitchFamily="18" charset="0"/>
+                <a:cs typeface="Times New Roman" panose="02020603050405020304" pitchFamily="18" charset="0"/>
+              </a:rPr>
+              <a:t>thực</a:t>
+            </a:r>
+            <a:r>
+              <a:rPr lang="en-US" dirty="0">
+                <a:solidFill>
+                  <a:schemeClr val="tx1"/>
+                </a:solidFill>
+                <a:latin typeface="Times New Roman" panose="02020603050405020304" pitchFamily="18" charset="0"/>
+                <a:cs typeface="Times New Roman" panose="02020603050405020304" pitchFamily="18" charset="0"/>
+              </a:rPr>
+              <a:t> </a:t>
+            </a:r>
+            <a:r>
+              <a:rPr lang="en-US" dirty="0" err="1">
+                <a:solidFill>
+                  <a:schemeClr val="tx1"/>
+                </a:solidFill>
+                <a:latin typeface="Times New Roman" panose="02020603050405020304" pitchFamily="18" charset="0"/>
+                <a:cs typeface="Times New Roman" panose="02020603050405020304" pitchFamily="18" charset="0"/>
+              </a:rPr>
+              <a:t>nghiệm</a:t>
+            </a:r>
+            <a:r>
+              <a:rPr lang="en-US" dirty="0">
+                <a:solidFill>
+                  <a:schemeClr val="tx1"/>
+                </a:solidFill>
+                <a:latin typeface="Times New Roman" panose="02020603050405020304" pitchFamily="18" charset="0"/>
+                <a:cs typeface="Times New Roman" panose="02020603050405020304" pitchFamily="18" charset="0"/>
+              </a:rPr>
+              <a:t> </a:t>
+            </a:r>
+            <a:r>
+              <a:rPr lang="en-US" dirty="0" err="1">
+                <a:solidFill>
+                  <a:schemeClr val="tx1"/>
+                </a:solidFill>
+                <a:latin typeface="Times New Roman" panose="02020603050405020304" pitchFamily="18" charset="0"/>
+                <a:cs typeface="Times New Roman" panose="02020603050405020304" pitchFamily="18" charset="0"/>
+              </a:rPr>
+              <a:t>chưa</a:t>
+            </a:r>
+            <a:r>
+              <a:rPr lang="en-US" dirty="0">
+                <a:solidFill>
+                  <a:schemeClr val="tx1"/>
+                </a:solidFill>
+                <a:latin typeface="Times New Roman" panose="02020603050405020304" pitchFamily="18" charset="0"/>
+                <a:cs typeface="Times New Roman" panose="02020603050405020304" pitchFamily="18" charset="0"/>
+              </a:rPr>
+              <a:t> </a:t>
+            </a:r>
+            <a:r>
+              <a:rPr lang="en-US" dirty="0" err="1">
+                <a:solidFill>
+                  <a:schemeClr val="tx1"/>
+                </a:solidFill>
+                <a:latin typeface="Times New Roman" panose="02020603050405020304" pitchFamily="18" charset="0"/>
+                <a:cs typeface="Times New Roman" panose="02020603050405020304" pitchFamily="18" charset="0"/>
+              </a:rPr>
+              <a:t>thật</a:t>
+            </a:r>
+            <a:r>
+              <a:rPr lang="en-US" dirty="0">
+                <a:solidFill>
+                  <a:schemeClr val="tx1"/>
+                </a:solidFill>
+                <a:latin typeface="Times New Roman" panose="02020603050405020304" pitchFamily="18" charset="0"/>
+                <a:cs typeface="Times New Roman" panose="02020603050405020304" pitchFamily="18" charset="0"/>
+              </a:rPr>
+              <a:t> </a:t>
+            </a:r>
+            <a:r>
+              <a:rPr lang="en-US" dirty="0" err="1">
+                <a:solidFill>
+                  <a:schemeClr val="tx1"/>
+                </a:solidFill>
+                <a:latin typeface="Times New Roman" panose="02020603050405020304" pitchFamily="18" charset="0"/>
+                <a:cs typeface="Times New Roman" panose="02020603050405020304" pitchFamily="18" charset="0"/>
+              </a:rPr>
+              <a:t>sự</a:t>
+            </a:r>
+            <a:r>
+              <a:rPr lang="en-US" dirty="0">
+                <a:solidFill>
+                  <a:schemeClr val="tx1"/>
+                </a:solidFill>
+                <a:latin typeface="Times New Roman" panose="02020603050405020304" pitchFamily="18" charset="0"/>
+                <a:cs typeface="Times New Roman" panose="02020603050405020304" pitchFamily="18" charset="0"/>
+              </a:rPr>
+              <a:t> </a:t>
+            </a:r>
+            <a:r>
+              <a:rPr lang="en-US" dirty="0" err="1">
+                <a:solidFill>
+                  <a:schemeClr val="tx1"/>
+                </a:solidFill>
+                <a:latin typeface="Times New Roman" panose="02020603050405020304" pitchFamily="18" charset="0"/>
+                <a:cs typeface="Times New Roman" panose="02020603050405020304" pitchFamily="18" charset="0"/>
+              </a:rPr>
+              <a:t>được</a:t>
+            </a:r>
+            <a:r>
+              <a:rPr lang="en-US" dirty="0">
+                <a:solidFill>
+                  <a:schemeClr val="tx1"/>
+                </a:solidFill>
+                <a:latin typeface="Times New Roman" panose="02020603050405020304" pitchFamily="18" charset="0"/>
+                <a:cs typeface="Times New Roman" panose="02020603050405020304" pitchFamily="18" charset="0"/>
+              </a:rPr>
+              <a:t> </a:t>
+            </a:r>
+            <a:r>
+              <a:rPr lang="en-US" dirty="0" err="1">
+                <a:solidFill>
+                  <a:schemeClr val="tx1"/>
+                </a:solidFill>
+                <a:latin typeface="Times New Roman" panose="02020603050405020304" pitchFamily="18" charset="0"/>
+                <a:cs typeface="Times New Roman" panose="02020603050405020304" pitchFamily="18" charset="0"/>
+              </a:rPr>
+              <a:t>như</a:t>
+            </a:r>
+            <a:r>
+              <a:rPr lang="en-US" dirty="0">
+                <a:solidFill>
+                  <a:schemeClr val="tx1"/>
+                </a:solidFill>
+                <a:latin typeface="Times New Roman" panose="02020603050405020304" pitchFamily="18" charset="0"/>
+                <a:cs typeface="Times New Roman" panose="02020603050405020304" pitchFamily="18" charset="0"/>
+              </a:rPr>
+              <a:t> </a:t>
+            </a:r>
+            <a:r>
+              <a:rPr lang="en-US" dirty="0" err="1">
+                <a:solidFill>
+                  <a:schemeClr val="tx1"/>
+                </a:solidFill>
+                <a:latin typeface="Times New Roman" panose="02020603050405020304" pitchFamily="18" charset="0"/>
+                <a:cs typeface="Times New Roman" panose="02020603050405020304" pitchFamily="18" charset="0"/>
+              </a:rPr>
+              <a:t>mong</a:t>
+            </a:r>
+            <a:r>
+              <a:rPr lang="en-US" dirty="0">
+                <a:solidFill>
+                  <a:schemeClr val="tx1"/>
+                </a:solidFill>
+                <a:latin typeface="Times New Roman" panose="02020603050405020304" pitchFamily="18" charset="0"/>
+                <a:cs typeface="Times New Roman" panose="02020603050405020304" pitchFamily="18" charset="0"/>
+              </a:rPr>
+              <a:t> </a:t>
+            </a:r>
+            <a:r>
+              <a:rPr lang="en-US" dirty="0" err="1">
+                <a:solidFill>
+                  <a:schemeClr val="tx1"/>
+                </a:solidFill>
+                <a:latin typeface="Times New Roman" panose="02020603050405020304" pitchFamily="18" charset="0"/>
+                <a:cs typeface="Times New Roman" panose="02020603050405020304" pitchFamily="18" charset="0"/>
+              </a:rPr>
+              <a:t>muốn</a:t>
+            </a:r>
+            <a:r>
+              <a:rPr lang="en-US" dirty="0">
+                <a:solidFill>
+                  <a:schemeClr val="tx1"/>
+                </a:solidFill>
+                <a:latin typeface="Times New Roman" panose="02020603050405020304" pitchFamily="18" charset="0"/>
+                <a:cs typeface="Times New Roman" panose="02020603050405020304" pitchFamily="18" charset="0"/>
+              </a:rPr>
+              <a:t>, </a:t>
+            </a:r>
+            <a:r>
+              <a:rPr lang="en-US" dirty="0" err="1">
+                <a:solidFill>
+                  <a:schemeClr val="tx1"/>
+                </a:solidFill>
+                <a:latin typeface="Times New Roman" panose="02020603050405020304" pitchFamily="18" charset="0"/>
+                <a:cs typeface="Times New Roman" panose="02020603050405020304" pitchFamily="18" charset="0"/>
+              </a:rPr>
+              <a:t>nguyên</a:t>
+            </a:r>
+            <a:r>
+              <a:rPr lang="en-US" dirty="0">
+                <a:solidFill>
+                  <a:schemeClr val="tx1"/>
+                </a:solidFill>
+                <a:latin typeface="Times New Roman" panose="02020603050405020304" pitchFamily="18" charset="0"/>
+                <a:cs typeface="Times New Roman" panose="02020603050405020304" pitchFamily="18" charset="0"/>
+              </a:rPr>
+              <a:t> </a:t>
+            </a:r>
+            <a:r>
+              <a:rPr lang="en-US" dirty="0" err="1">
+                <a:solidFill>
+                  <a:schemeClr val="tx1"/>
+                </a:solidFill>
+                <a:latin typeface="Times New Roman" panose="02020603050405020304" pitchFamily="18" charset="0"/>
+                <a:cs typeface="Times New Roman" panose="02020603050405020304" pitchFamily="18" charset="0"/>
+              </a:rPr>
+              <a:t>nhân</a:t>
+            </a:r>
+            <a:r>
+              <a:rPr lang="en-US" dirty="0">
+                <a:solidFill>
+                  <a:schemeClr val="tx1"/>
+                </a:solidFill>
+                <a:latin typeface="Times New Roman" panose="02020603050405020304" pitchFamily="18" charset="0"/>
+                <a:cs typeface="Times New Roman" panose="02020603050405020304" pitchFamily="18" charset="0"/>
+              </a:rPr>
+              <a:t> </a:t>
+            </a:r>
+            <a:r>
+              <a:rPr lang="en-US" dirty="0" err="1">
+                <a:solidFill>
+                  <a:schemeClr val="tx1"/>
+                </a:solidFill>
+                <a:latin typeface="Times New Roman" panose="02020603050405020304" pitchFamily="18" charset="0"/>
+                <a:cs typeface="Times New Roman" panose="02020603050405020304" pitchFamily="18" charset="0"/>
+              </a:rPr>
+              <a:t>chủ</a:t>
+            </a:r>
+            <a:r>
+              <a:rPr lang="en-US" dirty="0">
+                <a:solidFill>
+                  <a:schemeClr val="tx1"/>
+                </a:solidFill>
+                <a:latin typeface="Times New Roman" panose="02020603050405020304" pitchFamily="18" charset="0"/>
+                <a:cs typeface="Times New Roman" panose="02020603050405020304" pitchFamily="18" charset="0"/>
+              </a:rPr>
+              <a:t> </a:t>
+            </a:r>
+            <a:r>
+              <a:rPr lang="en-US" dirty="0" err="1">
+                <a:solidFill>
+                  <a:schemeClr val="tx1"/>
+                </a:solidFill>
+                <a:latin typeface="Times New Roman" panose="02020603050405020304" pitchFamily="18" charset="0"/>
+                <a:cs typeface="Times New Roman" panose="02020603050405020304" pitchFamily="18" charset="0"/>
+              </a:rPr>
+              <a:t>yếu</a:t>
+            </a:r>
+            <a:r>
+              <a:rPr lang="en-US" dirty="0">
+                <a:solidFill>
+                  <a:schemeClr val="tx1"/>
+                </a:solidFill>
+                <a:latin typeface="Times New Roman" panose="02020603050405020304" pitchFamily="18" charset="0"/>
+                <a:cs typeface="Times New Roman" panose="02020603050405020304" pitchFamily="18" charset="0"/>
+              </a:rPr>
+              <a:t> do dataset </a:t>
+            </a:r>
+            <a:r>
+              <a:rPr lang="en-US" dirty="0" err="1">
+                <a:solidFill>
+                  <a:schemeClr val="tx1"/>
+                </a:solidFill>
+                <a:latin typeface="Times New Roman" panose="02020603050405020304" pitchFamily="18" charset="0"/>
+                <a:cs typeface="Times New Roman" panose="02020603050405020304" pitchFamily="18" charset="0"/>
+              </a:rPr>
+              <a:t>quá</a:t>
+            </a:r>
+            <a:r>
+              <a:rPr lang="en-US" dirty="0">
+                <a:solidFill>
+                  <a:schemeClr val="tx1"/>
+                </a:solidFill>
+                <a:latin typeface="Times New Roman" panose="02020603050405020304" pitchFamily="18" charset="0"/>
+                <a:cs typeface="Times New Roman" panose="02020603050405020304" pitchFamily="18" charset="0"/>
+              </a:rPr>
+              <a:t> </a:t>
+            </a:r>
+            <a:r>
+              <a:rPr lang="en-US" dirty="0" err="1">
+                <a:solidFill>
+                  <a:schemeClr val="tx1"/>
+                </a:solidFill>
+                <a:latin typeface="Times New Roman" panose="02020603050405020304" pitchFamily="18" charset="0"/>
+                <a:cs typeface="Times New Roman" panose="02020603050405020304" pitchFamily="18" charset="0"/>
+              </a:rPr>
+              <a:t>nhiều</a:t>
+            </a:r>
+            <a:r>
+              <a:rPr lang="en-US" dirty="0">
+                <a:solidFill>
+                  <a:schemeClr val="tx1"/>
+                </a:solidFill>
+                <a:latin typeface="Times New Roman" panose="02020603050405020304" pitchFamily="18" charset="0"/>
+                <a:cs typeface="Times New Roman" panose="02020603050405020304" pitchFamily="18" charset="0"/>
+              </a:rPr>
+              <a:t>.</a:t>
+            </a:r>
+          </a:p>
+          <a:p>
+            <a:endParaRPr lang="en-US" dirty="0"/>
+          </a:p>
+        </p:txBody>
+      </p:sp>
+    </p:spTree>
+    <p:extLst>
+      <p:ext uri="{BB962C8B-B14F-4D97-AF65-F5344CB8AC3E}">
+        <p14:creationId xmlns:p14="http://schemas.microsoft.com/office/powerpoint/2010/main" val="1745079219"/>
+      </p:ext>
+    </p:extLst>
+  </p:cSld>
+  <p:clrMapOvr>
+    <a:masterClrMapping/>
+  </p:clrMapOvr>
+  <p:timing>
+    <p:tnLst>
+      <p:par>
+        <p:cTn id="1" dur="indefinite" restart="never" nodeType="tmRoot"/>
+      </p:par>
+    </p:tnLst>
+  </p:timing>
+</p:sld>
+</file>
+
+<file path=ppt/slides/slide15.xml><?xml version="1.0" encoding="utf-8"?>
+<p:sld xmlns:a="http://schemas.openxmlformats.org/drawingml/2006/main" xmlns:r="http://schemas.openxmlformats.org/officeDocument/2006/relationships" xmlns:p="http://schemas.openxmlformats.org/presentationml/2006/main">
+  <p:cSld>
+    <p:spTree>
+      <p:nvGrpSpPr>
+        <p:cNvPr id="1" name=""/>
+        <p:cNvGrpSpPr/>
+        <p:nvPr/>
+      </p:nvGrpSpPr>
+      <p:grpSpPr>
+        <a:xfrm>
+          <a:off x="0" y="0"/>
+          <a:ext cx="0" cy="0"/>
+          <a:chOff x="0" y="0"/>
+          <a:chExt cx="0" cy="0"/>
+        </a:xfrm>
+      </p:grpSpPr>
+      <p:sp>
+        <p:nvSpPr>
+          <p:cNvPr id="2" name="Title 1"/>
+          <p:cNvSpPr>
+            <a:spLocks noGrp="1"/>
+          </p:cNvSpPr>
+          <p:nvPr>
+            <p:ph type="title"/>
+          </p:nvPr>
+        </p:nvSpPr>
+        <p:spPr/>
+        <p:txBody>
+          <a:bodyPr/>
+          <a:lstStyle/>
+          <a:p>
+            <a:r>
+              <a:rPr lang="en-US" dirty="0">
+                <a:latin typeface="Times New Roman" panose="02020603050405020304" pitchFamily="18" charset="0"/>
+                <a:cs typeface="Times New Roman" panose="02020603050405020304" pitchFamily="18" charset="0"/>
+              </a:rPr>
+              <a:t>5</a:t>
+            </a:r>
+            <a:r>
+              <a:rPr lang="en-US" dirty="0" smtClean="0">
+                <a:latin typeface="Times New Roman" panose="02020603050405020304" pitchFamily="18" charset="0"/>
+                <a:cs typeface="Times New Roman" panose="02020603050405020304" pitchFamily="18" charset="0"/>
+              </a:rPr>
+              <a:t>. </a:t>
             </a:r>
             <a:r>
               <a:rPr lang="en-US" dirty="0">
@@ -10698,7 +11757,298 @@
 </p:sld>
 </file>
 
-<file path=ppt/slides/slide14.xml><?xml version="1.0" encoding="utf-8"?>
+<file path=ppt/slides/slide16.xml><?xml version="1.0" encoding="utf-8"?>
+<p:sld xmlns:a="http://schemas.openxmlformats.org/drawingml/2006/main" xmlns:r="http://schemas.openxmlformats.org/officeDocument/2006/relationships" xmlns:p="http://schemas.openxmlformats.org/presentationml/2006/main">
+  <p:cSld>
+    <p:spTree>
+      <p:nvGrpSpPr>
+        <p:cNvPr id="1" name=""/>
+        <p:cNvGrpSpPr/>
+        <p:nvPr/>
+      </p:nvGrpSpPr>
+      <p:grpSpPr>
+        <a:xfrm>
+          <a:off x="0" y="0"/>
+          <a:ext cx="0" cy="0"/>
+          <a:chOff x="0" y="0"/>
+          <a:chExt cx="0" cy="0"/>
+        </a:xfrm>
+      </p:grpSpPr>
+      <p:sp>
+        <p:nvSpPr>
+          <p:cNvPr id="2" name="Title 1"/>
+          <p:cNvSpPr>
+            <a:spLocks noGrp="1"/>
+          </p:cNvSpPr>
+          <p:nvPr>
+            <p:ph type="title"/>
+          </p:nvPr>
+        </p:nvSpPr>
+        <p:spPr/>
+        <p:txBody>
+          <a:bodyPr/>
+          <a:lstStyle/>
+          <a:p>
+            <a:r>
+              <a:rPr lang="en-US" dirty="0" smtClean="0">
+                <a:latin typeface="Times New Roman" panose="02020603050405020304" pitchFamily="18" charset="0"/>
+                <a:cs typeface="Times New Roman" panose="02020603050405020304" pitchFamily="18" charset="0"/>
+              </a:rPr>
+              <a:t>TÀI LIỆU THAM KHẢO</a:t>
+            </a:r>
+            <a:endParaRPr lang="en-US" dirty="0">
+              <a:latin typeface="Times New Roman" panose="02020603050405020304" pitchFamily="18" charset="0"/>
+              <a:cs typeface="Times New Roman" panose="02020603050405020304" pitchFamily="18" charset="0"/>
+            </a:endParaRPr>
+          </a:p>
+        </p:txBody>
+      </p:sp>
+      <p:sp>
+        <p:nvSpPr>
+          <p:cNvPr id="3" name="Content Placeholder 2"/>
+          <p:cNvSpPr>
+            <a:spLocks noGrp="1"/>
+          </p:cNvSpPr>
+          <p:nvPr>
+            <p:ph idx="1"/>
+          </p:nvPr>
+        </p:nvSpPr>
+        <p:spPr/>
+        <p:txBody>
+          <a:bodyPr/>
+          <a:lstStyle/>
+          <a:p>
+            <a:pPr>
+              <a:lnSpc>
+                <a:spcPct val="120000"/>
+              </a:lnSpc>
+              <a:spcBef>
+                <a:spcPts val="0"/>
+              </a:spcBef>
+              <a:spcAft>
+                <a:spcPts val="800"/>
+              </a:spcAft>
+            </a:pPr>
+            <a:r>
+              <a:rPr lang="en-US" dirty="0" err="1">
+                <a:latin typeface="Times New Roman" panose="02020603050405020304" pitchFamily="18" charset="0"/>
+                <a:cs typeface="Times New Roman" panose="02020603050405020304" pitchFamily="18" charset="0"/>
+              </a:rPr>
+              <a:t>Yujie</a:t>
+            </a:r>
+            <a:r>
+              <a:rPr lang="en-US" dirty="0">
+                <a:latin typeface="Times New Roman" panose="02020603050405020304" pitchFamily="18" charset="0"/>
+                <a:cs typeface="Times New Roman" panose="02020603050405020304" pitchFamily="18" charset="0"/>
+              </a:rPr>
+              <a:t> Lin (5 Mar 2019),</a:t>
+            </a:r>
+            <a:r>
+              <a:rPr lang="en-US" b="1" dirty="0">
+                <a:latin typeface="Times New Roman" panose="02020603050405020304" pitchFamily="18" charset="0"/>
+                <a:cs typeface="Times New Roman" panose="02020603050405020304" pitchFamily="18" charset="0"/>
+              </a:rPr>
+              <a:t> “</a:t>
+            </a:r>
+            <a:r>
+              <a:rPr lang="en-US" dirty="0">
+                <a:latin typeface="Times New Roman" panose="02020603050405020304" pitchFamily="18" charset="0"/>
+                <a:cs typeface="Times New Roman" panose="02020603050405020304" pitchFamily="18" charset="0"/>
+              </a:rPr>
+              <a:t>Explainable Outfit Recommendation with Joint Outfit Matching and Comment Generation”,” </a:t>
+            </a:r>
+            <a:r>
+              <a:rPr lang="en-US" u="sng" dirty="0">
+                <a:latin typeface="Times New Roman" panose="02020603050405020304" pitchFamily="18" charset="0"/>
+                <a:cs typeface="Times New Roman" panose="02020603050405020304" pitchFamily="18" charset="0"/>
+                <a:hlinkClick r:id="rId2"/>
+              </a:rPr>
+              <a:t>https://arxiv.org/pdf/1806.08977.pdf</a:t>
+            </a:r>
+            <a:r>
+              <a:rPr lang="en-US" u="sng" dirty="0">
+                <a:latin typeface="Times New Roman" panose="02020603050405020304" pitchFamily="18" charset="0"/>
+                <a:cs typeface="Times New Roman" panose="02020603050405020304" pitchFamily="18" charset="0"/>
+              </a:rPr>
+              <a:t>”</a:t>
+            </a:r>
+            <a:endParaRPr lang="en-US" dirty="0">
+              <a:latin typeface="Times New Roman" panose="02020603050405020304" pitchFamily="18" charset="0"/>
+              <a:cs typeface="Times New Roman" panose="02020603050405020304" pitchFamily="18" charset="0"/>
+            </a:endParaRPr>
+          </a:p>
+          <a:p>
+            <a:pPr>
+              <a:lnSpc>
+                <a:spcPct val="120000"/>
+              </a:lnSpc>
+              <a:spcBef>
+                <a:spcPts val="0"/>
+              </a:spcBef>
+              <a:spcAft>
+                <a:spcPts val="800"/>
+              </a:spcAft>
+            </a:pPr>
+            <a:r>
+              <a:rPr lang="en-US" dirty="0" smtClean="0">
+                <a:latin typeface="Times New Roman" panose="02020603050405020304" pitchFamily="18" charset="0"/>
+                <a:cs typeface="Times New Roman" panose="02020603050405020304" pitchFamily="18" charset="0"/>
+              </a:rPr>
+              <a:t>Jacob </a:t>
+            </a:r>
+            <a:r>
+              <a:rPr lang="en-US" dirty="0">
+                <a:latin typeface="Times New Roman" panose="02020603050405020304" pitchFamily="18" charset="0"/>
+                <a:cs typeface="Times New Roman" panose="02020603050405020304" pitchFamily="18" charset="0"/>
+              </a:rPr>
+              <a:t>Devlin (24 May 2019), “BERT: Pre-training of Deep Bidirectional Transformers for Language Understanding”, </a:t>
+            </a:r>
+            <a:r>
+              <a:rPr lang="en-US" u="sng" dirty="0">
+                <a:latin typeface="Times New Roman" panose="02020603050405020304" pitchFamily="18" charset="0"/>
+                <a:cs typeface="Times New Roman" panose="02020603050405020304" pitchFamily="18" charset="0"/>
+                <a:hlinkClick r:id="rId3"/>
+              </a:rPr>
+              <a:t>https://</a:t>
+            </a:r>
+            <a:r>
+              <a:rPr lang="en-US" u="sng" dirty="0" smtClean="0">
+                <a:latin typeface="Times New Roman" panose="02020603050405020304" pitchFamily="18" charset="0"/>
+                <a:cs typeface="Times New Roman" panose="02020603050405020304" pitchFamily="18" charset="0"/>
+                <a:hlinkClick r:id="rId3"/>
+              </a:rPr>
+              <a:t>arxiv.org/pdf/1810.04805.pdf</a:t>
+            </a:r>
+            <a:endParaRPr lang="en-US" u="sng" dirty="0" smtClean="0">
+              <a:latin typeface="Times New Roman" panose="02020603050405020304" pitchFamily="18" charset="0"/>
+              <a:cs typeface="Times New Roman" panose="02020603050405020304" pitchFamily="18" charset="0"/>
+            </a:endParaRPr>
+          </a:p>
+          <a:p>
+            <a:pPr>
+              <a:lnSpc>
+                <a:spcPct val="120000"/>
+              </a:lnSpc>
+              <a:spcBef>
+                <a:spcPts val="0"/>
+              </a:spcBef>
+              <a:spcAft>
+                <a:spcPts val="800"/>
+              </a:spcAft>
+            </a:pPr>
+            <a:r>
+              <a:rPr lang="en-US" dirty="0">
+                <a:latin typeface="Times New Roman" panose="02020603050405020304" pitchFamily="18" charset="0"/>
+                <a:cs typeface="Times New Roman" panose="02020603050405020304" pitchFamily="18" charset="0"/>
+              </a:rPr>
+              <a:t>Ashish </a:t>
+            </a:r>
+            <a:r>
+              <a:rPr lang="en-US" dirty="0" err="1">
+                <a:latin typeface="Times New Roman" panose="02020603050405020304" pitchFamily="18" charset="0"/>
+                <a:cs typeface="Times New Roman" panose="02020603050405020304" pitchFamily="18" charset="0"/>
+              </a:rPr>
+              <a:t>Vaswani</a:t>
+            </a:r>
+            <a:r>
+              <a:rPr lang="en-US" dirty="0">
+                <a:latin typeface="Times New Roman" panose="02020603050405020304" pitchFamily="18" charset="0"/>
+                <a:cs typeface="Times New Roman" panose="02020603050405020304" pitchFamily="18" charset="0"/>
+              </a:rPr>
+              <a:t> et al (</a:t>
+            </a:r>
+            <a:r>
+              <a:rPr lang="vi-VN" dirty="0">
+                <a:latin typeface="Times New Roman" panose="02020603050405020304" pitchFamily="18" charset="0"/>
+                <a:cs typeface="Times New Roman" panose="02020603050405020304" pitchFamily="18" charset="0"/>
+              </a:rPr>
+              <a:t>6 Dec 2017), “</a:t>
+            </a:r>
+            <a:r>
+              <a:rPr lang="en-US" dirty="0">
+                <a:latin typeface="Times New Roman" panose="02020603050405020304" pitchFamily="18" charset="0"/>
+                <a:cs typeface="Times New Roman" panose="02020603050405020304" pitchFamily="18" charset="0"/>
+              </a:rPr>
+              <a:t>Attention Is All You Need</a:t>
+            </a:r>
+            <a:r>
+              <a:rPr lang="vi-VN" dirty="0">
+                <a:latin typeface="Times New Roman" panose="02020603050405020304" pitchFamily="18" charset="0"/>
+                <a:cs typeface="Times New Roman" panose="02020603050405020304" pitchFamily="18" charset="0"/>
+              </a:rPr>
+              <a:t>”,  “</a:t>
+            </a:r>
+            <a:r>
+              <a:rPr lang="en-US" u="sng" dirty="0">
+                <a:latin typeface="Times New Roman" panose="02020603050405020304" pitchFamily="18" charset="0"/>
+                <a:cs typeface="Times New Roman" panose="02020603050405020304" pitchFamily="18" charset="0"/>
+                <a:hlinkClick r:id="rId4"/>
+              </a:rPr>
+              <a:t>https://arxiv.org/pdf/1706.03762.pdf</a:t>
+            </a:r>
+            <a:r>
+              <a:rPr lang="vi-VN" dirty="0">
+                <a:latin typeface="Times New Roman" panose="02020603050405020304" pitchFamily="18" charset="0"/>
+                <a:cs typeface="Times New Roman" panose="02020603050405020304" pitchFamily="18" charset="0"/>
+              </a:rPr>
+              <a:t>”</a:t>
+            </a:r>
+            <a:endParaRPr lang="en-US" dirty="0">
+              <a:latin typeface="Times New Roman" panose="02020603050405020304" pitchFamily="18" charset="0"/>
+              <a:cs typeface="Times New Roman" panose="02020603050405020304" pitchFamily="18" charset="0"/>
+            </a:endParaRPr>
+          </a:p>
+          <a:p>
+            <a:pPr>
+              <a:lnSpc>
+                <a:spcPct val="120000"/>
+              </a:lnSpc>
+              <a:spcBef>
+                <a:spcPts val="0"/>
+              </a:spcBef>
+              <a:spcAft>
+                <a:spcPts val="800"/>
+              </a:spcAft>
+            </a:pPr>
+            <a:endParaRPr lang="en-US" dirty="0">
+              <a:latin typeface="Times New Roman" panose="02020603050405020304" pitchFamily="18" charset="0"/>
+              <a:cs typeface="Times New Roman" panose="02020603050405020304" pitchFamily="18" charset="0"/>
+            </a:endParaRPr>
+          </a:p>
+          <a:p>
+            <a:pPr marL="0" indent="0">
+              <a:lnSpc>
+                <a:spcPct val="120000"/>
+              </a:lnSpc>
+              <a:spcBef>
+                <a:spcPts val="0"/>
+              </a:spcBef>
+              <a:spcAft>
+                <a:spcPts val="800"/>
+              </a:spcAft>
+              <a:buNone/>
+            </a:pPr>
+            <a:endParaRPr lang="en-US" dirty="0">
+              <a:latin typeface="Times New Roman" panose="02020603050405020304" pitchFamily="18" charset="0"/>
+              <a:cs typeface="Times New Roman" panose="02020603050405020304" pitchFamily="18" charset="0"/>
+            </a:endParaRPr>
+          </a:p>
+        </p:txBody>
+      </p:sp>
+    </p:spTree>
+    <p:extLst>
+      <p:ext uri="{BB962C8B-B14F-4D97-AF65-F5344CB8AC3E}">
+        <p14:creationId xmlns:p14="http://schemas.microsoft.com/office/powerpoint/2010/main" val="2753420162"/>
+      </p:ext>
+    </p:extLst>
+  </p:cSld>
+  <p:clrMapOvr>
+    <a:masterClrMapping/>
+  </p:clrMapOvr>
+</p:sld>
+</file>
+
+<file path=ppt/slides/slide17.xml><?xml version="1.0" encoding="utf-8"?>
 <p:sld xmlns:a="http://schemas.openxmlformats.org/drawingml/2006/main" xmlns:r="http://schemas.openxmlformats.org/officeDocument/2006/relationships" xmlns:p="http://schemas.openxmlformats.org/presentationml/2006/main">
   <p:cSld>
     <p:spTree>
@@ -12676,7 +14026,7 @@
         </p:blipFill>
         <p:spPr>
           <a:xfrm>
-            <a:off x="4806281" y="3623287"/>
+            <a:off x="4806281" y="3636166"/>
             <a:ext cx="4196051" cy="1616079"/>
           </a:xfrm>
           <a:prstGeom prst="rect">
@@ -12889,7 +14239,7 @@
                 <a:latin typeface="Times New Roman" panose="02020603050405020304" pitchFamily="18" charset="0"/>
                 <a:ea typeface="Times" panose="02020603050405020304" pitchFamily="18" charset="0"/>
               </a:rPr>
-              <a:t>Neutral Fashion Recommendation</a:t>
+              <a:t>Neural Fashion Recommendation</a:t>
             </a:r>
             <a:r>
               <a:rPr lang="en-US" sz="2000" b="1" dirty="0" smtClean="0">
@@ -12968,44 +14318,12 @@
       </p:sp>
       <p:pic>
         <p:nvPicPr>
-          <p:cNvPr id="4" name="Content Placeholder 3">
-            <a:extLst>
-              <a:ext uri="{FF2B5EF4-FFF2-40B4-BE49-F238E27FC236}">
-                <a16:creationId xmlns:a16="http://schemas.microsoft.com/office/drawing/2014/main" xmlns="" id="{C051A69F-4B99-423E-AFA5-0D1A377CB6A1}"/>
-              </a:ext>
-            </a:extLst>
-          </p:cNvPr>
-          <p:cNvPicPr>
-            <a:picLocks noGrp="1" noChangeAspect="1"/>
-          </p:cNvPicPr>
-          <p:nvPr>
-            <p:ph idx="1"/>
-          </p:nvPr>
-        </p:nvPicPr>
-        <p:blipFill>
-          <a:blip r:embed="rId2"/>
-          <a:stretch>
-            <a:fillRect/>
-          </a:stretch>
-        </p:blipFill>
-        <p:spPr>
-          <a:xfrm>
-            <a:off x="1326171" y="2217461"/>
-            <a:ext cx="2617736" cy="3353491"/>
-          </a:xfrm>
-          <a:prstGeom prst="rect">
-            <a:avLst/>
-          </a:prstGeom>
-        </p:spPr>
-      </p:pic>
-      <p:pic>
-        <p:nvPicPr>
           <p:cNvPr id="5" name="Picture 4"/>
           <p:cNvPicPr/>
           <p:nvPr/>
         </p:nvPicPr>
         <p:blipFill>
-          <a:blip r:embed="rId3" cstate="print">
+          <a:blip r:embed="rId2" cstate="print">
             <a:extLst>
               <a:ext uri="{28A0092B-C50C-407E-A947-70E740481C1C}">
                 <a14:useLocalDpi xmlns:a14="http://schemas.microsoft.com/office/drawing/2010/main" val="0"/>
@@ -13019,7 +14337,7 @@
         </p:blipFill>
         <p:spPr bwMode="auto">
           <a:xfrm>
-            <a:off x="4073910" y="2308574"/>
+            <a:off x="2234561" y="2386809"/>
             <a:ext cx="5044331" cy="3171264"/>
           </a:xfrm>
           <a:prstGeom prst="rect">
@@ -13175,6 +14493,25 @@
           </a:p>
         </p:txBody>
       </p:sp>
+      <p:sp>
+        <p:nvSpPr>
+          <p:cNvPr id="10" name="Content Placeholder 9"/>
+          <p:cNvSpPr>
+            <a:spLocks noGrp="1"/>
+          </p:cNvSpPr>
+          <p:nvPr>
+            <p:ph idx="1"/>
+          </p:nvPr>
+        </p:nvSpPr>
+        <p:spPr/>
+        <p:txBody>
+          <a:bodyPr/>
+          <a:lstStyle/>
+          <a:p>
+            <a:endParaRPr lang="en-US"/>
+          </a:p>
+        </p:txBody>
+      </p:sp>
     </p:spTree>
     <p:extLst>
       <p:ext uri="{BB962C8B-B14F-4D97-AF65-F5344CB8AC3E}">
@@ -13196,6 +14533,253 @@
 </file>
 
 <file path=ppt/slides/slide6.xml><?xml version="1.0" encoding="utf-8"?>
+<p:sld xmlns:a="http://schemas.openxmlformats.org/drawingml/2006/main" xmlns:r="http://schemas.openxmlformats.org/officeDocument/2006/relationships" xmlns:p="http://schemas.openxmlformats.org/presentationml/2006/main">
+  <p:cSld>
+    <p:spTree>
+      <p:nvGrpSpPr>
+        <p:cNvPr id="1" name=""/>
+        <p:cNvGrpSpPr/>
+        <p:nvPr/>
+      </p:nvGrpSpPr>
+      <p:grpSpPr>
+        <a:xfrm>
+          <a:off x="0" y="0"/>
+          <a:ext cx="0" cy="0"/>
+          <a:chOff x="0" y="0"/>
+          <a:chExt cx="0" cy="0"/>
+        </a:xfrm>
+      </p:grpSpPr>
+      <p:sp>
+        <p:nvSpPr>
+          <p:cNvPr id="2" name="Title 1"/>
+          <p:cNvSpPr>
+            <a:spLocks noGrp="1"/>
+          </p:cNvSpPr>
+          <p:nvPr>
+            <p:ph type="title"/>
+          </p:nvPr>
+        </p:nvSpPr>
+        <p:spPr>
+          <a:xfrm>
+            <a:off x="677334" y="609600"/>
+            <a:ext cx="8596668" cy="1320800"/>
+          </a:xfrm>
+        </p:spPr>
+        <p:txBody>
+          <a:bodyPr/>
+          <a:lstStyle/>
+          <a:p>
+            <a:r>
+              <a:rPr lang="en-US" dirty="0">
+                <a:latin typeface="Times New Roman" panose="02020603050405020304" pitchFamily="18" charset="0"/>
+                <a:cs typeface="Times New Roman" panose="02020603050405020304" pitchFamily="18" charset="0"/>
+              </a:rPr>
+              <a:t>2. KIẾN TRÚC PHÁT SINH CÂU BÌNH LUẬN (NFR - BERT)</a:t>
+            </a:r>
+            <a:endParaRPr lang="en-US" dirty="0"/>
+          </a:p>
+        </p:txBody>
+      </p:sp>
+      <p:pic>
+        <p:nvPicPr>
+          <p:cNvPr id="4" name="Content Placeholder 3"/>
+          <p:cNvPicPr>
+            <a:picLocks noGrp="1"/>
+          </p:cNvPicPr>
+          <p:nvPr>
+            <p:ph idx="1"/>
+          </p:nvPr>
+        </p:nvPicPr>
+        <p:blipFill>
+          <a:blip r:embed="rId2">
+            <a:extLst>
+              <a:ext uri="{28A0092B-C50C-407E-A947-70E740481C1C}">
+                <a14:useLocalDpi xmlns:a14="http://schemas.microsoft.com/office/drawing/2010/main" val="0"/>
+              </a:ext>
+            </a:extLst>
+          </a:blip>
+          <a:srcRect/>
+          <a:stretch>
+            <a:fillRect/>
+          </a:stretch>
+        </p:blipFill>
+        <p:spPr bwMode="auto">
+          <a:xfrm>
+            <a:off x="1124309" y="2404462"/>
+            <a:ext cx="7702718" cy="3460636"/>
+          </a:xfrm>
+          <a:prstGeom prst="rect">
+            <a:avLst/>
+          </a:prstGeom>
+          <a:noFill/>
+          <a:ln>
+            <a:noFill/>
+          </a:ln>
+        </p:spPr>
+      </p:pic>
+      <p:sp>
+        <p:nvSpPr>
+          <p:cNvPr id="5" name="Rectangle 4"/>
+          <p:cNvSpPr/>
+          <p:nvPr/>
+        </p:nvSpPr>
+        <p:spPr>
+          <a:xfrm>
+            <a:off x="1927668" y="5865098"/>
+            <a:ext cx="6096000" cy="369332"/>
+          </a:xfrm>
+          <a:prstGeom prst="rect">
+            <a:avLst/>
+          </a:prstGeom>
+        </p:spPr>
+        <p:txBody>
+          <a:bodyPr>
+            <a:spAutoFit/>
+          </a:bodyPr>
+          <a:lstStyle/>
+          <a:p>
+            <a:pPr algn="ctr"/>
+            <a:r>
+              <a:rPr lang="en-US" dirty="0" smtClean="0">
+                <a:latin typeface="Times New Roman" panose="02020603050405020304" pitchFamily="18" charset="0"/>
+                <a:cs typeface="Times New Roman" panose="02020603050405020304" pitchFamily="18" charset="0"/>
+              </a:rPr>
+              <a:t> </a:t>
+            </a:r>
+            <a:r>
+              <a:rPr lang="en-US" dirty="0" err="1" smtClean="0">
+                <a:latin typeface="Times New Roman" panose="02020603050405020304" pitchFamily="18" charset="0"/>
+                <a:cs typeface="Times New Roman" panose="02020603050405020304" pitchFamily="18" charset="0"/>
+              </a:rPr>
+              <a:t>Kiến</a:t>
+            </a:r>
+            <a:r>
+              <a:rPr lang="en-US" dirty="0" smtClean="0">
+                <a:latin typeface="Times New Roman" panose="02020603050405020304" pitchFamily="18" charset="0"/>
+                <a:cs typeface="Times New Roman" panose="02020603050405020304" pitchFamily="18" charset="0"/>
+              </a:rPr>
+              <a:t> </a:t>
+            </a:r>
+            <a:r>
+              <a:rPr lang="en-US" dirty="0" err="1" smtClean="0">
+                <a:latin typeface="Times New Roman" panose="02020603050405020304" pitchFamily="18" charset="0"/>
+                <a:cs typeface="Times New Roman" panose="02020603050405020304" pitchFamily="18" charset="0"/>
+              </a:rPr>
+              <a:t>trúc</a:t>
+            </a:r>
+            <a:r>
+              <a:rPr lang="en-US" dirty="0" smtClean="0">
+                <a:latin typeface="Times New Roman" panose="02020603050405020304" pitchFamily="18" charset="0"/>
+                <a:cs typeface="Times New Roman" panose="02020603050405020304" pitchFamily="18" charset="0"/>
+              </a:rPr>
+              <a:t> </a:t>
+            </a:r>
+            <a:r>
+              <a:rPr lang="en-US" dirty="0" err="1" smtClean="0">
+                <a:latin typeface="Times New Roman" panose="02020603050405020304" pitchFamily="18" charset="0"/>
+                <a:cs typeface="Times New Roman" panose="02020603050405020304" pitchFamily="18" charset="0"/>
+              </a:rPr>
+              <a:t>của</a:t>
+            </a:r>
+            <a:r>
+              <a:rPr lang="en-US" dirty="0" smtClean="0">
+                <a:latin typeface="Times New Roman" panose="02020603050405020304" pitchFamily="18" charset="0"/>
+                <a:cs typeface="Times New Roman" panose="02020603050405020304" pitchFamily="18" charset="0"/>
+              </a:rPr>
+              <a:t> </a:t>
+            </a:r>
+            <a:r>
+              <a:rPr lang="en-US" dirty="0" err="1" smtClean="0">
+                <a:latin typeface="Times New Roman" panose="02020603050405020304" pitchFamily="18" charset="0"/>
+                <a:cs typeface="Times New Roman" panose="02020603050405020304" pitchFamily="18" charset="0"/>
+              </a:rPr>
+              <a:t>mô</a:t>
+            </a:r>
+            <a:r>
+              <a:rPr lang="en-US" dirty="0" smtClean="0">
+                <a:latin typeface="Times New Roman" panose="02020603050405020304" pitchFamily="18" charset="0"/>
+                <a:cs typeface="Times New Roman" panose="02020603050405020304" pitchFamily="18" charset="0"/>
+              </a:rPr>
+              <a:t> </a:t>
+            </a:r>
+            <a:r>
+              <a:rPr lang="en-US" dirty="0" err="1" smtClean="0">
+                <a:latin typeface="Times New Roman" panose="02020603050405020304" pitchFamily="18" charset="0"/>
+                <a:cs typeface="Times New Roman" panose="02020603050405020304" pitchFamily="18" charset="0"/>
+              </a:rPr>
+              <a:t>hình</a:t>
+            </a:r>
+            <a:r>
+              <a:rPr lang="en-US" dirty="0" smtClean="0">
+                <a:latin typeface="Times New Roman" panose="02020603050405020304" pitchFamily="18" charset="0"/>
+                <a:cs typeface="Times New Roman" panose="02020603050405020304" pitchFamily="18" charset="0"/>
+              </a:rPr>
+              <a:t> RNN</a:t>
+            </a:r>
+          </a:p>
+        </p:txBody>
+      </p:sp>
+      <p:sp>
+        <p:nvSpPr>
+          <p:cNvPr id="6" name="Rectangle 5"/>
+          <p:cNvSpPr/>
+          <p:nvPr/>
+        </p:nvSpPr>
+        <p:spPr>
+          <a:xfrm>
+            <a:off x="1106933" y="1889265"/>
+            <a:ext cx="6105236" cy="400110"/>
+          </a:xfrm>
+          <a:prstGeom prst="rect">
+            <a:avLst/>
+          </a:prstGeom>
+        </p:spPr>
+        <p:txBody>
+          <a:bodyPr wrap="square">
+            <a:spAutoFit/>
+          </a:bodyPr>
+          <a:lstStyle/>
+          <a:p>
+            <a:r>
+              <a:rPr lang="en-US" sz="2000" b="1" dirty="0" smtClean="0">
+                <a:latin typeface="Times New Roman" panose="02020603050405020304" pitchFamily="18" charset="0"/>
+                <a:ea typeface="Times" panose="02020603050405020304" pitchFamily="18" charset="0"/>
+              </a:rPr>
+              <a:t>RNN (Recurrent Neural Network</a:t>
+            </a:r>
+            <a:r>
+              <a:rPr lang="en-US" sz="2000" b="1" dirty="0" smtClean="0">
+                <a:effectLst/>
+                <a:latin typeface="Times New Roman" panose="02020603050405020304" pitchFamily="18" charset="0"/>
+                <a:ea typeface="Times" panose="02020603050405020304" pitchFamily="18" charset="0"/>
+              </a:rPr>
+              <a:t>)</a:t>
+            </a:r>
+            <a:endParaRPr lang="en-US" sz="2000" b="1" dirty="0"/>
+          </a:p>
+        </p:txBody>
+      </p:sp>
+    </p:spTree>
+    <p:extLst>
+      <p:ext uri="{BB962C8B-B14F-4D97-AF65-F5344CB8AC3E}">
+        <p14:creationId xmlns:p14="http://schemas.microsoft.com/office/powerpoint/2010/main" val="363758804"/>
+      </p:ext>
+    </p:extLst>
+  </p:cSld>
+  <p:clrMapOvr>
+    <a:masterClrMapping/>
+  </p:clrMapOvr>
+  <p:timing>
+    <p:tnLst>
+      <p:par>
+        <p:cTn id="1" dur="indefinite" restart="never" nodeType="tmRoot"/>
+      </p:par>
+    </p:tnLst>
+  </p:timing>
+</p:sld>
+</file>
+
+<file path=ppt/slides/slide7.xml><?xml version="1.0" encoding="utf-8"?>
 <p:sld xmlns:a="http://schemas.openxmlformats.org/drawingml/2006/main" xmlns:r="http://schemas.openxmlformats.org/officeDocument/2006/relationships" xmlns:p="http://schemas.openxmlformats.org/presentationml/2006/main">
   <p:cSld>
     <p:spTree>
@@ -13340,7 +14924,7 @@
 </p:sld>
 </file>
 
-<file path=ppt/slides/slide7.xml><?xml version="1.0" encoding="utf-8"?>
+<file path=ppt/slides/slide8.xml><?xml version="1.0" encoding="utf-8"?>
 <p:sld xmlns:a="http://schemas.openxmlformats.org/drawingml/2006/main" xmlns:r="http://schemas.openxmlformats.org/officeDocument/2006/relationships" xmlns:p="http://schemas.openxmlformats.org/presentationml/2006/main">
   <p:cSld>
     <p:spTree>
@@ -13610,744 +15194,6 @@
 </p:sld>
 </file>
 
-<file path=ppt/slides/slide8.xml><?xml version="1.0" encoding="utf-8"?>
-<p:sld xmlns:a="http://schemas.openxmlformats.org/drawingml/2006/main" xmlns:r="http://schemas.openxmlformats.org/officeDocument/2006/relationships" xmlns:p="http://schemas.openxmlformats.org/presentationml/2006/main">
-  <p:cSld>
-    <p:spTree>
-      <p:nvGrpSpPr>
-        <p:cNvPr id="1" name=""/>
-        <p:cNvGrpSpPr/>
-        <p:nvPr/>
-      </p:nvGrpSpPr>
-      <p:grpSpPr>
-        <a:xfrm>
-          <a:off x="0" y="0"/>
-          <a:ext cx="0" cy="0"/>
-          <a:chOff x="0" y="0"/>
-          <a:chExt cx="0" cy="0"/>
-        </a:xfrm>
-      </p:grpSpPr>
-      <p:sp>
-        <p:nvSpPr>
-          <p:cNvPr id="2" name="Title 1"/>
-          <p:cNvSpPr>
-            <a:spLocks noGrp="1"/>
-          </p:cNvSpPr>
-          <p:nvPr>
-            <p:ph type="title"/>
-          </p:nvPr>
-        </p:nvSpPr>
-        <p:spPr/>
-        <p:txBody>
-          <a:bodyPr/>
-          <a:lstStyle/>
-          <a:p>
-            <a:r>
-              <a:rPr lang="en-US" dirty="0">
-                <a:latin typeface="Times New Roman" panose="02020603050405020304" pitchFamily="18" charset="0"/>
-                <a:cs typeface="Times New Roman" panose="02020603050405020304" pitchFamily="18" charset="0"/>
-              </a:rPr>
-              <a:t>3</a:t>
-            </a:r>
-            <a:r>
-              <a:rPr lang="en-US" dirty="0" smtClean="0">
-                <a:latin typeface="Times New Roman" panose="02020603050405020304" pitchFamily="18" charset="0"/>
-                <a:cs typeface="Times New Roman" panose="02020603050405020304" pitchFamily="18" charset="0"/>
-              </a:rPr>
-              <a:t>. HIỆN THƯC HỆ THỐNG</a:t>
-            </a:r>
-            <a:endParaRPr lang="en-US" dirty="0">
-              <a:latin typeface="Times New Roman" panose="02020603050405020304" pitchFamily="18" charset="0"/>
-              <a:cs typeface="Times New Roman" panose="02020603050405020304" pitchFamily="18" charset="0"/>
-            </a:endParaRPr>
-          </a:p>
-        </p:txBody>
-      </p:sp>
-      <p:sp>
-        <p:nvSpPr>
-          <p:cNvPr id="3" name="Content Placeholder 2"/>
-          <p:cNvSpPr>
-            <a:spLocks noGrp="1"/>
-          </p:cNvSpPr>
-          <p:nvPr>
-            <p:ph idx="1"/>
-          </p:nvPr>
-        </p:nvSpPr>
-        <p:spPr>
-          <a:xfrm>
-            <a:off x="677334" y="1413614"/>
-            <a:ext cx="8596668" cy="5012944"/>
-          </a:xfrm>
-        </p:spPr>
-        <p:txBody>
-          <a:bodyPr>
-            <a:normAutofit/>
-          </a:bodyPr>
-          <a:lstStyle/>
-          <a:p>
-            <a:r>
-              <a:rPr lang="en-US" b="1" dirty="0" smtClean="0">
-                <a:solidFill>
-                  <a:schemeClr val="tx1"/>
-                </a:solidFill>
-                <a:latin typeface="Times New Roman" panose="02020603050405020304" pitchFamily="18" charset="0"/>
-                <a:cs typeface="Times New Roman" panose="02020603050405020304" pitchFamily="18" charset="0"/>
-              </a:rPr>
-              <a:t>DATASET:</a:t>
-            </a:r>
-          </a:p>
-          <a:p>
-            <a:endParaRPr lang="en-US" dirty="0">
-              <a:solidFill>
-                <a:schemeClr val="tx1"/>
-              </a:solidFill>
-              <a:latin typeface="Times New Roman" panose="02020603050405020304" pitchFamily="18" charset="0"/>
-              <a:cs typeface="Times New Roman" panose="02020603050405020304" pitchFamily="18" charset="0"/>
-            </a:endParaRPr>
-          </a:p>
-          <a:p>
-            <a:endParaRPr lang="en-US" dirty="0" smtClean="0">
-              <a:solidFill>
-                <a:schemeClr val="tx1"/>
-              </a:solidFill>
-              <a:latin typeface="Times New Roman" panose="02020603050405020304" pitchFamily="18" charset="0"/>
-              <a:cs typeface="Times New Roman" panose="02020603050405020304" pitchFamily="18" charset="0"/>
-            </a:endParaRPr>
-          </a:p>
-          <a:p>
-            <a:endParaRPr lang="en-US" dirty="0">
-              <a:solidFill>
-                <a:schemeClr val="tx1"/>
-              </a:solidFill>
-              <a:latin typeface="Times New Roman" panose="02020603050405020304" pitchFamily="18" charset="0"/>
-              <a:cs typeface="Times New Roman" panose="02020603050405020304" pitchFamily="18" charset="0"/>
-            </a:endParaRPr>
-          </a:p>
-          <a:p>
-            <a:endParaRPr lang="en-US" dirty="0" smtClean="0">
-              <a:solidFill>
-                <a:schemeClr val="tx1"/>
-              </a:solidFill>
-              <a:latin typeface="Times New Roman" panose="02020603050405020304" pitchFamily="18" charset="0"/>
-              <a:cs typeface="Times New Roman" panose="02020603050405020304" pitchFamily="18" charset="0"/>
-            </a:endParaRPr>
-          </a:p>
-          <a:p>
-            <a:endParaRPr lang="en-US" dirty="0">
-              <a:solidFill>
-                <a:schemeClr val="tx1"/>
-              </a:solidFill>
-              <a:latin typeface="Times New Roman" panose="02020603050405020304" pitchFamily="18" charset="0"/>
-              <a:cs typeface="Times New Roman" panose="02020603050405020304" pitchFamily="18" charset="0"/>
-            </a:endParaRPr>
-          </a:p>
-          <a:p>
-            <a:endParaRPr lang="en-US" dirty="0" smtClean="0">
-              <a:solidFill>
-                <a:schemeClr val="tx1"/>
-              </a:solidFill>
-              <a:latin typeface="Times New Roman" panose="02020603050405020304" pitchFamily="18" charset="0"/>
-              <a:cs typeface="Times New Roman" panose="02020603050405020304" pitchFamily="18" charset="0"/>
-            </a:endParaRPr>
-          </a:p>
-          <a:p>
-            <a:pPr marL="0" indent="0">
-              <a:buNone/>
-            </a:pPr>
-            <a:endParaRPr lang="en-US" dirty="0" smtClean="0">
-              <a:solidFill>
-                <a:schemeClr val="tx1"/>
-              </a:solidFill>
-              <a:latin typeface="Times New Roman" panose="02020603050405020304" pitchFamily="18" charset="0"/>
-              <a:cs typeface="Times New Roman" panose="02020603050405020304" pitchFamily="18" charset="0"/>
-            </a:endParaRPr>
-          </a:p>
-          <a:p>
-            <a:pPr marL="0" indent="0">
-              <a:buNone/>
-            </a:pPr>
-            <a:endParaRPr lang="en-US" dirty="0">
-              <a:solidFill>
-                <a:schemeClr val="tx1"/>
-              </a:solidFill>
-              <a:latin typeface="Times New Roman" panose="02020603050405020304" pitchFamily="18" charset="0"/>
-              <a:cs typeface="Times New Roman" panose="02020603050405020304" pitchFamily="18" charset="0"/>
-            </a:endParaRPr>
-          </a:p>
-          <a:p>
-            <a:pPr>
-              <a:buFont typeface="Times New Roman" panose="02020603050405020304" pitchFamily="18" charset="0"/>
-              <a:buChar char="‒"/>
-            </a:pPr>
-            <a:r>
-              <a:rPr lang="en-US" dirty="0" err="1">
-                <a:solidFill>
-                  <a:schemeClr val="tx1"/>
-                </a:solidFill>
-                <a:latin typeface="Times New Roman" panose="02020603050405020304" pitchFamily="18" charset="0"/>
-                <a:cs typeface="Times New Roman" panose="02020603050405020304" pitchFamily="18" charset="0"/>
-              </a:rPr>
-              <a:t>Bộ</a:t>
-            </a:r>
-            <a:r>
-              <a:rPr lang="en-US" dirty="0">
-                <a:solidFill>
-                  <a:schemeClr val="tx1"/>
-                </a:solidFill>
-                <a:latin typeface="Times New Roman" panose="02020603050405020304" pitchFamily="18" charset="0"/>
-                <a:cs typeface="Times New Roman" panose="02020603050405020304" pitchFamily="18" charset="0"/>
-              </a:rPr>
-              <a:t> </a:t>
-            </a:r>
-            <a:r>
-              <a:rPr lang="en-US" dirty="0" err="1">
-                <a:solidFill>
-                  <a:schemeClr val="tx1"/>
-                </a:solidFill>
-                <a:latin typeface="Times New Roman" panose="02020603050405020304" pitchFamily="18" charset="0"/>
-                <a:cs typeface="Times New Roman" panose="02020603050405020304" pitchFamily="18" charset="0"/>
-              </a:rPr>
-              <a:t>từ</a:t>
-            </a:r>
-            <a:r>
-              <a:rPr lang="en-US" dirty="0">
-                <a:solidFill>
-                  <a:schemeClr val="tx1"/>
-                </a:solidFill>
-                <a:latin typeface="Times New Roman" panose="02020603050405020304" pitchFamily="18" charset="0"/>
-                <a:cs typeface="Times New Roman" panose="02020603050405020304" pitchFamily="18" charset="0"/>
-              </a:rPr>
-              <a:t> </a:t>
-            </a:r>
-            <a:r>
-              <a:rPr lang="en-US" dirty="0" err="1">
-                <a:solidFill>
-                  <a:schemeClr val="tx1"/>
-                </a:solidFill>
-                <a:latin typeface="Times New Roman" panose="02020603050405020304" pitchFamily="18" charset="0"/>
-                <a:cs typeface="Times New Roman" panose="02020603050405020304" pitchFamily="18" charset="0"/>
-              </a:rPr>
-              <a:t>vựng</a:t>
-            </a:r>
-            <a:r>
-              <a:rPr lang="en-US" dirty="0">
-                <a:solidFill>
-                  <a:schemeClr val="tx1"/>
-                </a:solidFill>
-                <a:latin typeface="Times New Roman" panose="02020603050405020304" pitchFamily="18" charset="0"/>
-                <a:cs typeface="Times New Roman" panose="02020603050405020304" pitchFamily="18" charset="0"/>
-              </a:rPr>
-              <a:t>: 92.295 </a:t>
-            </a:r>
-            <a:r>
-              <a:rPr lang="en-US" dirty="0" err="1">
-                <a:solidFill>
-                  <a:schemeClr val="tx1"/>
-                </a:solidFill>
-                <a:latin typeface="Times New Roman" panose="02020603050405020304" pitchFamily="18" charset="0"/>
-                <a:cs typeface="Times New Roman" panose="02020603050405020304" pitchFamily="18" charset="0"/>
-              </a:rPr>
-              <a:t>từ</a:t>
-            </a:r>
-            <a:r>
-              <a:rPr lang="en-US" dirty="0">
-                <a:solidFill>
-                  <a:schemeClr val="tx1"/>
-                </a:solidFill>
-                <a:latin typeface="Times New Roman" panose="02020603050405020304" pitchFamily="18" charset="0"/>
-                <a:cs typeface="Times New Roman" panose="02020603050405020304" pitchFamily="18" charset="0"/>
-              </a:rPr>
-              <a:t>, </a:t>
-            </a:r>
-            <a:r>
-              <a:rPr lang="en-US" dirty="0" err="1">
-                <a:solidFill>
-                  <a:schemeClr val="tx1"/>
-                </a:solidFill>
-                <a:latin typeface="Times New Roman" panose="02020603050405020304" pitchFamily="18" charset="0"/>
-                <a:cs typeface="Times New Roman" panose="02020603050405020304" pitchFamily="18" charset="0"/>
-              </a:rPr>
-              <a:t>thực</a:t>
-            </a:r>
-            <a:r>
-              <a:rPr lang="en-US" dirty="0">
-                <a:solidFill>
-                  <a:schemeClr val="tx1"/>
-                </a:solidFill>
-                <a:latin typeface="Times New Roman" panose="02020603050405020304" pitchFamily="18" charset="0"/>
-                <a:cs typeface="Times New Roman" panose="02020603050405020304" pitchFamily="18" charset="0"/>
-              </a:rPr>
-              <a:t> </a:t>
-            </a:r>
-            <a:r>
-              <a:rPr lang="en-US" dirty="0" err="1">
-                <a:solidFill>
-                  <a:schemeClr val="tx1"/>
-                </a:solidFill>
-                <a:latin typeface="Times New Roman" panose="02020603050405020304" pitchFamily="18" charset="0"/>
-                <a:cs typeface="Times New Roman" panose="02020603050405020304" pitchFamily="18" charset="0"/>
-              </a:rPr>
-              <a:t>nghiệm</a:t>
-            </a:r>
-            <a:r>
-              <a:rPr lang="en-US" dirty="0">
-                <a:solidFill>
-                  <a:schemeClr val="tx1"/>
-                </a:solidFill>
-                <a:latin typeface="Times New Roman" panose="02020603050405020304" pitchFamily="18" charset="0"/>
-                <a:cs typeface="Times New Roman" panose="02020603050405020304" pitchFamily="18" charset="0"/>
-              </a:rPr>
-              <a:t>: 16,515 </a:t>
-            </a:r>
-            <a:r>
-              <a:rPr lang="en-US" dirty="0" err="1">
-                <a:solidFill>
-                  <a:schemeClr val="tx1"/>
-                </a:solidFill>
-                <a:latin typeface="Times New Roman" panose="02020603050405020304" pitchFamily="18" charset="0"/>
-                <a:cs typeface="Times New Roman" panose="02020603050405020304" pitchFamily="18" charset="0"/>
-              </a:rPr>
-              <a:t>từ</a:t>
-            </a:r>
-            <a:r>
-              <a:rPr lang="en-US" dirty="0">
-                <a:solidFill>
-                  <a:schemeClr val="tx1"/>
-                </a:solidFill>
-                <a:latin typeface="Times New Roman" panose="02020603050405020304" pitchFamily="18" charset="0"/>
-                <a:cs typeface="Times New Roman" panose="02020603050405020304" pitchFamily="18" charset="0"/>
-              </a:rPr>
-              <a:t> (</a:t>
-            </a:r>
-            <a:r>
-              <a:rPr lang="en-US" dirty="0" err="1">
-                <a:solidFill>
-                  <a:schemeClr val="tx1"/>
-                </a:solidFill>
-                <a:latin typeface="Times New Roman" panose="02020603050405020304" pitchFamily="18" charset="0"/>
-                <a:cs typeface="Times New Roman" panose="02020603050405020304" pitchFamily="18" charset="0"/>
-              </a:rPr>
-              <a:t>tần</a:t>
-            </a:r>
-            <a:r>
-              <a:rPr lang="en-US" dirty="0">
-                <a:solidFill>
-                  <a:schemeClr val="tx1"/>
-                </a:solidFill>
-                <a:latin typeface="Times New Roman" panose="02020603050405020304" pitchFamily="18" charset="0"/>
-                <a:cs typeface="Times New Roman" panose="02020603050405020304" pitchFamily="18" charset="0"/>
-              </a:rPr>
-              <a:t> </a:t>
-            </a:r>
-            <a:r>
-              <a:rPr lang="en-US" dirty="0" err="1">
-                <a:solidFill>
-                  <a:schemeClr val="tx1"/>
-                </a:solidFill>
-                <a:latin typeface="Times New Roman" panose="02020603050405020304" pitchFamily="18" charset="0"/>
-                <a:cs typeface="Times New Roman" panose="02020603050405020304" pitchFamily="18" charset="0"/>
-              </a:rPr>
-              <a:t>suất</a:t>
-            </a:r>
-            <a:r>
-              <a:rPr lang="en-US" dirty="0">
-                <a:solidFill>
-                  <a:schemeClr val="tx1"/>
-                </a:solidFill>
-                <a:latin typeface="Times New Roman" panose="02020603050405020304" pitchFamily="18" charset="0"/>
-                <a:cs typeface="Times New Roman" panose="02020603050405020304" pitchFamily="18" charset="0"/>
-              </a:rPr>
-              <a:t> </a:t>
-            </a:r>
-            <a:r>
-              <a:rPr lang="en-US" dirty="0" err="1">
-                <a:solidFill>
-                  <a:schemeClr val="tx1"/>
-                </a:solidFill>
-                <a:latin typeface="Times New Roman" panose="02020603050405020304" pitchFamily="18" charset="0"/>
-                <a:cs typeface="Times New Roman" panose="02020603050405020304" pitchFamily="18" charset="0"/>
-              </a:rPr>
-              <a:t>xuất</a:t>
-            </a:r>
-            <a:r>
-              <a:rPr lang="en-US" dirty="0">
-                <a:solidFill>
-                  <a:schemeClr val="tx1"/>
-                </a:solidFill>
-                <a:latin typeface="Times New Roman" panose="02020603050405020304" pitchFamily="18" charset="0"/>
-                <a:cs typeface="Times New Roman" panose="02020603050405020304" pitchFamily="18" charset="0"/>
-              </a:rPr>
-              <a:t> </a:t>
-            </a:r>
-            <a:r>
-              <a:rPr lang="en-US" dirty="0" err="1">
-                <a:solidFill>
-                  <a:schemeClr val="tx1"/>
-                </a:solidFill>
-                <a:latin typeface="Times New Roman" panose="02020603050405020304" pitchFamily="18" charset="0"/>
-                <a:cs typeface="Times New Roman" panose="02020603050405020304" pitchFamily="18" charset="0"/>
-              </a:rPr>
-              <a:t>hiện</a:t>
-            </a:r>
-            <a:r>
-              <a:rPr lang="en-US" dirty="0">
-                <a:solidFill>
-                  <a:schemeClr val="tx1"/>
-                </a:solidFill>
-                <a:latin typeface="Times New Roman" panose="02020603050405020304" pitchFamily="18" charset="0"/>
-                <a:cs typeface="Times New Roman" panose="02020603050405020304" pitchFamily="18" charset="0"/>
-              </a:rPr>
-              <a:t> </a:t>
-            </a:r>
-            <a:r>
-              <a:rPr lang="en-US" dirty="0" err="1">
-                <a:solidFill>
-                  <a:schemeClr val="tx1"/>
-                </a:solidFill>
-                <a:latin typeface="Times New Roman" panose="02020603050405020304" pitchFamily="18" charset="0"/>
-                <a:cs typeface="Times New Roman" panose="02020603050405020304" pitchFamily="18" charset="0"/>
-              </a:rPr>
-              <a:t>trên</a:t>
-            </a:r>
-            <a:r>
-              <a:rPr lang="en-US" dirty="0">
-                <a:solidFill>
-                  <a:schemeClr val="tx1"/>
-                </a:solidFill>
-                <a:latin typeface="Times New Roman" panose="02020603050405020304" pitchFamily="18" charset="0"/>
-                <a:cs typeface="Times New Roman" panose="02020603050405020304" pitchFamily="18" charset="0"/>
-              </a:rPr>
-              <a:t> 5)</a:t>
-            </a:r>
-          </a:p>
-          <a:p>
-            <a:pPr>
-              <a:lnSpc>
-                <a:spcPct val="120000"/>
-              </a:lnSpc>
-              <a:spcBef>
-                <a:spcPts val="0"/>
-              </a:spcBef>
-              <a:spcAft>
-                <a:spcPts val="800"/>
-              </a:spcAft>
-              <a:buFont typeface="Times New Roman" panose="02020603050405020304" pitchFamily="18" charset="0"/>
-              <a:buChar char="‒"/>
-            </a:pPr>
-            <a:r>
-              <a:rPr lang="en-US" dirty="0" err="1">
-                <a:solidFill>
-                  <a:schemeClr val="tx1"/>
-                </a:solidFill>
-                <a:latin typeface="Times New Roman" panose="02020603050405020304" pitchFamily="18" charset="0"/>
-                <a:cs typeface="Times New Roman" panose="02020603050405020304" pitchFamily="18" charset="0"/>
-              </a:rPr>
-              <a:t>Số</a:t>
-            </a:r>
-            <a:r>
-              <a:rPr lang="en-US" dirty="0">
-                <a:solidFill>
-                  <a:schemeClr val="tx1"/>
-                </a:solidFill>
-                <a:latin typeface="Times New Roman" panose="02020603050405020304" pitchFamily="18" charset="0"/>
-                <a:cs typeface="Times New Roman" panose="02020603050405020304" pitchFamily="18" charset="0"/>
-              </a:rPr>
-              <a:t> </a:t>
-            </a:r>
-            <a:r>
-              <a:rPr lang="en-US" dirty="0" err="1">
-                <a:solidFill>
-                  <a:schemeClr val="tx1"/>
-                </a:solidFill>
-                <a:latin typeface="Times New Roman" panose="02020603050405020304" pitchFamily="18" charset="0"/>
-                <a:cs typeface="Times New Roman" panose="02020603050405020304" pitchFamily="18" charset="0"/>
-              </a:rPr>
-              <a:t>lượng</a:t>
-            </a:r>
-            <a:r>
-              <a:rPr lang="en-US" dirty="0">
-                <a:solidFill>
-                  <a:schemeClr val="tx1"/>
-                </a:solidFill>
-                <a:latin typeface="Times New Roman" panose="02020603050405020304" pitchFamily="18" charset="0"/>
-                <a:cs typeface="Times New Roman" panose="02020603050405020304" pitchFamily="18" charset="0"/>
-              </a:rPr>
-              <a:t> </a:t>
-            </a:r>
-            <a:r>
-              <a:rPr lang="en-US" dirty="0" err="1">
-                <a:solidFill>
-                  <a:schemeClr val="tx1"/>
-                </a:solidFill>
-                <a:latin typeface="Times New Roman" panose="02020603050405020304" pitchFamily="18" charset="0"/>
-                <a:cs typeface="Times New Roman" panose="02020603050405020304" pitchFamily="18" charset="0"/>
-              </a:rPr>
-              <a:t>ảnh</a:t>
-            </a:r>
-            <a:r>
-              <a:rPr lang="en-US" dirty="0">
-                <a:solidFill>
-                  <a:schemeClr val="tx1"/>
-                </a:solidFill>
-                <a:latin typeface="Times New Roman" panose="02020603050405020304" pitchFamily="18" charset="0"/>
-                <a:cs typeface="Times New Roman" panose="02020603050405020304" pitchFamily="18" charset="0"/>
-              </a:rPr>
-              <a:t> </a:t>
-            </a:r>
-            <a:r>
-              <a:rPr lang="en-US" dirty="0" err="1">
-                <a:solidFill>
-                  <a:schemeClr val="tx1"/>
-                </a:solidFill>
-                <a:latin typeface="Times New Roman" panose="02020603050405020304" pitchFamily="18" charset="0"/>
-                <a:cs typeface="Times New Roman" panose="02020603050405020304" pitchFamily="18" charset="0"/>
-              </a:rPr>
-              <a:t>là</a:t>
-            </a:r>
-            <a:r>
-              <a:rPr lang="en-US" dirty="0">
-                <a:solidFill>
-                  <a:schemeClr val="tx1"/>
-                </a:solidFill>
-                <a:latin typeface="Times New Roman" panose="02020603050405020304" pitchFamily="18" charset="0"/>
-                <a:cs typeface="Times New Roman" panose="02020603050405020304" pitchFamily="18" charset="0"/>
-              </a:rPr>
-              <a:t> 50.015 ( 29,113 top + 20,902 bottom) </a:t>
-            </a:r>
-          </a:p>
-          <a:p>
-            <a:pPr>
-              <a:lnSpc>
-                <a:spcPct val="120000"/>
-              </a:lnSpc>
-              <a:spcBef>
-                <a:spcPts val="0"/>
-              </a:spcBef>
-              <a:spcAft>
-                <a:spcPts val="800"/>
-              </a:spcAft>
-              <a:buFont typeface="Times New Roman" panose="02020603050405020304" pitchFamily="18" charset="0"/>
-              <a:buChar char="‒"/>
-            </a:pPr>
-            <a:r>
-              <a:rPr lang="en-US" dirty="0" err="1">
-                <a:solidFill>
-                  <a:schemeClr val="tx1"/>
-                </a:solidFill>
-                <a:latin typeface="Times New Roman" panose="02020603050405020304" pitchFamily="18" charset="0"/>
-                <a:cs typeface="Times New Roman" panose="02020603050405020304" pitchFamily="18" charset="0"/>
-              </a:rPr>
-              <a:t>Số</a:t>
-            </a:r>
-            <a:r>
-              <a:rPr lang="en-US" dirty="0">
-                <a:solidFill>
-                  <a:schemeClr val="tx1"/>
-                </a:solidFill>
-                <a:latin typeface="Times New Roman" panose="02020603050405020304" pitchFamily="18" charset="0"/>
-                <a:cs typeface="Times New Roman" panose="02020603050405020304" pitchFamily="18" charset="0"/>
-              </a:rPr>
-              <a:t> </a:t>
-            </a:r>
-            <a:r>
-              <a:rPr lang="en-US" dirty="0" err="1">
-                <a:solidFill>
-                  <a:schemeClr val="tx1"/>
-                </a:solidFill>
-                <a:latin typeface="Times New Roman" panose="02020603050405020304" pitchFamily="18" charset="0"/>
-                <a:cs typeface="Times New Roman" panose="02020603050405020304" pitchFamily="18" charset="0"/>
-              </a:rPr>
-              <a:t>lượng</a:t>
-            </a:r>
-            <a:r>
-              <a:rPr lang="en-US" dirty="0">
-                <a:solidFill>
-                  <a:schemeClr val="tx1"/>
-                </a:solidFill>
-                <a:latin typeface="Times New Roman" panose="02020603050405020304" pitchFamily="18" charset="0"/>
-                <a:cs typeface="Times New Roman" panose="02020603050405020304" pitchFamily="18" charset="0"/>
-              </a:rPr>
-              <a:t> </a:t>
-            </a:r>
-            <a:r>
-              <a:rPr lang="en-US" dirty="0" err="1">
-                <a:solidFill>
-                  <a:schemeClr val="tx1"/>
-                </a:solidFill>
-                <a:latin typeface="Times New Roman" panose="02020603050405020304" pitchFamily="18" charset="0"/>
-                <a:cs typeface="Times New Roman" panose="02020603050405020304" pitchFamily="18" charset="0"/>
-              </a:rPr>
-              <a:t>cặp</a:t>
-            </a:r>
-            <a:r>
-              <a:rPr lang="en-US" dirty="0">
-                <a:solidFill>
-                  <a:schemeClr val="tx1"/>
-                </a:solidFill>
-                <a:latin typeface="Times New Roman" panose="02020603050405020304" pitchFamily="18" charset="0"/>
-                <a:cs typeface="Times New Roman" panose="02020603050405020304" pitchFamily="18" charset="0"/>
-              </a:rPr>
-              <a:t> </a:t>
-            </a:r>
-            <a:r>
-              <a:rPr lang="en-US" dirty="0" err="1">
-                <a:solidFill>
-                  <a:schemeClr val="tx1"/>
-                </a:solidFill>
-                <a:latin typeface="Times New Roman" panose="02020603050405020304" pitchFamily="18" charset="0"/>
-                <a:cs typeface="Times New Roman" panose="02020603050405020304" pitchFamily="18" charset="0"/>
-              </a:rPr>
-              <a:t>ảnh</a:t>
-            </a:r>
-            <a:r>
-              <a:rPr lang="en-US" dirty="0">
-                <a:solidFill>
-                  <a:schemeClr val="tx1"/>
-                </a:solidFill>
-                <a:latin typeface="Times New Roman" panose="02020603050405020304" pitchFamily="18" charset="0"/>
-                <a:cs typeface="Times New Roman" panose="02020603050405020304" pitchFamily="18" charset="0"/>
-              </a:rPr>
-              <a:t> </a:t>
-            </a:r>
-            <a:r>
-              <a:rPr lang="en-US" dirty="0" err="1">
-                <a:solidFill>
-                  <a:schemeClr val="tx1"/>
-                </a:solidFill>
-                <a:latin typeface="Times New Roman" panose="02020603050405020304" pitchFamily="18" charset="0"/>
-                <a:cs typeface="Times New Roman" panose="02020603050405020304" pitchFamily="18" charset="0"/>
-              </a:rPr>
-              <a:t>trang</a:t>
-            </a:r>
-            <a:r>
-              <a:rPr lang="en-US" dirty="0">
-                <a:solidFill>
-                  <a:schemeClr val="tx1"/>
-                </a:solidFill>
-                <a:latin typeface="Times New Roman" panose="02020603050405020304" pitchFamily="18" charset="0"/>
-                <a:cs typeface="Times New Roman" panose="02020603050405020304" pitchFamily="18" charset="0"/>
-              </a:rPr>
-              <a:t> </a:t>
-            </a:r>
-            <a:r>
-              <a:rPr lang="en-US" dirty="0" err="1">
-                <a:solidFill>
-                  <a:schemeClr val="tx1"/>
-                </a:solidFill>
-                <a:latin typeface="Times New Roman" panose="02020603050405020304" pitchFamily="18" charset="0"/>
-                <a:cs typeface="Times New Roman" panose="02020603050405020304" pitchFamily="18" charset="0"/>
-              </a:rPr>
-              <a:t>phục</a:t>
-            </a:r>
-            <a:r>
-              <a:rPr lang="en-US" dirty="0">
-                <a:solidFill>
-                  <a:schemeClr val="tx1"/>
-                </a:solidFill>
-                <a:latin typeface="Times New Roman" panose="02020603050405020304" pitchFamily="18" charset="0"/>
-                <a:cs typeface="Times New Roman" panose="02020603050405020304" pitchFamily="18" charset="0"/>
-              </a:rPr>
-              <a:t> </a:t>
-            </a:r>
-            <a:r>
-              <a:rPr lang="en-US" dirty="0" err="1">
-                <a:solidFill>
-                  <a:schemeClr val="tx1"/>
-                </a:solidFill>
-                <a:latin typeface="Times New Roman" panose="02020603050405020304" pitchFamily="18" charset="0"/>
-                <a:cs typeface="Times New Roman" panose="02020603050405020304" pitchFamily="18" charset="0"/>
-              </a:rPr>
-              <a:t>là</a:t>
-            </a:r>
-            <a:r>
-              <a:rPr lang="en-US" dirty="0">
-                <a:solidFill>
-                  <a:schemeClr val="tx1"/>
-                </a:solidFill>
-                <a:latin typeface="Times New Roman" panose="02020603050405020304" pitchFamily="18" charset="0"/>
-                <a:cs typeface="Times New Roman" panose="02020603050405020304" pitchFamily="18" charset="0"/>
-              </a:rPr>
-              <a:t> 200.745 </a:t>
-            </a:r>
-            <a:r>
-              <a:rPr lang="en-US" dirty="0" err="1">
-                <a:solidFill>
-                  <a:schemeClr val="tx1"/>
-                </a:solidFill>
-                <a:latin typeface="Times New Roman" panose="02020603050405020304" pitchFamily="18" charset="0"/>
-                <a:cs typeface="Times New Roman" panose="02020603050405020304" pitchFamily="18" charset="0"/>
-              </a:rPr>
-              <a:t>cặp</a:t>
-            </a:r>
-            <a:r>
-              <a:rPr lang="en-US" dirty="0">
-                <a:solidFill>
-                  <a:schemeClr val="tx1"/>
-                </a:solidFill>
-                <a:latin typeface="Times New Roman" panose="02020603050405020304" pitchFamily="18" charset="0"/>
-                <a:cs typeface="Times New Roman" panose="02020603050405020304" pitchFamily="18" charset="0"/>
-              </a:rPr>
-              <a:t>. </a:t>
-            </a:r>
-          </a:p>
-          <a:p>
-            <a:endParaRPr lang="en-US" dirty="0" smtClean="0">
-              <a:latin typeface="Times New Roman" panose="02020603050405020304" pitchFamily="18" charset="0"/>
-              <a:cs typeface="Times New Roman" panose="02020603050405020304" pitchFamily="18" charset="0"/>
-            </a:endParaRPr>
-          </a:p>
-          <a:p>
-            <a:endParaRPr lang="en-US" dirty="0">
-              <a:latin typeface="Times New Roman" panose="02020603050405020304" pitchFamily="18" charset="0"/>
-              <a:cs typeface="Times New Roman" panose="02020603050405020304" pitchFamily="18" charset="0"/>
-            </a:endParaRPr>
-          </a:p>
-        </p:txBody>
-      </p:sp>
-      <p:pic>
-        <p:nvPicPr>
-          <p:cNvPr id="5" name="Picture 4"/>
-          <p:cNvPicPr>
-            <a:picLocks noChangeAspect="1"/>
-          </p:cNvPicPr>
-          <p:nvPr/>
-        </p:nvPicPr>
-        <p:blipFill>
-          <a:blip r:embed="rId2"/>
-          <a:stretch>
-            <a:fillRect/>
-          </a:stretch>
-        </p:blipFill>
-        <p:spPr>
-          <a:xfrm>
-            <a:off x="1739414" y="1930400"/>
-            <a:ext cx="5991967" cy="3010504"/>
-          </a:xfrm>
-          <a:prstGeom prst="rect">
-            <a:avLst/>
-          </a:prstGeom>
-        </p:spPr>
-      </p:pic>
-    </p:spTree>
-    <p:extLst>
-      <p:ext uri="{BB962C8B-B14F-4D97-AF65-F5344CB8AC3E}">
-        <p14:creationId xmlns:p14="http://schemas.microsoft.com/office/powerpoint/2010/main" val="1338703989"/>
-      </p:ext>
-    </p:extLst>
-  </p:cSld>
-  <p:clrMapOvr>
-    <a:masterClrMapping/>
-  </p:clrMapOvr>
-  <p:timing>
-    <p:tnLst>
-      <p:par>
-        <p:cTn id="1" dur="indefinite" restart="never" nodeType="tmRoot"/>
-      </p:par>
-    </p:tnLst>
-  </p:timing>
-</p:sld>
-</file>
-
 <file path=ppt/slides/slide9.xml><?xml version="1.0" encoding="utf-8"?>
 <p:sld xmlns:a="http://schemas.openxmlformats.org/drawingml/2006/main" xmlns:r="http://schemas.openxmlformats.org/officeDocument/2006/relationships" xmlns:p="http://schemas.openxmlformats.org/presentationml/2006/main">
   <p:cSld>
@@ -14381,20 +15227,23 @@
           <a:lstStyle/>
           <a:p>
             <a:r>
+              <a:rPr lang="en-US" dirty="0">
+                <a:latin typeface="Times New Roman" panose="02020603050405020304" pitchFamily="18" charset="0"/>
+                <a:cs typeface="Times New Roman" panose="02020603050405020304" pitchFamily="18" charset="0"/>
+              </a:rPr>
+              <a:t>3</a:t>
+            </a:r>
+            <a:r>
               <a:rPr lang="en-US" dirty="0" smtClean="0">
                 <a:latin typeface="Times New Roman" panose="02020603050405020304" pitchFamily="18" charset="0"/>
                 <a:cs typeface="Times New Roman" panose="02020603050405020304" pitchFamily="18" charset="0"/>
               </a:rPr>
-              <a:t>3. </a:t>
-            </a:r>
-            <a:r>
-              <a:rPr lang="en-US" dirty="0">
-                <a:latin typeface="Times New Roman" panose="02020603050405020304" pitchFamily="18" charset="0"/>
-                <a:cs typeface="Times New Roman" panose="02020603050405020304" pitchFamily="18" charset="0"/>
-              </a:rPr>
-              <a:t>HIỆN THƯC HỆ THỐNG</a:t>
-            </a:r>
-            <a:endParaRPr lang="en-US" dirty="0"/>
+              <a:t>. HIỆN THƯC HỆ THỐNG</a:t>
+            </a:r>
+            <a:endParaRPr lang="en-US" dirty="0">
+              <a:latin typeface="Times New Roman" panose="02020603050405020304" pitchFamily="18" charset="0"/>
+              <a:cs typeface="Times New Roman" panose="02020603050405020304" pitchFamily="18" charset="0"/>
+            </a:endParaRPr>
           </a:p>
         </p:txBody>
       </p:sp>
@@ -14408,32 +15257,351 @@
             <p:ph idx="1"/>
           </p:nvPr>
         </p:nvSpPr>
-        <p:spPr/>
+        <p:spPr>
+          <a:xfrm>
+            <a:off x="677334" y="1413614"/>
+            <a:ext cx="8596668" cy="5012944"/>
+          </a:xfrm>
+        </p:spPr>
         <p:txBody>
-          <a:bodyPr/>
+          <a:bodyPr>
+            <a:normAutofit/>
+          </a:bodyPr>
           <a:lstStyle/>
           <a:p>
+            <a:r>
+              <a:rPr lang="en-US" b="1" dirty="0" smtClean="0">
+                <a:solidFill>
+                  <a:schemeClr val="tx1"/>
+                </a:solidFill>
+                <a:latin typeface="Times New Roman" panose="02020603050405020304" pitchFamily="18" charset="0"/>
+                <a:cs typeface="Times New Roman" panose="02020603050405020304" pitchFamily="18" charset="0"/>
+              </a:rPr>
+              <a:t>DATASET:</a:t>
+            </a:r>
+          </a:p>
+          <a:p>
+            <a:endParaRPr lang="en-US" dirty="0">
+              <a:solidFill>
+                <a:schemeClr val="tx1"/>
+              </a:solidFill>
+              <a:latin typeface="Times New Roman" panose="02020603050405020304" pitchFamily="18" charset="0"/>
+              <a:cs typeface="Times New Roman" panose="02020603050405020304" pitchFamily="18" charset="0"/>
+            </a:endParaRPr>
+          </a:p>
+          <a:p>
+            <a:endParaRPr lang="en-US" dirty="0" smtClean="0">
+              <a:solidFill>
+                <a:schemeClr val="tx1"/>
+              </a:solidFill>
+              <a:latin typeface="Times New Roman" panose="02020603050405020304" pitchFamily="18" charset="0"/>
+              <a:cs typeface="Times New Roman" panose="02020603050405020304" pitchFamily="18" charset="0"/>
+            </a:endParaRPr>
+          </a:p>
+          <a:p>
+            <a:endParaRPr lang="en-US" dirty="0">
+              <a:solidFill>
+                <a:schemeClr val="tx1"/>
+              </a:solidFill>
+              <a:latin typeface="Times New Roman" panose="02020603050405020304" pitchFamily="18" charset="0"/>
+              <a:cs typeface="Times New Roman" panose="02020603050405020304" pitchFamily="18" charset="0"/>
+            </a:endParaRPr>
+          </a:p>
+          <a:p>
+            <a:endParaRPr lang="en-US" dirty="0" smtClean="0">
+              <a:solidFill>
+                <a:schemeClr val="tx1"/>
+              </a:solidFill>
+              <a:latin typeface="Times New Roman" panose="02020603050405020304" pitchFamily="18" charset="0"/>
+              <a:cs typeface="Times New Roman" panose="02020603050405020304" pitchFamily="18" charset="0"/>
+            </a:endParaRPr>
+          </a:p>
+          <a:p>
+            <a:endParaRPr lang="en-US" dirty="0">
+              <a:solidFill>
+                <a:schemeClr val="tx1"/>
+              </a:solidFill>
+              <a:latin typeface="Times New Roman" panose="02020603050405020304" pitchFamily="18" charset="0"/>
+              <a:cs typeface="Times New Roman" panose="02020603050405020304" pitchFamily="18" charset="0"/>
+            </a:endParaRPr>
+          </a:p>
+          <a:p>
+            <a:endParaRPr lang="en-US" dirty="0" smtClean="0">
+              <a:solidFill>
+                <a:schemeClr val="tx1"/>
+              </a:solidFill>
+              <a:latin typeface="Times New Roman" panose="02020603050405020304" pitchFamily="18" charset="0"/>
+              <a:cs typeface="Times New Roman" panose="02020603050405020304" pitchFamily="18" charset="0"/>
+            </a:endParaRPr>
+          </a:p>
+          <a:p>
             <a:pPr marL="0" indent="0">
-              <a:lnSpc>
-                <a:spcPct val="120000"/>
-              </a:lnSpc>
-              <a:spcBef>
-                <a:spcPts val="0"/>
-              </a:spcBef>
-              <a:spcAft>
-                <a:spcPts val="800"/>
-              </a:spcAft>
               <a:buNone/>
             </a:pPr>
-            <a:r>
-              <a:rPr lang="en-US" b="1" dirty="0" smtClean="0">
-                <a:solidFill>
-                  <a:schemeClr val="tx1"/>
-                </a:solidFill>
-                <a:latin typeface="Times New Roman" panose="02020603050405020304" pitchFamily="18" charset="0"/>
-                <a:cs typeface="Times New Roman" panose="02020603050405020304" pitchFamily="18" charset="0"/>
-              </a:rPr>
-              <a:t>MÔI TRƯỜNG</a:t>
+            <a:endParaRPr lang="en-US" dirty="0" smtClean="0">
+              <a:solidFill>
+                <a:schemeClr val="tx1"/>
+              </a:solidFill>
+              <a:latin typeface="Times New Roman" panose="02020603050405020304" pitchFamily="18" charset="0"/>
+              <a:cs typeface="Times New Roman" panose="02020603050405020304" pitchFamily="18" charset="0"/>
+            </a:endParaRPr>
+          </a:p>
+          <a:p>
+            <a:pPr marL="0" indent="0">
+              <a:buNone/>
+            </a:pPr>
+            <a:endParaRPr lang="en-US" dirty="0">
+              <a:solidFill>
+                <a:schemeClr val="tx1"/>
+              </a:solidFill>
+              <a:latin typeface="Times New Roman" panose="02020603050405020304" pitchFamily="18" charset="0"/>
+              <a:cs typeface="Times New Roman" panose="02020603050405020304" pitchFamily="18" charset="0"/>
+            </a:endParaRPr>
+          </a:p>
+          <a:p>
+            <a:pPr>
+              <a:buFont typeface="Times New Roman" panose="02020603050405020304" pitchFamily="18" charset="0"/>
+              <a:buChar char="‒"/>
+            </a:pPr>
+            <a:r>
+              <a:rPr lang="en-US" dirty="0" err="1">
+                <a:solidFill>
+                  <a:schemeClr val="tx1"/>
+                </a:solidFill>
+                <a:latin typeface="Times New Roman" panose="02020603050405020304" pitchFamily="18" charset="0"/>
+                <a:cs typeface="Times New Roman" panose="02020603050405020304" pitchFamily="18" charset="0"/>
+              </a:rPr>
+              <a:t>Bộ</a:t>
+            </a:r>
+            <a:r>
+              <a:rPr lang="en-US" dirty="0">
+                <a:solidFill>
+                  <a:schemeClr val="tx1"/>
+                </a:solidFill>
+                <a:latin typeface="Times New Roman" panose="02020603050405020304" pitchFamily="18" charset="0"/>
+                <a:cs typeface="Times New Roman" panose="02020603050405020304" pitchFamily="18" charset="0"/>
+              </a:rPr>
+              <a:t> </a:t>
+            </a:r>
+            <a:r>
+              <a:rPr lang="en-US" dirty="0" err="1">
+                <a:solidFill>
+                  <a:schemeClr val="tx1"/>
+                </a:solidFill>
+                <a:latin typeface="Times New Roman" panose="02020603050405020304" pitchFamily="18" charset="0"/>
+                <a:cs typeface="Times New Roman" panose="02020603050405020304" pitchFamily="18" charset="0"/>
+              </a:rPr>
+              <a:t>từ</a:t>
+            </a:r>
+            <a:r>
+              <a:rPr lang="en-US" dirty="0">
+                <a:solidFill>
+                  <a:schemeClr val="tx1"/>
+                </a:solidFill>
+                <a:latin typeface="Times New Roman" panose="02020603050405020304" pitchFamily="18" charset="0"/>
+                <a:cs typeface="Times New Roman" panose="02020603050405020304" pitchFamily="18" charset="0"/>
+              </a:rPr>
+              <a:t> </a:t>
+            </a:r>
+            <a:r>
+              <a:rPr lang="en-US" dirty="0" err="1">
+                <a:solidFill>
+                  <a:schemeClr val="tx1"/>
+                </a:solidFill>
+                <a:latin typeface="Times New Roman" panose="02020603050405020304" pitchFamily="18" charset="0"/>
+                <a:cs typeface="Times New Roman" panose="02020603050405020304" pitchFamily="18" charset="0"/>
+              </a:rPr>
+              <a:t>vựng</a:t>
+            </a:r>
+            <a:r>
+              <a:rPr lang="en-US" dirty="0">
+                <a:solidFill>
+                  <a:schemeClr val="tx1"/>
+                </a:solidFill>
+                <a:latin typeface="Times New Roman" panose="02020603050405020304" pitchFamily="18" charset="0"/>
+                <a:cs typeface="Times New Roman" panose="02020603050405020304" pitchFamily="18" charset="0"/>
+              </a:rPr>
+              <a:t>: 92.295 </a:t>
+            </a:r>
+            <a:r>
+              <a:rPr lang="en-US" dirty="0" err="1">
+                <a:solidFill>
+                  <a:schemeClr val="tx1"/>
+                </a:solidFill>
+                <a:latin typeface="Times New Roman" panose="02020603050405020304" pitchFamily="18" charset="0"/>
+                <a:cs typeface="Times New Roman" panose="02020603050405020304" pitchFamily="18" charset="0"/>
+              </a:rPr>
+              <a:t>từ</a:t>
+            </a:r>
+            <a:r>
+              <a:rPr lang="en-US" dirty="0">
+                <a:solidFill>
+                  <a:schemeClr val="tx1"/>
+                </a:solidFill>
+                <a:latin typeface="Times New Roman" panose="02020603050405020304" pitchFamily="18" charset="0"/>
+                <a:cs typeface="Times New Roman" panose="02020603050405020304" pitchFamily="18" charset="0"/>
+              </a:rPr>
+              <a:t>, </a:t>
+            </a:r>
+            <a:r>
+              <a:rPr lang="en-US" dirty="0" err="1">
+                <a:solidFill>
+                  <a:schemeClr val="tx1"/>
+                </a:solidFill>
+                <a:latin typeface="Times New Roman" panose="02020603050405020304" pitchFamily="18" charset="0"/>
+                <a:cs typeface="Times New Roman" panose="02020603050405020304" pitchFamily="18" charset="0"/>
+              </a:rPr>
+              <a:t>thực</a:t>
+            </a:r>
+            <a:r>
+              <a:rPr lang="en-US" dirty="0">
+                <a:solidFill>
+                  <a:schemeClr val="tx1"/>
+                </a:solidFill>
+                <a:latin typeface="Times New Roman" panose="02020603050405020304" pitchFamily="18" charset="0"/>
+                <a:cs typeface="Times New Roman" panose="02020603050405020304" pitchFamily="18" charset="0"/>
+              </a:rPr>
+              <a:t> </a:t>
+            </a:r>
+            <a:r>
+              <a:rPr lang="en-US" dirty="0" err="1">
+                <a:solidFill>
+                  <a:schemeClr val="tx1"/>
+                </a:solidFill>
+                <a:latin typeface="Times New Roman" panose="02020603050405020304" pitchFamily="18" charset="0"/>
+                <a:cs typeface="Times New Roman" panose="02020603050405020304" pitchFamily="18" charset="0"/>
+              </a:rPr>
+              <a:t>nghiệm</a:t>
+            </a:r>
+            <a:r>
+              <a:rPr lang="en-US" dirty="0">
+                <a:solidFill>
+                  <a:schemeClr val="tx1"/>
+                </a:solidFill>
+                <a:latin typeface="Times New Roman" panose="02020603050405020304" pitchFamily="18" charset="0"/>
+                <a:cs typeface="Times New Roman" panose="02020603050405020304" pitchFamily="18" charset="0"/>
+              </a:rPr>
+              <a:t>: 16,515 </a:t>
+            </a:r>
+            <a:r>
+              <a:rPr lang="en-US" dirty="0" err="1">
+                <a:solidFill>
+                  <a:schemeClr val="tx1"/>
+                </a:solidFill>
+                <a:latin typeface="Times New Roman" panose="02020603050405020304" pitchFamily="18" charset="0"/>
+                <a:cs typeface="Times New Roman" panose="02020603050405020304" pitchFamily="18" charset="0"/>
+              </a:rPr>
+              <a:t>từ</a:t>
+            </a:r>
+            <a:r>
+              <a:rPr lang="en-US" dirty="0">
+                <a:solidFill>
+                  <a:schemeClr val="tx1"/>
+                </a:solidFill>
+                <a:latin typeface="Times New Roman" panose="02020603050405020304" pitchFamily="18" charset="0"/>
+                <a:cs typeface="Times New Roman" panose="02020603050405020304" pitchFamily="18" charset="0"/>
+              </a:rPr>
+              <a:t> (</a:t>
+            </a:r>
+            <a:r>
+              <a:rPr lang="en-US" dirty="0" err="1">
+                <a:solidFill>
+                  <a:schemeClr val="tx1"/>
+                </a:solidFill>
+                <a:latin typeface="Times New Roman" panose="02020603050405020304" pitchFamily="18" charset="0"/>
+                <a:cs typeface="Times New Roman" panose="02020603050405020304" pitchFamily="18" charset="0"/>
+              </a:rPr>
+              <a:t>tần</a:t>
+            </a:r>
+            <a:r>
+              <a:rPr lang="en-US" dirty="0">
+                <a:solidFill>
+                  <a:schemeClr val="tx1"/>
+                </a:solidFill>
+                <a:latin typeface="Times New Roman" panose="02020603050405020304" pitchFamily="18" charset="0"/>
+                <a:cs typeface="Times New Roman" panose="02020603050405020304" pitchFamily="18" charset="0"/>
+              </a:rPr>
+              <a:t> </a:t>
+            </a:r>
+            <a:r>
+              <a:rPr lang="en-US" dirty="0" err="1">
+                <a:solidFill>
+                  <a:schemeClr val="tx1"/>
+                </a:solidFill>
+                <a:latin typeface="Times New Roman" panose="02020603050405020304" pitchFamily="18" charset="0"/>
+                <a:cs typeface="Times New Roman" panose="02020603050405020304" pitchFamily="18" charset="0"/>
+              </a:rPr>
+              <a:t>suất</a:t>
+            </a:r>
+            <a:r>
+              <a:rPr lang="en-US" dirty="0">
+                <a:solidFill>
+                  <a:schemeClr val="tx1"/>
+                </a:solidFill>
+                <a:latin typeface="Times New Roman" panose="02020603050405020304" pitchFamily="18" charset="0"/>
+                <a:cs typeface="Times New Roman" panose="02020603050405020304" pitchFamily="18" charset="0"/>
+              </a:rPr>
+              <a:t> </a:t>
+            </a:r>
+            <a:r>
+              <a:rPr lang="en-US" dirty="0" err="1">
+                <a:solidFill>
+                  <a:schemeClr val="tx1"/>
+                </a:solidFill>
+                <a:latin typeface="Times New Roman" panose="02020603050405020304" pitchFamily="18" charset="0"/>
+                <a:cs typeface="Times New Roman" panose="02020603050405020304" pitchFamily="18" charset="0"/>
+              </a:rPr>
+              <a:t>xuất</a:t>
+            </a:r>
+            <a:r>
+              <a:rPr lang="en-US" dirty="0">
+                <a:solidFill>
+                  <a:schemeClr val="tx1"/>
+                </a:solidFill>
+                <a:latin typeface="Times New Roman" panose="02020603050405020304" pitchFamily="18" charset="0"/>
+                <a:cs typeface="Times New Roman" panose="02020603050405020304" pitchFamily="18" charset="0"/>
+              </a:rPr>
+              <a:t> </a:t>
+            </a:r>
+            <a:r>
+              <a:rPr lang="en-US" dirty="0" err="1">
+                <a:solidFill>
+                  <a:schemeClr val="tx1"/>
+                </a:solidFill>
+                <a:latin typeface="Times New Roman" panose="02020603050405020304" pitchFamily="18" charset="0"/>
+                <a:cs typeface="Times New Roman" panose="02020603050405020304" pitchFamily="18" charset="0"/>
+              </a:rPr>
+              <a:t>hiện</a:t>
+            </a:r>
+            <a:r>
+              <a:rPr lang="en-US" dirty="0">
+                <a:solidFill>
+                  <a:schemeClr val="tx1"/>
+                </a:solidFill>
+                <a:latin typeface="Times New Roman" panose="02020603050405020304" pitchFamily="18" charset="0"/>
+                <a:cs typeface="Times New Roman" panose="02020603050405020304" pitchFamily="18" charset="0"/>
+              </a:rPr>
+              <a:t> </a:t>
+            </a:r>
+            <a:r>
+              <a:rPr lang="en-US" dirty="0" err="1">
+                <a:solidFill>
+                  <a:schemeClr val="tx1"/>
+                </a:solidFill>
+                <a:latin typeface="Times New Roman" panose="02020603050405020304" pitchFamily="18" charset="0"/>
+                <a:cs typeface="Times New Roman" panose="02020603050405020304" pitchFamily="18" charset="0"/>
+              </a:rPr>
+              <a:t>trên</a:t>
+            </a:r>
+            <a:r>
+              <a:rPr lang="en-US" dirty="0">
+                <a:solidFill>
+                  <a:schemeClr val="tx1"/>
+                </a:solidFill>
+                <a:latin typeface="Times New Roman" panose="02020603050405020304" pitchFamily="18" charset="0"/>
+                <a:cs typeface="Times New Roman" panose="02020603050405020304" pitchFamily="18" charset="0"/>
+              </a:rPr>
+              <a:t> 5)</a:t>
             </a:r>
           </a:p>
           <a:p>
@@ -14447,88 +15615,58 @@
               <a:spcAft>
                 <a:spcPts val="800"/>
               </a:spcAft>
-              <a:buFontTx/>
+              <a:buFont typeface="Times New Roman" panose="02020603050405020304" pitchFamily="18" charset="0"/>
               <a:buChar char="‒"/>
             </a:pPr>
             <a:r>
-              <a:rPr lang="en-US" dirty="0" smtClean="0">
-                <a:solidFill>
-                  <a:schemeClr val="tx1"/>
-                </a:solidFill>
-                <a:latin typeface="Times New Roman" panose="02020603050405020304" pitchFamily="18" charset="0"/>
-                <a:cs typeface="Times New Roman" panose="02020603050405020304" pitchFamily="18" charset="0"/>
-              </a:rPr>
-              <a:t>Google </a:t>
-            </a:r>
-            <a:r>
-              <a:rPr lang="en-US" dirty="0" err="1">
-                <a:solidFill>
-                  <a:schemeClr val="tx1"/>
-                </a:solidFill>
-                <a:latin typeface="Times New Roman" panose="02020603050405020304" pitchFamily="18" charset="0"/>
-                <a:cs typeface="Times New Roman" panose="02020603050405020304" pitchFamily="18" charset="0"/>
-              </a:rPr>
-              <a:t>Colab</a:t>
-            </a:r>
-            <a:r>
-              <a:rPr lang="en-US" dirty="0">
-                <a:solidFill>
-                  <a:schemeClr val="tx1"/>
-                </a:solidFill>
-                <a:latin typeface="Times New Roman" panose="02020603050405020304" pitchFamily="18" charset="0"/>
-                <a:cs typeface="Times New Roman" panose="02020603050405020304" pitchFamily="18" charset="0"/>
-              </a:rPr>
-              <a:t> Service, ram </a:t>
-            </a:r>
-            <a:r>
-              <a:rPr lang="en-US" dirty="0" err="1">
-                <a:solidFill>
-                  <a:schemeClr val="tx1"/>
-                </a:solidFill>
-                <a:latin typeface="Times New Roman" panose="02020603050405020304" pitchFamily="18" charset="0"/>
-                <a:cs typeface="Times New Roman" panose="02020603050405020304" pitchFamily="18" charset="0"/>
-              </a:rPr>
-              <a:t>được</a:t>
-            </a:r>
-            <a:r>
-              <a:rPr lang="en-US" dirty="0">
-                <a:solidFill>
-                  <a:schemeClr val="tx1"/>
-                </a:solidFill>
-                <a:latin typeface="Times New Roman" panose="02020603050405020304" pitchFamily="18" charset="0"/>
-                <a:cs typeface="Times New Roman" panose="02020603050405020304" pitchFamily="18" charset="0"/>
-              </a:rPr>
-              <a:t> </a:t>
-            </a:r>
-            <a:r>
-              <a:rPr lang="en-US" dirty="0" err="1">
-                <a:solidFill>
-                  <a:schemeClr val="tx1"/>
-                </a:solidFill>
-                <a:latin typeface="Times New Roman" panose="02020603050405020304" pitchFamily="18" charset="0"/>
-                <a:cs typeface="Times New Roman" panose="02020603050405020304" pitchFamily="18" charset="0"/>
-              </a:rPr>
-              <a:t>cung</a:t>
-            </a:r>
-            <a:r>
-              <a:rPr lang="en-US" dirty="0">
-                <a:solidFill>
-                  <a:schemeClr val="tx1"/>
-                </a:solidFill>
-                <a:latin typeface="Times New Roman" panose="02020603050405020304" pitchFamily="18" charset="0"/>
-                <a:cs typeface="Times New Roman" panose="02020603050405020304" pitchFamily="18" charset="0"/>
-              </a:rPr>
-              <a:t> </a:t>
-            </a:r>
-            <a:r>
-              <a:rPr lang="en-US" dirty="0" err="1">
-                <a:solidFill>
-                  <a:schemeClr val="tx1"/>
-                </a:solidFill>
-                <a:latin typeface="Times New Roman" panose="02020603050405020304" pitchFamily="18" charset="0"/>
-                <a:cs typeface="Times New Roman" panose="02020603050405020304" pitchFamily="18" charset="0"/>
-              </a:rPr>
-              <a:t>cấp</a:t>
+              <a:rPr lang="en-US" dirty="0" err="1">
+                <a:solidFill>
+                  <a:schemeClr val="tx1"/>
+                </a:solidFill>
+                <a:latin typeface="Times New Roman" panose="02020603050405020304" pitchFamily="18" charset="0"/>
+                <a:cs typeface="Times New Roman" panose="02020603050405020304" pitchFamily="18" charset="0"/>
+              </a:rPr>
+              <a:t>Số</a:t>
+            </a:r>
+            <a:r>
+              <a:rPr lang="en-US" dirty="0">
+                <a:solidFill>
+                  <a:schemeClr val="tx1"/>
+                </a:solidFill>
+                <a:latin typeface="Times New Roman" panose="02020603050405020304" pitchFamily="18" charset="0"/>
+                <a:cs typeface="Times New Roman" panose="02020603050405020304" pitchFamily="18" charset="0"/>
+              </a:rPr>
+              <a:t> </a:t>
+            </a:r>
+            <a:r>
+              <a:rPr lang="en-US" dirty="0" err="1">
+                <a:solidFill>
+                  <a:schemeClr val="tx1"/>
+                </a:solidFill>
+                <a:latin typeface="Times New Roman" panose="02020603050405020304" pitchFamily="18" charset="0"/>
+                <a:cs typeface="Times New Roman" panose="02020603050405020304" pitchFamily="18" charset="0"/>
+              </a:rPr>
+              <a:t>lượng</a:t>
+            </a:r>
+            <a:r>
+              <a:rPr lang="en-US" dirty="0">
+                <a:solidFill>
+                  <a:schemeClr val="tx1"/>
+                </a:solidFill>
+                <a:latin typeface="Times New Roman" panose="02020603050405020304" pitchFamily="18" charset="0"/>
+                <a:cs typeface="Times New Roman" panose="02020603050405020304" pitchFamily="18" charset="0"/>
+              </a:rPr>
+              <a:t> </a:t>
+            </a:r>
+            <a:r>
+              <a:rPr lang="en-US" dirty="0" err="1">
+                <a:solidFill>
+                  <a:schemeClr val="tx1"/>
+                </a:solidFill>
+                <a:latin typeface="Times New Roman" panose="02020603050405020304" pitchFamily="18" charset="0"/>
+                <a:cs typeface="Times New Roman" panose="02020603050405020304" pitchFamily="18" charset="0"/>
+              </a:rPr>
+              <a:t>ảnh</a:t>
             </a:r>
             <a:r>
               <a:rPr lang="en-US" dirty="0">
@@ -14558,27 +15696,7 @@
                 <a:latin typeface="Times New Roman" panose="02020603050405020304" pitchFamily="18" charset="0"/>
                 <a:cs typeface="Times New Roman" panose="02020603050405020304" pitchFamily="18" charset="0"/>
               </a:rPr>
-              <a:t> 12 GB, dung </a:t>
-            </a:r>
-            <a:r>
-              <a:rPr lang="en-US" dirty="0" err="1">
-                <a:solidFill>
-                  <a:schemeClr val="tx1"/>
-                </a:solidFill>
-                <a:latin typeface="Times New Roman" panose="02020603050405020304" pitchFamily="18" charset="0"/>
-                <a:cs typeface="Times New Roman" panose="02020603050405020304" pitchFamily="18" charset="0"/>
-              </a:rPr>
-              <a:t>lượng</a:t>
-            </a:r>
-            <a:r>
-              <a:rPr lang="en-US" dirty="0">
-                <a:solidFill>
-                  <a:schemeClr val="tx1"/>
-                </a:solidFill>
-                <a:latin typeface="Times New Roman" panose="02020603050405020304" pitchFamily="18" charset="0"/>
-                <a:cs typeface="Times New Roman" panose="02020603050405020304" pitchFamily="18" charset="0"/>
-              </a:rPr>
-              <a:t> disk 358.27 GB</a:t>
+              <a:t> 50.015 ( 29,113 top + 20,902 bottom) </a:t>
             </a:r>
           </a:p>
           <a:p>
@@ -14592,7 +15710,7 @@
               <a:spcAft>
                 <a:spcPts val="800"/>
               </a:spcAft>
-              <a:buFontTx/>
+              <a:buFont typeface="Times New Roman" panose="02020603050405020304" pitchFamily="18" charset="0"/>
               <a:buChar char="‒"/>
             </a:pPr>
             <a:r>
@@ -14603,685 +15721,201 @@
                 <a:latin typeface="Times New Roman" panose="02020603050405020304" pitchFamily="18" charset="0"/>
                 <a:cs typeface="Times New Roman" panose="02020603050405020304" pitchFamily="18" charset="0"/>
               </a:rPr>
-              <a:t>Thực</a:t>
-            </a:r>
-            <a:r>
-              <a:rPr lang="en-US" dirty="0">
-                <a:solidFill>
-                  <a:schemeClr val="tx1"/>
-                </a:solidFill>
-                <a:latin typeface="Times New Roman" panose="02020603050405020304" pitchFamily="18" charset="0"/>
-                <a:cs typeface="Times New Roman" panose="02020603050405020304" pitchFamily="18" charset="0"/>
-              </a:rPr>
-              <a:t> </a:t>
-            </a:r>
-            <a:r>
-              <a:rPr lang="en-US" dirty="0" err="1">
-                <a:solidFill>
-                  <a:schemeClr val="tx1"/>
-                </a:solidFill>
-                <a:latin typeface="Times New Roman" panose="02020603050405020304" pitchFamily="18" charset="0"/>
-                <a:cs typeface="Times New Roman" panose="02020603050405020304" pitchFamily="18" charset="0"/>
-              </a:rPr>
-              <a:t>hiện</a:t>
-            </a:r>
-            <a:r>
-              <a:rPr lang="en-US" dirty="0">
-                <a:solidFill>
-                  <a:schemeClr val="tx1"/>
-                </a:solidFill>
-                <a:latin typeface="Times New Roman" panose="02020603050405020304" pitchFamily="18" charset="0"/>
-                <a:cs typeface="Times New Roman" panose="02020603050405020304" pitchFamily="18" charset="0"/>
-              </a:rPr>
-              <a:t> </a:t>
-            </a:r>
-            <a:r>
-              <a:rPr lang="en-US" dirty="0" err="1">
-                <a:solidFill>
-                  <a:schemeClr val="tx1"/>
-                </a:solidFill>
-                <a:latin typeface="Times New Roman" panose="02020603050405020304" pitchFamily="18" charset="0"/>
-                <a:cs typeface="Times New Roman" panose="02020603050405020304" pitchFamily="18" charset="0"/>
-              </a:rPr>
-              <a:t>huấn</a:t>
-            </a:r>
-            <a:r>
-              <a:rPr lang="en-US" dirty="0">
-                <a:solidFill>
-                  <a:schemeClr val="tx1"/>
-                </a:solidFill>
-                <a:latin typeface="Times New Roman" panose="02020603050405020304" pitchFamily="18" charset="0"/>
-                <a:cs typeface="Times New Roman" panose="02020603050405020304" pitchFamily="18" charset="0"/>
-              </a:rPr>
-              <a:t> </a:t>
-            </a:r>
-            <a:r>
-              <a:rPr lang="en-US" dirty="0" err="1">
-                <a:solidFill>
-                  <a:schemeClr val="tx1"/>
-                </a:solidFill>
-                <a:latin typeface="Times New Roman" panose="02020603050405020304" pitchFamily="18" charset="0"/>
-                <a:cs typeface="Times New Roman" panose="02020603050405020304" pitchFamily="18" charset="0"/>
-              </a:rPr>
-              <a:t>luyện</a:t>
-            </a:r>
-            <a:r>
-              <a:rPr lang="en-US" dirty="0">
-                <a:solidFill>
-                  <a:schemeClr val="tx1"/>
-                </a:solidFill>
-                <a:latin typeface="Times New Roman" panose="02020603050405020304" pitchFamily="18" charset="0"/>
-                <a:cs typeface="Times New Roman" panose="02020603050405020304" pitchFamily="18" charset="0"/>
-              </a:rPr>
-              <a:t> </a:t>
-            </a:r>
-            <a:r>
-              <a:rPr lang="en-US" dirty="0" err="1">
-                <a:solidFill>
-                  <a:schemeClr val="tx1"/>
-                </a:solidFill>
-                <a:latin typeface="Times New Roman" panose="02020603050405020304" pitchFamily="18" charset="0"/>
-                <a:cs typeface="Times New Roman" panose="02020603050405020304" pitchFamily="18" charset="0"/>
-              </a:rPr>
-              <a:t>mô</a:t>
-            </a:r>
-            <a:r>
-              <a:rPr lang="en-US" dirty="0">
-                <a:solidFill>
-                  <a:schemeClr val="tx1"/>
-                </a:solidFill>
-                <a:latin typeface="Times New Roman" panose="02020603050405020304" pitchFamily="18" charset="0"/>
-                <a:cs typeface="Times New Roman" panose="02020603050405020304" pitchFamily="18" charset="0"/>
-              </a:rPr>
-              <a:t> </a:t>
-            </a:r>
-            <a:r>
-              <a:rPr lang="en-US" dirty="0" err="1">
-                <a:solidFill>
-                  <a:schemeClr val="tx1"/>
-                </a:solidFill>
-                <a:latin typeface="Times New Roman" panose="02020603050405020304" pitchFamily="18" charset="0"/>
-                <a:cs typeface="Times New Roman" panose="02020603050405020304" pitchFamily="18" charset="0"/>
-              </a:rPr>
-              <a:t>hình</a:t>
-            </a:r>
-            <a:r>
-              <a:rPr lang="en-US" dirty="0">
-                <a:solidFill>
-                  <a:schemeClr val="tx1"/>
-                </a:solidFill>
-                <a:latin typeface="Times New Roman" panose="02020603050405020304" pitchFamily="18" charset="0"/>
-                <a:cs typeface="Times New Roman" panose="02020603050405020304" pitchFamily="18" charset="0"/>
-              </a:rPr>
-              <a:t> </a:t>
-            </a:r>
-            <a:r>
-              <a:rPr lang="en-US" dirty="0" err="1">
-                <a:solidFill>
-                  <a:schemeClr val="tx1"/>
-                </a:solidFill>
-                <a:latin typeface="Times New Roman" panose="02020603050405020304" pitchFamily="18" charset="0"/>
-                <a:cs typeface="Times New Roman" panose="02020603050405020304" pitchFamily="18" charset="0"/>
-              </a:rPr>
-              <a:t>và</a:t>
-            </a:r>
-            <a:r>
-              <a:rPr lang="en-US" dirty="0">
-                <a:solidFill>
-                  <a:schemeClr val="tx1"/>
-                </a:solidFill>
-                <a:latin typeface="Times New Roman" panose="02020603050405020304" pitchFamily="18" charset="0"/>
-                <a:cs typeface="Times New Roman" panose="02020603050405020304" pitchFamily="18" charset="0"/>
-              </a:rPr>
-              <a:t> </a:t>
-            </a:r>
-            <a:r>
-              <a:rPr lang="en-US" dirty="0" err="1">
-                <a:solidFill>
-                  <a:schemeClr val="tx1"/>
-                </a:solidFill>
-                <a:latin typeface="Times New Roman" panose="02020603050405020304" pitchFamily="18" charset="0"/>
-                <a:cs typeface="Times New Roman" panose="02020603050405020304" pitchFamily="18" charset="0"/>
-              </a:rPr>
-              <a:t>chạy</a:t>
-            </a:r>
-            <a:r>
-              <a:rPr lang="en-US" dirty="0">
-                <a:solidFill>
-                  <a:schemeClr val="tx1"/>
-                </a:solidFill>
-                <a:latin typeface="Times New Roman" panose="02020603050405020304" pitchFamily="18" charset="0"/>
-                <a:cs typeface="Times New Roman" panose="02020603050405020304" pitchFamily="18" charset="0"/>
-              </a:rPr>
-              <a:t> </a:t>
-            </a:r>
-            <a:r>
-              <a:rPr lang="en-US" dirty="0" err="1">
-                <a:solidFill>
-                  <a:schemeClr val="tx1"/>
-                </a:solidFill>
-                <a:latin typeface="Times New Roman" panose="02020603050405020304" pitchFamily="18" charset="0"/>
-                <a:cs typeface="Times New Roman" panose="02020603050405020304" pitchFamily="18" charset="0"/>
-              </a:rPr>
-              <a:t>đánh</a:t>
-            </a:r>
-            <a:r>
-              <a:rPr lang="en-US" dirty="0">
-                <a:solidFill>
-                  <a:schemeClr val="tx1"/>
-                </a:solidFill>
-                <a:latin typeface="Times New Roman" panose="02020603050405020304" pitchFamily="18" charset="0"/>
-                <a:cs typeface="Times New Roman" panose="02020603050405020304" pitchFamily="18" charset="0"/>
-              </a:rPr>
-              <a:t> </a:t>
-            </a:r>
-            <a:r>
-              <a:rPr lang="en-US" dirty="0" err="1">
-                <a:solidFill>
-                  <a:schemeClr val="tx1"/>
-                </a:solidFill>
-                <a:latin typeface="Times New Roman" panose="02020603050405020304" pitchFamily="18" charset="0"/>
-                <a:cs typeface="Times New Roman" panose="02020603050405020304" pitchFamily="18" charset="0"/>
-              </a:rPr>
-              <a:t>giá</a:t>
-            </a:r>
-            <a:r>
-              <a:rPr lang="en-US" dirty="0">
-                <a:solidFill>
-                  <a:schemeClr val="tx1"/>
-                </a:solidFill>
-                <a:latin typeface="Times New Roman" panose="02020603050405020304" pitchFamily="18" charset="0"/>
-                <a:cs typeface="Times New Roman" panose="02020603050405020304" pitchFamily="18" charset="0"/>
-              </a:rPr>
-              <a:t> </a:t>
-            </a:r>
-            <a:r>
-              <a:rPr lang="en-US" dirty="0" err="1">
-                <a:solidFill>
-                  <a:schemeClr val="tx1"/>
-                </a:solidFill>
-                <a:latin typeface="Times New Roman" panose="02020603050405020304" pitchFamily="18" charset="0"/>
-                <a:cs typeface="Times New Roman" panose="02020603050405020304" pitchFamily="18" charset="0"/>
-              </a:rPr>
-              <a:t>với</a:t>
-            </a:r>
-            <a:r>
-              <a:rPr lang="en-US" dirty="0">
-                <a:solidFill>
-                  <a:schemeClr val="tx1"/>
-                </a:solidFill>
-                <a:latin typeface="Times New Roman" panose="02020603050405020304" pitchFamily="18" charset="0"/>
-                <a:cs typeface="Times New Roman" panose="02020603050405020304" pitchFamily="18" charset="0"/>
-              </a:rPr>
-              <a:t> 5 epochs. </a:t>
-            </a:r>
-            <a:r>
-              <a:rPr lang="en-US" dirty="0" err="1">
-                <a:solidFill>
-                  <a:schemeClr val="tx1"/>
-                </a:solidFill>
-                <a:latin typeface="Times New Roman" panose="02020603050405020304" pitchFamily="18" charset="0"/>
-                <a:cs typeface="Times New Roman" panose="02020603050405020304" pitchFamily="18" charset="0"/>
-              </a:rPr>
-              <a:t>Cấu</a:t>
-            </a:r>
-            <a:r>
-              <a:rPr lang="en-US" dirty="0">
-                <a:solidFill>
-                  <a:schemeClr val="tx1"/>
-                </a:solidFill>
-                <a:latin typeface="Times New Roman" panose="02020603050405020304" pitchFamily="18" charset="0"/>
-                <a:cs typeface="Times New Roman" panose="02020603050405020304" pitchFamily="18" charset="0"/>
-              </a:rPr>
-              <a:t> </a:t>
-            </a:r>
-            <a:r>
-              <a:rPr lang="en-US" dirty="0" err="1">
-                <a:solidFill>
-                  <a:schemeClr val="tx1"/>
-                </a:solidFill>
-                <a:latin typeface="Times New Roman" panose="02020603050405020304" pitchFamily="18" charset="0"/>
-                <a:cs typeface="Times New Roman" panose="02020603050405020304" pitchFamily="18" charset="0"/>
-              </a:rPr>
-              <a:t>hình</a:t>
-            </a:r>
-            <a:r>
-              <a:rPr lang="en-US" dirty="0">
-                <a:solidFill>
-                  <a:schemeClr val="tx1"/>
-                </a:solidFill>
-                <a:latin typeface="Times New Roman" panose="02020603050405020304" pitchFamily="18" charset="0"/>
-                <a:cs typeface="Times New Roman" panose="02020603050405020304" pitchFamily="18" charset="0"/>
-              </a:rPr>
-              <a:t> </a:t>
-            </a:r>
-            <a:r>
-              <a:rPr lang="en-US" dirty="0" err="1">
-                <a:solidFill>
-                  <a:schemeClr val="tx1"/>
-                </a:solidFill>
-                <a:latin typeface="Times New Roman" panose="02020603050405020304" pitchFamily="18" charset="0"/>
-                <a:cs typeface="Times New Roman" panose="02020603050405020304" pitchFamily="18" charset="0"/>
-              </a:rPr>
-              <a:t>máy</a:t>
-            </a:r>
-            <a:r>
-              <a:rPr lang="en-US" dirty="0">
-                <a:solidFill>
-                  <a:schemeClr val="tx1"/>
-                </a:solidFill>
-                <a:latin typeface="Times New Roman" panose="02020603050405020304" pitchFamily="18" charset="0"/>
-                <a:cs typeface="Times New Roman" panose="02020603050405020304" pitchFamily="18" charset="0"/>
-              </a:rPr>
-              <a:t> </a:t>
-            </a:r>
-            <a:r>
-              <a:rPr lang="en-US" dirty="0" err="1">
-                <a:solidFill>
-                  <a:schemeClr val="tx1"/>
-                </a:solidFill>
-                <a:latin typeface="Times New Roman" panose="02020603050405020304" pitchFamily="18" charset="0"/>
-                <a:cs typeface="Times New Roman" panose="02020603050405020304" pitchFamily="18" charset="0"/>
-              </a:rPr>
-              <a:t>chủ</a:t>
-            </a:r>
-            <a:r>
-              <a:rPr lang="en-US" dirty="0">
-                <a:solidFill>
-                  <a:schemeClr val="tx1"/>
-                </a:solidFill>
-                <a:latin typeface="Times New Roman" panose="02020603050405020304" pitchFamily="18" charset="0"/>
-                <a:cs typeface="Times New Roman" panose="02020603050405020304" pitchFamily="18" charset="0"/>
-              </a:rPr>
-              <a:t> </a:t>
-            </a:r>
-            <a:r>
-              <a:rPr lang="en-US" dirty="0" err="1">
-                <a:solidFill>
-                  <a:schemeClr val="tx1"/>
-                </a:solidFill>
-                <a:latin typeface="Times New Roman" panose="02020603050405020304" pitchFamily="18" charset="0"/>
-                <a:cs typeface="Times New Roman" panose="02020603050405020304" pitchFamily="18" charset="0"/>
-              </a:rPr>
-              <a:t>như</a:t>
-            </a:r>
-            <a:r>
-              <a:rPr lang="en-US" dirty="0">
-                <a:solidFill>
-                  <a:schemeClr val="tx1"/>
-                </a:solidFill>
-                <a:latin typeface="Times New Roman" panose="02020603050405020304" pitchFamily="18" charset="0"/>
-                <a:cs typeface="Times New Roman" panose="02020603050405020304" pitchFamily="18" charset="0"/>
-              </a:rPr>
-              <a:t> </a:t>
-            </a:r>
-            <a:r>
-              <a:rPr lang="en-US" dirty="0" err="1">
-                <a:solidFill>
-                  <a:schemeClr val="tx1"/>
-                </a:solidFill>
-                <a:latin typeface="Times New Roman" panose="02020603050405020304" pitchFamily="18" charset="0"/>
-                <a:cs typeface="Times New Roman" panose="02020603050405020304" pitchFamily="18" charset="0"/>
-              </a:rPr>
-              <a:t>trên</a:t>
-            </a:r>
-            <a:r>
-              <a:rPr lang="en-US" dirty="0">
-                <a:solidFill>
-                  <a:schemeClr val="tx1"/>
-                </a:solidFill>
-                <a:latin typeface="Times New Roman" panose="02020603050405020304" pitchFamily="18" charset="0"/>
-                <a:cs typeface="Times New Roman" panose="02020603050405020304" pitchFamily="18" charset="0"/>
-              </a:rPr>
-              <a:t>, </a:t>
-            </a:r>
-            <a:r>
-              <a:rPr lang="en-US" dirty="0" err="1">
-                <a:solidFill>
-                  <a:schemeClr val="tx1"/>
-                </a:solidFill>
-                <a:latin typeface="Times New Roman" panose="02020603050405020304" pitchFamily="18" charset="0"/>
-                <a:cs typeface="Times New Roman" panose="02020603050405020304" pitchFamily="18" charset="0"/>
-              </a:rPr>
-              <a:t>thời</a:t>
-            </a:r>
-            <a:r>
-              <a:rPr lang="en-US" dirty="0">
-                <a:solidFill>
-                  <a:schemeClr val="tx1"/>
-                </a:solidFill>
-                <a:latin typeface="Times New Roman" panose="02020603050405020304" pitchFamily="18" charset="0"/>
-                <a:cs typeface="Times New Roman" panose="02020603050405020304" pitchFamily="18" charset="0"/>
-              </a:rPr>
-              <a:t> </a:t>
-            </a:r>
-            <a:r>
-              <a:rPr lang="en-US" dirty="0" err="1">
-                <a:solidFill>
-                  <a:schemeClr val="tx1"/>
-                </a:solidFill>
-                <a:latin typeface="Times New Roman" panose="02020603050405020304" pitchFamily="18" charset="0"/>
-                <a:cs typeface="Times New Roman" panose="02020603050405020304" pitchFamily="18" charset="0"/>
-              </a:rPr>
-              <a:t>gian</a:t>
-            </a:r>
-            <a:r>
-              <a:rPr lang="en-US" dirty="0">
-                <a:solidFill>
-                  <a:schemeClr val="tx1"/>
-                </a:solidFill>
-                <a:latin typeface="Times New Roman" panose="02020603050405020304" pitchFamily="18" charset="0"/>
-                <a:cs typeface="Times New Roman" panose="02020603050405020304" pitchFamily="18" charset="0"/>
-              </a:rPr>
-              <a:t> </a:t>
-            </a:r>
-            <a:r>
-              <a:rPr lang="en-US" dirty="0" err="1">
-                <a:solidFill>
-                  <a:schemeClr val="tx1"/>
-                </a:solidFill>
-                <a:latin typeface="Times New Roman" panose="02020603050405020304" pitchFamily="18" charset="0"/>
-                <a:cs typeface="Times New Roman" panose="02020603050405020304" pitchFamily="18" charset="0"/>
-              </a:rPr>
-              <a:t>huấn</a:t>
-            </a:r>
-            <a:r>
-              <a:rPr lang="en-US" dirty="0">
-                <a:solidFill>
-                  <a:schemeClr val="tx1"/>
-                </a:solidFill>
-                <a:latin typeface="Times New Roman" panose="02020603050405020304" pitchFamily="18" charset="0"/>
-                <a:cs typeface="Times New Roman" panose="02020603050405020304" pitchFamily="18" charset="0"/>
-              </a:rPr>
-              <a:t> </a:t>
-            </a:r>
-            <a:r>
-              <a:rPr lang="en-US" dirty="0" err="1">
-                <a:solidFill>
-                  <a:schemeClr val="tx1"/>
-                </a:solidFill>
-                <a:latin typeface="Times New Roman" panose="02020603050405020304" pitchFamily="18" charset="0"/>
-                <a:cs typeface="Times New Roman" panose="02020603050405020304" pitchFamily="18" charset="0"/>
-              </a:rPr>
-              <a:t>luyện</a:t>
-            </a:r>
-            <a:r>
-              <a:rPr lang="en-US" dirty="0">
-                <a:solidFill>
-                  <a:schemeClr val="tx1"/>
-                </a:solidFill>
-                <a:latin typeface="Times New Roman" panose="02020603050405020304" pitchFamily="18" charset="0"/>
-                <a:cs typeface="Times New Roman" panose="02020603050405020304" pitchFamily="18" charset="0"/>
-              </a:rPr>
-              <a:t> </a:t>
-            </a:r>
-            <a:r>
-              <a:rPr lang="en-US" dirty="0" err="1">
-                <a:solidFill>
-                  <a:schemeClr val="tx1"/>
-                </a:solidFill>
-                <a:latin typeface="Times New Roman" panose="02020603050405020304" pitchFamily="18" charset="0"/>
-                <a:cs typeface="Times New Roman" panose="02020603050405020304" pitchFamily="18" charset="0"/>
-              </a:rPr>
-              <a:t>với</a:t>
-            </a:r>
-            <a:r>
-              <a:rPr lang="en-US" dirty="0">
-                <a:solidFill>
-                  <a:schemeClr val="tx1"/>
-                </a:solidFill>
-                <a:latin typeface="Times New Roman" panose="02020603050405020304" pitchFamily="18" charset="0"/>
-                <a:cs typeface="Times New Roman" panose="02020603050405020304" pitchFamily="18" charset="0"/>
-              </a:rPr>
-              <a:t> </a:t>
-            </a:r>
-            <a:r>
-              <a:rPr lang="en-US" dirty="0" err="1">
-                <a:solidFill>
-                  <a:schemeClr val="tx1"/>
-                </a:solidFill>
-                <a:latin typeface="Times New Roman" panose="02020603050405020304" pitchFamily="18" charset="0"/>
-                <a:cs typeface="Times New Roman" panose="02020603050405020304" pitchFamily="18" charset="0"/>
-              </a:rPr>
-              <a:t>mỗi</a:t>
-            </a:r>
-            <a:r>
-              <a:rPr lang="en-US" dirty="0">
-                <a:solidFill>
-                  <a:schemeClr val="tx1"/>
-                </a:solidFill>
-                <a:latin typeface="Times New Roman" panose="02020603050405020304" pitchFamily="18" charset="0"/>
-                <a:cs typeface="Times New Roman" panose="02020603050405020304" pitchFamily="18" charset="0"/>
-              </a:rPr>
-              <a:t> epoch </a:t>
-            </a:r>
-            <a:r>
-              <a:rPr lang="en-US" dirty="0" err="1">
-                <a:solidFill>
-                  <a:schemeClr val="tx1"/>
-                </a:solidFill>
-                <a:latin typeface="Times New Roman" panose="02020603050405020304" pitchFamily="18" charset="0"/>
-                <a:cs typeface="Times New Roman" panose="02020603050405020304" pitchFamily="18" charset="0"/>
-              </a:rPr>
-              <a:t>tương</a:t>
-            </a:r>
-            <a:r>
-              <a:rPr lang="en-US" dirty="0">
-                <a:solidFill>
-                  <a:schemeClr val="tx1"/>
-                </a:solidFill>
-                <a:latin typeface="Times New Roman" panose="02020603050405020304" pitchFamily="18" charset="0"/>
-                <a:cs typeface="Times New Roman" panose="02020603050405020304" pitchFamily="18" charset="0"/>
-              </a:rPr>
-              <a:t> </a:t>
-            </a:r>
-            <a:r>
-              <a:rPr lang="en-US" dirty="0" err="1">
-                <a:solidFill>
-                  <a:schemeClr val="tx1"/>
-                </a:solidFill>
-                <a:latin typeface="Times New Roman" panose="02020603050405020304" pitchFamily="18" charset="0"/>
-                <a:cs typeface="Times New Roman" panose="02020603050405020304" pitchFamily="18" charset="0"/>
-              </a:rPr>
-              <a:t>đương</a:t>
-            </a:r>
-            <a:r>
-              <a:rPr lang="en-US" dirty="0">
-                <a:solidFill>
-                  <a:schemeClr val="tx1"/>
-                </a:solidFill>
-                <a:latin typeface="Times New Roman" panose="02020603050405020304" pitchFamily="18" charset="0"/>
-                <a:cs typeface="Times New Roman" panose="02020603050405020304" pitchFamily="18" charset="0"/>
-              </a:rPr>
-              <a:t> 5 </a:t>
-            </a:r>
-            <a:r>
-              <a:rPr lang="en-US" dirty="0" err="1">
-                <a:solidFill>
-                  <a:schemeClr val="tx1"/>
-                </a:solidFill>
-                <a:latin typeface="Times New Roman" panose="02020603050405020304" pitchFamily="18" charset="0"/>
-                <a:cs typeface="Times New Roman" panose="02020603050405020304" pitchFamily="18" charset="0"/>
-              </a:rPr>
-              <a:t>giờ</a:t>
-            </a:r>
-            <a:r>
-              <a:rPr lang="en-US" dirty="0">
-                <a:solidFill>
-                  <a:schemeClr val="tx1"/>
-                </a:solidFill>
-                <a:latin typeface="Times New Roman" panose="02020603050405020304" pitchFamily="18" charset="0"/>
-                <a:cs typeface="Times New Roman" panose="02020603050405020304" pitchFamily="18" charset="0"/>
-              </a:rPr>
-              <a:t> 30 </a:t>
-            </a:r>
-            <a:r>
-              <a:rPr lang="en-US" dirty="0" err="1">
-                <a:solidFill>
-                  <a:schemeClr val="tx1"/>
-                </a:solidFill>
-                <a:latin typeface="Times New Roman" panose="02020603050405020304" pitchFamily="18" charset="0"/>
-                <a:cs typeface="Times New Roman" panose="02020603050405020304" pitchFamily="18" charset="0"/>
-              </a:rPr>
-              <a:t>phút</a:t>
-            </a:r>
-            <a:r>
-              <a:rPr lang="en-US" dirty="0">
-                <a:solidFill>
-                  <a:schemeClr val="tx1"/>
-                </a:solidFill>
-                <a:latin typeface="Times New Roman" panose="02020603050405020304" pitchFamily="18" charset="0"/>
-                <a:cs typeface="Times New Roman" panose="02020603050405020304" pitchFamily="18" charset="0"/>
-              </a:rPr>
-              <a:t> </a:t>
-            </a:r>
-            <a:r>
-              <a:rPr lang="en-US" dirty="0" err="1">
-                <a:solidFill>
-                  <a:schemeClr val="tx1"/>
-                </a:solidFill>
-                <a:latin typeface="Times New Roman" panose="02020603050405020304" pitchFamily="18" charset="0"/>
-                <a:cs typeface="Times New Roman" panose="02020603050405020304" pitchFamily="18" charset="0"/>
-              </a:rPr>
-              <a:t>với</a:t>
-            </a:r>
-            <a:r>
-              <a:rPr lang="en-US" dirty="0">
-                <a:solidFill>
-                  <a:schemeClr val="tx1"/>
-                </a:solidFill>
-                <a:latin typeface="Times New Roman" panose="02020603050405020304" pitchFamily="18" charset="0"/>
-                <a:cs typeface="Times New Roman" panose="02020603050405020304" pitchFamily="18" charset="0"/>
-              </a:rPr>
-              <a:t> </a:t>
-            </a:r>
-            <a:r>
-              <a:rPr lang="en-US" dirty="0" err="1">
-                <a:solidFill>
-                  <a:schemeClr val="tx1"/>
-                </a:solidFill>
-                <a:latin typeface="Times New Roman" panose="02020603050405020304" pitchFamily="18" charset="0"/>
-                <a:cs typeface="Times New Roman" panose="02020603050405020304" pitchFamily="18" charset="0"/>
-              </a:rPr>
-              <a:t>bộ</a:t>
-            </a:r>
-            <a:r>
-              <a:rPr lang="en-US" dirty="0">
-                <a:solidFill>
-                  <a:schemeClr val="tx1"/>
-                </a:solidFill>
-                <a:latin typeface="Times New Roman" panose="02020603050405020304" pitchFamily="18" charset="0"/>
-                <a:cs typeface="Times New Roman" panose="02020603050405020304" pitchFamily="18" charset="0"/>
-              </a:rPr>
-              <a:t> </a:t>
-            </a:r>
-            <a:r>
-              <a:rPr lang="en-US" dirty="0" err="1">
-                <a:solidFill>
-                  <a:schemeClr val="tx1"/>
-                </a:solidFill>
-                <a:latin typeface="Times New Roman" panose="02020603050405020304" pitchFamily="18" charset="0"/>
-                <a:cs typeface="Times New Roman" panose="02020603050405020304" pitchFamily="18" charset="0"/>
-              </a:rPr>
-              <a:t>dữ</a:t>
-            </a:r>
-            <a:r>
-              <a:rPr lang="en-US" dirty="0">
-                <a:solidFill>
-                  <a:schemeClr val="tx1"/>
-                </a:solidFill>
-                <a:latin typeface="Times New Roman" panose="02020603050405020304" pitchFamily="18" charset="0"/>
-                <a:cs typeface="Times New Roman" panose="02020603050405020304" pitchFamily="18" charset="0"/>
-              </a:rPr>
-              <a:t> </a:t>
-            </a:r>
-            <a:r>
-              <a:rPr lang="en-US" dirty="0" err="1">
-                <a:solidFill>
-                  <a:schemeClr val="tx1"/>
-                </a:solidFill>
-                <a:latin typeface="Times New Roman" panose="02020603050405020304" pitchFamily="18" charset="0"/>
-                <a:cs typeface="Times New Roman" panose="02020603050405020304" pitchFamily="18" charset="0"/>
-              </a:rPr>
-              <a:t>liệu</a:t>
-            </a:r>
-            <a:r>
-              <a:rPr lang="en-US" dirty="0">
-                <a:solidFill>
-                  <a:schemeClr val="tx1"/>
-                </a:solidFill>
-                <a:latin typeface="Times New Roman" panose="02020603050405020304" pitchFamily="18" charset="0"/>
-                <a:cs typeface="Times New Roman" panose="02020603050405020304" pitchFamily="18" charset="0"/>
-              </a:rPr>
-              <a:t> </a:t>
-            </a:r>
-            <a:r>
-              <a:rPr lang="en-US" dirty="0" err="1">
-                <a:solidFill>
-                  <a:schemeClr val="tx1"/>
-                </a:solidFill>
-                <a:latin typeface="Times New Roman" panose="02020603050405020304" pitchFamily="18" charset="0"/>
-                <a:cs typeface="Times New Roman" panose="02020603050405020304" pitchFamily="18" charset="0"/>
-              </a:rPr>
-              <a:t>được</a:t>
-            </a:r>
-            <a:r>
-              <a:rPr lang="en-US" dirty="0">
-                <a:solidFill>
-                  <a:schemeClr val="tx1"/>
-                </a:solidFill>
-                <a:latin typeface="Times New Roman" panose="02020603050405020304" pitchFamily="18" charset="0"/>
-                <a:cs typeface="Times New Roman" panose="02020603050405020304" pitchFamily="18" charset="0"/>
-              </a:rPr>
-              <a:t> </a:t>
-            </a:r>
-            <a:r>
-              <a:rPr lang="en-US" dirty="0" err="1">
-                <a:solidFill>
-                  <a:schemeClr val="tx1"/>
-                </a:solidFill>
-                <a:latin typeface="Times New Roman" panose="02020603050405020304" pitchFamily="18" charset="0"/>
-                <a:cs typeface="Times New Roman" panose="02020603050405020304" pitchFamily="18" charset="0"/>
-              </a:rPr>
-              <a:t>giới</a:t>
-            </a:r>
-            <a:r>
-              <a:rPr lang="en-US" dirty="0">
-                <a:solidFill>
-                  <a:schemeClr val="tx1"/>
-                </a:solidFill>
-                <a:latin typeface="Times New Roman" panose="02020603050405020304" pitchFamily="18" charset="0"/>
-                <a:cs typeface="Times New Roman" panose="02020603050405020304" pitchFamily="18" charset="0"/>
-              </a:rPr>
-              <a:t> </a:t>
-            </a:r>
-            <a:r>
-              <a:rPr lang="en-US" dirty="0" err="1">
-                <a:solidFill>
-                  <a:schemeClr val="tx1"/>
-                </a:solidFill>
-                <a:latin typeface="Times New Roman" panose="02020603050405020304" pitchFamily="18" charset="0"/>
-                <a:cs typeface="Times New Roman" panose="02020603050405020304" pitchFamily="18" charset="0"/>
-              </a:rPr>
-              <a:t>thiệu</a:t>
-            </a:r>
-            <a:r>
-              <a:rPr lang="en-US" dirty="0">
-                <a:solidFill>
-                  <a:schemeClr val="tx1"/>
-                </a:solidFill>
-                <a:latin typeface="Times New Roman" panose="02020603050405020304" pitchFamily="18" charset="0"/>
-                <a:cs typeface="Times New Roman" panose="02020603050405020304" pitchFamily="18" charset="0"/>
-              </a:rPr>
-              <a:t>.</a:t>
-            </a:r>
+              <a:t>Số</a:t>
+            </a:r>
+            <a:r>
+              <a:rPr lang="en-US" dirty="0">
+                <a:solidFill>
+                  <a:schemeClr val="tx1"/>
+                </a:solidFill>
+                <a:latin typeface="Times New Roman" panose="02020603050405020304" pitchFamily="18" charset="0"/>
+                <a:cs typeface="Times New Roman" panose="02020603050405020304" pitchFamily="18" charset="0"/>
+              </a:rPr>
+              <a:t> </a:t>
+            </a:r>
+            <a:r>
+              <a:rPr lang="en-US" dirty="0" err="1">
+                <a:solidFill>
+                  <a:schemeClr val="tx1"/>
+                </a:solidFill>
+                <a:latin typeface="Times New Roman" panose="02020603050405020304" pitchFamily="18" charset="0"/>
+                <a:cs typeface="Times New Roman" panose="02020603050405020304" pitchFamily="18" charset="0"/>
+              </a:rPr>
+              <a:t>lượng</a:t>
+            </a:r>
+            <a:r>
+              <a:rPr lang="en-US" dirty="0">
+                <a:solidFill>
+                  <a:schemeClr val="tx1"/>
+                </a:solidFill>
+                <a:latin typeface="Times New Roman" panose="02020603050405020304" pitchFamily="18" charset="0"/>
+                <a:cs typeface="Times New Roman" panose="02020603050405020304" pitchFamily="18" charset="0"/>
+              </a:rPr>
+              <a:t> </a:t>
+            </a:r>
+            <a:r>
+              <a:rPr lang="en-US" dirty="0" err="1">
+                <a:solidFill>
+                  <a:schemeClr val="tx1"/>
+                </a:solidFill>
+                <a:latin typeface="Times New Roman" panose="02020603050405020304" pitchFamily="18" charset="0"/>
+                <a:cs typeface="Times New Roman" panose="02020603050405020304" pitchFamily="18" charset="0"/>
+              </a:rPr>
+              <a:t>cặp</a:t>
+            </a:r>
+            <a:r>
+              <a:rPr lang="en-US" dirty="0">
+                <a:solidFill>
+                  <a:schemeClr val="tx1"/>
+                </a:solidFill>
+                <a:latin typeface="Times New Roman" panose="02020603050405020304" pitchFamily="18" charset="0"/>
+                <a:cs typeface="Times New Roman" panose="02020603050405020304" pitchFamily="18" charset="0"/>
+              </a:rPr>
+              <a:t> </a:t>
+            </a:r>
+            <a:r>
+              <a:rPr lang="en-US" dirty="0" err="1">
+                <a:solidFill>
+                  <a:schemeClr val="tx1"/>
+                </a:solidFill>
+                <a:latin typeface="Times New Roman" panose="02020603050405020304" pitchFamily="18" charset="0"/>
+                <a:cs typeface="Times New Roman" panose="02020603050405020304" pitchFamily="18" charset="0"/>
+              </a:rPr>
+              <a:t>ảnh</a:t>
+            </a:r>
+            <a:r>
+              <a:rPr lang="en-US" dirty="0">
+                <a:solidFill>
+                  <a:schemeClr val="tx1"/>
+                </a:solidFill>
+                <a:latin typeface="Times New Roman" panose="02020603050405020304" pitchFamily="18" charset="0"/>
+                <a:cs typeface="Times New Roman" panose="02020603050405020304" pitchFamily="18" charset="0"/>
+              </a:rPr>
+              <a:t> </a:t>
+            </a:r>
+            <a:r>
+              <a:rPr lang="en-US" dirty="0" err="1">
+                <a:solidFill>
+                  <a:schemeClr val="tx1"/>
+                </a:solidFill>
+                <a:latin typeface="Times New Roman" panose="02020603050405020304" pitchFamily="18" charset="0"/>
+                <a:cs typeface="Times New Roman" panose="02020603050405020304" pitchFamily="18" charset="0"/>
+              </a:rPr>
+              <a:t>trang</a:t>
+            </a:r>
+            <a:r>
+              <a:rPr lang="en-US" dirty="0">
+                <a:solidFill>
+                  <a:schemeClr val="tx1"/>
+                </a:solidFill>
+                <a:latin typeface="Times New Roman" panose="02020603050405020304" pitchFamily="18" charset="0"/>
+                <a:cs typeface="Times New Roman" panose="02020603050405020304" pitchFamily="18" charset="0"/>
+              </a:rPr>
+              <a:t> </a:t>
+            </a:r>
+            <a:r>
+              <a:rPr lang="en-US" dirty="0" err="1">
+                <a:solidFill>
+                  <a:schemeClr val="tx1"/>
+                </a:solidFill>
+                <a:latin typeface="Times New Roman" panose="02020603050405020304" pitchFamily="18" charset="0"/>
+                <a:cs typeface="Times New Roman" panose="02020603050405020304" pitchFamily="18" charset="0"/>
+              </a:rPr>
+              <a:t>phục</a:t>
+            </a:r>
+            <a:r>
+              <a:rPr lang="en-US" dirty="0">
+                <a:solidFill>
+                  <a:schemeClr val="tx1"/>
+                </a:solidFill>
+                <a:latin typeface="Times New Roman" panose="02020603050405020304" pitchFamily="18" charset="0"/>
+                <a:cs typeface="Times New Roman" panose="02020603050405020304" pitchFamily="18" charset="0"/>
+              </a:rPr>
+              <a:t> </a:t>
+            </a:r>
+            <a:r>
+              <a:rPr lang="en-US" dirty="0" err="1">
+                <a:solidFill>
+                  <a:schemeClr val="tx1"/>
+                </a:solidFill>
+                <a:latin typeface="Times New Roman" panose="02020603050405020304" pitchFamily="18" charset="0"/>
+                <a:cs typeface="Times New Roman" panose="02020603050405020304" pitchFamily="18" charset="0"/>
+              </a:rPr>
+              <a:t>là</a:t>
+            </a:r>
+            <a:r>
+              <a:rPr lang="en-US" dirty="0">
+                <a:solidFill>
+                  <a:schemeClr val="tx1"/>
+                </a:solidFill>
+                <a:latin typeface="Times New Roman" panose="02020603050405020304" pitchFamily="18" charset="0"/>
+                <a:cs typeface="Times New Roman" panose="02020603050405020304" pitchFamily="18" charset="0"/>
+              </a:rPr>
+              <a:t> 200.745 </a:t>
+            </a:r>
+            <a:r>
+              <a:rPr lang="en-US" dirty="0" err="1">
+                <a:solidFill>
+                  <a:schemeClr val="tx1"/>
+                </a:solidFill>
+                <a:latin typeface="Times New Roman" panose="02020603050405020304" pitchFamily="18" charset="0"/>
+                <a:cs typeface="Times New Roman" panose="02020603050405020304" pitchFamily="18" charset="0"/>
+              </a:rPr>
+              <a:t>cặp</a:t>
+            </a:r>
+            <a:r>
+              <a:rPr lang="en-US" dirty="0">
+                <a:solidFill>
+                  <a:schemeClr val="tx1"/>
+                </a:solidFill>
+                <a:latin typeface="Times New Roman" panose="02020603050405020304" pitchFamily="18" charset="0"/>
+                <a:cs typeface="Times New Roman" panose="02020603050405020304" pitchFamily="18" charset="0"/>
+              </a:rPr>
+              <a:t>. </a:t>
+            </a:r>
+          </a:p>
+          <a:p>
+            <a:endParaRPr lang="en-US" dirty="0" smtClean="0">
+              <a:latin typeface="Times New Roman" panose="02020603050405020304" pitchFamily="18" charset="0"/>
+              <a:cs typeface="Times New Roman" panose="02020603050405020304" pitchFamily="18" charset="0"/>
+            </a:endParaRPr>
+          </a:p>
+          <a:p>
+            <a:endParaRPr lang="en-US" dirty="0">
+              <a:latin typeface="Times New Roman" panose="02020603050405020304" pitchFamily="18" charset="0"/>
+              <a:cs typeface="Times New Roman" panose="02020603050405020304" pitchFamily="18" charset="0"/>
+            </a:endParaRPr>
           </a:p>
         </p:txBody>
       </p:sp>
+      <p:pic>
+        <p:nvPicPr>
+          <p:cNvPr id="5" name="Picture 4"/>
+          <p:cNvPicPr>
+            <a:picLocks noChangeAspect="1"/>
+          </p:cNvPicPr>
+          <p:nvPr/>
+        </p:nvPicPr>
+        <p:blipFill>
+          <a:blip r:embed="rId2"/>
+          <a:stretch>
+            <a:fillRect/>
+          </a:stretch>
+        </p:blipFill>
+        <p:spPr>
+          <a:xfrm>
+            <a:off x="1739414" y="1930400"/>
+            <a:ext cx="5991967" cy="3010504"/>
+          </a:xfrm>
+          <a:prstGeom prst="rect">
+            <a:avLst/>
+          </a:prstGeom>
+        </p:spPr>
+      </p:pic>
     </p:spTree>
     <p:extLst>
       <p:ext uri="{BB962C8B-B14F-4D97-AF65-F5344CB8AC3E}">
-        <p14:creationId xmlns:p14="http://schemas.microsoft.com/office/powerpoint/2010/main" val="4118997925"/>
+        <p14:creationId xmlns:p14="http://schemas.microsoft.com/office/powerpoint/2010/main" val="1338703989"/>
       </p:ext>
     </p:extLst>
   </p:cSld>
